--- a/docu/mejoras/slides.pptx
+++ b/docu/mejoras/slides.pptx
@@ -7,6 +7,8 @@
   <p:sldIdLst>
     <p:sldId id="256" r:id="rId2"/>
     <p:sldId id="259" r:id="rId3"/>
+    <p:sldId id="261" r:id="rId4"/>
+    <p:sldId id="262" r:id="rId5"/>
   </p:sldIdLst>
   <p:sldSz cx="12192000" cy="6858000"/>
   <p:notesSz cx="6858000" cy="9144000"/>
@@ -105,6 +107,11 @@
       </a:defRPr>
     </a:lvl9pPr>
   </p:defaultTextStyle>
+  <p:extLst>
+    <p:ext uri="{EFAFB233-063F-42B5-8137-9DF3F51BA10A}">
+      <p15:sldGuideLst xmlns:p15="http://schemas.microsoft.com/office/powerpoint/2012/main"/>
+    </p:ext>
+  </p:extLst>
 </p:presentation>
 </file>
 
@@ -255,7 +262,7 @@
           <a:p>
             <a:fld id="{5DDF0DDE-38FC-4D9A-AACF-FC967813EFBA}" type="datetimeFigureOut">
               <a:rPr lang="en-US" smtClean="0"/>
-              <a:t>4/4/2024</a:t>
+              <a:t>4/11/2024</a:t>
             </a:fld>
             <a:endParaRPr lang="en-US"/>
           </a:p>
@@ -453,7 +460,7 @@
           <a:p>
             <a:fld id="{5DDF0DDE-38FC-4D9A-AACF-FC967813EFBA}" type="datetimeFigureOut">
               <a:rPr lang="en-US" smtClean="0"/>
-              <a:t>4/4/2024</a:t>
+              <a:t>4/11/2024</a:t>
             </a:fld>
             <a:endParaRPr lang="en-US"/>
           </a:p>
@@ -661,7 +668,7 @@
           <a:p>
             <a:fld id="{5DDF0DDE-38FC-4D9A-AACF-FC967813EFBA}" type="datetimeFigureOut">
               <a:rPr lang="en-US" smtClean="0"/>
-              <a:t>4/4/2024</a:t>
+              <a:t>4/11/2024</a:t>
             </a:fld>
             <a:endParaRPr lang="en-US"/>
           </a:p>
@@ -859,7 +866,7 @@
           <a:p>
             <a:fld id="{5DDF0DDE-38FC-4D9A-AACF-FC967813EFBA}" type="datetimeFigureOut">
               <a:rPr lang="en-US" smtClean="0"/>
-              <a:t>4/4/2024</a:t>
+              <a:t>4/11/2024</a:t>
             </a:fld>
             <a:endParaRPr lang="en-US"/>
           </a:p>
@@ -1134,7 +1141,7 @@
           <a:p>
             <a:fld id="{5DDF0DDE-38FC-4D9A-AACF-FC967813EFBA}" type="datetimeFigureOut">
               <a:rPr lang="en-US" smtClean="0"/>
-              <a:t>4/4/2024</a:t>
+              <a:t>4/11/2024</a:t>
             </a:fld>
             <a:endParaRPr lang="en-US"/>
           </a:p>
@@ -1399,7 +1406,7 @@
           <a:p>
             <a:fld id="{5DDF0DDE-38FC-4D9A-AACF-FC967813EFBA}" type="datetimeFigureOut">
               <a:rPr lang="en-US" smtClean="0"/>
-              <a:t>4/4/2024</a:t>
+              <a:t>4/11/2024</a:t>
             </a:fld>
             <a:endParaRPr lang="en-US"/>
           </a:p>
@@ -1811,7 +1818,7 @@
           <a:p>
             <a:fld id="{5DDF0DDE-38FC-4D9A-AACF-FC967813EFBA}" type="datetimeFigureOut">
               <a:rPr lang="en-US" smtClean="0"/>
-              <a:t>4/4/2024</a:t>
+              <a:t>4/11/2024</a:t>
             </a:fld>
             <a:endParaRPr lang="en-US"/>
           </a:p>
@@ -1952,7 +1959,7 @@
           <a:p>
             <a:fld id="{5DDF0DDE-38FC-4D9A-AACF-FC967813EFBA}" type="datetimeFigureOut">
               <a:rPr lang="en-US" smtClean="0"/>
-              <a:t>4/4/2024</a:t>
+              <a:t>4/11/2024</a:t>
             </a:fld>
             <a:endParaRPr lang="en-US"/>
           </a:p>
@@ -2065,7 +2072,7 @@
           <a:p>
             <a:fld id="{5DDF0DDE-38FC-4D9A-AACF-FC967813EFBA}" type="datetimeFigureOut">
               <a:rPr lang="en-US" smtClean="0"/>
-              <a:t>4/4/2024</a:t>
+              <a:t>4/11/2024</a:t>
             </a:fld>
             <a:endParaRPr lang="en-US"/>
           </a:p>
@@ -2376,7 +2383,7 @@
           <a:p>
             <a:fld id="{5DDF0DDE-38FC-4D9A-AACF-FC967813EFBA}" type="datetimeFigureOut">
               <a:rPr lang="en-US" smtClean="0"/>
-              <a:t>4/4/2024</a:t>
+              <a:t>4/11/2024</a:t>
             </a:fld>
             <a:endParaRPr lang="en-US"/>
           </a:p>
@@ -2664,7 +2671,7 @@
           <a:p>
             <a:fld id="{5DDF0DDE-38FC-4D9A-AACF-FC967813EFBA}" type="datetimeFigureOut">
               <a:rPr lang="en-US" smtClean="0"/>
-              <a:t>4/4/2024</a:t>
+              <a:t>4/11/2024</a:t>
             </a:fld>
             <a:endParaRPr lang="en-US"/>
           </a:p>
@@ -2905,7 +2912,7 @@
           <a:p>
             <a:fld id="{5DDF0DDE-38FC-4D9A-AACF-FC967813EFBA}" type="datetimeFigureOut">
               <a:rPr lang="en-US" smtClean="0"/>
-              <a:t>4/4/2024</a:t>
+              <a:t>4/11/2024</a:t>
             </a:fld>
             <a:endParaRPr lang="en-US"/>
           </a:p>
@@ -3322,8 +3329,8 @@
           <a:chExt cx="0" cy="0"/>
         </a:xfrm>
       </p:grpSpPr>
-      <mc:AlternateContent xmlns:mc="http://schemas.openxmlformats.org/markup-compatibility/2006">
-        <mc:Choice xmlns:a14="http://schemas.microsoft.com/office/drawing/2010/main" Requires="a14">
+      <mc:AlternateContent xmlns:mc="http://schemas.openxmlformats.org/markup-compatibility/2006" xmlns:a14="http://schemas.microsoft.com/office/drawing/2010/main">
+        <mc:Choice Requires="a14">
           <p:sp>
             <p:nvSpPr>
               <p:cNvPr id="15" name="TextBox 14">
@@ -3352,6 +3359,7 @@
               </a:bodyPr>
               <a:lstStyle/>
               <a:p>
+                <a:pPr/>
                 <a14:m>
                   <m:oMathPara xmlns:m="http://schemas.openxmlformats.org/officeDocument/2006/math">
                     <m:oMathParaPr>
@@ -3420,7 +3428,7 @@
             </p:txBody>
           </p:sp>
         </mc:Choice>
-        <mc:Fallback>
+        <mc:Fallback xmlns="">
           <p:sp>
             <p:nvSpPr>
               <p:cNvPr id="15" name="TextBox 14">
@@ -3465,8 +3473,8 @@
           </p:sp>
         </mc:Fallback>
       </mc:AlternateContent>
-      <mc:AlternateContent xmlns:mc="http://schemas.openxmlformats.org/markup-compatibility/2006">
-        <mc:Choice xmlns:a14="http://schemas.microsoft.com/office/drawing/2010/main" Requires="a14">
+      <mc:AlternateContent xmlns:mc="http://schemas.openxmlformats.org/markup-compatibility/2006" xmlns:a14="http://schemas.microsoft.com/office/drawing/2010/main">
+        <mc:Choice Requires="a14">
           <p:sp>
             <p:nvSpPr>
               <p:cNvPr id="18" name="TextBox 17">
@@ -3495,6 +3503,7 @@
               </a:bodyPr>
               <a:lstStyle/>
               <a:p>
+                <a:pPr/>
                 <a14:m>
                   <m:oMathPara xmlns:m="http://schemas.openxmlformats.org/officeDocument/2006/math">
                     <m:oMathParaPr>
@@ -3571,7 +3580,7 @@
             </p:txBody>
           </p:sp>
         </mc:Choice>
-        <mc:Fallback>
+        <mc:Fallback xmlns="">
           <p:sp>
             <p:nvSpPr>
               <p:cNvPr id="18" name="TextBox 17">
@@ -3616,8 +3625,8 @@
           </p:sp>
         </mc:Fallback>
       </mc:AlternateContent>
-      <mc:AlternateContent xmlns:mc="http://schemas.openxmlformats.org/markup-compatibility/2006">
-        <mc:Choice xmlns:a14="http://schemas.microsoft.com/office/drawing/2010/main" Requires="a14">
+      <mc:AlternateContent xmlns:mc="http://schemas.openxmlformats.org/markup-compatibility/2006" xmlns:a14="http://schemas.microsoft.com/office/drawing/2010/main">
+        <mc:Choice Requires="a14">
           <p:sp>
             <p:nvSpPr>
               <p:cNvPr id="21" name="TextBox 20">
@@ -3646,6 +3655,7 @@
               </a:bodyPr>
               <a:lstStyle/>
               <a:p>
+                <a:pPr/>
                 <a14:m>
                   <m:oMathPara xmlns:m="http://schemas.openxmlformats.org/officeDocument/2006/math">
                     <m:oMathParaPr>
@@ -3750,7 +3760,7 @@
             </p:txBody>
           </p:sp>
         </mc:Choice>
-        <mc:Fallback>
+        <mc:Fallback xmlns="">
           <p:sp>
             <p:nvSpPr>
               <p:cNvPr id="21" name="TextBox 20">
@@ -3795,8 +3805,8 @@
           </p:sp>
         </mc:Fallback>
       </mc:AlternateContent>
-      <mc:AlternateContent xmlns:mc="http://schemas.openxmlformats.org/markup-compatibility/2006">
-        <mc:Choice xmlns:a14="http://schemas.microsoft.com/office/drawing/2010/main" Requires="a14">
+      <mc:AlternateContent xmlns:mc="http://schemas.openxmlformats.org/markup-compatibility/2006" xmlns:a14="http://schemas.microsoft.com/office/drawing/2010/main">
+        <mc:Choice Requires="a14">
           <p:sp>
             <p:nvSpPr>
               <p:cNvPr id="22" name="TextBox 21">
@@ -3825,6 +3835,7 @@
               </a:bodyPr>
               <a:lstStyle/>
               <a:p>
+                <a:pPr/>
                 <a14:m>
                   <m:oMathPara xmlns:m="http://schemas.openxmlformats.org/officeDocument/2006/math">
                     <m:oMathParaPr>
@@ -4013,7 +4024,7 @@
             </p:txBody>
           </p:sp>
         </mc:Choice>
-        <mc:Fallback>
+        <mc:Fallback xmlns="">
           <p:sp>
             <p:nvSpPr>
               <p:cNvPr id="22" name="TextBox 21">
@@ -4074,7 +4085,7 @@
             </p:nvSpPr>
             <p:spPr>
               <a:xfrm>
-                <a:off x="5900355" y="1508394"/>
+                <a:off x="5900355" y="1563376"/>
                 <a:ext cx="2979149" cy="797719"/>
               </a:xfrm>
               <a:prstGeom prst="rect">
@@ -4088,6 +4099,7 @@
               </a:bodyPr>
               <a:lstStyle/>
               <a:p>
+                <a:pPr/>
                 <a14:m>
                   <m:oMathPara xmlns:m="http://schemas.openxmlformats.org/officeDocument/2006/math">
                     <m:oMathParaPr>
@@ -4210,7 +4222,7 @@
             </p:nvSpPr>
             <p:spPr>
               <a:xfrm>
-                <a:off x="5900355" y="1508394"/>
+                <a:off x="5900355" y="1563376"/>
                 <a:ext cx="2979149" cy="797719"/>
               </a:xfrm>
               <a:prstGeom prst="rect">
@@ -4254,7 +4266,7 @@
             </p:nvSpPr>
             <p:spPr>
               <a:xfrm>
-                <a:off x="5735392" y="4128252"/>
+                <a:off x="5068391" y="2980076"/>
                 <a:ext cx="4643075" cy="797719"/>
               </a:xfrm>
               <a:prstGeom prst="rect">
@@ -4268,6 +4280,7 @@
               </a:bodyPr>
               <a:lstStyle/>
               <a:p>
+                <a:pPr/>
                 <a14:m>
                   <m:oMathPara xmlns:m="http://schemas.openxmlformats.org/officeDocument/2006/math">
                     <m:oMathParaPr>
@@ -4510,7 +4523,7 @@
             </p:nvSpPr>
             <p:spPr>
               <a:xfrm>
-                <a:off x="5735392" y="4128252"/>
+                <a:off x="5068391" y="2980076"/>
                 <a:ext cx="4643075" cy="797719"/>
               </a:xfrm>
               <a:prstGeom prst="rect">
@@ -4584,7 +4597,7 @@
             </p:nvSpPr>
             <p:spPr>
               <a:xfrm>
-                <a:off x="1630020" y="847159"/>
+                <a:off x="1986155" y="1443926"/>
                 <a:ext cx="3840481" cy="738664"/>
               </a:xfrm>
               <a:prstGeom prst="rect">
@@ -4848,7 +4861,7 @@
             </p:nvSpPr>
             <p:spPr>
               <a:xfrm>
-                <a:off x="1630020" y="847159"/>
+                <a:off x="1986155" y="1443926"/>
                 <a:ext cx="3840481" cy="738664"/>
               </a:xfrm>
               <a:prstGeom prst="rect">
@@ -4857,7 +4870,7 @@
               <a:blipFill>
                 <a:blip r:embed="rId2"/>
                 <a:stretch>
-                  <a:fillRect l="-159" t="-2479" b="-6612"/>
+                  <a:fillRect l="-317" t="-2479" b="-6612"/>
                 </a:stretch>
               </a:blipFill>
             </p:spPr>
@@ -4892,7 +4905,7 @@
             </p:nvSpPr>
             <p:spPr>
               <a:xfrm>
-                <a:off x="1867828" y="1840950"/>
+                <a:off x="2223963" y="2437717"/>
                 <a:ext cx="3840482" cy="738664"/>
               </a:xfrm>
               <a:prstGeom prst="rect">
@@ -4996,7 +5009,7 @@
             </p:nvSpPr>
             <p:spPr>
               <a:xfrm>
-                <a:off x="1867828" y="1840950"/>
+                <a:off x="2223963" y="2437717"/>
                 <a:ext cx="3840482" cy="738664"/>
               </a:xfrm>
               <a:prstGeom prst="rect">
@@ -5040,7 +5053,7 @@
             </p:nvSpPr>
             <p:spPr>
               <a:xfrm>
-                <a:off x="6414717" y="1085151"/>
+                <a:off x="6770852" y="1681918"/>
                 <a:ext cx="3561552" cy="430887"/>
               </a:xfrm>
               <a:prstGeom prst="rect">
@@ -5049,7 +5062,7 @@
               <a:noFill/>
             </p:spPr>
             <p:txBody>
-              <a:bodyPr wrap="none" lIns="0" tIns="0" rIns="0" bIns="0" rtlCol="0">
+              <a:bodyPr wrap="square" lIns="0" tIns="0" rIns="0" bIns="0" rtlCol="0">
                 <a:spAutoFit/>
               </a:bodyPr>
               <a:lstStyle/>
@@ -5159,7 +5172,7 @@
             </p:nvSpPr>
             <p:spPr>
               <a:xfrm>
-                <a:off x="6414717" y="1085151"/>
+                <a:off x="6770852" y="1681918"/>
                 <a:ext cx="3561552" cy="430887"/>
               </a:xfrm>
               <a:prstGeom prst="rect">
@@ -5168,7 +5181,7 @@
               <a:blipFill>
                 <a:blip r:embed="rId4"/>
                 <a:stretch>
-                  <a:fillRect l="-684" r="-171" b="-1408"/>
+                  <a:fillRect l="-685" r="-342" b="-1408"/>
                 </a:stretch>
               </a:blipFill>
             </p:spPr>
@@ -5202,13 +5215,13 @@
           <p:nvPr>
             <p:extLst>
               <p:ext uri="{D42A27DB-BD31-4B8C-83A1-F6EECF244321}">
-                <p14:modId xmlns:p14="http://schemas.microsoft.com/office/powerpoint/2010/main" val="130261062"/>
+                <p14:modId xmlns:p14="http://schemas.microsoft.com/office/powerpoint/2010/main" val="1429802420"/>
               </p:ext>
             </p:extLst>
           </p:nvPr>
         </p:nvGraphicFramePr>
         <p:xfrm>
-          <a:off x="2194646" y="2914946"/>
+          <a:off x="2550781" y="3511713"/>
           <a:ext cx="7454182" cy="1493894"/>
         </p:xfrm>
         <a:graphic>
@@ -7061,13 +7074,13 @@
           <p:nvPr>
             <p:extLst>
               <p:ext uri="{D42A27DB-BD31-4B8C-83A1-F6EECF244321}">
-                <p14:modId xmlns:p14="http://schemas.microsoft.com/office/powerpoint/2010/main" val="1906265800"/>
+                <p14:modId xmlns:p14="http://schemas.microsoft.com/office/powerpoint/2010/main" val="1496101483"/>
               </p:ext>
             </p:extLst>
           </p:nvPr>
         </p:nvGraphicFramePr>
         <p:xfrm>
-          <a:off x="2332978" y="4712367"/>
+          <a:off x="2689113" y="5309134"/>
           <a:ext cx="7177518" cy="357273"/>
         </p:xfrm>
         <a:graphic>
@@ -7967,7 +7980,7 @@
         </p:nvSpPr>
         <p:spPr>
           <a:xfrm>
-            <a:off x="6017152" y="1840950"/>
+            <a:off x="6373287" y="2437717"/>
             <a:ext cx="4081008" cy="738664"/>
           </a:xfrm>
           <a:prstGeom prst="rect">
@@ -8100,7 +8113,7 @@
         </p:nvSpPr>
         <p:spPr>
           <a:xfrm>
-            <a:off x="1057523" y="294198"/>
+            <a:off x="1413658" y="1006469"/>
             <a:ext cx="6154310" cy="369332"/>
           </a:xfrm>
           <a:prstGeom prst="rect">
@@ -8115,18 +8128,30 @@
           <a:lstStyle/>
           <a:p>
             <a:r>
-              <a:rPr lang="es-MX" dirty="0"/>
+              <a:rPr lang="es-MX" dirty="0">
+                <a:latin typeface="Times New Roman" panose="02020603050405020304" pitchFamily="18" charset="0"/>
+                <a:cs typeface="Times New Roman" panose="02020603050405020304" pitchFamily="18" charset="0"/>
+              </a:rPr>
               <a:t>Proceso de Mutación del </a:t>
             </a:r>
             <a:r>
-              <a:rPr lang="es-MX" dirty="0" err="1"/>
+              <a:rPr lang="es-MX" dirty="0" err="1">
+                <a:latin typeface="Times New Roman" panose="02020603050405020304" pitchFamily="18" charset="0"/>
+                <a:cs typeface="Times New Roman" panose="02020603050405020304" pitchFamily="18" charset="0"/>
+              </a:rPr>
               <a:t>Mutador</a:t>
             </a:r>
             <a:r>
-              <a:rPr lang="es-MX" dirty="0"/>
+              <a:rPr lang="es-MX" dirty="0">
+                <a:latin typeface="Times New Roman" panose="02020603050405020304" pitchFamily="18" charset="0"/>
+                <a:cs typeface="Times New Roman" panose="02020603050405020304" pitchFamily="18" charset="0"/>
+              </a:rPr>
               <a:t> de Secuencias Simple (MSS)</a:t>
             </a:r>
-            <a:endParaRPr lang="en-US" dirty="0"/>
+            <a:endParaRPr lang="en-US" dirty="0">
+              <a:latin typeface="Times New Roman" panose="02020603050405020304" pitchFamily="18" charset="0"/>
+              <a:cs typeface="Times New Roman" panose="02020603050405020304" pitchFamily="18" charset="0"/>
+            </a:endParaRPr>
           </a:p>
         </p:txBody>
       </p:sp>
@@ -8134,6 +8159,4404 @@
     <p:extLst>
       <p:ext uri="{BB962C8B-B14F-4D97-AF65-F5344CB8AC3E}">
         <p14:creationId xmlns:p14="http://schemas.microsoft.com/office/powerpoint/2010/main" val="2437498507"/>
+      </p:ext>
+    </p:extLst>
+  </p:cSld>
+  <p:clrMapOvr>
+    <a:masterClrMapping/>
+  </p:clrMapOvr>
+</p:sld>
+</file>
+
+<file path=ppt/slides/slide3.xml><?xml version="1.0" encoding="utf-8"?>
+<p:sld xmlns:a="http://schemas.openxmlformats.org/drawingml/2006/main" xmlns:r="http://schemas.openxmlformats.org/officeDocument/2006/relationships" xmlns:p="http://schemas.openxmlformats.org/presentationml/2006/main">
+  <p:cSld>
+    <p:spTree>
+      <p:nvGrpSpPr>
+        <p:cNvPr id="1" name=""/>
+        <p:cNvGrpSpPr/>
+        <p:nvPr/>
+      </p:nvGrpSpPr>
+      <p:grpSpPr>
+        <a:xfrm>
+          <a:off x="0" y="0"/>
+          <a:ext cx="0" cy="0"/>
+          <a:chOff x="0" y="0"/>
+          <a:chExt cx="0" cy="0"/>
+        </a:xfrm>
+      </p:grpSpPr>
+      <mc:AlternateContent xmlns:mc="http://schemas.openxmlformats.org/markup-compatibility/2006">
+        <mc:Choice xmlns:a14="http://schemas.microsoft.com/office/drawing/2010/main" Requires="a14">
+          <p:sp>
+            <p:nvSpPr>
+              <p:cNvPr id="33" name="TextBox 32">
+                <a:extLst>
+                  <a:ext uri="{FF2B5EF4-FFF2-40B4-BE49-F238E27FC236}">
+                    <a16:creationId xmlns:a16="http://schemas.microsoft.com/office/drawing/2014/main" id="{E11F69B4-CFE8-0237-9430-04A2C2E6FB37}"/>
+                  </a:ext>
+                </a:extLst>
+              </p:cNvPr>
+              <p:cNvSpPr txBox="1"/>
+              <p:nvPr/>
+            </p:nvSpPr>
+            <p:spPr>
+              <a:xfrm>
+                <a:off x="1986155" y="1443926"/>
+                <a:ext cx="3840481" cy="738664"/>
+              </a:xfrm>
+              <a:prstGeom prst="rect">
+                <a:avLst/>
+              </a:prstGeom>
+              <a:noFill/>
+            </p:spPr>
+            <p:txBody>
+              <a:bodyPr wrap="square" rtlCol="0">
+                <a:spAutoFit/>
+              </a:bodyPr>
+              <a:lstStyle/>
+              <a:p>
+                <a14:m>
+                  <m:oMath xmlns:m="http://schemas.openxmlformats.org/officeDocument/2006/math">
+                    <m:r>
+                      <a:rPr lang="es-MX" sz="1400" b="0" i="1" smtClean="0">
+                        <a:latin typeface="Cambria Math" panose="02040503050406030204" pitchFamily="18" charset="0"/>
+                      </a:rPr>
+                      <m:t>𝑚𝑖𝑛</m:t>
+                    </m:r>
+                    <m:r>
+                      <a:rPr lang="es-MX" sz="1400" b="0" i="1" smtClean="0">
+                        <a:latin typeface="Cambria Math" panose="02040503050406030204" pitchFamily="18" charset="0"/>
+                      </a:rPr>
+                      <m:t>,</m:t>
+                    </m:r>
+                    <m:func>
+                      <m:funcPr>
+                        <m:ctrlPr>
+                          <a:rPr lang="es-MX" sz="1400" b="0" i="1" smtClean="0">
+                            <a:latin typeface="Cambria Math" panose="02040503050406030204" pitchFamily="18" charset="0"/>
+                          </a:rPr>
+                        </m:ctrlPr>
+                      </m:funcPr>
+                      <m:fName>
+                        <m:r>
+                          <m:rPr>
+                            <m:sty m:val="p"/>
+                          </m:rPr>
+                          <a:rPr lang="es-MX" sz="1400" b="0" i="0" smtClean="0">
+                            <a:latin typeface="Cambria Math" panose="02040503050406030204" pitchFamily="18" charset="0"/>
+                          </a:rPr>
+                          <m:t>max</m:t>
+                        </m:r>
+                      </m:fName>
+                      <m:e>
+                        <m:r>
+                          <a:rPr lang="es-MX" sz="1400" b="0" i="1" smtClean="0">
+                            <a:latin typeface="Cambria Math" panose="02040503050406030204" pitchFamily="18" charset="0"/>
+                            <a:ea typeface="Cambria Math" panose="02040503050406030204" pitchFamily="18" charset="0"/>
+                          </a:rPr>
+                          <m:t>∈</m:t>
+                        </m:r>
+                        <m:sSup>
+                          <m:sSupPr>
+                            <m:ctrlPr>
+                              <a:rPr lang="es-MX" sz="1400" b="0" i="1" smtClean="0">
+                                <a:latin typeface="Cambria Math" panose="02040503050406030204" pitchFamily="18" charset="0"/>
+                                <a:ea typeface="Cambria Math" panose="02040503050406030204" pitchFamily="18" charset="0"/>
+                              </a:rPr>
+                            </m:ctrlPr>
+                          </m:sSupPr>
+                          <m:e>
+                            <m:r>
+                              <a:rPr lang="es-MX" sz="1400" b="0" i="1" smtClean="0">
+                                <a:latin typeface="Cambria Math" panose="02040503050406030204" pitchFamily="18" charset="0"/>
+                                <a:ea typeface="Cambria Math" panose="02040503050406030204" pitchFamily="18" charset="0"/>
+                              </a:rPr>
+                              <m:t>ℝ</m:t>
+                            </m:r>
+                          </m:e>
+                          <m:sup>
+                            <m:r>
+                              <a:rPr lang="es-MX" sz="1400" b="0" i="1" smtClean="0">
+                                <a:latin typeface="Cambria Math" panose="02040503050406030204" pitchFamily="18" charset="0"/>
+                                <a:ea typeface="Cambria Math" panose="02040503050406030204" pitchFamily="18" charset="0"/>
+                              </a:rPr>
+                              <m:t>+</m:t>
+                            </m:r>
+                          </m:sup>
+                        </m:sSup>
+                      </m:e>
+                    </m:func>
+                  </m:oMath>
+                </a14:m>
+                <a:r>
+                  <a:rPr lang="es-MX" sz="1400" dirty="0"/>
+                  <a:t> </a:t>
+                </a:r>
+                <a:r>
+                  <a:rPr lang="es-MX" sz="1400" dirty="0">
+                    <a:latin typeface="Times New Roman" panose="02020603050405020304" pitchFamily="18" charset="0"/>
+                    <a:cs typeface="Times New Roman" panose="02020603050405020304" pitchFamily="18" charset="0"/>
+                  </a:rPr>
+                  <a:t>tal que </a:t>
+                </a:r>
+                <a14:m>
+                  <m:oMath xmlns:m="http://schemas.openxmlformats.org/officeDocument/2006/math">
+                    <m:func>
+                      <m:funcPr>
+                        <m:ctrlPr>
+                          <a:rPr lang="es-MX" sz="1400" b="0" i="1" smtClean="0">
+                            <a:latin typeface="Cambria Math" panose="02040503050406030204" pitchFamily="18" charset="0"/>
+                          </a:rPr>
+                        </m:ctrlPr>
+                      </m:funcPr>
+                      <m:fName>
+                        <m:r>
+                          <m:rPr>
+                            <m:sty m:val="p"/>
+                          </m:rPr>
+                          <a:rPr lang="es-MX" sz="1400" b="0" i="0" smtClean="0">
+                            <a:latin typeface="Cambria Math" panose="02040503050406030204" pitchFamily="18" charset="0"/>
+                          </a:rPr>
+                          <m:t>min</m:t>
+                        </m:r>
+                      </m:fName>
+                      <m:e>
+                        <m:r>
+                          <a:rPr lang="es-MX" sz="1400" b="0" i="1" smtClean="0">
+                            <a:latin typeface="Cambria Math" panose="02040503050406030204" pitchFamily="18" charset="0"/>
+                          </a:rPr>
+                          <m:t>&lt;</m:t>
+                        </m:r>
+                        <m:r>
+                          <a:rPr lang="es-MX" sz="1400" b="0" i="1" smtClean="0">
+                            <a:latin typeface="Cambria Math" panose="02040503050406030204" pitchFamily="18" charset="0"/>
+                          </a:rPr>
+                          <m:t>𝑚𝑎𝑥</m:t>
+                        </m:r>
+                      </m:e>
+                    </m:func>
+                  </m:oMath>
+                </a14:m>
+                <a:endParaRPr lang="es-MX" sz="1400" dirty="0"/>
+              </a:p>
+              <a:p>
+                <a:pPr marL="285750" indent="-285750">
+                  <a:buFont typeface="Arial" panose="020B0604020202020204" pitchFamily="34" charset="0"/>
+                  <a:buChar char="•"/>
+                </a:pPr>
+                <a:r>
+                  <a:rPr lang="es-MX" sz="1400" dirty="0">
+                    <a:latin typeface="Times New Roman" panose="02020603050405020304" pitchFamily="18" charset="0"/>
+                    <a:cs typeface="Times New Roman" panose="02020603050405020304" pitchFamily="18" charset="0"/>
+                  </a:rPr>
+                  <a:t>Intervalo de Índices </a:t>
+                </a:r>
+                <a14:m>
+                  <m:oMath xmlns:m="http://schemas.openxmlformats.org/officeDocument/2006/math">
+                    <m:r>
+                      <a:rPr lang="es-MX" sz="1400" b="0" i="1" smtClean="0">
+                        <a:latin typeface="Cambria Math" panose="02040503050406030204" pitchFamily="18" charset="0"/>
+                      </a:rPr>
+                      <m:t>[</m:t>
+                    </m:r>
+                    <m:r>
+                      <a:rPr lang="es-MX" sz="1400" b="0" i="1" smtClean="0">
+                        <a:latin typeface="Cambria Math" panose="02040503050406030204" pitchFamily="18" charset="0"/>
+                      </a:rPr>
+                      <m:t>𝑚𝑖𝑛</m:t>
+                    </m:r>
+                    <m:r>
+                      <a:rPr lang="es-MX" sz="1400" b="0" i="1" smtClean="0">
+                        <a:latin typeface="Cambria Math" panose="02040503050406030204" pitchFamily="18" charset="0"/>
+                      </a:rPr>
+                      <m:t>, </m:t>
+                    </m:r>
+                    <m:r>
+                      <a:rPr lang="es-MX" sz="1400" b="0" i="1" smtClean="0">
+                        <a:latin typeface="Cambria Math" panose="02040503050406030204" pitchFamily="18" charset="0"/>
+                      </a:rPr>
+                      <m:t>𝑚𝑎𝑥</m:t>
+                    </m:r>
+                    <m:r>
+                      <a:rPr lang="es-MX" sz="1400" b="0" i="1" smtClean="0">
+                        <a:latin typeface="Cambria Math" panose="02040503050406030204" pitchFamily="18" charset="0"/>
+                      </a:rPr>
+                      <m:t>]</m:t>
+                    </m:r>
+                  </m:oMath>
+                </a14:m>
+                <a:r>
+                  <a:rPr lang="es-MX" sz="1400" dirty="0"/>
+                  <a:t> </a:t>
+                </a:r>
+              </a:p>
+              <a:p>
+                <a:pPr marL="285750" indent="-285750">
+                  <a:buFont typeface="Arial" panose="020B0604020202020204" pitchFamily="34" charset="0"/>
+                  <a:buChar char="•"/>
+                </a:pPr>
+                <a:r>
+                  <a:rPr lang="en-US" sz="1400" dirty="0" err="1">
+                    <a:latin typeface="Times New Roman" panose="02020603050405020304" pitchFamily="18" charset="0"/>
+                    <a:cs typeface="Times New Roman" panose="02020603050405020304" pitchFamily="18" charset="0"/>
+                  </a:rPr>
+                  <a:t>Intervalo</a:t>
+                </a:r>
+                <a:r>
+                  <a:rPr lang="en-US" sz="1400" dirty="0">
+                    <a:latin typeface="Times New Roman" panose="02020603050405020304" pitchFamily="18" charset="0"/>
+                    <a:cs typeface="Times New Roman" panose="02020603050405020304" pitchFamily="18" charset="0"/>
+                  </a:rPr>
+                  <a:t> de Longitudes de Gaps </a:t>
+                </a:r>
+                <a14:m>
+                  <m:oMath xmlns:m="http://schemas.openxmlformats.org/officeDocument/2006/math">
+                    <m:r>
+                      <a:rPr lang="es-MX" sz="1400" b="0" i="1" smtClean="0">
+                        <a:latin typeface="Cambria Math" panose="02040503050406030204" pitchFamily="18" charset="0"/>
+                      </a:rPr>
+                      <m:t>[</m:t>
+                    </m:r>
+                    <m:r>
+                      <a:rPr lang="es-MX" sz="1400" b="0" i="1" smtClean="0">
+                        <a:latin typeface="Cambria Math" panose="02040503050406030204" pitchFamily="18" charset="0"/>
+                      </a:rPr>
+                      <m:t>𝑚𝑖𝑛</m:t>
+                    </m:r>
+                    <m:r>
+                      <a:rPr lang="es-MX" sz="1400" b="0" i="1" smtClean="0">
+                        <a:latin typeface="Cambria Math" panose="02040503050406030204" pitchFamily="18" charset="0"/>
+                      </a:rPr>
+                      <m:t>, </m:t>
+                    </m:r>
+                    <m:r>
+                      <a:rPr lang="es-MX" sz="1400" b="0" i="1" smtClean="0">
+                        <a:latin typeface="Cambria Math" panose="02040503050406030204" pitchFamily="18" charset="0"/>
+                      </a:rPr>
+                      <m:t>𝑚𝑎𝑥</m:t>
+                    </m:r>
+                    <m:r>
+                      <a:rPr lang="es-MX" sz="1400" b="0" i="1" smtClean="0">
+                        <a:latin typeface="Cambria Math" panose="02040503050406030204" pitchFamily="18" charset="0"/>
+                      </a:rPr>
+                      <m:t>]</m:t>
+                    </m:r>
+                  </m:oMath>
+                </a14:m>
+                <a:endParaRPr lang="en-US" sz="1400" dirty="0"/>
+              </a:p>
+            </p:txBody>
+          </p:sp>
+        </mc:Choice>
+        <mc:Fallback>
+          <p:sp>
+            <p:nvSpPr>
+              <p:cNvPr id="33" name="TextBox 32">
+                <a:extLst>
+                  <a:ext uri="{FF2B5EF4-FFF2-40B4-BE49-F238E27FC236}">
+                    <a16:creationId xmlns:a16="http://schemas.microsoft.com/office/drawing/2014/main" id="{E11F69B4-CFE8-0237-9430-04A2C2E6FB37}"/>
+                  </a:ext>
+                </a:extLst>
+              </p:cNvPr>
+              <p:cNvSpPr txBox="1">
+                <a:spLocks noRot="1" noChangeAspect="1" noMove="1" noResize="1" noEditPoints="1" noAdjustHandles="1" noChangeArrowheads="1" noChangeShapeType="1" noTextEdit="1"/>
+              </p:cNvSpPr>
+              <p:nvPr/>
+            </p:nvSpPr>
+            <p:spPr>
+              <a:xfrm>
+                <a:off x="1986155" y="1443926"/>
+                <a:ext cx="3840481" cy="738664"/>
+              </a:xfrm>
+              <a:prstGeom prst="rect">
+                <a:avLst/>
+              </a:prstGeom>
+              <a:blipFill>
+                <a:blip r:embed="rId2"/>
+                <a:stretch>
+                  <a:fillRect l="-317" t="-2479" b="-6612"/>
+                </a:stretch>
+              </a:blipFill>
+            </p:spPr>
+            <p:txBody>
+              <a:bodyPr/>
+              <a:lstStyle/>
+              <a:p>
+                <a:r>
+                  <a:rPr lang="en-US">
+                    <a:noFill/>
+                  </a:rPr>
+                  <a:t> </a:t>
+                </a:r>
+              </a:p>
+            </p:txBody>
+          </p:sp>
+        </mc:Fallback>
+      </mc:AlternateContent>
+      <mc:AlternateContent xmlns:mc="http://schemas.openxmlformats.org/markup-compatibility/2006">
+        <mc:Choice xmlns:a14="http://schemas.microsoft.com/office/drawing/2010/main" Requires="a14">
+          <p:sp>
+            <p:nvSpPr>
+              <p:cNvPr id="36" name="TextBox 35">
+                <a:extLst>
+                  <a:ext uri="{FF2B5EF4-FFF2-40B4-BE49-F238E27FC236}">
+                    <a16:creationId xmlns:a16="http://schemas.microsoft.com/office/drawing/2014/main" id="{F0FC4461-2D0B-FEE7-701B-703E075AF539}"/>
+                  </a:ext>
+                </a:extLst>
+              </p:cNvPr>
+              <p:cNvSpPr txBox="1"/>
+              <p:nvPr/>
+            </p:nvSpPr>
+            <p:spPr>
+              <a:xfrm>
+                <a:off x="1986155" y="2416271"/>
+                <a:ext cx="5319419" cy="523220"/>
+              </a:xfrm>
+              <a:prstGeom prst="rect">
+                <a:avLst/>
+              </a:prstGeom>
+              <a:noFill/>
+            </p:spPr>
+            <p:txBody>
+              <a:bodyPr wrap="square">
+                <a:spAutoFit/>
+              </a:bodyPr>
+              <a:lstStyle/>
+              <a:p>
+                <a:r>
+                  <a:rPr lang="es-MX" sz="1400" dirty="0">
+                    <a:latin typeface="Times New Roman" panose="02020603050405020304" pitchFamily="18" charset="0"/>
+                    <a:cs typeface="Times New Roman" panose="02020603050405020304" pitchFamily="18" charset="0"/>
+                  </a:rPr>
+                  <a:t>Primera secuencia: </a:t>
+                </a:r>
+                <a14:m>
+                  <m:oMath xmlns:m="http://schemas.openxmlformats.org/officeDocument/2006/math">
+                    <m:r>
+                      <a:rPr lang="es-MX" sz="1400" b="0" i="1" smtClean="0">
+                        <a:latin typeface="Cambria Math" panose="02040503050406030204" pitchFamily="18" charset="0"/>
+                      </a:rPr>
+                      <m:t>𝐴𝑇𝑇𝐺𝐴</m:t>
+                    </m:r>
+                    <m:r>
+                      <a:rPr lang="es-MX" sz="1400" b="0" i="1" smtClean="0">
+                        <a:latin typeface="Cambria Math" panose="02040503050406030204" pitchFamily="18" charset="0"/>
+                      </a:rPr>
+                      <m:t>−−−</m:t>
+                    </m:r>
+                    <m:r>
+                      <a:rPr lang="es-MX" sz="1400" b="0" i="1" smtClean="0">
+                        <a:latin typeface="Cambria Math" panose="02040503050406030204" pitchFamily="18" charset="0"/>
+                      </a:rPr>
+                      <m:t>𝐺𝐶</m:t>
+                    </m:r>
+                    <m:r>
+                      <a:rPr lang="es-MX" sz="1400" b="0" i="1" smtClean="0">
+                        <a:latin typeface="Cambria Math" panose="02040503050406030204" pitchFamily="18" charset="0"/>
+                      </a:rPr>
+                      <m:t>−</m:t>
+                    </m:r>
+                    <m:r>
+                      <a:rPr lang="es-MX" sz="1400" b="0" i="1" smtClean="0">
+                        <a:latin typeface="Cambria Math" panose="02040503050406030204" pitchFamily="18" charset="0"/>
+                      </a:rPr>
+                      <m:t>𝐶𝑇𝐺</m:t>
+                    </m:r>
+                    <m:r>
+                      <a:rPr lang="es-MX" sz="1400" b="0" i="1" smtClean="0">
+                        <a:latin typeface="Cambria Math" panose="02040503050406030204" pitchFamily="18" charset="0"/>
+                      </a:rPr>
+                      <m:t>−−</m:t>
+                    </m:r>
+                    <m:r>
+                      <a:rPr lang="es-MX" sz="1400" b="0" i="1" smtClean="0">
+                        <a:latin typeface="Cambria Math" panose="02040503050406030204" pitchFamily="18" charset="0"/>
+                      </a:rPr>
+                      <m:t>𝑇𝐴𝑇𝐶𝐴𝐺𝐶</m:t>
+                    </m:r>
+                    <m:r>
+                      <a:rPr lang="es-MX" sz="1400" b="0" i="1" smtClean="0">
+                        <a:latin typeface="Cambria Math" panose="02040503050406030204" pitchFamily="18" charset="0"/>
+                      </a:rPr>
+                      <m:t>−−</m:t>
+                    </m:r>
+                    <m:r>
+                      <a:rPr lang="es-MX" sz="1400" b="0" i="1" smtClean="0">
+                        <a:latin typeface="Cambria Math" panose="02040503050406030204" pitchFamily="18" charset="0"/>
+                      </a:rPr>
+                      <m:t>𝐶𝐶</m:t>
+                    </m:r>
+                  </m:oMath>
+                </a14:m>
+                <a:endParaRPr lang="es-MX" sz="1400" b="0" dirty="0"/>
+              </a:p>
+              <a:p>
+                <a:r>
+                  <a:rPr lang="es-MX" sz="1400" dirty="0">
+                    <a:latin typeface="Times New Roman" panose="02020603050405020304" pitchFamily="18" charset="0"/>
+                    <a:cs typeface="Times New Roman" panose="02020603050405020304" pitchFamily="18" charset="0"/>
+                  </a:rPr>
+                  <a:t>Segunda secuencia: </a:t>
+                </a:r>
+                <a14:m>
+                  <m:oMath xmlns:m="http://schemas.openxmlformats.org/officeDocument/2006/math">
+                    <m:r>
+                      <a:rPr lang="es-MX" sz="1400" b="0" i="1" smtClean="0">
+                        <a:latin typeface="Cambria Math" panose="02040503050406030204" pitchFamily="18" charset="0"/>
+                      </a:rPr>
+                      <m:t>𝐴𝑇𝑇</m:t>
+                    </m:r>
+                    <m:r>
+                      <a:rPr lang="es-MX" sz="1400" b="0" i="1" smtClean="0">
+                        <a:latin typeface="Cambria Math" panose="02040503050406030204" pitchFamily="18" charset="0"/>
+                      </a:rPr>
+                      <m:t>−−</m:t>
+                    </m:r>
+                    <m:r>
+                      <a:rPr lang="es-MX" sz="1400" b="0" i="1" smtClean="0">
+                        <a:latin typeface="Cambria Math" panose="02040503050406030204" pitchFamily="18" charset="0"/>
+                      </a:rPr>
+                      <m:t>𝐺𝐴𝐺𝐶</m:t>
+                    </m:r>
+                    <m:r>
+                      <a:rPr lang="es-MX" sz="1400" b="0" i="1" smtClean="0">
+                        <a:latin typeface="Cambria Math" panose="02040503050406030204" pitchFamily="18" charset="0"/>
+                      </a:rPr>
+                      <m:t>−−</m:t>
+                    </m:r>
+                    <m:r>
+                      <a:rPr lang="es-MX" sz="1400" b="0" i="1" smtClean="0">
+                        <a:latin typeface="Cambria Math" panose="02040503050406030204" pitchFamily="18" charset="0"/>
+                      </a:rPr>
+                      <m:t>𝐶𝑇𝐺</m:t>
+                    </m:r>
+                    <m:r>
+                      <a:rPr lang="es-MX" sz="1400" b="0" i="1" smtClean="0">
+                        <a:latin typeface="Cambria Math" panose="02040503050406030204" pitchFamily="18" charset="0"/>
+                      </a:rPr>
+                      <m:t>−</m:t>
+                    </m:r>
+                    <m:r>
+                      <a:rPr lang="es-MX" sz="1400" b="0" i="1" smtClean="0">
+                        <a:latin typeface="Cambria Math" panose="02040503050406030204" pitchFamily="18" charset="0"/>
+                      </a:rPr>
+                      <m:t>𝑇𝐴𝑇𝐶𝐴</m:t>
+                    </m:r>
+                    <m:r>
+                      <a:rPr lang="es-MX" sz="1400" b="0" i="1" smtClean="0">
+                        <a:latin typeface="Cambria Math" panose="02040503050406030204" pitchFamily="18" charset="0"/>
+                      </a:rPr>
+                      <m:t>−−</m:t>
+                    </m:r>
+                    <m:r>
+                      <a:rPr lang="es-MX" sz="1400" b="0" i="1" smtClean="0">
+                        <a:latin typeface="Cambria Math" panose="02040503050406030204" pitchFamily="18" charset="0"/>
+                      </a:rPr>
+                      <m:t>𝐺𝐶𝐶𝐶</m:t>
+                    </m:r>
+                  </m:oMath>
+                </a14:m>
+                <a:endParaRPr lang="es-MX" sz="1400" b="0" dirty="0"/>
+              </a:p>
+            </p:txBody>
+          </p:sp>
+        </mc:Choice>
+        <mc:Fallback>
+          <p:sp>
+            <p:nvSpPr>
+              <p:cNvPr id="36" name="TextBox 35">
+                <a:extLst>
+                  <a:ext uri="{FF2B5EF4-FFF2-40B4-BE49-F238E27FC236}">
+                    <a16:creationId xmlns:a16="http://schemas.microsoft.com/office/drawing/2014/main" id="{F0FC4461-2D0B-FEE7-701B-703E075AF539}"/>
+                  </a:ext>
+                </a:extLst>
+              </p:cNvPr>
+              <p:cNvSpPr txBox="1">
+                <a:spLocks noRot="1" noChangeAspect="1" noMove="1" noResize="1" noEditPoints="1" noAdjustHandles="1" noChangeArrowheads="1" noChangeShapeType="1" noTextEdit="1"/>
+              </p:cNvSpPr>
+              <p:nvPr/>
+            </p:nvSpPr>
+            <p:spPr>
+              <a:xfrm>
+                <a:off x="1986155" y="2416271"/>
+                <a:ext cx="5319419" cy="523220"/>
+              </a:xfrm>
+              <a:prstGeom prst="rect">
+                <a:avLst/>
+              </a:prstGeom>
+              <a:blipFill>
+                <a:blip r:embed="rId3"/>
+                <a:stretch>
+                  <a:fillRect l="-344" t="-2326" b="-10465"/>
+                </a:stretch>
+              </a:blipFill>
+            </p:spPr>
+            <p:txBody>
+              <a:bodyPr/>
+              <a:lstStyle/>
+              <a:p>
+                <a:r>
+                  <a:rPr lang="en-US">
+                    <a:noFill/>
+                  </a:rPr>
+                  <a:t> </a:t>
+                </a:r>
+              </a:p>
+            </p:txBody>
+          </p:sp>
+        </mc:Fallback>
+      </mc:AlternateContent>
+      <mc:AlternateContent xmlns:mc="http://schemas.openxmlformats.org/markup-compatibility/2006">
+        <mc:Choice xmlns:a14="http://schemas.microsoft.com/office/drawing/2010/main" Requires="a14">
+          <p:sp>
+            <p:nvSpPr>
+              <p:cNvPr id="37" name="TextBox 36">
+                <a:extLst>
+                  <a:ext uri="{FF2B5EF4-FFF2-40B4-BE49-F238E27FC236}">
+                    <a16:creationId xmlns:a16="http://schemas.microsoft.com/office/drawing/2014/main" id="{5C060FD7-0E2B-4880-79E0-153EF344EE2F}"/>
+                  </a:ext>
+                </a:extLst>
+              </p:cNvPr>
+              <p:cNvSpPr txBox="1"/>
+              <p:nvPr/>
+            </p:nvSpPr>
+            <p:spPr>
+              <a:xfrm>
+                <a:off x="6770852" y="1681918"/>
+                <a:ext cx="3561552" cy="430887"/>
+              </a:xfrm>
+              <a:prstGeom prst="rect">
+                <a:avLst/>
+              </a:prstGeom>
+              <a:noFill/>
+            </p:spPr>
+            <p:txBody>
+              <a:bodyPr wrap="square" lIns="0" tIns="0" rIns="0" bIns="0" rtlCol="0">
+                <a:spAutoFit/>
+              </a:bodyPr>
+              <a:lstStyle/>
+              <a:p>
+                <a:pPr/>
+                <a14:m>
+                  <m:oMathPara xmlns:m="http://schemas.openxmlformats.org/officeDocument/2006/math">
+                    <m:oMathParaPr>
+                      <m:jc m:val="centerGroup"/>
+                    </m:oMathParaPr>
+                    <m:oMath xmlns:m="http://schemas.openxmlformats.org/officeDocument/2006/math">
+                      <m:r>
+                        <a:rPr lang="es-MX" sz="1400" i="1" smtClean="0">
+                          <a:latin typeface="Cambria Math" panose="02040503050406030204" pitchFamily="18" charset="0"/>
+                        </a:rPr>
+                        <m:t>𝐴𝑇𝑇𝐺𝐴𝐺𝐶𝐶𝑇𝐺𝑇𝐴𝑇𝐶𝐴𝐺𝐶𝐶𝐶</m:t>
+                      </m:r>
+                    </m:oMath>
+                  </m:oMathPara>
+                </a14:m>
+                <a:endParaRPr lang="es-MX" sz="1400" dirty="0"/>
+              </a:p>
+              <a:p>
+                <a:pPr/>
+                <a14:m>
+                  <m:oMathPara xmlns:m="http://schemas.openxmlformats.org/officeDocument/2006/math">
+                    <m:oMathParaPr>
+                      <m:jc m:val="centerGroup"/>
+                    </m:oMathParaPr>
+                    <m:oMath xmlns:m="http://schemas.openxmlformats.org/officeDocument/2006/math">
+                      <m:r>
+                        <a:rPr lang="es-MX" sz="1400" i="1" smtClean="0">
+                          <a:latin typeface="Cambria Math" panose="02040503050406030204" pitchFamily="18" charset="0"/>
+                        </a:rPr>
+                        <m:t>𝐴𝑇𝑇𝐺𝐴</m:t>
+                      </m:r>
+                      <m:r>
+                        <a:rPr lang="es-MX" sz="1400" b="0" i="1" smtClean="0">
+                          <a:latin typeface="Cambria Math" panose="02040503050406030204" pitchFamily="18" charset="0"/>
+                        </a:rPr>
+                        <m:t>−−−</m:t>
+                      </m:r>
+                      <m:r>
+                        <a:rPr lang="es-MX" sz="1400" i="1" smtClean="0">
+                          <a:latin typeface="Cambria Math" panose="02040503050406030204" pitchFamily="18" charset="0"/>
+                        </a:rPr>
+                        <m:t>𝐺𝐶</m:t>
+                      </m:r>
+                      <m:r>
+                        <a:rPr lang="es-MX" sz="1400" b="0" i="1" smtClean="0">
+                          <a:latin typeface="Cambria Math" panose="02040503050406030204" pitchFamily="18" charset="0"/>
+                        </a:rPr>
+                        <m:t>−</m:t>
+                      </m:r>
+                      <m:r>
+                        <a:rPr lang="es-MX" sz="1400" i="1" smtClean="0">
+                          <a:latin typeface="Cambria Math" panose="02040503050406030204" pitchFamily="18" charset="0"/>
+                        </a:rPr>
+                        <m:t>𝐶𝑇𝐺</m:t>
+                      </m:r>
+                      <m:r>
+                        <a:rPr lang="es-MX" sz="1400" b="0" i="1" smtClean="0">
+                          <a:latin typeface="Cambria Math" panose="02040503050406030204" pitchFamily="18" charset="0"/>
+                        </a:rPr>
+                        <m:t>−−</m:t>
+                      </m:r>
+                      <m:r>
+                        <a:rPr lang="es-MX" sz="1400" i="1" smtClean="0">
+                          <a:latin typeface="Cambria Math" panose="02040503050406030204" pitchFamily="18" charset="0"/>
+                        </a:rPr>
+                        <m:t>𝑇𝐴𝑇𝐶𝐴𝐺𝐶</m:t>
+                      </m:r>
+                      <m:r>
+                        <a:rPr lang="es-MX" sz="1400" b="0" i="1" smtClean="0">
+                          <a:latin typeface="Cambria Math" panose="02040503050406030204" pitchFamily="18" charset="0"/>
+                        </a:rPr>
+                        <m:t>−−</m:t>
+                      </m:r>
+                      <m:r>
+                        <a:rPr lang="es-MX" sz="1400" i="1" smtClean="0">
+                          <a:latin typeface="Cambria Math" panose="02040503050406030204" pitchFamily="18" charset="0"/>
+                        </a:rPr>
+                        <m:t>𝐶𝐶</m:t>
+                      </m:r>
+                    </m:oMath>
+                  </m:oMathPara>
+                </a14:m>
+                <a:endParaRPr lang="en-US" sz="1400" dirty="0"/>
+              </a:p>
+            </p:txBody>
+          </p:sp>
+        </mc:Choice>
+        <mc:Fallback>
+          <p:sp>
+            <p:nvSpPr>
+              <p:cNvPr id="37" name="TextBox 36">
+                <a:extLst>
+                  <a:ext uri="{FF2B5EF4-FFF2-40B4-BE49-F238E27FC236}">
+                    <a16:creationId xmlns:a16="http://schemas.microsoft.com/office/drawing/2014/main" id="{5C060FD7-0E2B-4880-79E0-153EF344EE2F}"/>
+                  </a:ext>
+                </a:extLst>
+              </p:cNvPr>
+              <p:cNvSpPr txBox="1">
+                <a:spLocks noRot="1" noChangeAspect="1" noMove="1" noResize="1" noEditPoints="1" noAdjustHandles="1" noChangeArrowheads="1" noChangeShapeType="1" noTextEdit="1"/>
+              </p:cNvSpPr>
+              <p:nvPr/>
+            </p:nvSpPr>
+            <p:spPr>
+              <a:xfrm>
+                <a:off x="6770852" y="1681918"/>
+                <a:ext cx="3561552" cy="430887"/>
+              </a:xfrm>
+              <a:prstGeom prst="rect">
+                <a:avLst/>
+              </a:prstGeom>
+              <a:blipFill>
+                <a:blip r:embed="rId4"/>
+                <a:stretch>
+                  <a:fillRect l="-685" r="-342" b="-1408"/>
+                </a:stretch>
+              </a:blipFill>
+            </p:spPr>
+            <p:txBody>
+              <a:bodyPr/>
+              <a:lstStyle/>
+              <a:p>
+                <a:r>
+                  <a:rPr lang="en-US">
+                    <a:noFill/>
+                  </a:rPr>
+                  <a:t> </a:t>
+                </a:r>
+              </a:p>
+            </p:txBody>
+          </p:sp>
+        </mc:Fallback>
+      </mc:AlternateContent>
+      <p:graphicFrame>
+        <p:nvGraphicFramePr>
+          <p:cNvPr id="44" name="Table 44">
+            <a:extLst>
+              <a:ext uri="{FF2B5EF4-FFF2-40B4-BE49-F238E27FC236}">
+                <a16:creationId xmlns:a16="http://schemas.microsoft.com/office/drawing/2014/main" id="{9577E1A9-BB93-A3AA-3FF0-CB1CDD8E426C}"/>
+              </a:ext>
+            </a:extLst>
+          </p:cNvPr>
+          <p:cNvGraphicFramePr>
+            <a:graphicFrameLocks noGrp="1"/>
+          </p:cNvGraphicFramePr>
+          <p:nvPr>
+            <p:extLst>
+              <p:ext uri="{D42A27DB-BD31-4B8C-83A1-F6EECF244321}">
+                <p14:modId xmlns:p14="http://schemas.microsoft.com/office/powerpoint/2010/main" val="752005747"/>
+              </p:ext>
+            </p:extLst>
+          </p:nvPr>
+        </p:nvGraphicFramePr>
+        <p:xfrm>
+          <a:off x="2550781" y="3174721"/>
+          <a:ext cx="7454182" cy="1493894"/>
+        </p:xfrm>
+        <a:graphic>
+          <a:graphicData uri="http://schemas.openxmlformats.org/drawingml/2006/table">
+            <a:tbl>
+              <a:tblPr>
+                <a:tableStyleId>{073A0DAA-6AF3-43AB-8588-CEC1D06C72B9}</a:tableStyleId>
+              </a:tblPr>
+              <a:tblGrid>
+                <a:gridCol w="1046470">
+                  <a:extLst>
+                    <a:ext uri="{9D8B030D-6E8A-4147-A177-3AD203B41FA5}">
+                      <a16:colId xmlns:a16="http://schemas.microsoft.com/office/drawing/2014/main" val="2172324578"/>
+                    </a:ext>
+                  </a:extLst>
+                </a:gridCol>
+                <a:gridCol w="337248">
+                  <a:extLst>
+                    <a:ext uri="{9D8B030D-6E8A-4147-A177-3AD203B41FA5}">
+                      <a16:colId xmlns:a16="http://schemas.microsoft.com/office/drawing/2014/main" val="2130731758"/>
+                    </a:ext>
+                  </a:extLst>
+                </a:gridCol>
+                <a:gridCol w="337248">
+                  <a:extLst>
+                    <a:ext uri="{9D8B030D-6E8A-4147-A177-3AD203B41FA5}">
+                      <a16:colId xmlns:a16="http://schemas.microsoft.com/office/drawing/2014/main" val="1731812923"/>
+                    </a:ext>
+                  </a:extLst>
+                </a:gridCol>
+                <a:gridCol w="337248">
+                  <a:extLst>
+                    <a:ext uri="{9D8B030D-6E8A-4147-A177-3AD203B41FA5}">
+                      <a16:colId xmlns:a16="http://schemas.microsoft.com/office/drawing/2014/main" val="4074123367"/>
+                    </a:ext>
+                  </a:extLst>
+                </a:gridCol>
+                <a:gridCol w="337248">
+                  <a:extLst>
+                    <a:ext uri="{9D8B030D-6E8A-4147-A177-3AD203B41FA5}">
+                      <a16:colId xmlns:a16="http://schemas.microsoft.com/office/drawing/2014/main" val="4149857935"/>
+                    </a:ext>
+                  </a:extLst>
+                </a:gridCol>
+                <a:gridCol w="337248">
+                  <a:extLst>
+                    <a:ext uri="{9D8B030D-6E8A-4147-A177-3AD203B41FA5}">
+                      <a16:colId xmlns:a16="http://schemas.microsoft.com/office/drawing/2014/main" val="3896218845"/>
+                    </a:ext>
+                  </a:extLst>
+                </a:gridCol>
+                <a:gridCol w="337248">
+                  <a:extLst>
+                    <a:ext uri="{9D8B030D-6E8A-4147-A177-3AD203B41FA5}">
+                      <a16:colId xmlns:a16="http://schemas.microsoft.com/office/drawing/2014/main" val="92122073"/>
+                    </a:ext>
+                  </a:extLst>
+                </a:gridCol>
+                <a:gridCol w="337248">
+                  <a:extLst>
+                    <a:ext uri="{9D8B030D-6E8A-4147-A177-3AD203B41FA5}">
+                      <a16:colId xmlns:a16="http://schemas.microsoft.com/office/drawing/2014/main" val="2862428154"/>
+                    </a:ext>
+                  </a:extLst>
+                </a:gridCol>
+                <a:gridCol w="337248">
+                  <a:extLst>
+                    <a:ext uri="{9D8B030D-6E8A-4147-A177-3AD203B41FA5}">
+                      <a16:colId xmlns:a16="http://schemas.microsoft.com/office/drawing/2014/main" val="2100834581"/>
+                    </a:ext>
+                  </a:extLst>
+                </a:gridCol>
+                <a:gridCol w="337248">
+                  <a:extLst>
+                    <a:ext uri="{9D8B030D-6E8A-4147-A177-3AD203B41FA5}">
+                      <a16:colId xmlns:a16="http://schemas.microsoft.com/office/drawing/2014/main" val="1112095470"/>
+                    </a:ext>
+                  </a:extLst>
+                </a:gridCol>
+                <a:gridCol w="337248">
+                  <a:extLst>
+                    <a:ext uri="{9D8B030D-6E8A-4147-A177-3AD203B41FA5}">
+                      <a16:colId xmlns:a16="http://schemas.microsoft.com/office/drawing/2014/main" val="458055734"/>
+                    </a:ext>
+                  </a:extLst>
+                </a:gridCol>
+                <a:gridCol w="337248">
+                  <a:extLst>
+                    <a:ext uri="{9D8B030D-6E8A-4147-A177-3AD203B41FA5}">
+                      <a16:colId xmlns:a16="http://schemas.microsoft.com/office/drawing/2014/main" val="1411228209"/>
+                    </a:ext>
+                  </a:extLst>
+                </a:gridCol>
+                <a:gridCol w="337248">
+                  <a:extLst>
+                    <a:ext uri="{9D8B030D-6E8A-4147-A177-3AD203B41FA5}">
+                      <a16:colId xmlns:a16="http://schemas.microsoft.com/office/drawing/2014/main" val="1183676338"/>
+                    </a:ext>
+                  </a:extLst>
+                </a:gridCol>
+                <a:gridCol w="337248">
+                  <a:extLst>
+                    <a:ext uri="{9D8B030D-6E8A-4147-A177-3AD203B41FA5}">
+                      <a16:colId xmlns:a16="http://schemas.microsoft.com/office/drawing/2014/main" val="2292732483"/>
+                    </a:ext>
+                  </a:extLst>
+                </a:gridCol>
+                <a:gridCol w="337248">
+                  <a:extLst>
+                    <a:ext uri="{9D8B030D-6E8A-4147-A177-3AD203B41FA5}">
+                      <a16:colId xmlns:a16="http://schemas.microsoft.com/office/drawing/2014/main" val="1996009094"/>
+                    </a:ext>
+                  </a:extLst>
+                </a:gridCol>
+                <a:gridCol w="337248">
+                  <a:extLst>
+                    <a:ext uri="{9D8B030D-6E8A-4147-A177-3AD203B41FA5}">
+                      <a16:colId xmlns:a16="http://schemas.microsoft.com/office/drawing/2014/main" val="1405235179"/>
+                    </a:ext>
+                  </a:extLst>
+                </a:gridCol>
+                <a:gridCol w="337248">
+                  <a:extLst>
+                    <a:ext uri="{9D8B030D-6E8A-4147-A177-3AD203B41FA5}">
+                      <a16:colId xmlns:a16="http://schemas.microsoft.com/office/drawing/2014/main" val="367639497"/>
+                    </a:ext>
+                  </a:extLst>
+                </a:gridCol>
+                <a:gridCol w="337248">
+                  <a:extLst>
+                    <a:ext uri="{9D8B030D-6E8A-4147-A177-3AD203B41FA5}">
+                      <a16:colId xmlns:a16="http://schemas.microsoft.com/office/drawing/2014/main" val="204597424"/>
+                    </a:ext>
+                  </a:extLst>
+                </a:gridCol>
+                <a:gridCol w="337248">
+                  <a:extLst>
+                    <a:ext uri="{9D8B030D-6E8A-4147-A177-3AD203B41FA5}">
+                      <a16:colId xmlns:a16="http://schemas.microsoft.com/office/drawing/2014/main" val="3804482160"/>
+                    </a:ext>
+                  </a:extLst>
+                </a:gridCol>
+                <a:gridCol w="337248">
+                  <a:extLst>
+                    <a:ext uri="{9D8B030D-6E8A-4147-A177-3AD203B41FA5}">
+                      <a16:colId xmlns:a16="http://schemas.microsoft.com/office/drawing/2014/main" val="486400320"/>
+                    </a:ext>
+                  </a:extLst>
+                </a:gridCol>
+              </a:tblGrid>
+              <a:tr h="381187">
+                <a:tc>
+                  <a:txBody>
+                    <a:bodyPr/>
+                    <a:lstStyle/>
+                    <a:p>
+                      <a:pPr algn="ctr"/>
+                      <a:r>
+                        <a:rPr lang="es-MX" sz="900" dirty="0">
+                          <a:latin typeface="Times New Roman" panose="02020603050405020304" pitchFamily="18" charset="0"/>
+                          <a:cs typeface="Times New Roman" panose="02020603050405020304" pitchFamily="18" charset="0"/>
+                        </a:rPr>
+                        <a:t>INDICES</a:t>
+                      </a:r>
+                    </a:p>
+                    <a:p>
+                      <a:pPr algn="ctr"/>
+                      <a:r>
+                        <a:rPr lang="es-MX" sz="900" dirty="0">
+                          <a:latin typeface="Times New Roman" panose="02020603050405020304" pitchFamily="18" charset="0"/>
+                          <a:cs typeface="Times New Roman" panose="02020603050405020304" pitchFamily="18" charset="0"/>
+                        </a:rPr>
+                        <a:t>ALEATORIOS</a:t>
+                      </a:r>
+                      <a:endParaRPr lang="en-US" sz="900" dirty="0">
+                        <a:latin typeface="Times New Roman" panose="02020603050405020304" pitchFamily="18" charset="0"/>
+                        <a:cs typeface="Times New Roman" panose="02020603050405020304" pitchFamily="18" charset="0"/>
+                      </a:endParaRPr>
+                    </a:p>
+                  </a:txBody>
+                  <a:tcPr>
+                    <a:solidFill>
+                      <a:schemeClr val="bg2"/>
+                    </a:solidFill>
+                  </a:tcPr>
+                </a:tc>
+                <a:tc>
+                  <a:txBody>
+                    <a:bodyPr/>
+                    <a:lstStyle/>
+                    <a:p>
+                      <a:pPr algn="ctr"/>
+                      <a:endParaRPr lang="en-US" sz="1200" dirty="0">
+                        <a:latin typeface="Times New Roman" panose="02020603050405020304" pitchFamily="18" charset="0"/>
+                        <a:cs typeface="Times New Roman" panose="02020603050405020304" pitchFamily="18" charset="0"/>
+                      </a:endParaRPr>
+                    </a:p>
+                  </a:txBody>
+                  <a:tcPr>
+                    <a:noFill/>
+                  </a:tcPr>
+                </a:tc>
+                <a:tc>
+                  <a:txBody>
+                    <a:bodyPr/>
+                    <a:lstStyle/>
+                    <a:p>
+                      <a:pPr algn="ctr"/>
+                      <a:endParaRPr lang="en-US" sz="1200" dirty="0">
+                        <a:latin typeface="Times New Roman" panose="02020603050405020304" pitchFamily="18" charset="0"/>
+                        <a:cs typeface="Times New Roman" panose="02020603050405020304" pitchFamily="18" charset="0"/>
+                      </a:endParaRPr>
+                    </a:p>
+                  </a:txBody>
+                  <a:tcPr>
+                    <a:noFill/>
+                  </a:tcPr>
+                </a:tc>
+                <a:tc>
+                  <a:txBody>
+                    <a:bodyPr/>
+                    <a:lstStyle/>
+                    <a:p>
+                      <a:pPr algn="ctr"/>
+                      <a:endParaRPr lang="en-US" sz="1200" dirty="0">
+                        <a:latin typeface="Times New Roman" panose="02020603050405020304" pitchFamily="18" charset="0"/>
+                        <a:cs typeface="Times New Roman" panose="02020603050405020304" pitchFamily="18" charset="0"/>
+                      </a:endParaRPr>
+                    </a:p>
+                  </a:txBody>
+                  <a:tcPr>
+                    <a:noFill/>
+                  </a:tcPr>
+                </a:tc>
+                <a:tc>
+                  <a:txBody>
+                    <a:bodyPr/>
+                    <a:lstStyle/>
+                    <a:p>
+                      <a:pPr algn="ctr"/>
+                      <a:endParaRPr lang="en-US" sz="1200" dirty="0">
+                        <a:latin typeface="Times New Roman" panose="02020603050405020304" pitchFamily="18" charset="0"/>
+                        <a:cs typeface="Times New Roman" panose="02020603050405020304" pitchFamily="18" charset="0"/>
+                      </a:endParaRPr>
+                    </a:p>
+                  </a:txBody>
+                  <a:tcPr>
+                    <a:noFill/>
+                  </a:tcPr>
+                </a:tc>
+                <a:tc>
+                  <a:txBody>
+                    <a:bodyPr/>
+                    <a:lstStyle/>
+                    <a:p>
+                      <a:pPr algn="ctr"/>
+                      <a:r>
+                        <a:rPr lang="es-MX" sz="1200" dirty="0">
+                          <a:latin typeface="Times New Roman" panose="02020603050405020304" pitchFamily="18" charset="0"/>
+                          <a:cs typeface="Times New Roman" panose="02020603050405020304" pitchFamily="18" charset="0"/>
+                        </a:rPr>
+                        <a:t>5</a:t>
+                      </a:r>
+                      <a:endParaRPr lang="en-US" sz="1200" dirty="0">
+                        <a:latin typeface="Times New Roman" panose="02020603050405020304" pitchFamily="18" charset="0"/>
+                        <a:cs typeface="Times New Roman" panose="02020603050405020304" pitchFamily="18" charset="0"/>
+                      </a:endParaRPr>
+                    </a:p>
+                  </a:txBody>
+                  <a:tcPr>
+                    <a:noFill/>
+                  </a:tcPr>
+                </a:tc>
+                <a:tc>
+                  <a:txBody>
+                    <a:bodyPr/>
+                    <a:lstStyle/>
+                    <a:p>
+                      <a:pPr algn="ctr"/>
+                      <a:endParaRPr lang="en-US" sz="1200" dirty="0">
+                        <a:latin typeface="Times New Roman" panose="02020603050405020304" pitchFamily="18" charset="0"/>
+                        <a:cs typeface="Times New Roman" panose="02020603050405020304" pitchFamily="18" charset="0"/>
+                      </a:endParaRPr>
+                    </a:p>
+                  </a:txBody>
+                  <a:tcPr>
+                    <a:noFill/>
+                  </a:tcPr>
+                </a:tc>
+                <a:tc>
+                  <a:txBody>
+                    <a:bodyPr/>
+                    <a:lstStyle/>
+                    <a:p>
+                      <a:pPr algn="ctr"/>
+                      <a:r>
+                        <a:rPr lang="es-MX" sz="1200" dirty="0">
+                          <a:latin typeface="Times New Roman" panose="02020603050405020304" pitchFamily="18" charset="0"/>
+                          <a:cs typeface="Times New Roman" panose="02020603050405020304" pitchFamily="18" charset="0"/>
+                        </a:rPr>
+                        <a:t>7</a:t>
+                      </a:r>
+                      <a:endParaRPr lang="en-US" sz="1200" dirty="0">
+                        <a:latin typeface="Times New Roman" panose="02020603050405020304" pitchFamily="18" charset="0"/>
+                        <a:cs typeface="Times New Roman" panose="02020603050405020304" pitchFamily="18" charset="0"/>
+                      </a:endParaRPr>
+                    </a:p>
+                  </a:txBody>
+                  <a:tcPr>
+                    <a:noFill/>
+                  </a:tcPr>
+                </a:tc>
+                <a:tc>
+                  <a:txBody>
+                    <a:bodyPr/>
+                    <a:lstStyle/>
+                    <a:p>
+                      <a:pPr algn="ctr"/>
+                      <a:endParaRPr lang="en-US" sz="1200" dirty="0">
+                        <a:latin typeface="Times New Roman" panose="02020603050405020304" pitchFamily="18" charset="0"/>
+                        <a:cs typeface="Times New Roman" panose="02020603050405020304" pitchFamily="18" charset="0"/>
+                      </a:endParaRPr>
+                    </a:p>
+                  </a:txBody>
+                  <a:tcPr>
+                    <a:noFill/>
+                  </a:tcPr>
+                </a:tc>
+                <a:tc>
+                  <a:txBody>
+                    <a:bodyPr/>
+                    <a:lstStyle/>
+                    <a:p>
+                      <a:pPr algn="ctr"/>
+                      <a:endParaRPr lang="en-US" sz="1200" dirty="0">
+                        <a:latin typeface="Times New Roman" panose="02020603050405020304" pitchFamily="18" charset="0"/>
+                        <a:cs typeface="Times New Roman" panose="02020603050405020304" pitchFamily="18" charset="0"/>
+                      </a:endParaRPr>
+                    </a:p>
+                  </a:txBody>
+                  <a:tcPr>
+                    <a:noFill/>
+                  </a:tcPr>
+                </a:tc>
+                <a:tc>
+                  <a:txBody>
+                    <a:bodyPr/>
+                    <a:lstStyle/>
+                    <a:p>
+                      <a:pPr algn="ctr"/>
+                      <a:r>
+                        <a:rPr lang="es-MX" sz="1200" dirty="0">
+                          <a:latin typeface="Times New Roman" panose="02020603050405020304" pitchFamily="18" charset="0"/>
+                          <a:cs typeface="Times New Roman" panose="02020603050405020304" pitchFamily="18" charset="0"/>
+                        </a:rPr>
+                        <a:t>10</a:t>
+                      </a:r>
+                      <a:endParaRPr lang="en-US" sz="1200" dirty="0">
+                        <a:latin typeface="Times New Roman" panose="02020603050405020304" pitchFamily="18" charset="0"/>
+                        <a:cs typeface="Times New Roman" panose="02020603050405020304" pitchFamily="18" charset="0"/>
+                      </a:endParaRPr>
+                    </a:p>
+                  </a:txBody>
+                  <a:tcPr>
+                    <a:noFill/>
+                  </a:tcPr>
+                </a:tc>
+                <a:tc>
+                  <a:txBody>
+                    <a:bodyPr/>
+                    <a:lstStyle/>
+                    <a:p>
+                      <a:pPr algn="ctr"/>
+                      <a:endParaRPr lang="en-US" sz="1200" dirty="0">
+                        <a:latin typeface="Times New Roman" panose="02020603050405020304" pitchFamily="18" charset="0"/>
+                        <a:cs typeface="Times New Roman" panose="02020603050405020304" pitchFamily="18" charset="0"/>
+                      </a:endParaRPr>
+                    </a:p>
+                  </a:txBody>
+                  <a:tcPr>
+                    <a:noFill/>
+                  </a:tcPr>
+                </a:tc>
+                <a:tc>
+                  <a:txBody>
+                    <a:bodyPr/>
+                    <a:lstStyle/>
+                    <a:p>
+                      <a:pPr algn="ctr"/>
+                      <a:endParaRPr lang="en-US" sz="1200" dirty="0">
+                        <a:latin typeface="Times New Roman" panose="02020603050405020304" pitchFamily="18" charset="0"/>
+                        <a:cs typeface="Times New Roman" panose="02020603050405020304" pitchFamily="18" charset="0"/>
+                      </a:endParaRPr>
+                    </a:p>
+                  </a:txBody>
+                  <a:tcPr>
+                    <a:noFill/>
+                  </a:tcPr>
+                </a:tc>
+                <a:tc>
+                  <a:txBody>
+                    <a:bodyPr/>
+                    <a:lstStyle/>
+                    <a:p>
+                      <a:pPr algn="ctr"/>
+                      <a:endParaRPr lang="en-US" sz="1200" dirty="0">
+                        <a:latin typeface="Times New Roman" panose="02020603050405020304" pitchFamily="18" charset="0"/>
+                        <a:cs typeface="Times New Roman" panose="02020603050405020304" pitchFamily="18" charset="0"/>
+                      </a:endParaRPr>
+                    </a:p>
+                  </a:txBody>
+                  <a:tcPr>
+                    <a:noFill/>
+                  </a:tcPr>
+                </a:tc>
+                <a:tc>
+                  <a:txBody>
+                    <a:bodyPr/>
+                    <a:lstStyle/>
+                    <a:p>
+                      <a:pPr algn="ctr"/>
+                      <a:endParaRPr lang="en-US" sz="1200" dirty="0">
+                        <a:latin typeface="Times New Roman" panose="02020603050405020304" pitchFamily="18" charset="0"/>
+                        <a:cs typeface="Times New Roman" panose="02020603050405020304" pitchFamily="18" charset="0"/>
+                      </a:endParaRPr>
+                    </a:p>
+                  </a:txBody>
+                  <a:tcPr>
+                    <a:noFill/>
+                  </a:tcPr>
+                </a:tc>
+                <a:tc>
+                  <a:txBody>
+                    <a:bodyPr/>
+                    <a:lstStyle/>
+                    <a:p>
+                      <a:pPr algn="ctr"/>
+                      <a:endParaRPr lang="en-US" sz="1200" dirty="0">
+                        <a:latin typeface="Times New Roman" panose="02020603050405020304" pitchFamily="18" charset="0"/>
+                        <a:cs typeface="Times New Roman" panose="02020603050405020304" pitchFamily="18" charset="0"/>
+                      </a:endParaRPr>
+                    </a:p>
+                  </a:txBody>
+                  <a:tcPr>
+                    <a:noFill/>
+                  </a:tcPr>
+                </a:tc>
+                <a:tc>
+                  <a:txBody>
+                    <a:bodyPr/>
+                    <a:lstStyle/>
+                    <a:p>
+                      <a:pPr algn="ctr"/>
+                      <a:endParaRPr lang="en-US" sz="1200" dirty="0">
+                        <a:latin typeface="Times New Roman" panose="02020603050405020304" pitchFamily="18" charset="0"/>
+                        <a:cs typeface="Times New Roman" panose="02020603050405020304" pitchFamily="18" charset="0"/>
+                      </a:endParaRPr>
+                    </a:p>
+                  </a:txBody>
+                  <a:tcPr>
+                    <a:noFill/>
+                  </a:tcPr>
+                </a:tc>
+                <a:tc>
+                  <a:txBody>
+                    <a:bodyPr/>
+                    <a:lstStyle/>
+                    <a:p>
+                      <a:pPr algn="ctr"/>
+                      <a:r>
+                        <a:rPr lang="es-MX" sz="1200" dirty="0">
+                          <a:latin typeface="Times New Roman" panose="02020603050405020304" pitchFamily="18" charset="0"/>
+                          <a:cs typeface="Times New Roman" panose="02020603050405020304" pitchFamily="18" charset="0"/>
+                        </a:rPr>
+                        <a:t>17</a:t>
+                      </a:r>
+                      <a:endParaRPr lang="en-US" sz="1200" dirty="0">
+                        <a:latin typeface="Times New Roman" panose="02020603050405020304" pitchFamily="18" charset="0"/>
+                        <a:cs typeface="Times New Roman" panose="02020603050405020304" pitchFamily="18" charset="0"/>
+                      </a:endParaRPr>
+                    </a:p>
+                  </a:txBody>
+                  <a:tcPr>
+                    <a:noFill/>
+                  </a:tcPr>
+                </a:tc>
+                <a:tc>
+                  <a:txBody>
+                    <a:bodyPr/>
+                    <a:lstStyle/>
+                    <a:p>
+                      <a:pPr algn="ctr"/>
+                      <a:endParaRPr lang="en-US" sz="1200" dirty="0">
+                        <a:latin typeface="Times New Roman" panose="02020603050405020304" pitchFamily="18" charset="0"/>
+                        <a:cs typeface="Times New Roman" panose="02020603050405020304" pitchFamily="18" charset="0"/>
+                      </a:endParaRPr>
+                    </a:p>
+                  </a:txBody>
+                  <a:tcPr>
+                    <a:noFill/>
+                  </a:tcPr>
+                </a:tc>
+                <a:tc>
+                  <a:txBody>
+                    <a:bodyPr/>
+                    <a:lstStyle/>
+                    <a:p>
+                      <a:pPr algn="ctr"/>
+                      <a:endParaRPr lang="en-US" sz="1200" dirty="0">
+                        <a:latin typeface="Times New Roman" panose="02020603050405020304" pitchFamily="18" charset="0"/>
+                        <a:cs typeface="Times New Roman" panose="02020603050405020304" pitchFamily="18" charset="0"/>
+                      </a:endParaRPr>
+                    </a:p>
+                  </a:txBody>
+                  <a:tcPr>
+                    <a:noFill/>
+                  </a:tcPr>
+                </a:tc>
+                <a:extLst>
+                  <a:ext uri="{0D108BD9-81ED-4DB2-BD59-A6C34878D82A}">
+                    <a16:rowId xmlns:a16="http://schemas.microsoft.com/office/drawing/2014/main" val="887266527"/>
+                  </a:ext>
+                </a:extLst>
+              </a:tr>
+              <a:tr h="304949">
+                <a:tc>
+                  <a:txBody>
+                    <a:bodyPr/>
+                    <a:lstStyle/>
+                    <a:p>
+                      <a:pPr algn="ctr"/>
+                      <a:r>
+                        <a:rPr lang="es-MX" sz="900" dirty="0">
+                          <a:latin typeface="Times New Roman" panose="02020603050405020304" pitchFamily="18" charset="0"/>
+                          <a:cs typeface="Times New Roman" panose="02020603050405020304" pitchFamily="18" charset="0"/>
+                        </a:rPr>
+                        <a:t>GENES</a:t>
+                      </a:r>
+                      <a:br>
+                        <a:rPr lang="es-MX" sz="900" dirty="0">
+                          <a:latin typeface="Times New Roman" panose="02020603050405020304" pitchFamily="18" charset="0"/>
+                          <a:cs typeface="Times New Roman" panose="02020603050405020304" pitchFamily="18" charset="0"/>
+                        </a:rPr>
+                      </a:br>
+                      <a:endParaRPr lang="en-US" sz="900" dirty="0">
+                        <a:latin typeface="Times New Roman" panose="02020603050405020304" pitchFamily="18" charset="0"/>
+                        <a:cs typeface="Times New Roman" panose="02020603050405020304" pitchFamily="18" charset="0"/>
+                      </a:endParaRPr>
+                    </a:p>
+                  </a:txBody>
+                  <a:tcPr>
+                    <a:solidFill>
+                      <a:schemeClr val="bg2"/>
+                    </a:solidFill>
+                  </a:tcPr>
+                </a:tc>
+                <a:tc>
+                  <a:txBody>
+                    <a:bodyPr/>
+                    <a:lstStyle/>
+                    <a:p>
+                      <a:pPr algn="ctr"/>
+                      <a:r>
+                        <a:rPr lang="es-MX" sz="1200" dirty="0">
+                          <a:latin typeface="Times New Roman" panose="02020603050405020304" pitchFamily="18" charset="0"/>
+                          <a:cs typeface="Times New Roman" panose="02020603050405020304" pitchFamily="18" charset="0"/>
+                        </a:rPr>
+                        <a:t>A</a:t>
+                      </a:r>
+                      <a:endParaRPr lang="en-US" sz="1200" dirty="0">
+                        <a:latin typeface="Times New Roman" panose="02020603050405020304" pitchFamily="18" charset="0"/>
+                        <a:cs typeface="Times New Roman" panose="02020603050405020304" pitchFamily="18" charset="0"/>
+                      </a:endParaRPr>
+                    </a:p>
+                  </a:txBody>
+                  <a:tcPr/>
+                </a:tc>
+                <a:tc>
+                  <a:txBody>
+                    <a:bodyPr/>
+                    <a:lstStyle/>
+                    <a:p>
+                      <a:pPr algn="ctr"/>
+                      <a:r>
+                        <a:rPr lang="es-MX" sz="1200" dirty="0">
+                          <a:latin typeface="Times New Roman" panose="02020603050405020304" pitchFamily="18" charset="0"/>
+                          <a:cs typeface="Times New Roman" panose="02020603050405020304" pitchFamily="18" charset="0"/>
+                        </a:rPr>
+                        <a:t>T</a:t>
+                      </a:r>
+                      <a:endParaRPr lang="en-US" sz="1200" dirty="0">
+                        <a:latin typeface="Times New Roman" panose="02020603050405020304" pitchFamily="18" charset="0"/>
+                        <a:cs typeface="Times New Roman" panose="02020603050405020304" pitchFamily="18" charset="0"/>
+                      </a:endParaRPr>
+                    </a:p>
+                  </a:txBody>
+                  <a:tcPr/>
+                </a:tc>
+                <a:tc>
+                  <a:txBody>
+                    <a:bodyPr/>
+                    <a:lstStyle/>
+                    <a:p>
+                      <a:pPr algn="ctr"/>
+                      <a:r>
+                        <a:rPr lang="es-MX" sz="1200" dirty="0">
+                          <a:latin typeface="Times New Roman" panose="02020603050405020304" pitchFamily="18" charset="0"/>
+                          <a:cs typeface="Times New Roman" panose="02020603050405020304" pitchFamily="18" charset="0"/>
+                        </a:rPr>
+                        <a:t>T</a:t>
+                      </a:r>
+                      <a:endParaRPr lang="en-US" sz="1200" dirty="0">
+                        <a:latin typeface="Times New Roman" panose="02020603050405020304" pitchFamily="18" charset="0"/>
+                        <a:cs typeface="Times New Roman" panose="02020603050405020304" pitchFamily="18" charset="0"/>
+                      </a:endParaRPr>
+                    </a:p>
+                  </a:txBody>
+                  <a:tcPr/>
+                </a:tc>
+                <a:tc>
+                  <a:txBody>
+                    <a:bodyPr/>
+                    <a:lstStyle/>
+                    <a:p>
+                      <a:pPr algn="ctr"/>
+                      <a:r>
+                        <a:rPr lang="es-MX" sz="1200" dirty="0">
+                          <a:latin typeface="Times New Roman" panose="02020603050405020304" pitchFamily="18" charset="0"/>
+                          <a:cs typeface="Times New Roman" panose="02020603050405020304" pitchFamily="18" charset="0"/>
+                        </a:rPr>
+                        <a:t>G</a:t>
+                      </a:r>
+                      <a:endParaRPr lang="en-US" sz="1200" dirty="0">
+                        <a:latin typeface="Times New Roman" panose="02020603050405020304" pitchFamily="18" charset="0"/>
+                        <a:cs typeface="Times New Roman" panose="02020603050405020304" pitchFamily="18" charset="0"/>
+                      </a:endParaRPr>
+                    </a:p>
+                  </a:txBody>
+                  <a:tcPr/>
+                </a:tc>
+                <a:tc>
+                  <a:txBody>
+                    <a:bodyPr/>
+                    <a:lstStyle/>
+                    <a:p>
+                      <a:pPr algn="ctr"/>
+                      <a:r>
+                        <a:rPr lang="es-MX" sz="1200" dirty="0">
+                          <a:latin typeface="Times New Roman" panose="02020603050405020304" pitchFamily="18" charset="0"/>
+                          <a:cs typeface="Times New Roman" panose="02020603050405020304" pitchFamily="18" charset="0"/>
+                        </a:rPr>
+                        <a:t>A</a:t>
+                      </a:r>
+                      <a:endParaRPr lang="en-US" sz="1200" dirty="0">
+                        <a:latin typeface="Times New Roman" panose="02020603050405020304" pitchFamily="18" charset="0"/>
+                        <a:cs typeface="Times New Roman" panose="02020603050405020304" pitchFamily="18" charset="0"/>
+                      </a:endParaRPr>
+                    </a:p>
+                  </a:txBody>
+                  <a:tcPr>
+                    <a:solidFill>
+                      <a:schemeClr val="accent3"/>
+                    </a:solidFill>
+                  </a:tcPr>
+                </a:tc>
+                <a:tc>
+                  <a:txBody>
+                    <a:bodyPr/>
+                    <a:lstStyle/>
+                    <a:p>
+                      <a:pPr algn="ctr"/>
+                      <a:r>
+                        <a:rPr lang="es-MX" sz="1200" dirty="0">
+                          <a:latin typeface="Times New Roman" panose="02020603050405020304" pitchFamily="18" charset="0"/>
+                          <a:cs typeface="Times New Roman" panose="02020603050405020304" pitchFamily="18" charset="0"/>
+                        </a:rPr>
+                        <a:t>G</a:t>
+                      </a:r>
+                      <a:endParaRPr lang="en-US" sz="1200" dirty="0">
+                        <a:latin typeface="Times New Roman" panose="02020603050405020304" pitchFamily="18" charset="0"/>
+                        <a:cs typeface="Times New Roman" panose="02020603050405020304" pitchFamily="18" charset="0"/>
+                      </a:endParaRPr>
+                    </a:p>
+                  </a:txBody>
+                  <a:tcPr/>
+                </a:tc>
+                <a:tc>
+                  <a:txBody>
+                    <a:bodyPr/>
+                    <a:lstStyle/>
+                    <a:p>
+                      <a:pPr algn="ctr"/>
+                      <a:r>
+                        <a:rPr lang="es-MX" sz="1200" dirty="0">
+                          <a:latin typeface="Times New Roman" panose="02020603050405020304" pitchFamily="18" charset="0"/>
+                          <a:cs typeface="Times New Roman" panose="02020603050405020304" pitchFamily="18" charset="0"/>
+                        </a:rPr>
+                        <a:t>C</a:t>
+                      </a:r>
+                      <a:endParaRPr lang="en-US" sz="1200" dirty="0">
+                        <a:latin typeface="Times New Roman" panose="02020603050405020304" pitchFamily="18" charset="0"/>
+                        <a:cs typeface="Times New Roman" panose="02020603050405020304" pitchFamily="18" charset="0"/>
+                      </a:endParaRPr>
+                    </a:p>
+                  </a:txBody>
+                  <a:tcPr>
+                    <a:solidFill>
+                      <a:schemeClr val="accent3"/>
+                    </a:solidFill>
+                  </a:tcPr>
+                </a:tc>
+                <a:tc>
+                  <a:txBody>
+                    <a:bodyPr/>
+                    <a:lstStyle/>
+                    <a:p>
+                      <a:pPr algn="ctr"/>
+                      <a:r>
+                        <a:rPr lang="es-MX" sz="1200" dirty="0">
+                          <a:latin typeface="Times New Roman" panose="02020603050405020304" pitchFamily="18" charset="0"/>
+                          <a:cs typeface="Times New Roman" panose="02020603050405020304" pitchFamily="18" charset="0"/>
+                        </a:rPr>
+                        <a:t>C</a:t>
+                      </a:r>
+                      <a:endParaRPr lang="en-US" sz="1200" dirty="0">
+                        <a:latin typeface="Times New Roman" panose="02020603050405020304" pitchFamily="18" charset="0"/>
+                        <a:cs typeface="Times New Roman" panose="02020603050405020304" pitchFamily="18" charset="0"/>
+                      </a:endParaRPr>
+                    </a:p>
+                  </a:txBody>
+                  <a:tcPr/>
+                </a:tc>
+                <a:tc>
+                  <a:txBody>
+                    <a:bodyPr/>
+                    <a:lstStyle/>
+                    <a:p>
+                      <a:pPr algn="ctr"/>
+                      <a:r>
+                        <a:rPr lang="es-MX" sz="1200" dirty="0">
+                          <a:latin typeface="Times New Roman" panose="02020603050405020304" pitchFamily="18" charset="0"/>
+                          <a:cs typeface="Times New Roman" panose="02020603050405020304" pitchFamily="18" charset="0"/>
+                        </a:rPr>
+                        <a:t>T</a:t>
+                      </a:r>
+                      <a:endParaRPr lang="en-US" sz="1200" dirty="0">
+                        <a:latin typeface="Times New Roman" panose="02020603050405020304" pitchFamily="18" charset="0"/>
+                        <a:cs typeface="Times New Roman" panose="02020603050405020304" pitchFamily="18" charset="0"/>
+                      </a:endParaRPr>
+                    </a:p>
+                  </a:txBody>
+                  <a:tcPr/>
+                </a:tc>
+                <a:tc>
+                  <a:txBody>
+                    <a:bodyPr/>
+                    <a:lstStyle/>
+                    <a:p>
+                      <a:pPr algn="ctr"/>
+                      <a:r>
+                        <a:rPr lang="es-MX" sz="1200" dirty="0">
+                          <a:latin typeface="Times New Roman" panose="02020603050405020304" pitchFamily="18" charset="0"/>
+                          <a:cs typeface="Times New Roman" panose="02020603050405020304" pitchFamily="18" charset="0"/>
+                        </a:rPr>
+                        <a:t>G</a:t>
+                      </a:r>
+                      <a:endParaRPr lang="en-US" sz="1200" dirty="0">
+                        <a:latin typeface="Times New Roman" panose="02020603050405020304" pitchFamily="18" charset="0"/>
+                        <a:cs typeface="Times New Roman" panose="02020603050405020304" pitchFamily="18" charset="0"/>
+                      </a:endParaRPr>
+                    </a:p>
+                  </a:txBody>
+                  <a:tcPr>
+                    <a:solidFill>
+                      <a:schemeClr val="accent3"/>
+                    </a:solidFill>
+                  </a:tcPr>
+                </a:tc>
+                <a:tc>
+                  <a:txBody>
+                    <a:bodyPr/>
+                    <a:lstStyle/>
+                    <a:p>
+                      <a:pPr algn="ctr"/>
+                      <a:r>
+                        <a:rPr lang="es-MX" sz="1200" dirty="0">
+                          <a:latin typeface="Times New Roman" panose="02020603050405020304" pitchFamily="18" charset="0"/>
+                          <a:cs typeface="Times New Roman" panose="02020603050405020304" pitchFamily="18" charset="0"/>
+                        </a:rPr>
+                        <a:t>T</a:t>
+                      </a:r>
+                      <a:endParaRPr lang="en-US" sz="1200" dirty="0">
+                        <a:latin typeface="Times New Roman" panose="02020603050405020304" pitchFamily="18" charset="0"/>
+                        <a:cs typeface="Times New Roman" panose="02020603050405020304" pitchFamily="18" charset="0"/>
+                      </a:endParaRPr>
+                    </a:p>
+                  </a:txBody>
+                  <a:tcPr/>
+                </a:tc>
+                <a:tc>
+                  <a:txBody>
+                    <a:bodyPr/>
+                    <a:lstStyle/>
+                    <a:p>
+                      <a:pPr algn="ctr"/>
+                      <a:r>
+                        <a:rPr lang="es-MX" sz="1200" dirty="0">
+                          <a:latin typeface="Times New Roman" panose="02020603050405020304" pitchFamily="18" charset="0"/>
+                          <a:cs typeface="Times New Roman" panose="02020603050405020304" pitchFamily="18" charset="0"/>
+                        </a:rPr>
+                        <a:t>A</a:t>
+                      </a:r>
+                      <a:endParaRPr lang="en-US" sz="1200" dirty="0">
+                        <a:latin typeface="Times New Roman" panose="02020603050405020304" pitchFamily="18" charset="0"/>
+                        <a:cs typeface="Times New Roman" panose="02020603050405020304" pitchFamily="18" charset="0"/>
+                      </a:endParaRPr>
+                    </a:p>
+                  </a:txBody>
+                  <a:tcPr/>
+                </a:tc>
+                <a:tc>
+                  <a:txBody>
+                    <a:bodyPr/>
+                    <a:lstStyle/>
+                    <a:p>
+                      <a:pPr algn="ctr"/>
+                      <a:r>
+                        <a:rPr lang="es-MX" sz="1200" dirty="0">
+                          <a:latin typeface="Times New Roman" panose="02020603050405020304" pitchFamily="18" charset="0"/>
+                          <a:cs typeface="Times New Roman" panose="02020603050405020304" pitchFamily="18" charset="0"/>
+                        </a:rPr>
+                        <a:t>T</a:t>
+                      </a:r>
+                      <a:endParaRPr lang="en-US" sz="1200" dirty="0">
+                        <a:latin typeface="Times New Roman" panose="02020603050405020304" pitchFamily="18" charset="0"/>
+                        <a:cs typeface="Times New Roman" panose="02020603050405020304" pitchFamily="18" charset="0"/>
+                      </a:endParaRPr>
+                    </a:p>
+                  </a:txBody>
+                  <a:tcPr/>
+                </a:tc>
+                <a:tc>
+                  <a:txBody>
+                    <a:bodyPr/>
+                    <a:lstStyle/>
+                    <a:p>
+                      <a:pPr algn="ctr"/>
+                      <a:r>
+                        <a:rPr lang="es-MX" sz="1200" dirty="0">
+                          <a:latin typeface="Times New Roman" panose="02020603050405020304" pitchFamily="18" charset="0"/>
+                          <a:cs typeface="Times New Roman" panose="02020603050405020304" pitchFamily="18" charset="0"/>
+                        </a:rPr>
+                        <a:t>C</a:t>
+                      </a:r>
+                      <a:endParaRPr lang="en-US" sz="1200" dirty="0">
+                        <a:latin typeface="Times New Roman" panose="02020603050405020304" pitchFamily="18" charset="0"/>
+                        <a:cs typeface="Times New Roman" panose="02020603050405020304" pitchFamily="18" charset="0"/>
+                      </a:endParaRPr>
+                    </a:p>
+                  </a:txBody>
+                  <a:tcPr/>
+                </a:tc>
+                <a:tc>
+                  <a:txBody>
+                    <a:bodyPr/>
+                    <a:lstStyle/>
+                    <a:p>
+                      <a:pPr algn="ctr"/>
+                      <a:r>
+                        <a:rPr lang="es-MX" sz="1200" dirty="0">
+                          <a:latin typeface="Times New Roman" panose="02020603050405020304" pitchFamily="18" charset="0"/>
+                          <a:cs typeface="Times New Roman" panose="02020603050405020304" pitchFamily="18" charset="0"/>
+                        </a:rPr>
+                        <a:t>A</a:t>
+                      </a:r>
+                      <a:endParaRPr lang="en-US" sz="1200" dirty="0">
+                        <a:latin typeface="Times New Roman" panose="02020603050405020304" pitchFamily="18" charset="0"/>
+                        <a:cs typeface="Times New Roman" panose="02020603050405020304" pitchFamily="18" charset="0"/>
+                      </a:endParaRPr>
+                    </a:p>
+                  </a:txBody>
+                  <a:tcPr/>
+                </a:tc>
+                <a:tc>
+                  <a:txBody>
+                    <a:bodyPr/>
+                    <a:lstStyle/>
+                    <a:p>
+                      <a:pPr algn="ctr"/>
+                      <a:r>
+                        <a:rPr lang="es-MX" sz="1200" dirty="0">
+                          <a:latin typeface="Times New Roman" panose="02020603050405020304" pitchFamily="18" charset="0"/>
+                          <a:cs typeface="Times New Roman" panose="02020603050405020304" pitchFamily="18" charset="0"/>
+                        </a:rPr>
+                        <a:t>G</a:t>
+                      </a:r>
+                      <a:endParaRPr lang="en-US" sz="1200" dirty="0">
+                        <a:latin typeface="Times New Roman" panose="02020603050405020304" pitchFamily="18" charset="0"/>
+                        <a:cs typeface="Times New Roman" panose="02020603050405020304" pitchFamily="18" charset="0"/>
+                      </a:endParaRPr>
+                    </a:p>
+                  </a:txBody>
+                  <a:tcPr/>
+                </a:tc>
+                <a:tc>
+                  <a:txBody>
+                    <a:bodyPr/>
+                    <a:lstStyle/>
+                    <a:p>
+                      <a:pPr algn="ctr"/>
+                      <a:r>
+                        <a:rPr lang="es-MX" sz="1200" dirty="0">
+                          <a:latin typeface="Times New Roman" panose="02020603050405020304" pitchFamily="18" charset="0"/>
+                          <a:cs typeface="Times New Roman" panose="02020603050405020304" pitchFamily="18" charset="0"/>
+                        </a:rPr>
+                        <a:t>C</a:t>
+                      </a:r>
+                      <a:endParaRPr lang="en-US" sz="1200" dirty="0">
+                        <a:latin typeface="Times New Roman" panose="02020603050405020304" pitchFamily="18" charset="0"/>
+                        <a:cs typeface="Times New Roman" panose="02020603050405020304" pitchFamily="18" charset="0"/>
+                      </a:endParaRPr>
+                    </a:p>
+                  </a:txBody>
+                  <a:tcPr>
+                    <a:solidFill>
+                      <a:schemeClr val="accent3"/>
+                    </a:solidFill>
+                  </a:tcPr>
+                </a:tc>
+                <a:tc>
+                  <a:txBody>
+                    <a:bodyPr/>
+                    <a:lstStyle/>
+                    <a:p>
+                      <a:pPr algn="ctr"/>
+                      <a:r>
+                        <a:rPr lang="es-MX" sz="1200" dirty="0">
+                          <a:latin typeface="Times New Roman" panose="02020603050405020304" pitchFamily="18" charset="0"/>
+                          <a:cs typeface="Times New Roman" panose="02020603050405020304" pitchFamily="18" charset="0"/>
+                        </a:rPr>
+                        <a:t>C</a:t>
+                      </a:r>
+                      <a:endParaRPr lang="en-US" sz="1200" dirty="0">
+                        <a:latin typeface="Times New Roman" panose="02020603050405020304" pitchFamily="18" charset="0"/>
+                        <a:cs typeface="Times New Roman" panose="02020603050405020304" pitchFamily="18" charset="0"/>
+                      </a:endParaRPr>
+                    </a:p>
+                  </a:txBody>
+                  <a:tcPr/>
+                </a:tc>
+                <a:tc>
+                  <a:txBody>
+                    <a:bodyPr/>
+                    <a:lstStyle/>
+                    <a:p>
+                      <a:pPr algn="ctr"/>
+                      <a:r>
+                        <a:rPr lang="es-MX" sz="1200" dirty="0">
+                          <a:latin typeface="Times New Roman" panose="02020603050405020304" pitchFamily="18" charset="0"/>
+                          <a:cs typeface="Times New Roman" panose="02020603050405020304" pitchFamily="18" charset="0"/>
+                        </a:rPr>
+                        <a:t>C</a:t>
+                      </a:r>
+                      <a:endParaRPr lang="en-US" sz="1200" dirty="0">
+                        <a:latin typeface="Times New Roman" panose="02020603050405020304" pitchFamily="18" charset="0"/>
+                        <a:cs typeface="Times New Roman" panose="02020603050405020304" pitchFamily="18" charset="0"/>
+                      </a:endParaRPr>
+                    </a:p>
+                  </a:txBody>
+                  <a:tcPr/>
+                </a:tc>
+                <a:extLst>
+                  <a:ext uri="{0D108BD9-81ED-4DB2-BD59-A6C34878D82A}">
+                    <a16:rowId xmlns:a16="http://schemas.microsoft.com/office/drawing/2014/main" val="4184938944"/>
+                  </a:ext>
+                </a:extLst>
+              </a:tr>
+              <a:tr h="381187">
+                <a:tc>
+                  <a:txBody>
+                    <a:bodyPr/>
+                    <a:lstStyle/>
+                    <a:p>
+                      <a:pPr algn="ctr"/>
+                      <a:r>
+                        <a:rPr lang="es-MX" sz="900" dirty="0">
+                          <a:latin typeface="Times New Roman" panose="02020603050405020304" pitchFamily="18" charset="0"/>
+                          <a:cs typeface="Times New Roman" panose="02020603050405020304" pitchFamily="18" charset="0"/>
+                        </a:rPr>
+                        <a:t>INDICES </a:t>
+                      </a:r>
+                    </a:p>
+                    <a:p>
+                      <a:pPr algn="ctr"/>
+                      <a:r>
+                        <a:rPr lang="es-MX" sz="900" dirty="0">
+                          <a:latin typeface="Times New Roman" panose="02020603050405020304" pitchFamily="18" charset="0"/>
+                          <a:cs typeface="Times New Roman" panose="02020603050405020304" pitchFamily="18" charset="0"/>
+                        </a:rPr>
+                        <a:t>DE GENES</a:t>
+                      </a:r>
+                      <a:endParaRPr lang="en-US" sz="900" dirty="0">
+                        <a:latin typeface="Times New Roman" panose="02020603050405020304" pitchFamily="18" charset="0"/>
+                        <a:cs typeface="Times New Roman" panose="02020603050405020304" pitchFamily="18" charset="0"/>
+                      </a:endParaRPr>
+                    </a:p>
+                  </a:txBody>
+                  <a:tcPr>
+                    <a:solidFill>
+                      <a:schemeClr val="bg2"/>
+                    </a:solidFill>
+                  </a:tcPr>
+                </a:tc>
+                <a:tc>
+                  <a:txBody>
+                    <a:bodyPr/>
+                    <a:lstStyle/>
+                    <a:p>
+                      <a:pPr algn="ctr"/>
+                      <a:r>
+                        <a:rPr lang="es-MX" sz="1200" dirty="0">
+                          <a:latin typeface="Times New Roman" panose="02020603050405020304" pitchFamily="18" charset="0"/>
+                          <a:cs typeface="Times New Roman" panose="02020603050405020304" pitchFamily="18" charset="0"/>
+                        </a:rPr>
+                        <a:t>1</a:t>
+                      </a:r>
+                      <a:endParaRPr lang="en-US" sz="1200" dirty="0">
+                        <a:latin typeface="Times New Roman" panose="02020603050405020304" pitchFamily="18" charset="0"/>
+                        <a:cs typeface="Times New Roman" panose="02020603050405020304" pitchFamily="18" charset="0"/>
+                      </a:endParaRPr>
+                    </a:p>
+                  </a:txBody>
+                  <a:tcPr>
+                    <a:noFill/>
+                  </a:tcPr>
+                </a:tc>
+                <a:tc>
+                  <a:txBody>
+                    <a:bodyPr/>
+                    <a:lstStyle/>
+                    <a:p>
+                      <a:pPr algn="ctr"/>
+                      <a:r>
+                        <a:rPr lang="es-MX" sz="1200" dirty="0">
+                          <a:latin typeface="Times New Roman" panose="02020603050405020304" pitchFamily="18" charset="0"/>
+                          <a:cs typeface="Times New Roman" panose="02020603050405020304" pitchFamily="18" charset="0"/>
+                        </a:rPr>
+                        <a:t>2</a:t>
+                      </a:r>
+                      <a:endParaRPr lang="en-US" sz="1200" dirty="0">
+                        <a:latin typeface="Times New Roman" panose="02020603050405020304" pitchFamily="18" charset="0"/>
+                        <a:cs typeface="Times New Roman" panose="02020603050405020304" pitchFamily="18" charset="0"/>
+                      </a:endParaRPr>
+                    </a:p>
+                  </a:txBody>
+                  <a:tcPr>
+                    <a:noFill/>
+                  </a:tcPr>
+                </a:tc>
+                <a:tc>
+                  <a:txBody>
+                    <a:bodyPr/>
+                    <a:lstStyle/>
+                    <a:p>
+                      <a:pPr algn="ctr"/>
+                      <a:r>
+                        <a:rPr lang="es-MX" sz="1200" dirty="0">
+                          <a:latin typeface="Times New Roman" panose="02020603050405020304" pitchFamily="18" charset="0"/>
+                          <a:cs typeface="Times New Roman" panose="02020603050405020304" pitchFamily="18" charset="0"/>
+                        </a:rPr>
+                        <a:t>3</a:t>
+                      </a:r>
+                      <a:endParaRPr lang="en-US" sz="1200" dirty="0">
+                        <a:latin typeface="Times New Roman" panose="02020603050405020304" pitchFamily="18" charset="0"/>
+                        <a:cs typeface="Times New Roman" panose="02020603050405020304" pitchFamily="18" charset="0"/>
+                      </a:endParaRPr>
+                    </a:p>
+                  </a:txBody>
+                  <a:tcPr>
+                    <a:noFill/>
+                  </a:tcPr>
+                </a:tc>
+                <a:tc>
+                  <a:txBody>
+                    <a:bodyPr/>
+                    <a:lstStyle/>
+                    <a:p>
+                      <a:pPr algn="ctr"/>
+                      <a:r>
+                        <a:rPr lang="es-MX" sz="1200" dirty="0">
+                          <a:latin typeface="Times New Roman" panose="02020603050405020304" pitchFamily="18" charset="0"/>
+                          <a:cs typeface="Times New Roman" panose="02020603050405020304" pitchFamily="18" charset="0"/>
+                        </a:rPr>
+                        <a:t>4</a:t>
+                      </a:r>
+                      <a:endParaRPr lang="en-US" sz="1200" dirty="0">
+                        <a:latin typeface="Times New Roman" panose="02020603050405020304" pitchFamily="18" charset="0"/>
+                        <a:cs typeface="Times New Roman" panose="02020603050405020304" pitchFamily="18" charset="0"/>
+                      </a:endParaRPr>
+                    </a:p>
+                  </a:txBody>
+                  <a:tcPr>
+                    <a:noFill/>
+                  </a:tcPr>
+                </a:tc>
+                <a:tc>
+                  <a:txBody>
+                    <a:bodyPr/>
+                    <a:lstStyle/>
+                    <a:p>
+                      <a:pPr algn="ctr"/>
+                      <a:r>
+                        <a:rPr lang="es-MX" sz="1200" dirty="0">
+                          <a:latin typeface="Times New Roman" panose="02020603050405020304" pitchFamily="18" charset="0"/>
+                          <a:cs typeface="Times New Roman" panose="02020603050405020304" pitchFamily="18" charset="0"/>
+                        </a:rPr>
+                        <a:t>5</a:t>
+                      </a:r>
+                      <a:endParaRPr lang="en-US" sz="1200" dirty="0">
+                        <a:latin typeface="Times New Roman" panose="02020603050405020304" pitchFamily="18" charset="0"/>
+                        <a:cs typeface="Times New Roman" panose="02020603050405020304" pitchFamily="18" charset="0"/>
+                      </a:endParaRPr>
+                    </a:p>
+                  </a:txBody>
+                  <a:tcPr>
+                    <a:noFill/>
+                  </a:tcPr>
+                </a:tc>
+                <a:tc>
+                  <a:txBody>
+                    <a:bodyPr/>
+                    <a:lstStyle/>
+                    <a:p>
+                      <a:pPr algn="ctr"/>
+                      <a:r>
+                        <a:rPr lang="es-MX" sz="1200" dirty="0">
+                          <a:latin typeface="Times New Roman" panose="02020603050405020304" pitchFamily="18" charset="0"/>
+                          <a:cs typeface="Times New Roman" panose="02020603050405020304" pitchFamily="18" charset="0"/>
+                        </a:rPr>
+                        <a:t>6</a:t>
+                      </a:r>
+                      <a:endParaRPr lang="en-US" sz="1200" dirty="0">
+                        <a:latin typeface="Times New Roman" panose="02020603050405020304" pitchFamily="18" charset="0"/>
+                        <a:cs typeface="Times New Roman" panose="02020603050405020304" pitchFamily="18" charset="0"/>
+                      </a:endParaRPr>
+                    </a:p>
+                  </a:txBody>
+                  <a:tcPr>
+                    <a:noFill/>
+                  </a:tcPr>
+                </a:tc>
+                <a:tc>
+                  <a:txBody>
+                    <a:bodyPr/>
+                    <a:lstStyle/>
+                    <a:p>
+                      <a:pPr algn="ctr"/>
+                      <a:r>
+                        <a:rPr lang="es-MX" sz="1200" dirty="0">
+                          <a:latin typeface="Times New Roman" panose="02020603050405020304" pitchFamily="18" charset="0"/>
+                          <a:cs typeface="Times New Roman" panose="02020603050405020304" pitchFamily="18" charset="0"/>
+                        </a:rPr>
+                        <a:t>7</a:t>
+                      </a:r>
+                      <a:endParaRPr lang="en-US" sz="1200" dirty="0">
+                        <a:latin typeface="Times New Roman" panose="02020603050405020304" pitchFamily="18" charset="0"/>
+                        <a:cs typeface="Times New Roman" panose="02020603050405020304" pitchFamily="18" charset="0"/>
+                      </a:endParaRPr>
+                    </a:p>
+                  </a:txBody>
+                  <a:tcPr>
+                    <a:noFill/>
+                  </a:tcPr>
+                </a:tc>
+                <a:tc>
+                  <a:txBody>
+                    <a:bodyPr/>
+                    <a:lstStyle/>
+                    <a:p>
+                      <a:pPr algn="ctr"/>
+                      <a:r>
+                        <a:rPr lang="es-MX" sz="1200" dirty="0">
+                          <a:latin typeface="Times New Roman" panose="02020603050405020304" pitchFamily="18" charset="0"/>
+                          <a:cs typeface="Times New Roman" panose="02020603050405020304" pitchFamily="18" charset="0"/>
+                        </a:rPr>
+                        <a:t>8</a:t>
+                      </a:r>
+                      <a:endParaRPr lang="en-US" sz="1200" dirty="0">
+                        <a:latin typeface="Times New Roman" panose="02020603050405020304" pitchFamily="18" charset="0"/>
+                        <a:cs typeface="Times New Roman" panose="02020603050405020304" pitchFamily="18" charset="0"/>
+                      </a:endParaRPr>
+                    </a:p>
+                  </a:txBody>
+                  <a:tcPr>
+                    <a:noFill/>
+                  </a:tcPr>
+                </a:tc>
+                <a:tc>
+                  <a:txBody>
+                    <a:bodyPr/>
+                    <a:lstStyle/>
+                    <a:p>
+                      <a:pPr algn="ctr"/>
+                      <a:r>
+                        <a:rPr lang="es-MX" sz="1200" dirty="0">
+                          <a:latin typeface="Times New Roman" panose="02020603050405020304" pitchFamily="18" charset="0"/>
+                          <a:cs typeface="Times New Roman" panose="02020603050405020304" pitchFamily="18" charset="0"/>
+                        </a:rPr>
+                        <a:t>9</a:t>
+                      </a:r>
+                      <a:endParaRPr lang="en-US" sz="1200" dirty="0">
+                        <a:latin typeface="Times New Roman" panose="02020603050405020304" pitchFamily="18" charset="0"/>
+                        <a:cs typeface="Times New Roman" panose="02020603050405020304" pitchFamily="18" charset="0"/>
+                      </a:endParaRPr>
+                    </a:p>
+                  </a:txBody>
+                  <a:tcPr>
+                    <a:noFill/>
+                  </a:tcPr>
+                </a:tc>
+                <a:tc>
+                  <a:txBody>
+                    <a:bodyPr/>
+                    <a:lstStyle/>
+                    <a:p>
+                      <a:pPr algn="ctr"/>
+                      <a:r>
+                        <a:rPr lang="es-MX" sz="1200" dirty="0">
+                          <a:latin typeface="Times New Roman" panose="02020603050405020304" pitchFamily="18" charset="0"/>
+                          <a:cs typeface="Times New Roman" panose="02020603050405020304" pitchFamily="18" charset="0"/>
+                        </a:rPr>
+                        <a:t>10</a:t>
+                      </a:r>
+                      <a:endParaRPr lang="en-US" sz="1200" dirty="0">
+                        <a:latin typeface="Times New Roman" panose="02020603050405020304" pitchFamily="18" charset="0"/>
+                        <a:cs typeface="Times New Roman" panose="02020603050405020304" pitchFamily="18" charset="0"/>
+                      </a:endParaRPr>
+                    </a:p>
+                  </a:txBody>
+                  <a:tcPr>
+                    <a:noFill/>
+                  </a:tcPr>
+                </a:tc>
+                <a:tc>
+                  <a:txBody>
+                    <a:bodyPr/>
+                    <a:lstStyle/>
+                    <a:p>
+                      <a:pPr algn="ctr"/>
+                      <a:r>
+                        <a:rPr lang="es-MX" sz="1200" dirty="0">
+                          <a:latin typeface="Times New Roman" panose="02020603050405020304" pitchFamily="18" charset="0"/>
+                          <a:cs typeface="Times New Roman" panose="02020603050405020304" pitchFamily="18" charset="0"/>
+                        </a:rPr>
+                        <a:t>11</a:t>
+                      </a:r>
+                      <a:endParaRPr lang="en-US" sz="1200" dirty="0">
+                        <a:latin typeface="Times New Roman" panose="02020603050405020304" pitchFamily="18" charset="0"/>
+                        <a:cs typeface="Times New Roman" panose="02020603050405020304" pitchFamily="18" charset="0"/>
+                      </a:endParaRPr>
+                    </a:p>
+                  </a:txBody>
+                  <a:tcPr>
+                    <a:noFill/>
+                  </a:tcPr>
+                </a:tc>
+                <a:tc>
+                  <a:txBody>
+                    <a:bodyPr/>
+                    <a:lstStyle/>
+                    <a:p>
+                      <a:pPr algn="ctr"/>
+                      <a:r>
+                        <a:rPr lang="es-MX" sz="1200" dirty="0">
+                          <a:latin typeface="Times New Roman" panose="02020603050405020304" pitchFamily="18" charset="0"/>
+                          <a:cs typeface="Times New Roman" panose="02020603050405020304" pitchFamily="18" charset="0"/>
+                        </a:rPr>
+                        <a:t>12</a:t>
+                      </a:r>
+                      <a:endParaRPr lang="en-US" sz="1200" dirty="0">
+                        <a:latin typeface="Times New Roman" panose="02020603050405020304" pitchFamily="18" charset="0"/>
+                        <a:cs typeface="Times New Roman" panose="02020603050405020304" pitchFamily="18" charset="0"/>
+                      </a:endParaRPr>
+                    </a:p>
+                  </a:txBody>
+                  <a:tcPr>
+                    <a:noFill/>
+                  </a:tcPr>
+                </a:tc>
+                <a:tc>
+                  <a:txBody>
+                    <a:bodyPr/>
+                    <a:lstStyle/>
+                    <a:p>
+                      <a:pPr algn="ctr"/>
+                      <a:r>
+                        <a:rPr lang="es-MX" sz="1200" dirty="0">
+                          <a:latin typeface="Times New Roman" panose="02020603050405020304" pitchFamily="18" charset="0"/>
+                          <a:cs typeface="Times New Roman" panose="02020603050405020304" pitchFamily="18" charset="0"/>
+                        </a:rPr>
+                        <a:t>13</a:t>
+                      </a:r>
+                      <a:endParaRPr lang="en-US" sz="1200" dirty="0">
+                        <a:latin typeface="Times New Roman" panose="02020603050405020304" pitchFamily="18" charset="0"/>
+                        <a:cs typeface="Times New Roman" panose="02020603050405020304" pitchFamily="18" charset="0"/>
+                      </a:endParaRPr>
+                    </a:p>
+                  </a:txBody>
+                  <a:tcPr>
+                    <a:noFill/>
+                  </a:tcPr>
+                </a:tc>
+                <a:tc>
+                  <a:txBody>
+                    <a:bodyPr/>
+                    <a:lstStyle/>
+                    <a:p>
+                      <a:pPr algn="ctr"/>
+                      <a:r>
+                        <a:rPr lang="es-MX" sz="1200" dirty="0">
+                          <a:latin typeface="Times New Roman" panose="02020603050405020304" pitchFamily="18" charset="0"/>
+                          <a:cs typeface="Times New Roman" panose="02020603050405020304" pitchFamily="18" charset="0"/>
+                        </a:rPr>
+                        <a:t>14</a:t>
+                      </a:r>
+                      <a:endParaRPr lang="en-US" sz="1200" dirty="0">
+                        <a:latin typeface="Times New Roman" panose="02020603050405020304" pitchFamily="18" charset="0"/>
+                        <a:cs typeface="Times New Roman" panose="02020603050405020304" pitchFamily="18" charset="0"/>
+                      </a:endParaRPr>
+                    </a:p>
+                  </a:txBody>
+                  <a:tcPr>
+                    <a:noFill/>
+                  </a:tcPr>
+                </a:tc>
+                <a:tc>
+                  <a:txBody>
+                    <a:bodyPr/>
+                    <a:lstStyle/>
+                    <a:p>
+                      <a:pPr algn="ctr"/>
+                      <a:r>
+                        <a:rPr lang="es-MX" sz="1200" dirty="0">
+                          <a:latin typeface="Times New Roman" panose="02020603050405020304" pitchFamily="18" charset="0"/>
+                          <a:cs typeface="Times New Roman" panose="02020603050405020304" pitchFamily="18" charset="0"/>
+                        </a:rPr>
+                        <a:t>15</a:t>
+                      </a:r>
+                      <a:endParaRPr lang="en-US" sz="1200" dirty="0">
+                        <a:latin typeface="Times New Roman" panose="02020603050405020304" pitchFamily="18" charset="0"/>
+                        <a:cs typeface="Times New Roman" panose="02020603050405020304" pitchFamily="18" charset="0"/>
+                      </a:endParaRPr>
+                    </a:p>
+                  </a:txBody>
+                  <a:tcPr>
+                    <a:noFill/>
+                  </a:tcPr>
+                </a:tc>
+                <a:tc>
+                  <a:txBody>
+                    <a:bodyPr/>
+                    <a:lstStyle/>
+                    <a:p>
+                      <a:pPr algn="ctr"/>
+                      <a:r>
+                        <a:rPr lang="es-MX" sz="1200" dirty="0">
+                          <a:latin typeface="Times New Roman" panose="02020603050405020304" pitchFamily="18" charset="0"/>
+                          <a:cs typeface="Times New Roman" panose="02020603050405020304" pitchFamily="18" charset="0"/>
+                        </a:rPr>
+                        <a:t>16</a:t>
+                      </a:r>
+                      <a:endParaRPr lang="en-US" sz="1200" dirty="0">
+                        <a:latin typeface="Times New Roman" panose="02020603050405020304" pitchFamily="18" charset="0"/>
+                        <a:cs typeface="Times New Roman" panose="02020603050405020304" pitchFamily="18" charset="0"/>
+                      </a:endParaRPr>
+                    </a:p>
+                  </a:txBody>
+                  <a:tcPr>
+                    <a:noFill/>
+                  </a:tcPr>
+                </a:tc>
+                <a:tc>
+                  <a:txBody>
+                    <a:bodyPr/>
+                    <a:lstStyle/>
+                    <a:p>
+                      <a:pPr algn="ctr"/>
+                      <a:r>
+                        <a:rPr lang="es-MX" sz="1200" dirty="0">
+                          <a:latin typeface="Times New Roman" panose="02020603050405020304" pitchFamily="18" charset="0"/>
+                          <a:cs typeface="Times New Roman" panose="02020603050405020304" pitchFamily="18" charset="0"/>
+                        </a:rPr>
+                        <a:t>17</a:t>
+                      </a:r>
+                      <a:endParaRPr lang="en-US" sz="1200" dirty="0">
+                        <a:latin typeface="Times New Roman" panose="02020603050405020304" pitchFamily="18" charset="0"/>
+                        <a:cs typeface="Times New Roman" panose="02020603050405020304" pitchFamily="18" charset="0"/>
+                      </a:endParaRPr>
+                    </a:p>
+                  </a:txBody>
+                  <a:tcPr>
+                    <a:noFill/>
+                  </a:tcPr>
+                </a:tc>
+                <a:tc>
+                  <a:txBody>
+                    <a:bodyPr/>
+                    <a:lstStyle/>
+                    <a:p>
+                      <a:pPr algn="ctr"/>
+                      <a:r>
+                        <a:rPr lang="es-MX" sz="1200" dirty="0">
+                          <a:latin typeface="Times New Roman" panose="02020603050405020304" pitchFamily="18" charset="0"/>
+                          <a:cs typeface="Times New Roman" panose="02020603050405020304" pitchFamily="18" charset="0"/>
+                        </a:rPr>
+                        <a:t>18</a:t>
+                      </a:r>
+                      <a:endParaRPr lang="en-US" sz="1200" dirty="0">
+                        <a:latin typeface="Times New Roman" panose="02020603050405020304" pitchFamily="18" charset="0"/>
+                        <a:cs typeface="Times New Roman" panose="02020603050405020304" pitchFamily="18" charset="0"/>
+                      </a:endParaRPr>
+                    </a:p>
+                  </a:txBody>
+                  <a:tcPr>
+                    <a:noFill/>
+                  </a:tcPr>
+                </a:tc>
+                <a:tc>
+                  <a:txBody>
+                    <a:bodyPr/>
+                    <a:lstStyle/>
+                    <a:p>
+                      <a:pPr algn="ctr"/>
+                      <a:r>
+                        <a:rPr lang="es-MX" sz="1200" dirty="0">
+                          <a:latin typeface="Times New Roman" panose="02020603050405020304" pitchFamily="18" charset="0"/>
+                          <a:cs typeface="Times New Roman" panose="02020603050405020304" pitchFamily="18" charset="0"/>
+                        </a:rPr>
+                        <a:t>19</a:t>
+                      </a:r>
+                      <a:endParaRPr lang="en-US" sz="1200" dirty="0">
+                        <a:latin typeface="Times New Roman" panose="02020603050405020304" pitchFamily="18" charset="0"/>
+                        <a:cs typeface="Times New Roman" panose="02020603050405020304" pitchFamily="18" charset="0"/>
+                      </a:endParaRPr>
+                    </a:p>
+                  </a:txBody>
+                  <a:tcPr>
+                    <a:noFill/>
+                  </a:tcPr>
+                </a:tc>
+                <a:extLst>
+                  <a:ext uri="{0D108BD9-81ED-4DB2-BD59-A6C34878D82A}">
+                    <a16:rowId xmlns:a16="http://schemas.microsoft.com/office/drawing/2014/main" val="1839235311"/>
+                  </a:ext>
+                </a:extLst>
+              </a:tr>
+              <a:tr h="304949">
+                <a:tc>
+                  <a:txBody>
+                    <a:bodyPr/>
+                    <a:lstStyle/>
+                    <a:p>
+                      <a:pPr algn="ctr"/>
+                      <a:r>
+                        <a:rPr lang="es-MX" sz="900" dirty="0">
+                          <a:latin typeface="Times New Roman" panose="02020603050405020304" pitchFamily="18" charset="0"/>
+                          <a:cs typeface="Times New Roman" panose="02020603050405020304" pitchFamily="18" charset="0"/>
+                        </a:rPr>
+                        <a:t>LONGITUDES</a:t>
+                      </a:r>
+                      <a:br>
+                        <a:rPr lang="es-MX" sz="900" dirty="0">
+                          <a:latin typeface="Times New Roman" panose="02020603050405020304" pitchFamily="18" charset="0"/>
+                          <a:cs typeface="Times New Roman" panose="02020603050405020304" pitchFamily="18" charset="0"/>
+                        </a:rPr>
+                      </a:br>
+                      <a:r>
+                        <a:rPr lang="es-MX" sz="900" dirty="0">
+                          <a:latin typeface="Times New Roman" panose="02020603050405020304" pitchFamily="18" charset="0"/>
+                          <a:cs typeface="Times New Roman" panose="02020603050405020304" pitchFamily="18" charset="0"/>
+                        </a:rPr>
+                        <a:t>DE GAPS</a:t>
+                      </a:r>
+                      <a:endParaRPr lang="en-US" sz="900" dirty="0">
+                        <a:latin typeface="Times New Roman" panose="02020603050405020304" pitchFamily="18" charset="0"/>
+                        <a:cs typeface="Times New Roman" panose="02020603050405020304" pitchFamily="18" charset="0"/>
+                      </a:endParaRPr>
+                    </a:p>
+                  </a:txBody>
+                  <a:tcPr>
+                    <a:solidFill>
+                      <a:schemeClr val="bg2"/>
+                    </a:solidFill>
+                  </a:tcPr>
+                </a:tc>
+                <a:tc>
+                  <a:txBody>
+                    <a:bodyPr/>
+                    <a:lstStyle/>
+                    <a:p>
+                      <a:pPr algn="ctr"/>
+                      <a:endParaRPr lang="en-US" sz="1200" dirty="0">
+                        <a:latin typeface="Times New Roman" panose="02020603050405020304" pitchFamily="18" charset="0"/>
+                        <a:cs typeface="Times New Roman" panose="02020603050405020304" pitchFamily="18" charset="0"/>
+                      </a:endParaRPr>
+                    </a:p>
+                  </a:txBody>
+                  <a:tcPr>
+                    <a:noFill/>
+                  </a:tcPr>
+                </a:tc>
+                <a:tc>
+                  <a:txBody>
+                    <a:bodyPr/>
+                    <a:lstStyle/>
+                    <a:p>
+                      <a:pPr algn="ctr"/>
+                      <a:endParaRPr lang="en-US" sz="1200">
+                        <a:latin typeface="Times New Roman" panose="02020603050405020304" pitchFamily="18" charset="0"/>
+                        <a:cs typeface="Times New Roman" panose="02020603050405020304" pitchFamily="18" charset="0"/>
+                      </a:endParaRPr>
+                    </a:p>
+                  </a:txBody>
+                  <a:tcPr>
+                    <a:noFill/>
+                  </a:tcPr>
+                </a:tc>
+                <a:tc>
+                  <a:txBody>
+                    <a:bodyPr/>
+                    <a:lstStyle/>
+                    <a:p>
+                      <a:pPr algn="ctr"/>
+                      <a:endParaRPr lang="en-US" sz="1200">
+                        <a:latin typeface="Times New Roman" panose="02020603050405020304" pitchFamily="18" charset="0"/>
+                        <a:cs typeface="Times New Roman" panose="02020603050405020304" pitchFamily="18" charset="0"/>
+                      </a:endParaRPr>
+                    </a:p>
+                  </a:txBody>
+                  <a:tcPr>
+                    <a:noFill/>
+                  </a:tcPr>
+                </a:tc>
+                <a:tc>
+                  <a:txBody>
+                    <a:bodyPr/>
+                    <a:lstStyle/>
+                    <a:p>
+                      <a:pPr algn="ctr"/>
+                      <a:endParaRPr lang="en-US" sz="1200" dirty="0">
+                        <a:latin typeface="Times New Roman" panose="02020603050405020304" pitchFamily="18" charset="0"/>
+                        <a:cs typeface="Times New Roman" panose="02020603050405020304" pitchFamily="18" charset="0"/>
+                      </a:endParaRPr>
+                    </a:p>
+                  </a:txBody>
+                  <a:tcPr>
+                    <a:noFill/>
+                  </a:tcPr>
+                </a:tc>
+                <a:tc>
+                  <a:txBody>
+                    <a:bodyPr/>
+                    <a:lstStyle/>
+                    <a:p>
+                      <a:pPr algn="ctr"/>
+                      <a:r>
+                        <a:rPr lang="es-MX" sz="1200" dirty="0">
+                          <a:latin typeface="Times New Roman" panose="02020603050405020304" pitchFamily="18" charset="0"/>
+                          <a:cs typeface="Times New Roman" panose="02020603050405020304" pitchFamily="18" charset="0"/>
+                        </a:rPr>
+                        <a:t>3</a:t>
+                      </a:r>
+                      <a:endParaRPr lang="en-US" sz="1200" dirty="0">
+                        <a:latin typeface="Times New Roman" panose="02020603050405020304" pitchFamily="18" charset="0"/>
+                        <a:cs typeface="Times New Roman" panose="02020603050405020304" pitchFamily="18" charset="0"/>
+                      </a:endParaRPr>
+                    </a:p>
+                  </a:txBody>
+                  <a:tcPr>
+                    <a:noFill/>
+                  </a:tcPr>
+                </a:tc>
+                <a:tc>
+                  <a:txBody>
+                    <a:bodyPr/>
+                    <a:lstStyle/>
+                    <a:p>
+                      <a:pPr algn="ctr"/>
+                      <a:endParaRPr lang="en-US" sz="1200" dirty="0">
+                        <a:latin typeface="Times New Roman" panose="02020603050405020304" pitchFamily="18" charset="0"/>
+                        <a:cs typeface="Times New Roman" panose="02020603050405020304" pitchFamily="18" charset="0"/>
+                      </a:endParaRPr>
+                    </a:p>
+                  </a:txBody>
+                  <a:tcPr>
+                    <a:noFill/>
+                  </a:tcPr>
+                </a:tc>
+                <a:tc>
+                  <a:txBody>
+                    <a:bodyPr/>
+                    <a:lstStyle/>
+                    <a:p>
+                      <a:pPr algn="ctr"/>
+                      <a:r>
+                        <a:rPr lang="es-MX" sz="1200" dirty="0">
+                          <a:latin typeface="Times New Roman" panose="02020603050405020304" pitchFamily="18" charset="0"/>
+                          <a:cs typeface="Times New Roman" panose="02020603050405020304" pitchFamily="18" charset="0"/>
+                        </a:rPr>
+                        <a:t>1</a:t>
+                      </a:r>
+                      <a:endParaRPr lang="en-US" sz="1200" dirty="0">
+                        <a:latin typeface="Times New Roman" panose="02020603050405020304" pitchFamily="18" charset="0"/>
+                        <a:cs typeface="Times New Roman" panose="02020603050405020304" pitchFamily="18" charset="0"/>
+                      </a:endParaRPr>
+                    </a:p>
+                  </a:txBody>
+                  <a:tcPr>
+                    <a:noFill/>
+                  </a:tcPr>
+                </a:tc>
+                <a:tc>
+                  <a:txBody>
+                    <a:bodyPr/>
+                    <a:lstStyle/>
+                    <a:p>
+                      <a:pPr algn="ctr"/>
+                      <a:endParaRPr lang="en-US" sz="1200" dirty="0">
+                        <a:latin typeface="Times New Roman" panose="02020603050405020304" pitchFamily="18" charset="0"/>
+                        <a:cs typeface="Times New Roman" panose="02020603050405020304" pitchFamily="18" charset="0"/>
+                      </a:endParaRPr>
+                    </a:p>
+                  </a:txBody>
+                  <a:tcPr>
+                    <a:noFill/>
+                  </a:tcPr>
+                </a:tc>
+                <a:tc>
+                  <a:txBody>
+                    <a:bodyPr/>
+                    <a:lstStyle/>
+                    <a:p>
+                      <a:pPr algn="ctr"/>
+                      <a:endParaRPr lang="en-US" sz="1200" dirty="0">
+                        <a:latin typeface="Times New Roman" panose="02020603050405020304" pitchFamily="18" charset="0"/>
+                        <a:cs typeface="Times New Roman" panose="02020603050405020304" pitchFamily="18" charset="0"/>
+                      </a:endParaRPr>
+                    </a:p>
+                  </a:txBody>
+                  <a:tcPr>
+                    <a:noFill/>
+                  </a:tcPr>
+                </a:tc>
+                <a:tc>
+                  <a:txBody>
+                    <a:bodyPr/>
+                    <a:lstStyle/>
+                    <a:p>
+                      <a:pPr algn="ctr"/>
+                      <a:r>
+                        <a:rPr lang="es-MX" sz="1200" dirty="0">
+                          <a:latin typeface="Times New Roman" panose="02020603050405020304" pitchFamily="18" charset="0"/>
+                          <a:cs typeface="Times New Roman" panose="02020603050405020304" pitchFamily="18" charset="0"/>
+                        </a:rPr>
+                        <a:t>2</a:t>
+                      </a:r>
+                      <a:endParaRPr lang="en-US" sz="1200" dirty="0">
+                        <a:latin typeface="Times New Roman" panose="02020603050405020304" pitchFamily="18" charset="0"/>
+                        <a:cs typeface="Times New Roman" panose="02020603050405020304" pitchFamily="18" charset="0"/>
+                      </a:endParaRPr>
+                    </a:p>
+                  </a:txBody>
+                  <a:tcPr>
+                    <a:noFill/>
+                  </a:tcPr>
+                </a:tc>
+                <a:tc>
+                  <a:txBody>
+                    <a:bodyPr/>
+                    <a:lstStyle/>
+                    <a:p>
+                      <a:pPr algn="ctr"/>
+                      <a:endParaRPr lang="en-US" sz="1200" dirty="0">
+                        <a:latin typeface="Times New Roman" panose="02020603050405020304" pitchFamily="18" charset="0"/>
+                        <a:cs typeface="Times New Roman" panose="02020603050405020304" pitchFamily="18" charset="0"/>
+                      </a:endParaRPr>
+                    </a:p>
+                  </a:txBody>
+                  <a:tcPr>
+                    <a:noFill/>
+                  </a:tcPr>
+                </a:tc>
+                <a:tc>
+                  <a:txBody>
+                    <a:bodyPr/>
+                    <a:lstStyle/>
+                    <a:p>
+                      <a:pPr algn="ctr"/>
+                      <a:endParaRPr lang="en-US" sz="1200" dirty="0">
+                        <a:latin typeface="Times New Roman" panose="02020603050405020304" pitchFamily="18" charset="0"/>
+                        <a:cs typeface="Times New Roman" panose="02020603050405020304" pitchFamily="18" charset="0"/>
+                      </a:endParaRPr>
+                    </a:p>
+                  </a:txBody>
+                  <a:tcPr>
+                    <a:noFill/>
+                  </a:tcPr>
+                </a:tc>
+                <a:tc>
+                  <a:txBody>
+                    <a:bodyPr/>
+                    <a:lstStyle/>
+                    <a:p>
+                      <a:pPr algn="ctr"/>
+                      <a:endParaRPr lang="en-US" sz="1200" dirty="0">
+                        <a:latin typeface="Times New Roman" panose="02020603050405020304" pitchFamily="18" charset="0"/>
+                        <a:cs typeface="Times New Roman" panose="02020603050405020304" pitchFamily="18" charset="0"/>
+                      </a:endParaRPr>
+                    </a:p>
+                  </a:txBody>
+                  <a:tcPr>
+                    <a:noFill/>
+                  </a:tcPr>
+                </a:tc>
+                <a:tc>
+                  <a:txBody>
+                    <a:bodyPr/>
+                    <a:lstStyle/>
+                    <a:p>
+                      <a:pPr algn="ctr"/>
+                      <a:endParaRPr lang="en-US" sz="1200" dirty="0">
+                        <a:latin typeface="Times New Roman" panose="02020603050405020304" pitchFamily="18" charset="0"/>
+                        <a:cs typeface="Times New Roman" panose="02020603050405020304" pitchFamily="18" charset="0"/>
+                      </a:endParaRPr>
+                    </a:p>
+                  </a:txBody>
+                  <a:tcPr>
+                    <a:noFill/>
+                  </a:tcPr>
+                </a:tc>
+                <a:tc>
+                  <a:txBody>
+                    <a:bodyPr/>
+                    <a:lstStyle/>
+                    <a:p>
+                      <a:pPr algn="ctr"/>
+                      <a:endParaRPr lang="en-US" sz="1200" dirty="0">
+                        <a:latin typeface="Times New Roman" panose="02020603050405020304" pitchFamily="18" charset="0"/>
+                        <a:cs typeface="Times New Roman" panose="02020603050405020304" pitchFamily="18" charset="0"/>
+                      </a:endParaRPr>
+                    </a:p>
+                  </a:txBody>
+                  <a:tcPr>
+                    <a:noFill/>
+                  </a:tcPr>
+                </a:tc>
+                <a:tc>
+                  <a:txBody>
+                    <a:bodyPr/>
+                    <a:lstStyle/>
+                    <a:p>
+                      <a:pPr algn="ctr"/>
+                      <a:endParaRPr lang="en-US" sz="1200" dirty="0">
+                        <a:latin typeface="Times New Roman" panose="02020603050405020304" pitchFamily="18" charset="0"/>
+                        <a:cs typeface="Times New Roman" panose="02020603050405020304" pitchFamily="18" charset="0"/>
+                      </a:endParaRPr>
+                    </a:p>
+                  </a:txBody>
+                  <a:tcPr>
+                    <a:noFill/>
+                  </a:tcPr>
+                </a:tc>
+                <a:tc>
+                  <a:txBody>
+                    <a:bodyPr/>
+                    <a:lstStyle/>
+                    <a:p>
+                      <a:pPr algn="ctr"/>
+                      <a:r>
+                        <a:rPr lang="es-MX" sz="1200" dirty="0">
+                          <a:latin typeface="Times New Roman" panose="02020603050405020304" pitchFamily="18" charset="0"/>
+                          <a:cs typeface="Times New Roman" panose="02020603050405020304" pitchFamily="18" charset="0"/>
+                        </a:rPr>
+                        <a:t>2</a:t>
+                      </a:r>
+                      <a:endParaRPr lang="en-US" sz="1200" dirty="0">
+                        <a:latin typeface="Times New Roman" panose="02020603050405020304" pitchFamily="18" charset="0"/>
+                        <a:cs typeface="Times New Roman" panose="02020603050405020304" pitchFamily="18" charset="0"/>
+                      </a:endParaRPr>
+                    </a:p>
+                  </a:txBody>
+                  <a:tcPr>
+                    <a:noFill/>
+                  </a:tcPr>
+                </a:tc>
+                <a:tc>
+                  <a:txBody>
+                    <a:bodyPr/>
+                    <a:lstStyle/>
+                    <a:p>
+                      <a:pPr algn="ctr"/>
+                      <a:endParaRPr lang="en-US" sz="1200" dirty="0">
+                        <a:latin typeface="Times New Roman" panose="02020603050405020304" pitchFamily="18" charset="0"/>
+                        <a:cs typeface="Times New Roman" panose="02020603050405020304" pitchFamily="18" charset="0"/>
+                      </a:endParaRPr>
+                    </a:p>
+                  </a:txBody>
+                  <a:tcPr>
+                    <a:noFill/>
+                  </a:tcPr>
+                </a:tc>
+                <a:tc>
+                  <a:txBody>
+                    <a:bodyPr/>
+                    <a:lstStyle/>
+                    <a:p>
+                      <a:pPr algn="ctr"/>
+                      <a:endParaRPr lang="en-US" sz="1200" dirty="0">
+                        <a:latin typeface="Times New Roman" panose="02020603050405020304" pitchFamily="18" charset="0"/>
+                        <a:cs typeface="Times New Roman" panose="02020603050405020304" pitchFamily="18" charset="0"/>
+                      </a:endParaRPr>
+                    </a:p>
+                  </a:txBody>
+                  <a:tcPr>
+                    <a:noFill/>
+                  </a:tcPr>
+                </a:tc>
+                <a:extLst>
+                  <a:ext uri="{0D108BD9-81ED-4DB2-BD59-A6C34878D82A}">
+                    <a16:rowId xmlns:a16="http://schemas.microsoft.com/office/drawing/2014/main" val="4117154481"/>
+                  </a:ext>
+                </a:extLst>
+              </a:tr>
+            </a:tbl>
+          </a:graphicData>
+        </a:graphic>
+      </p:graphicFrame>
+      <p:graphicFrame>
+        <p:nvGraphicFramePr>
+          <p:cNvPr id="45" name="Table 44">
+            <a:extLst>
+              <a:ext uri="{FF2B5EF4-FFF2-40B4-BE49-F238E27FC236}">
+                <a16:creationId xmlns:a16="http://schemas.microsoft.com/office/drawing/2014/main" id="{83733716-FD9D-B7F9-FE4E-40C4CD3E5D1B}"/>
+              </a:ext>
+            </a:extLst>
+          </p:cNvPr>
+          <p:cNvGraphicFramePr>
+            <a:graphicFrameLocks noGrp="1"/>
+          </p:cNvGraphicFramePr>
+          <p:nvPr>
+            <p:extLst>
+              <p:ext uri="{D42A27DB-BD31-4B8C-83A1-F6EECF244321}">
+                <p14:modId xmlns:p14="http://schemas.microsoft.com/office/powerpoint/2010/main" val="197550938"/>
+              </p:ext>
+            </p:extLst>
+          </p:nvPr>
+        </p:nvGraphicFramePr>
+        <p:xfrm>
+          <a:off x="2656773" y="4903845"/>
+          <a:ext cx="7242197" cy="714546"/>
+        </p:xfrm>
+        <a:graphic>
+          <a:graphicData uri="http://schemas.openxmlformats.org/drawingml/2006/table">
+            <a:tbl>
+              <a:tblPr>
+                <a:tableStyleId>{073A0DAA-6AF3-43AB-8588-CEC1D06C72B9}</a:tableStyleId>
+              </a:tblPr>
+              <a:tblGrid>
+                <a:gridCol w="307913">
+                  <a:extLst>
+                    <a:ext uri="{9D8B030D-6E8A-4147-A177-3AD203B41FA5}">
+                      <a16:colId xmlns:a16="http://schemas.microsoft.com/office/drawing/2014/main" val="1596951627"/>
+                    </a:ext>
+                  </a:extLst>
+                </a:gridCol>
+                <a:gridCol w="247653">
+                  <a:extLst>
+                    <a:ext uri="{9D8B030D-6E8A-4147-A177-3AD203B41FA5}">
+                      <a16:colId xmlns:a16="http://schemas.microsoft.com/office/drawing/2014/main" val="3242738574"/>
+                    </a:ext>
+                  </a:extLst>
+                </a:gridCol>
+                <a:gridCol w="247653">
+                  <a:extLst>
+                    <a:ext uri="{9D8B030D-6E8A-4147-A177-3AD203B41FA5}">
+                      <a16:colId xmlns:a16="http://schemas.microsoft.com/office/drawing/2014/main" val="420854149"/>
+                    </a:ext>
+                  </a:extLst>
+                </a:gridCol>
+                <a:gridCol w="247653">
+                  <a:extLst>
+                    <a:ext uri="{9D8B030D-6E8A-4147-A177-3AD203B41FA5}">
+                      <a16:colId xmlns:a16="http://schemas.microsoft.com/office/drawing/2014/main" val="3840113764"/>
+                    </a:ext>
+                  </a:extLst>
+                </a:gridCol>
+                <a:gridCol w="247653">
+                  <a:extLst>
+                    <a:ext uri="{9D8B030D-6E8A-4147-A177-3AD203B41FA5}">
+                      <a16:colId xmlns:a16="http://schemas.microsoft.com/office/drawing/2014/main" val="87948951"/>
+                    </a:ext>
+                  </a:extLst>
+                </a:gridCol>
+                <a:gridCol w="247653">
+                  <a:extLst>
+                    <a:ext uri="{9D8B030D-6E8A-4147-A177-3AD203B41FA5}">
+                      <a16:colId xmlns:a16="http://schemas.microsoft.com/office/drawing/2014/main" val="2587171364"/>
+                    </a:ext>
+                  </a:extLst>
+                </a:gridCol>
+                <a:gridCol w="247653">
+                  <a:extLst>
+                    <a:ext uri="{9D8B030D-6E8A-4147-A177-3AD203B41FA5}">
+                      <a16:colId xmlns:a16="http://schemas.microsoft.com/office/drawing/2014/main" val="1176575097"/>
+                    </a:ext>
+                  </a:extLst>
+                </a:gridCol>
+                <a:gridCol w="247653">
+                  <a:extLst>
+                    <a:ext uri="{9D8B030D-6E8A-4147-A177-3AD203B41FA5}">
+                      <a16:colId xmlns:a16="http://schemas.microsoft.com/office/drawing/2014/main" val="3512184678"/>
+                    </a:ext>
+                  </a:extLst>
+                </a:gridCol>
+                <a:gridCol w="247653">
+                  <a:extLst>
+                    <a:ext uri="{9D8B030D-6E8A-4147-A177-3AD203B41FA5}">
+                      <a16:colId xmlns:a16="http://schemas.microsoft.com/office/drawing/2014/main" val="3989955031"/>
+                    </a:ext>
+                  </a:extLst>
+                </a:gridCol>
+                <a:gridCol w="247653">
+                  <a:extLst>
+                    <a:ext uri="{9D8B030D-6E8A-4147-A177-3AD203B41FA5}">
+                      <a16:colId xmlns:a16="http://schemas.microsoft.com/office/drawing/2014/main" val="3986273295"/>
+                    </a:ext>
+                  </a:extLst>
+                </a:gridCol>
+                <a:gridCol w="247653">
+                  <a:extLst>
+                    <a:ext uri="{9D8B030D-6E8A-4147-A177-3AD203B41FA5}">
+                      <a16:colId xmlns:a16="http://schemas.microsoft.com/office/drawing/2014/main" val="1810239491"/>
+                    </a:ext>
+                  </a:extLst>
+                </a:gridCol>
+                <a:gridCol w="247653">
+                  <a:extLst>
+                    <a:ext uri="{9D8B030D-6E8A-4147-A177-3AD203B41FA5}">
+                      <a16:colId xmlns:a16="http://schemas.microsoft.com/office/drawing/2014/main" val="4228523081"/>
+                    </a:ext>
+                  </a:extLst>
+                </a:gridCol>
+                <a:gridCol w="247653">
+                  <a:extLst>
+                    <a:ext uri="{9D8B030D-6E8A-4147-A177-3AD203B41FA5}">
+                      <a16:colId xmlns:a16="http://schemas.microsoft.com/office/drawing/2014/main" val="1931428107"/>
+                    </a:ext>
+                  </a:extLst>
+                </a:gridCol>
+                <a:gridCol w="247653">
+                  <a:extLst>
+                    <a:ext uri="{9D8B030D-6E8A-4147-A177-3AD203B41FA5}">
+                      <a16:colId xmlns:a16="http://schemas.microsoft.com/office/drawing/2014/main" val="3380807221"/>
+                    </a:ext>
+                  </a:extLst>
+                </a:gridCol>
+                <a:gridCol w="247653">
+                  <a:extLst>
+                    <a:ext uri="{9D8B030D-6E8A-4147-A177-3AD203B41FA5}">
+                      <a16:colId xmlns:a16="http://schemas.microsoft.com/office/drawing/2014/main" val="4171754792"/>
+                    </a:ext>
+                  </a:extLst>
+                </a:gridCol>
+                <a:gridCol w="247653">
+                  <a:extLst>
+                    <a:ext uri="{9D8B030D-6E8A-4147-A177-3AD203B41FA5}">
+                      <a16:colId xmlns:a16="http://schemas.microsoft.com/office/drawing/2014/main" val="3499045928"/>
+                    </a:ext>
+                  </a:extLst>
+                </a:gridCol>
+                <a:gridCol w="247653">
+                  <a:extLst>
+                    <a:ext uri="{9D8B030D-6E8A-4147-A177-3AD203B41FA5}">
+                      <a16:colId xmlns:a16="http://schemas.microsoft.com/office/drawing/2014/main" val="2913938890"/>
+                    </a:ext>
+                  </a:extLst>
+                </a:gridCol>
+                <a:gridCol w="247653">
+                  <a:extLst>
+                    <a:ext uri="{9D8B030D-6E8A-4147-A177-3AD203B41FA5}">
+                      <a16:colId xmlns:a16="http://schemas.microsoft.com/office/drawing/2014/main" val="2886884640"/>
+                    </a:ext>
+                  </a:extLst>
+                </a:gridCol>
+                <a:gridCol w="247653">
+                  <a:extLst>
+                    <a:ext uri="{9D8B030D-6E8A-4147-A177-3AD203B41FA5}">
+                      <a16:colId xmlns:a16="http://schemas.microsoft.com/office/drawing/2014/main" val="1299446429"/>
+                    </a:ext>
+                  </a:extLst>
+                </a:gridCol>
+                <a:gridCol w="247653">
+                  <a:extLst>
+                    <a:ext uri="{9D8B030D-6E8A-4147-A177-3AD203B41FA5}">
+                      <a16:colId xmlns:a16="http://schemas.microsoft.com/office/drawing/2014/main" val="436902207"/>
+                    </a:ext>
+                  </a:extLst>
+                </a:gridCol>
+                <a:gridCol w="247653">
+                  <a:extLst>
+                    <a:ext uri="{9D8B030D-6E8A-4147-A177-3AD203B41FA5}">
+                      <a16:colId xmlns:a16="http://schemas.microsoft.com/office/drawing/2014/main" val="2673376623"/>
+                    </a:ext>
+                  </a:extLst>
+                </a:gridCol>
+                <a:gridCol w="247653">
+                  <a:extLst>
+                    <a:ext uri="{9D8B030D-6E8A-4147-A177-3AD203B41FA5}">
+                      <a16:colId xmlns:a16="http://schemas.microsoft.com/office/drawing/2014/main" val="2572788712"/>
+                    </a:ext>
+                  </a:extLst>
+                </a:gridCol>
+                <a:gridCol w="247653">
+                  <a:extLst>
+                    <a:ext uri="{9D8B030D-6E8A-4147-A177-3AD203B41FA5}">
+                      <a16:colId xmlns:a16="http://schemas.microsoft.com/office/drawing/2014/main" val="992309576"/>
+                    </a:ext>
+                  </a:extLst>
+                </a:gridCol>
+                <a:gridCol w="247653">
+                  <a:extLst>
+                    <a:ext uri="{9D8B030D-6E8A-4147-A177-3AD203B41FA5}">
+                      <a16:colId xmlns:a16="http://schemas.microsoft.com/office/drawing/2014/main" val="2327499355"/>
+                    </a:ext>
+                  </a:extLst>
+                </a:gridCol>
+                <a:gridCol w="247653">
+                  <a:extLst>
+                    <a:ext uri="{9D8B030D-6E8A-4147-A177-3AD203B41FA5}">
+                      <a16:colId xmlns:a16="http://schemas.microsoft.com/office/drawing/2014/main" val="761882706"/>
+                    </a:ext>
+                  </a:extLst>
+                </a:gridCol>
+                <a:gridCol w="247653">
+                  <a:extLst>
+                    <a:ext uri="{9D8B030D-6E8A-4147-A177-3AD203B41FA5}">
+                      <a16:colId xmlns:a16="http://schemas.microsoft.com/office/drawing/2014/main" val="2175358323"/>
+                    </a:ext>
+                  </a:extLst>
+                </a:gridCol>
+                <a:gridCol w="247653">
+                  <a:extLst>
+                    <a:ext uri="{9D8B030D-6E8A-4147-A177-3AD203B41FA5}">
+                      <a16:colId xmlns:a16="http://schemas.microsoft.com/office/drawing/2014/main" val="2910288808"/>
+                    </a:ext>
+                  </a:extLst>
+                </a:gridCol>
+                <a:gridCol w="247653">
+                  <a:extLst>
+                    <a:ext uri="{9D8B030D-6E8A-4147-A177-3AD203B41FA5}">
+                      <a16:colId xmlns:a16="http://schemas.microsoft.com/office/drawing/2014/main" val="283451570"/>
+                    </a:ext>
+                  </a:extLst>
+                </a:gridCol>
+                <a:gridCol w="247653">
+                  <a:extLst>
+                    <a:ext uri="{9D8B030D-6E8A-4147-A177-3AD203B41FA5}">
+                      <a16:colId xmlns:a16="http://schemas.microsoft.com/office/drawing/2014/main" val="3590948140"/>
+                    </a:ext>
+                  </a:extLst>
+                </a:gridCol>
+              </a:tblGrid>
+              <a:tr h="357273">
+                <a:tc>
+                  <a:txBody>
+                    <a:bodyPr/>
+                    <a:lstStyle/>
+                    <a:p>
+                      <a:pPr algn="ctr"/>
+                      <a:r>
+                        <a:rPr lang="es-MX" sz="1200" dirty="0">
+                          <a:latin typeface="Times New Roman" panose="02020603050405020304" pitchFamily="18" charset="0"/>
+                          <a:cs typeface="Times New Roman" panose="02020603050405020304" pitchFamily="18" charset="0"/>
+                        </a:rPr>
+                        <a:t>A</a:t>
+                      </a:r>
+                      <a:endParaRPr lang="en-US" sz="1200" dirty="0">
+                        <a:latin typeface="Times New Roman" panose="02020603050405020304" pitchFamily="18" charset="0"/>
+                        <a:cs typeface="Times New Roman" panose="02020603050405020304" pitchFamily="18" charset="0"/>
+                      </a:endParaRPr>
+                    </a:p>
+                  </a:txBody>
+                  <a:tcPr>
+                    <a:solidFill>
+                      <a:schemeClr val="bg2"/>
+                    </a:solidFill>
+                  </a:tcPr>
+                </a:tc>
+                <a:tc>
+                  <a:txBody>
+                    <a:bodyPr/>
+                    <a:lstStyle/>
+                    <a:p>
+                      <a:pPr algn="ctr"/>
+                      <a:r>
+                        <a:rPr lang="es-MX" sz="1200" dirty="0">
+                          <a:latin typeface="Times New Roman" panose="02020603050405020304" pitchFamily="18" charset="0"/>
+                          <a:cs typeface="Times New Roman" panose="02020603050405020304" pitchFamily="18" charset="0"/>
+                        </a:rPr>
+                        <a:t>T</a:t>
+                      </a:r>
+                      <a:endParaRPr lang="en-US" sz="1200" dirty="0">
+                        <a:latin typeface="Times New Roman" panose="02020603050405020304" pitchFamily="18" charset="0"/>
+                        <a:cs typeface="Times New Roman" panose="02020603050405020304" pitchFamily="18" charset="0"/>
+                      </a:endParaRPr>
+                    </a:p>
+                  </a:txBody>
+                  <a:tcPr>
+                    <a:solidFill>
+                      <a:schemeClr val="bg2"/>
+                    </a:solidFill>
+                  </a:tcPr>
+                </a:tc>
+                <a:tc>
+                  <a:txBody>
+                    <a:bodyPr/>
+                    <a:lstStyle/>
+                    <a:p>
+                      <a:pPr algn="ctr"/>
+                      <a:r>
+                        <a:rPr lang="es-MX" sz="1200" dirty="0">
+                          <a:latin typeface="Times New Roman" panose="02020603050405020304" pitchFamily="18" charset="0"/>
+                          <a:cs typeface="Times New Roman" panose="02020603050405020304" pitchFamily="18" charset="0"/>
+                        </a:rPr>
+                        <a:t>T</a:t>
+                      </a:r>
+                      <a:endParaRPr lang="en-US" sz="1200" dirty="0">
+                        <a:latin typeface="Times New Roman" panose="02020603050405020304" pitchFamily="18" charset="0"/>
+                        <a:cs typeface="Times New Roman" panose="02020603050405020304" pitchFamily="18" charset="0"/>
+                      </a:endParaRPr>
+                    </a:p>
+                  </a:txBody>
+                  <a:tcPr>
+                    <a:solidFill>
+                      <a:schemeClr val="bg2"/>
+                    </a:solidFill>
+                  </a:tcPr>
+                </a:tc>
+                <a:tc>
+                  <a:txBody>
+                    <a:bodyPr/>
+                    <a:lstStyle/>
+                    <a:p>
+                      <a:pPr algn="ctr"/>
+                      <a:r>
+                        <a:rPr lang="es-MX" sz="1200" dirty="0">
+                          <a:latin typeface="Times New Roman" panose="02020603050405020304" pitchFamily="18" charset="0"/>
+                          <a:cs typeface="Times New Roman" panose="02020603050405020304" pitchFamily="18" charset="0"/>
+                        </a:rPr>
+                        <a:t>G</a:t>
+                      </a:r>
+                      <a:endParaRPr lang="en-US" sz="1200" dirty="0">
+                        <a:latin typeface="Times New Roman" panose="02020603050405020304" pitchFamily="18" charset="0"/>
+                        <a:cs typeface="Times New Roman" panose="02020603050405020304" pitchFamily="18" charset="0"/>
+                      </a:endParaRPr>
+                    </a:p>
+                  </a:txBody>
+                  <a:tcPr>
+                    <a:solidFill>
+                      <a:schemeClr val="bg2"/>
+                    </a:solidFill>
+                  </a:tcPr>
+                </a:tc>
+                <a:tc>
+                  <a:txBody>
+                    <a:bodyPr/>
+                    <a:lstStyle/>
+                    <a:p>
+                      <a:pPr algn="ctr"/>
+                      <a:r>
+                        <a:rPr lang="es-MX" sz="1200" dirty="0">
+                          <a:latin typeface="Times New Roman" panose="02020603050405020304" pitchFamily="18" charset="0"/>
+                          <a:cs typeface="Times New Roman" panose="02020603050405020304" pitchFamily="18" charset="0"/>
+                        </a:rPr>
+                        <a:t>A</a:t>
+                      </a:r>
+                      <a:endParaRPr lang="en-US" sz="1200" dirty="0">
+                        <a:latin typeface="Times New Roman" panose="02020603050405020304" pitchFamily="18" charset="0"/>
+                        <a:cs typeface="Times New Roman" panose="02020603050405020304" pitchFamily="18" charset="0"/>
+                      </a:endParaRPr>
+                    </a:p>
+                  </a:txBody>
+                  <a:tcPr>
+                    <a:solidFill>
+                      <a:schemeClr val="bg2"/>
+                    </a:solidFill>
+                  </a:tcPr>
+                </a:tc>
+                <a:tc>
+                  <a:txBody>
+                    <a:bodyPr/>
+                    <a:lstStyle/>
+                    <a:p>
+                      <a:pPr algn="ctr"/>
+                      <a:r>
+                        <a:rPr lang="es-MX" sz="1200" dirty="0">
+                          <a:latin typeface="Times New Roman" panose="02020603050405020304" pitchFamily="18" charset="0"/>
+                          <a:cs typeface="Times New Roman" panose="02020603050405020304" pitchFamily="18" charset="0"/>
+                        </a:rPr>
+                        <a:t>-</a:t>
+                      </a:r>
+                      <a:endParaRPr lang="en-US" sz="1200" dirty="0">
+                        <a:latin typeface="Times New Roman" panose="02020603050405020304" pitchFamily="18" charset="0"/>
+                        <a:cs typeface="Times New Roman" panose="02020603050405020304" pitchFamily="18" charset="0"/>
+                      </a:endParaRPr>
+                    </a:p>
+                  </a:txBody>
+                  <a:tcPr>
+                    <a:solidFill>
+                      <a:schemeClr val="bg2"/>
+                    </a:solidFill>
+                  </a:tcPr>
+                </a:tc>
+                <a:tc>
+                  <a:txBody>
+                    <a:bodyPr/>
+                    <a:lstStyle/>
+                    <a:p>
+                      <a:pPr algn="ctr"/>
+                      <a:r>
+                        <a:rPr lang="es-MX" sz="1200" dirty="0">
+                          <a:latin typeface="Times New Roman" panose="02020603050405020304" pitchFamily="18" charset="0"/>
+                          <a:cs typeface="Times New Roman" panose="02020603050405020304" pitchFamily="18" charset="0"/>
+                        </a:rPr>
+                        <a:t>-</a:t>
+                      </a:r>
+                      <a:endParaRPr lang="en-US" sz="1200" dirty="0">
+                        <a:latin typeface="Times New Roman" panose="02020603050405020304" pitchFamily="18" charset="0"/>
+                        <a:cs typeface="Times New Roman" panose="02020603050405020304" pitchFamily="18" charset="0"/>
+                      </a:endParaRPr>
+                    </a:p>
+                  </a:txBody>
+                  <a:tcPr>
+                    <a:solidFill>
+                      <a:schemeClr val="bg2"/>
+                    </a:solidFill>
+                  </a:tcPr>
+                </a:tc>
+                <a:tc>
+                  <a:txBody>
+                    <a:bodyPr/>
+                    <a:lstStyle/>
+                    <a:p>
+                      <a:pPr algn="ctr"/>
+                      <a:r>
+                        <a:rPr lang="es-MX" sz="1200" dirty="0">
+                          <a:latin typeface="Times New Roman" panose="02020603050405020304" pitchFamily="18" charset="0"/>
+                          <a:cs typeface="Times New Roman" panose="02020603050405020304" pitchFamily="18" charset="0"/>
+                        </a:rPr>
+                        <a:t>-</a:t>
+                      </a:r>
+                      <a:endParaRPr lang="en-US" sz="1200" dirty="0">
+                        <a:latin typeface="Times New Roman" panose="02020603050405020304" pitchFamily="18" charset="0"/>
+                        <a:cs typeface="Times New Roman" panose="02020603050405020304" pitchFamily="18" charset="0"/>
+                      </a:endParaRPr>
+                    </a:p>
+                  </a:txBody>
+                  <a:tcPr>
+                    <a:solidFill>
+                      <a:schemeClr val="bg2"/>
+                    </a:solidFill>
+                  </a:tcPr>
+                </a:tc>
+                <a:tc>
+                  <a:txBody>
+                    <a:bodyPr/>
+                    <a:lstStyle/>
+                    <a:p>
+                      <a:pPr algn="ctr"/>
+                      <a:r>
+                        <a:rPr lang="es-MX" sz="1200" dirty="0">
+                          <a:latin typeface="Times New Roman" panose="02020603050405020304" pitchFamily="18" charset="0"/>
+                          <a:cs typeface="Times New Roman" panose="02020603050405020304" pitchFamily="18" charset="0"/>
+                        </a:rPr>
+                        <a:t>G</a:t>
+                      </a:r>
+                      <a:endParaRPr lang="en-US" sz="1200" dirty="0">
+                        <a:latin typeface="Times New Roman" panose="02020603050405020304" pitchFamily="18" charset="0"/>
+                        <a:cs typeface="Times New Roman" panose="02020603050405020304" pitchFamily="18" charset="0"/>
+                      </a:endParaRPr>
+                    </a:p>
+                  </a:txBody>
+                  <a:tcPr>
+                    <a:solidFill>
+                      <a:schemeClr val="bg2"/>
+                    </a:solidFill>
+                  </a:tcPr>
+                </a:tc>
+                <a:tc>
+                  <a:txBody>
+                    <a:bodyPr/>
+                    <a:lstStyle/>
+                    <a:p>
+                      <a:pPr algn="ctr"/>
+                      <a:r>
+                        <a:rPr lang="es-MX" sz="1200" dirty="0">
+                          <a:latin typeface="Times New Roman" panose="02020603050405020304" pitchFamily="18" charset="0"/>
+                          <a:cs typeface="Times New Roman" panose="02020603050405020304" pitchFamily="18" charset="0"/>
+                        </a:rPr>
+                        <a:t>C</a:t>
+                      </a:r>
+                      <a:endParaRPr lang="en-US" sz="1200" dirty="0">
+                        <a:latin typeface="Times New Roman" panose="02020603050405020304" pitchFamily="18" charset="0"/>
+                        <a:cs typeface="Times New Roman" panose="02020603050405020304" pitchFamily="18" charset="0"/>
+                      </a:endParaRPr>
+                    </a:p>
+                  </a:txBody>
+                  <a:tcPr>
+                    <a:solidFill>
+                      <a:schemeClr val="bg2"/>
+                    </a:solidFill>
+                  </a:tcPr>
+                </a:tc>
+                <a:tc>
+                  <a:txBody>
+                    <a:bodyPr/>
+                    <a:lstStyle/>
+                    <a:p>
+                      <a:pPr algn="ctr"/>
+                      <a:r>
+                        <a:rPr lang="es-MX" sz="1200" dirty="0">
+                          <a:latin typeface="Times New Roman" panose="02020603050405020304" pitchFamily="18" charset="0"/>
+                          <a:cs typeface="Times New Roman" panose="02020603050405020304" pitchFamily="18" charset="0"/>
+                        </a:rPr>
+                        <a:t>-</a:t>
+                      </a:r>
+                      <a:endParaRPr lang="en-US" sz="1200" dirty="0">
+                        <a:latin typeface="Times New Roman" panose="02020603050405020304" pitchFamily="18" charset="0"/>
+                        <a:cs typeface="Times New Roman" panose="02020603050405020304" pitchFamily="18" charset="0"/>
+                      </a:endParaRPr>
+                    </a:p>
+                  </a:txBody>
+                  <a:tcPr>
+                    <a:solidFill>
+                      <a:schemeClr val="bg2"/>
+                    </a:solidFill>
+                  </a:tcPr>
+                </a:tc>
+                <a:tc>
+                  <a:txBody>
+                    <a:bodyPr/>
+                    <a:lstStyle/>
+                    <a:p>
+                      <a:pPr algn="ctr"/>
+                      <a:r>
+                        <a:rPr lang="es-MX" sz="1200" dirty="0">
+                          <a:latin typeface="Times New Roman" panose="02020603050405020304" pitchFamily="18" charset="0"/>
+                          <a:cs typeface="Times New Roman" panose="02020603050405020304" pitchFamily="18" charset="0"/>
+                        </a:rPr>
+                        <a:t>C</a:t>
+                      </a:r>
+                      <a:endParaRPr lang="en-US" sz="1200" dirty="0">
+                        <a:latin typeface="Times New Roman" panose="02020603050405020304" pitchFamily="18" charset="0"/>
+                        <a:cs typeface="Times New Roman" panose="02020603050405020304" pitchFamily="18" charset="0"/>
+                      </a:endParaRPr>
+                    </a:p>
+                  </a:txBody>
+                  <a:tcPr>
+                    <a:solidFill>
+                      <a:schemeClr val="bg2"/>
+                    </a:solidFill>
+                  </a:tcPr>
+                </a:tc>
+                <a:tc>
+                  <a:txBody>
+                    <a:bodyPr/>
+                    <a:lstStyle/>
+                    <a:p>
+                      <a:pPr algn="ctr"/>
+                      <a:r>
+                        <a:rPr lang="es-MX" sz="1200" dirty="0">
+                          <a:latin typeface="Times New Roman" panose="02020603050405020304" pitchFamily="18" charset="0"/>
+                          <a:cs typeface="Times New Roman" panose="02020603050405020304" pitchFamily="18" charset="0"/>
+                        </a:rPr>
+                        <a:t>T</a:t>
+                      </a:r>
+                      <a:endParaRPr lang="en-US" sz="1200" dirty="0">
+                        <a:latin typeface="Times New Roman" panose="02020603050405020304" pitchFamily="18" charset="0"/>
+                        <a:cs typeface="Times New Roman" panose="02020603050405020304" pitchFamily="18" charset="0"/>
+                      </a:endParaRPr>
+                    </a:p>
+                  </a:txBody>
+                  <a:tcPr>
+                    <a:solidFill>
+                      <a:schemeClr val="bg2"/>
+                    </a:solidFill>
+                  </a:tcPr>
+                </a:tc>
+                <a:tc>
+                  <a:txBody>
+                    <a:bodyPr/>
+                    <a:lstStyle/>
+                    <a:p>
+                      <a:pPr algn="ctr"/>
+                      <a:r>
+                        <a:rPr lang="es-MX" sz="1200" dirty="0">
+                          <a:latin typeface="Times New Roman" panose="02020603050405020304" pitchFamily="18" charset="0"/>
+                          <a:cs typeface="Times New Roman" panose="02020603050405020304" pitchFamily="18" charset="0"/>
+                        </a:rPr>
+                        <a:t>G</a:t>
+                      </a:r>
+                      <a:endParaRPr lang="en-US" sz="1200" dirty="0">
+                        <a:latin typeface="Times New Roman" panose="02020603050405020304" pitchFamily="18" charset="0"/>
+                        <a:cs typeface="Times New Roman" panose="02020603050405020304" pitchFamily="18" charset="0"/>
+                      </a:endParaRPr>
+                    </a:p>
+                  </a:txBody>
+                  <a:tcPr>
+                    <a:solidFill>
+                      <a:schemeClr val="bg2"/>
+                    </a:solidFill>
+                  </a:tcPr>
+                </a:tc>
+                <a:tc>
+                  <a:txBody>
+                    <a:bodyPr/>
+                    <a:lstStyle/>
+                    <a:p>
+                      <a:pPr algn="ctr"/>
+                      <a:r>
+                        <a:rPr lang="es-MX" sz="1200" dirty="0">
+                          <a:latin typeface="Times New Roman" panose="02020603050405020304" pitchFamily="18" charset="0"/>
+                          <a:cs typeface="Times New Roman" panose="02020603050405020304" pitchFamily="18" charset="0"/>
+                        </a:rPr>
+                        <a:t>-</a:t>
+                      </a:r>
+                      <a:endParaRPr lang="en-US" sz="1200" dirty="0">
+                        <a:latin typeface="Times New Roman" panose="02020603050405020304" pitchFamily="18" charset="0"/>
+                        <a:cs typeface="Times New Roman" panose="02020603050405020304" pitchFamily="18" charset="0"/>
+                      </a:endParaRPr>
+                    </a:p>
+                  </a:txBody>
+                  <a:tcPr>
+                    <a:solidFill>
+                      <a:schemeClr val="bg2"/>
+                    </a:solidFill>
+                  </a:tcPr>
+                </a:tc>
+                <a:tc>
+                  <a:txBody>
+                    <a:bodyPr/>
+                    <a:lstStyle/>
+                    <a:p>
+                      <a:pPr algn="ctr"/>
+                      <a:r>
+                        <a:rPr lang="es-MX" sz="1200" dirty="0">
+                          <a:latin typeface="Times New Roman" panose="02020603050405020304" pitchFamily="18" charset="0"/>
+                          <a:cs typeface="Times New Roman" panose="02020603050405020304" pitchFamily="18" charset="0"/>
+                        </a:rPr>
+                        <a:t>-</a:t>
+                      </a:r>
+                      <a:endParaRPr lang="en-US" sz="1200" dirty="0">
+                        <a:latin typeface="Times New Roman" panose="02020603050405020304" pitchFamily="18" charset="0"/>
+                        <a:cs typeface="Times New Roman" panose="02020603050405020304" pitchFamily="18" charset="0"/>
+                      </a:endParaRPr>
+                    </a:p>
+                  </a:txBody>
+                  <a:tcPr>
+                    <a:solidFill>
+                      <a:schemeClr val="bg2"/>
+                    </a:solidFill>
+                  </a:tcPr>
+                </a:tc>
+                <a:tc>
+                  <a:txBody>
+                    <a:bodyPr/>
+                    <a:lstStyle/>
+                    <a:p>
+                      <a:pPr algn="ctr"/>
+                      <a:r>
+                        <a:rPr lang="es-MX" sz="1200" dirty="0">
+                          <a:latin typeface="Times New Roman" panose="02020603050405020304" pitchFamily="18" charset="0"/>
+                          <a:cs typeface="Times New Roman" panose="02020603050405020304" pitchFamily="18" charset="0"/>
+                        </a:rPr>
+                        <a:t>T</a:t>
+                      </a:r>
+                      <a:endParaRPr lang="en-US" sz="1200" dirty="0">
+                        <a:latin typeface="Times New Roman" panose="02020603050405020304" pitchFamily="18" charset="0"/>
+                        <a:cs typeface="Times New Roman" panose="02020603050405020304" pitchFamily="18" charset="0"/>
+                      </a:endParaRPr>
+                    </a:p>
+                  </a:txBody>
+                  <a:tcPr>
+                    <a:solidFill>
+                      <a:schemeClr val="bg2"/>
+                    </a:solidFill>
+                  </a:tcPr>
+                </a:tc>
+                <a:tc>
+                  <a:txBody>
+                    <a:bodyPr/>
+                    <a:lstStyle/>
+                    <a:p>
+                      <a:pPr algn="ctr"/>
+                      <a:r>
+                        <a:rPr lang="es-MX" sz="1200" dirty="0">
+                          <a:latin typeface="Times New Roman" panose="02020603050405020304" pitchFamily="18" charset="0"/>
+                          <a:cs typeface="Times New Roman" panose="02020603050405020304" pitchFamily="18" charset="0"/>
+                        </a:rPr>
+                        <a:t>A</a:t>
+                      </a:r>
+                      <a:endParaRPr lang="en-US" sz="1200" dirty="0">
+                        <a:latin typeface="Times New Roman" panose="02020603050405020304" pitchFamily="18" charset="0"/>
+                        <a:cs typeface="Times New Roman" panose="02020603050405020304" pitchFamily="18" charset="0"/>
+                      </a:endParaRPr>
+                    </a:p>
+                  </a:txBody>
+                  <a:tcPr>
+                    <a:solidFill>
+                      <a:schemeClr val="bg2"/>
+                    </a:solidFill>
+                  </a:tcPr>
+                </a:tc>
+                <a:tc>
+                  <a:txBody>
+                    <a:bodyPr/>
+                    <a:lstStyle/>
+                    <a:p>
+                      <a:pPr algn="ctr"/>
+                      <a:r>
+                        <a:rPr lang="es-MX" sz="1200" dirty="0">
+                          <a:latin typeface="Times New Roman" panose="02020603050405020304" pitchFamily="18" charset="0"/>
+                          <a:cs typeface="Times New Roman" panose="02020603050405020304" pitchFamily="18" charset="0"/>
+                        </a:rPr>
+                        <a:t>T</a:t>
+                      </a:r>
+                      <a:endParaRPr lang="en-US" sz="1200" dirty="0">
+                        <a:latin typeface="Times New Roman" panose="02020603050405020304" pitchFamily="18" charset="0"/>
+                        <a:cs typeface="Times New Roman" panose="02020603050405020304" pitchFamily="18" charset="0"/>
+                      </a:endParaRPr>
+                    </a:p>
+                  </a:txBody>
+                  <a:tcPr>
+                    <a:solidFill>
+                      <a:schemeClr val="bg2"/>
+                    </a:solidFill>
+                  </a:tcPr>
+                </a:tc>
+                <a:tc>
+                  <a:txBody>
+                    <a:bodyPr/>
+                    <a:lstStyle/>
+                    <a:p>
+                      <a:pPr algn="ctr"/>
+                      <a:r>
+                        <a:rPr lang="es-MX" sz="1200" dirty="0">
+                          <a:latin typeface="Times New Roman" panose="02020603050405020304" pitchFamily="18" charset="0"/>
+                          <a:cs typeface="Times New Roman" panose="02020603050405020304" pitchFamily="18" charset="0"/>
+                        </a:rPr>
+                        <a:t>C</a:t>
+                      </a:r>
+                      <a:endParaRPr lang="en-US" sz="1200" dirty="0">
+                        <a:latin typeface="Times New Roman" panose="02020603050405020304" pitchFamily="18" charset="0"/>
+                        <a:cs typeface="Times New Roman" panose="02020603050405020304" pitchFamily="18" charset="0"/>
+                      </a:endParaRPr>
+                    </a:p>
+                  </a:txBody>
+                  <a:tcPr>
+                    <a:solidFill>
+                      <a:schemeClr val="bg2"/>
+                    </a:solidFill>
+                  </a:tcPr>
+                </a:tc>
+                <a:tc>
+                  <a:txBody>
+                    <a:bodyPr/>
+                    <a:lstStyle/>
+                    <a:p>
+                      <a:pPr algn="ctr"/>
+                      <a:r>
+                        <a:rPr lang="es-MX" sz="1200" dirty="0">
+                          <a:latin typeface="Times New Roman" panose="02020603050405020304" pitchFamily="18" charset="0"/>
+                          <a:cs typeface="Times New Roman" panose="02020603050405020304" pitchFamily="18" charset="0"/>
+                        </a:rPr>
+                        <a:t>A</a:t>
+                      </a:r>
+                      <a:endParaRPr lang="en-US" sz="1200" dirty="0">
+                        <a:latin typeface="Times New Roman" panose="02020603050405020304" pitchFamily="18" charset="0"/>
+                        <a:cs typeface="Times New Roman" panose="02020603050405020304" pitchFamily="18" charset="0"/>
+                      </a:endParaRPr>
+                    </a:p>
+                  </a:txBody>
+                  <a:tcPr>
+                    <a:solidFill>
+                      <a:schemeClr val="bg2"/>
+                    </a:solidFill>
+                  </a:tcPr>
+                </a:tc>
+                <a:tc>
+                  <a:txBody>
+                    <a:bodyPr/>
+                    <a:lstStyle/>
+                    <a:p>
+                      <a:pPr algn="ctr"/>
+                      <a:r>
+                        <a:rPr lang="es-MX" sz="1200" dirty="0">
+                          <a:latin typeface="Times New Roman" panose="02020603050405020304" pitchFamily="18" charset="0"/>
+                          <a:cs typeface="Times New Roman" panose="02020603050405020304" pitchFamily="18" charset="0"/>
+                        </a:rPr>
+                        <a:t>G</a:t>
+                      </a:r>
+                      <a:endParaRPr lang="en-US" sz="1200" dirty="0">
+                        <a:latin typeface="Times New Roman" panose="02020603050405020304" pitchFamily="18" charset="0"/>
+                        <a:cs typeface="Times New Roman" panose="02020603050405020304" pitchFamily="18" charset="0"/>
+                      </a:endParaRPr>
+                    </a:p>
+                  </a:txBody>
+                  <a:tcPr>
+                    <a:solidFill>
+                      <a:schemeClr val="bg2"/>
+                    </a:solidFill>
+                  </a:tcPr>
+                </a:tc>
+                <a:tc>
+                  <a:txBody>
+                    <a:bodyPr/>
+                    <a:lstStyle/>
+                    <a:p>
+                      <a:pPr algn="ctr"/>
+                      <a:r>
+                        <a:rPr lang="es-MX" sz="1200" dirty="0">
+                          <a:latin typeface="Times New Roman" panose="02020603050405020304" pitchFamily="18" charset="0"/>
+                          <a:cs typeface="Times New Roman" panose="02020603050405020304" pitchFamily="18" charset="0"/>
+                        </a:rPr>
+                        <a:t>C</a:t>
+                      </a:r>
+                      <a:endParaRPr lang="en-US" sz="1200" dirty="0">
+                        <a:latin typeface="Times New Roman" panose="02020603050405020304" pitchFamily="18" charset="0"/>
+                        <a:cs typeface="Times New Roman" panose="02020603050405020304" pitchFamily="18" charset="0"/>
+                      </a:endParaRPr>
+                    </a:p>
+                  </a:txBody>
+                  <a:tcPr>
+                    <a:solidFill>
+                      <a:schemeClr val="bg2"/>
+                    </a:solidFill>
+                  </a:tcPr>
+                </a:tc>
+                <a:tc>
+                  <a:txBody>
+                    <a:bodyPr/>
+                    <a:lstStyle/>
+                    <a:p>
+                      <a:pPr algn="ctr"/>
+                      <a:r>
+                        <a:rPr lang="es-MX" sz="1200" dirty="0">
+                          <a:latin typeface="Times New Roman" panose="02020603050405020304" pitchFamily="18" charset="0"/>
+                          <a:cs typeface="Times New Roman" panose="02020603050405020304" pitchFamily="18" charset="0"/>
+                        </a:rPr>
+                        <a:t>-</a:t>
+                      </a:r>
+                      <a:endParaRPr lang="en-US" sz="1200" dirty="0">
+                        <a:latin typeface="Times New Roman" panose="02020603050405020304" pitchFamily="18" charset="0"/>
+                        <a:cs typeface="Times New Roman" panose="02020603050405020304" pitchFamily="18" charset="0"/>
+                      </a:endParaRPr>
+                    </a:p>
+                  </a:txBody>
+                  <a:tcPr>
+                    <a:solidFill>
+                      <a:schemeClr val="bg2"/>
+                    </a:solidFill>
+                  </a:tcPr>
+                </a:tc>
+                <a:tc>
+                  <a:txBody>
+                    <a:bodyPr/>
+                    <a:lstStyle/>
+                    <a:p>
+                      <a:pPr algn="ctr"/>
+                      <a:r>
+                        <a:rPr lang="es-MX" sz="1200" dirty="0">
+                          <a:latin typeface="Times New Roman" panose="02020603050405020304" pitchFamily="18" charset="0"/>
+                          <a:cs typeface="Times New Roman" panose="02020603050405020304" pitchFamily="18" charset="0"/>
+                        </a:rPr>
+                        <a:t>-</a:t>
+                      </a:r>
+                      <a:endParaRPr lang="en-US" sz="1200" dirty="0">
+                        <a:latin typeface="Times New Roman" panose="02020603050405020304" pitchFamily="18" charset="0"/>
+                        <a:cs typeface="Times New Roman" panose="02020603050405020304" pitchFamily="18" charset="0"/>
+                      </a:endParaRPr>
+                    </a:p>
+                  </a:txBody>
+                  <a:tcPr>
+                    <a:solidFill>
+                      <a:schemeClr val="bg2"/>
+                    </a:solidFill>
+                  </a:tcPr>
+                </a:tc>
+                <a:tc>
+                  <a:txBody>
+                    <a:bodyPr/>
+                    <a:lstStyle/>
+                    <a:p>
+                      <a:pPr algn="ctr"/>
+                      <a:r>
+                        <a:rPr lang="es-MX" sz="1200" dirty="0">
+                          <a:latin typeface="Times New Roman" panose="02020603050405020304" pitchFamily="18" charset="0"/>
+                          <a:cs typeface="Times New Roman" panose="02020603050405020304" pitchFamily="18" charset="0"/>
+                        </a:rPr>
+                        <a:t>C</a:t>
+                      </a:r>
+                      <a:endParaRPr lang="en-US" sz="1200" dirty="0">
+                        <a:latin typeface="Times New Roman" panose="02020603050405020304" pitchFamily="18" charset="0"/>
+                        <a:cs typeface="Times New Roman" panose="02020603050405020304" pitchFamily="18" charset="0"/>
+                      </a:endParaRPr>
+                    </a:p>
+                  </a:txBody>
+                  <a:tcPr>
+                    <a:solidFill>
+                      <a:schemeClr val="bg2"/>
+                    </a:solidFill>
+                  </a:tcPr>
+                </a:tc>
+                <a:tc>
+                  <a:txBody>
+                    <a:bodyPr/>
+                    <a:lstStyle/>
+                    <a:p>
+                      <a:pPr algn="ctr"/>
+                      <a:r>
+                        <a:rPr lang="es-MX" sz="1200" dirty="0">
+                          <a:latin typeface="Times New Roman" panose="02020603050405020304" pitchFamily="18" charset="0"/>
+                          <a:cs typeface="Times New Roman" panose="02020603050405020304" pitchFamily="18" charset="0"/>
+                        </a:rPr>
+                        <a:t>C</a:t>
+                      </a:r>
+                      <a:endParaRPr lang="en-US" sz="1200" dirty="0">
+                        <a:latin typeface="Times New Roman" panose="02020603050405020304" pitchFamily="18" charset="0"/>
+                        <a:cs typeface="Times New Roman" panose="02020603050405020304" pitchFamily="18" charset="0"/>
+                      </a:endParaRPr>
+                    </a:p>
+                  </a:txBody>
+                  <a:tcPr>
+                    <a:solidFill>
+                      <a:schemeClr val="bg2"/>
+                    </a:solidFill>
+                  </a:tcPr>
+                </a:tc>
+                <a:tc>
+                  <a:txBody>
+                    <a:bodyPr/>
+                    <a:lstStyle/>
+                    <a:p>
+                      <a:pPr algn="ctr"/>
+                      <a:endParaRPr lang="en-US" sz="1200" dirty="0">
+                        <a:latin typeface="Times New Roman" panose="02020603050405020304" pitchFamily="18" charset="0"/>
+                        <a:cs typeface="Times New Roman" panose="02020603050405020304" pitchFamily="18" charset="0"/>
+                      </a:endParaRPr>
+                    </a:p>
+                  </a:txBody>
+                  <a:tcPr>
+                    <a:solidFill>
+                      <a:schemeClr val="bg2"/>
+                    </a:solidFill>
+                  </a:tcPr>
+                </a:tc>
+                <a:tc>
+                  <a:txBody>
+                    <a:bodyPr/>
+                    <a:lstStyle/>
+                    <a:p>
+                      <a:pPr algn="ctr"/>
+                      <a:endParaRPr lang="en-US" sz="1200" dirty="0">
+                        <a:latin typeface="Times New Roman" panose="02020603050405020304" pitchFamily="18" charset="0"/>
+                        <a:cs typeface="Times New Roman" panose="02020603050405020304" pitchFamily="18" charset="0"/>
+                      </a:endParaRPr>
+                    </a:p>
+                  </a:txBody>
+                  <a:tcPr>
+                    <a:solidFill>
+                      <a:schemeClr val="bg2"/>
+                    </a:solidFill>
+                  </a:tcPr>
+                </a:tc>
+                <a:extLst>
+                  <a:ext uri="{0D108BD9-81ED-4DB2-BD59-A6C34878D82A}">
+                    <a16:rowId xmlns:a16="http://schemas.microsoft.com/office/drawing/2014/main" val="1216079364"/>
+                  </a:ext>
+                </a:extLst>
+              </a:tr>
+              <a:tr h="357273">
+                <a:tc>
+                  <a:txBody>
+                    <a:bodyPr/>
+                    <a:lstStyle/>
+                    <a:p>
+                      <a:pPr algn="ctr"/>
+                      <a:r>
+                        <a:rPr lang="es-419" sz="1200" dirty="0">
+                          <a:latin typeface="Times New Roman" panose="02020603050405020304" pitchFamily="18" charset="0"/>
+                          <a:cs typeface="Times New Roman" panose="02020603050405020304" pitchFamily="18" charset="0"/>
+                        </a:rPr>
+                        <a:t>A</a:t>
+                      </a:r>
+                      <a:endParaRPr lang="en-US" sz="1200" dirty="0">
+                        <a:latin typeface="Times New Roman" panose="02020603050405020304" pitchFamily="18" charset="0"/>
+                        <a:cs typeface="Times New Roman" panose="02020603050405020304" pitchFamily="18" charset="0"/>
+                      </a:endParaRPr>
+                    </a:p>
+                  </a:txBody>
+                  <a:tcPr>
+                    <a:solidFill>
+                      <a:schemeClr val="bg2"/>
+                    </a:solidFill>
+                  </a:tcPr>
+                </a:tc>
+                <a:tc>
+                  <a:txBody>
+                    <a:bodyPr/>
+                    <a:lstStyle/>
+                    <a:p>
+                      <a:pPr algn="ctr"/>
+                      <a:r>
+                        <a:rPr lang="es-419" sz="1200" dirty="0">
+                          <a:latin typeface="Times New Roman" panose="02020603050405020304" pitchFamily="18" charset="0"/>
+                          <a:cs typeface="Times New Roman" panose="02020603050405020304" pitchFamily="18" charset="0"/>
+                        </a:rPr>
+                        <a:t>T</a:t>
+                      </a:r>
+                      <a:endParaRPr lang="en-US" sz="1200" dirty="0">
+                        <a:latin typeface="Times New Roman" panose="02020603050405020304" pitchFamily="18" charset="0"/>
+                        <a:cs typeface="Times New Roman" panose="02020603050405020304" pitchFamily="18" charset="0"/>
+                      </a:endParaRPr>
+                    </a:p>
+                  </a:txBody>
+                  <a:tcPr>
+                    <a:solidFill>
+                      <a:schemeClr val="bg2"/>
+                    </a:solidFill>
+                  </a:tcPr>
+                </a:tc>
+                <a:tc>
+                  <a:txBody>
+                    <a:bodyPr/>
+                    <a:lstStyle/>
+                    <a:p>
+                      <a:pPr algn="ctr"/>
+                      <a:r>
+                        <a:rPr lang="es-419" sz="1200" dirty="0">
+                          <a:latin typeface="Times New Roman" panose="02020603050405020304" pitchFamily="18" charset="0"/>
+                          <a:cs typeface="Times New Roman" panose="02020603050405020304" pitchFamily="18" charset="0"/>
+                        </a:rPr>
+                        <a:t>T</a:t>
+                      </a:r>
+                      <a:endParaRPr lang="en-US" sz="1200" dirty="0">
+                        <a:latin typeface="Times New Roman" panose="02020603050405020304" pitchFamily="18" charset="0"/>
+                        <a:cs typeface="Times New Roman" panose="02020603050405020304" pitchFamily="18" charset="0"/>
+                      </a:endParaRPr>
+                    </a:p>
+                  </a:txBody>
+                  <a:tcPr>
+                    <a:solidFill>
+                      <a:schemeClr val="bg2"/>
+                    </a:solidFill>
+                  </a:tcPr>
+                </a:tc>
+                <a:tc>
+                  <a:txBody>
+                    <a:bodyPr/>
+                    <a:lstStyle/>
+                    <a:p>
+                      <a:pPr algn="ctr"/>
+                      <a:r>
+                        <a:rPr lang="es-419" sz="1200" dirty="0">
+                          <a:latin typeface="Times New Roman" panose="02020603050405020304" pitchFamily="18" charset="0"/>
+                          <a:cs typeface="Times New Roman" panose="02020603050405020304" pitchFamily="18" charset="0"/>
+                        </a:rPr>
+                        <a:t>-</a:t>
+                      </a:r>
+                      <a:endParaRPr lang="en-US" sz="1200" dirty="0">
+                        <a:latin typeface="Times New Roman" panose="02020603050405020304" pitchFamily="18" charset="0"/>
+                        <a:cs typeface="Times New Roman" panose="02020603050405020304" pitchFamily="18" charset="0"/>
+                      </a:endParaRPr>
+                    </a:p>
+                  </a:txBody>
+                  <a:tcPr>
+                    <a:solidFill>
+                      <a:schemeClr val="bg2"/>
+                    </a:solidFill>
+                  </a:tcPr>
+                </a:tc>
+                <a:tc>
+                  <a:txBody>
+                    <a:bodyPr/>
+                    <a:lstStyle/>
+                    <a:p>
+                      <a:pPr algn="ctr"/>
+                      <a:r>
+                        <a:rPr lang="es-419" sz="1200" dirty="0">
+                          <a:latin typeface="Times New Roman" panose="02020603050405020304" pitchFamily="18" charset="0"/>
+                          <a:cs typeface="Times New Roman" panose="02020603050405020304" pitchFamily="18" charset="0"/>
+                        </a:rPr>
+                        <a:t>-</a:t>
+                      </a:r>
+                      <a:endParaRPr lang="en-US" sz="1200" dirty="0">
+                        <a:latin typeface="Times New Roman" panose="02020603050405020304" pitchFamily="18" charset="0"/>
+                        <a:cs typeface="Times New Roman" panose="02020603050405020304" pitchFamily="18" charset="0"/>
+                      </a:endParaRPr>
+                    </a:p>
+                  </a:txBody>
+                  <a:tcPr>
+                    <a:solidFill>
+                      <a:schemeClr val="bg2"/>
+                    </a:solidFill>
+                  </a:tcPr>
+                </a:tc>
+                <a:tc>
+                  <a:txBody>
+                    <a:bodyPr/>
+                    <a:lstStyle/>
+                    <a:p>
+                      <a:pPr algn="ctr"/>
+                      <a:r>
+                        <a:rPr lang="es-419" sz="1200" dirty="0">
+                          <a:latin typeface="Times New Roman" panose="02020603050405020304" pitchFamily="18" charset="0"/>
+                          <a:cs typeface="Times New Roman" panose="02020603050405020304" pitchFamily="18" charset="0"/>
+                        </a:rPr>
+                        <a:t>G</a:t>
+                      </a:r>
+                      <a:endParaRPr lang="en-US" sz="1200" dirty="0">
+                        <a:latin typeface="Times New Roman" panose="02020603050405020304" pitchFamily="18" charset="0"/>
+                        <a:cs typeface="Times New Roman" panose="02020603050405020304" pitchFamily="18" charset="0"/>
+                      </a:endParaRPr>
+                    </a:p>
+                  </a:txBody>
+                  <a:tcPr>
+                    <a:solidFill>
+                      <a:schemeClr val="bg2"/>
+                    </a:solidFill>
+                  </a:tcPr>
+                </a:tc>
+                <a:tc>
+                  <a:txBody>
+                    <a:bodyPr/>
+                    <a:lstStyle/>
+                    <a:p>
+                      <a:pPr algn="ctr"/>
+                      <a:r>
+                        <a:rPr lang="es-419" sz="1200" dirty="0">
+                          <a:latin typeface="Times New Roman" panose="02020603050405020304" pitchFamily="18" charset="0"/>
+                          <a:cs typeface="Times New Roman" panose="02020603050405020304" pitchFamily="18" charset="0"/>
+                        </a:rPr>
+                        <a:t>A</a:t>
+                      </a:r>
+                      <a:endParaRPr lang="en-US" sz="1200" dirty="0">
+                        <a:latin typeface="Times New Roman" panose="02020603050405020304" pitchFamily="18" charset="0"/>
+                        <a:cs typeface="Times New Roman" panose="02020603050405020304" pitchFamily="18" charset="0"/>
+                      </a:endParaRPr>
+                    </a:p>
+                  </a:txBody>
+                  <a:tcPr>
+                    <a:solidFill>
+                      <a:schemeClr val="bg2"/>
+                    </a:solidFill>
+                  </a:tcPr>
+                </a:tc>
+                <a:tc>
+                  <a:txBody>
+                    <a:bodyPr/>
+                    <a:lstStyle/>
+                    <a:p>
+                      <a:pPr algn="ctr"/>
+                      <a:r>
+                        <a:rPr lang="es-419" sz="1200" dirty="0">
+                          <a:latin typeface="Times New Roman" panose="02020603050405020304" pitchFamily="18" charset="0"/>
+                          <a:cs typeface="Times New Roman" panose="02020603050405020304" pitchFamily="18" charset="0"/>
+                        </a:rPr>
+                        <a:t>G</a:t>
+                      </a:r>
+                      <a:endParaRPr lang="en-US" sz="1200" dirty="0">
+                        <a:latin typeface="Times New Roman" panose="02020603050405020304" pitchFamily="18" charset="0"/>
+                        <a:cs typeface="Times New Roman" panose="02020603050405020304" pitchFamily="18" charset="0"/>
+                      </a:endParaRPr>
+                    </a:p>
+                  </a:txBody>
+                  <a:tcPr>
+                    <a:solidFill>
+                      <a:schemeClr val="bg2"/>
+                    </a:solidFill>
+                  </a:tcPr>
+                </a:tc>
+                <a:tc>
+                  <a:txBody>
+                    <a:bodyPr/>
+                    <a:lstStyle/>
+                    <a:p>
+                      <a:pPr algn="ctr"/>
+                      <a:r>
+                        <a:rPr lang="es-419" sz="1200" dirty="0">
+                          <a:latin typeface="Times New Roman" panose="02020603050405020304" pitchFamily="18" charset="0"/>
+                          <a:cs typeface="Times New Roman" panose="02020603050405020304" pitchFamily="18" charset="0"/>
+                        </a:rPr>
+                        <a:t>C</a:t>
+                      </a:r>
+                      <a:endParaRPr lang="en-US" sz="1200" dirty="0">
+                        <a:latin typeface="Times New Roman" panose="02020603050405020304" pitchFamily="18" charset="0"/>
+                        <a:cs typeface="Times New Roman" panose="02020603050405020304" pitchFamily="18" charset="0"/>
+                      </a:endParaRPr>
+                    </a:p>
+                  </a:txBody>
+                  <a:tcPr>
+                    <a:solidFill>
+                      <a:schemeClr val="bg2"/>
+                    </a:solidFill>
+                  </a:tcPr>
+                </a:tc>
+                <a:tc>
+                  <a:txBody>
+                    <a:bodyPr/>
+                    <a:lstStyle/>
+                    <a:p>
+                      <a:pPr algn="ctr"/>
+                      <a:r>
+                        <a:rPr lang="es-419" sz="1200" dirty="0">
+                          <a:latin typeface="Times New Roman" panose="02020603050405020304" pitchFamily="18" charset="0"/>
+                          <a:cs typeface="Times New Roman" panose="02020603050405020304" pitchFamily="18" charset="0"/>
+                        </a:rPr>
+                        <a:t>-</a:t>
+                      </a:r>
+                      <a:endParaRPr lang="en-US" sz="1200" dirty="0">
+                        <a:latin typeface="Times New Roman" panose="02020603050405020304" pitchFamily="18" charset="0"/>
+                        <a:cs typeface="Times New Roman" panose="02020603050405020304" pitchFamily="18" charset="0"/>
+                      </a:endParaRPr>
+                    </a:p>
+                  </a:txBody>
+                  <a:tcPr>
+                    <a:solidFill>
+                      <a:schemeClr val="bg2"/>
+                    </a:solidFill>
+                  </a:tcPr>
+                </a:tc>
+                <a:tc>
+                  <a:txBody>
+                    <a:bodyPr/>
+                    <a:lstStyle/>
+                    <a:p>
+                      <a:pPr algn="ctr"/>
+                      <a:r>
+                        <a:rPr lang="es-419" sz="1200" dirty="0">
+                          <a:latin typeface="Times New Roman" panose="02020603050405020304" pitchFamily="18" charset="0"/>
+                          <a:cs typeface="Times New Roman" panose="02020603050405020304" pitchFamily="18" charset="0"/>
+                        </a:rPr>
+                        <a:t>-</a:t>
+                      </a:r>
+                      <a:endParaRPr lang="en-US" sz="1200" dirty="0">
+                        <a:latin typeface="Times New Roman" panose="02020603050405020304" pitchFamily="18" charset="0"/>
+                        <a:cs typeface="Times New Roman" panose="02020603050405020304" pitchFamily="18" charset="0"/>
+                      </a:endParaRPr>
+                    </a:p>
+                  </a:txBody>
+                  <a:tcPr>
+                    <a:solidFill>
+                      <a:schemeClr val="bg2"/>
+                    </a:solidFill>
+                  </a:tcPr>
+                </a:tc>
+                <a:tc>
+                  <a:txBody>
+                    <a:bodyPr/>
+                    <a:lstStyle/>
+                    <a:p>
+                      <a:pPr algn="ctr"/>
+                      <a:r>
+                        <a:rPr lang="es-419" sz="1200" dirty="0">
+                          <a:latin typeface="Times New Roman" panose="02020603050405020304" pitchFamily="18" charset="0"/>
+                          <a:cs typeface="Times New Roman" panose="02020603050405020304" pitchFamily="18" charset="0"/>
+                        </a:rPr>
+                        <a:t>C</a:t>
+                      </a:r>
+                      <a:endParaRPr lang="en-US" sz="1200" dirty="0">
+                        <a:latin typeface="Times New Roman" panose="02020603050405020304" pitchFamily="18" charset="0"/>
+                        <a:cs typeface="Times New Roman" panose="02020603050405020304" pitchFamily="18" charset="0"/>
+                      </a:endParaRPr>
+                    </a:p>
+                  </a:txBody>
+                  <a:tcPr>
+                    <a:solidFill>
+                      <a:schemeClr val="bg2"/>
+                    </a:solidFill>
+                  </a:tcPr>
+                </a:tc>
+                <a:tc>
+                  <a:txBody>
+                    <a:bodyPr/>
+                    <a:lstStyle/>
+                    <a:p>
+                      <a:pPr algn="ctr"/>
+                      <a:r>
+                        <a:rPr lang="es-419" sz="1200" dirty="0">
+                          <a:latin typeface="Times New Roman" panose="02020603050405020304" pitchFamily="18" charset="0"/>
+                          <a:cs typeface="Times New Roman" panose="02020603050405020304" pitchFamily="18" charset="0"/>
+                        </a:rPr>
+                        <a:t>T</a:t>
+                      </a:r>
+                      <a:endParaRPr lang="en-US" sz="1200" dirty="0">
+                        <a:latin typeface="Times New Roman" panose="02020603050405020304" pitchFamily="18" charset="0"/>
+                        <a:cs typeface="Times New Roman" panose="02020603050405020304" pitchFamily="18" charset="0"/>
+                      </a:endParaRPr>
+                    </a:p>
+                  </a:txBody>
+                  <a:tcPr>
+                    <a:solidFill>
+                      <a:schemeClr val="bg2"/>
+                    </a:solidFill>
+                  </a:tcPr>
+                </a:tc>
+                <a:tc>
+                  <a:txBody>
+                    <a:bodyPr/>
+                    <a:lstStyle/>
+                    <a:p>
+                      <a:pPr algn="ctr"/>
+                      <a:r>
+                        <a:rPr lang="es-419" sz="1200" dirty="0">
+                          <a:latin typeface="Times New Roman" panose="02020603050405020304" pitchFamily="18" charset="0"/>
+                          <a:cs typeface="Times New Roman" panose="02020603050405020304" pitchFamily="18" charset="0"/>
+                        </a:rPr>
+                        <a:t>G</a:t>
+                      </a:r>
+                      <a:endParaRPr lang="en-US" sz="1200" dirty="0">
+                        <a:latin typeface="Times New Roman" panose="02020603050405020304" pitchFamily="18" charset="0"/>
+                        <a:cs typeface="Times New Roman" panose="02020603050405020304" pitchFamily="18" charset="0"/>
+                      </a:endParaRPr>
+                    </a:p>
+                  </a:txBody>
+                  <a:tcPr>
+                    <a:solidFill>
+                      <a:schemeClr val="bg2"/>
+                    </a:solidFill>
+                  </a:tcPr>
+                </a:tc>
+                <a:tc>
+                  <a:txBody>
+                    <a:bodyPr/>
+                    <a:lstStyle/>
+                    <a:p>
+                      <a:pPr algn="ctr"/>
+                      <a:r>
+                        <a:rPr lang="es-419" sz="1200" dirty="0">
+                          <a:latin typeface="Times New Roman" panose="02020603050405020304" pitchFamily="18" charset="0"/>
+                          <a:cs typeface="Times New Roman" panose="02020603050405020304" pitchFamily="18" charset="0"/>
+                        </a:rPr>
+                        <a:t>-</a:t>
+                      </a:r>
+                      <a:endParaRPr lang="en-US" sz="1200" dirty="0">
+                        <a:latin typeface="Times New Roman" panose="02020603050405020304" pitchFamily="18" charset="0"/>
+                        <a:cs typeface="Times New Roman" panose="02020603050405020304" pitchFamily="18" charset="0"/>
+                      </a:endParaRPr>
+                    </a:p>
+                  </a:txBody>
+                  <a:tcPr>
+                    <a:solidFill>
+                      <a:schemeClr val="bg2"/>
+                    </a:solidFill>
+                  </a:tcPr>
+                </a:tc>
+                <a:tc>
+                  <a:txBody>
+                    <a:bodyPr/>
+                    <a:lstStyle/>
+                    <a:p>
+                      <a:pPr algn="ctr"/>
+                      <a:r>
+                        <a:rPr lang="es-419" sz="1200" dirty="0">
+                          <a:latin typeface="Times New Roman" panose="02020603050405020304" pitchFamily="18" charset="0"/>
+                          <a:cs typeface="Times New Roman" panose="02020603050405020304" pitchFamily="18" charset="0"/>
+                        </a:rPr>
+                        <a:t>T</a:t>
+                      </a:r>
+                      <a:endParaRPr lang="en-US" sz="1200" dirty="0">
+                        <a:latin typeface="Times New Roman" panose="02020603050405020304" pitchFamily="18" charset="0"/>
+                        <a:cs typeface="Times New Roman" panose="02020603050405020304" pitchFamily="18" charset="0"/>
+                      </a:endParaRPr>
+                    </a:p>
+                  </a:txBody>
+                  <a:tcPr>
+                    <a:solidFill>
+                      <a:schemeClr val="bg2"/>
+                    </a:solidFill>
+                  </a:tcPr>
+                </a:tc>
+                <a:tc>
+                  <a:txBody>
+                    <a:bodyPr/>
+                    <a:lstStyle/>
+                    <a:p>
+                      <a:pPr algn="ctr"/>
+                      <a:r>
+                        <a:rPr lang="es-419" sz="1200" dirty="0">
+                          <a:latin typeface="Times New Roman" panose="02020603050405020304" pitchFamily="18" charset="0"/>
+                          <a:cs typeface="Times New Roman" panose="02020603050405020304" pitchFamily="18" charset="0"/>
+                        </a:rPr>
+                        <a:t>A</a:t>
+                      </a:r>
+                      <a:endParaRPr lang="en-US" sz="1200" dirty="0">
+                        <a:latin typeface="Times New Roman" panose="02020603050405020304" pitchFamily="18" charset="0"/>
+                        <a:cs typeface="Times New Roman" panose="02020603050405020304" pitchFamily="18" charset="0"/>
+                      </a:endParaRPr>
+                    </a:p>
+                  </a:txBody>
+                  <a:tcPr>
+                    <a:solidFill>
+                      <a:schemeClr val="bg2"/>
+                    </a:solidFill>
+                  </a:tcPr>
+                </a:tc>
+                <a:tc>
+                  <a:txBody>
+                    <a:bodyPr/>
+                    <a:lstStyle/>
+                    <a:p>
+                      <a:pPr algn="ctr"/>
+                      <a:r>
+                        <a:rPr lang="es-419" sz="1200" dirty="0">
+                          <a:latin typeface="Times New Roman" panose="02020603050405020304" pitchFamily="18" charset="0"/>
+                          <a:cs typeface="Times New Roman" panose="02020603050405020304" pitchFamily="18" charset="0"/>
+                        </a:rPr>
+                        <a:t>T</a:t>
+                      </a:r>
+                      <a:endParaRPr lang="en-US" sz="1200" dirty="0">
+                        <a:latin typeface="Times New Roman" panose="02020603050405020304" pitchFamily="18" charset="0"/>
+                        <a:cs typeface="Times New Roman" panose="02020603050405020304" pitchFamily="18" charset="0"/>
+                      </a:endParaRPr>
+                    </a:p>
+                  </a:txBody>
+                  <a:tcPr>
+                    <a:solidFill>
+                      <a:schemeClr val="bg2"/>
+                    </a:solidFill>
+                  </a:tcPr>
+                </a:tc>
+                <a:tc>
+                  <a:txBody>
+                    <a:bodyPr/>
+                    <a:lstStyle/>
+                    <a:p>
+                      <a:pPr algn="ctr"/>
+                      <a:r>
+                        <a:rPr lang="es-419" sz="1200" dirty="0">
+                          <a:latin typeface="Times New Roman" panose="02020603050405020304" pitchFamily="18" charset="0"/>
+                          <a:cs typeface="Times New Roman" panose="02020603050405020304" pitchFamily="18" charset="0"/>
+                        </a:rPr>
+                        <a:t>C</a:t>
+                      </a:r>
+                      <a:endParaRPr lang="en-US" sz="1200" dirty="0">
+                        <a:latin typeface="Times New Roman" panose="02020603050405020304" pitchFamily="18" charset="0"/>
+                        <a:cs typeface="Times New Roman" panose="02020603050405020304" pitchFamily="18" charset="0"/>
+                      </a:endParaRPr>
+                    </a:p>
+                  </a:txBody>
+                  <a:tcPr>
+                    <a:solidFill>
+                      <a:schemeClr val="bg2"/>
+                    </a:solidFill>
+                  </a:tcPr>
+                </a:tc>
+                <a:tc>
+                  <a:txBody>
+                    <a:bodyPr/>
+                    <a:lstStyle/>
+                    <a:p>
+                      <a:pPr algn="ctr"/>
+                      <a:r>
+                        <a:rPr lang="es-419" sz="1200" dirty="0">
+                          <a:latin typeface="Times New Roman" panose="02020603050405020304" pitchFamily="18" charset="0"/>
+                          <a:cs typeface="Times New Roman" panose="02020603050405020304" pitchFamily="18" charset="0"/>
+                        </a:rPr>
+                        <a:t>-</a:t>
+                      </a:r>
+                      <a:endParaRPr lang="en-US" sz="1200" dirty="0">
+                        <a:latin typeface="Times New Roman" panose="02020603050405020304" pitchFamily="18" charset="0"/>
+                        <a:cs typeface="Times New Roman" panose="02020603050405020304" pitchFamily="18" charset="0"/>
+                      </a:endParaRPr>
+                    </a:p>
+                  </a:txBody>
+                  <a:tcPr>
+                    <a:solidFill>
+                      <a:schemeClr val="bg2"/>
+                    </a:solidFill>
+                  </a:tcPr>
+                </a:tc>
+                <a:tc>
+                  <a:txBody>
+                    <a:bodyPr/>
+                    <a:lstStyle/>
+                    <a:p>
+                      <a:pPr algn="ctr"/>
+                      <a:r>
+                        <a:rPr lang="es-419" sz="1200" dirty="0">
+                          <a:latin typeface="Times New Roman" panose="02020603050405020304" pitchFamily="18" charset="0"/>
+                          <a:cs typeface="Times New Roman" panose="02020603050405020304" pitchFamily="18" charset="0"/>
+                        </a:rPr>
+                        <a:t>-</a:t>
+                      </a:r>
+                      <a:endParaRPr lang="en-US" sz="1200" dirty="0">
+                        <a:latin typeface="Times New Roman" panose="02020603050405020304" pitchFamily="18" charset="0"/>
+                        <a:cs typeface="Times New Roman" panose="02020603050405020304" pitchFamily="18" charset="0"/>
+                      </a:endParaRPr>
+                    </a:p>
+                  </a:txBody>
+                  <a:tcPr>
+                    <a:solidFill>
+                      <a:schemeClr val="bg2"/>
+                    </a:solidFill>
+                  </a:tcPr>
+                </a:tc>
+                <a:tc>
+                  <a:txBody>
+                    <a:bodyPr/>
+                    <a:lstStyle/>
+                    <a:p>
+                      <a:pPr algn="ctr"/>
+                      <a:r>
+                        <a:rPr lang="es-419" sz="1200" dirty="0">
+                          <a:latin typeface="Times New Roman" panose="02020603050405020304" pitchFamily="18" charset="0"/>
+                          <a:cs typeface="Times New Roman" panose="02020603050405020304" pitchFamily="18" charset="0"/>
+                        </a:rPr>
+                        <a:t>A</a:t>
+                      </a:r>
+                      <a:endParaRPr lang="en-US" sz="1200" dirty="0">
+                        <a:latin typeface="Times New Roman" panose="02020603050405020304" pitchFamily="18" charset="0"/>
+                        <a:cs typeface="Times New Roman" panose="02020603050405020304" pitchFamily="18" charset="0"/>
+                      </a:endParaRPr>
+                    </a:p>
+                  </a:txBody>
+                  <a:tcPr>
+                    <a:solidFill>
+                      <a:schemeClr val="bg2"/>
+                    </a:solidFill>
+                  </a:tcPr>
+                </a:tc>
+                <a:tc>
+                  <a:txBody>
+                    <a:bodyPr/>
+                    <a:lstStyle/>
+                    <a:p>
+                      <a:pPr algn="ctr"/>
+                      <a:r>
+                        <a:rPr lang="es-419" sz="1200" dirty="0">
+                          <a:latin typeface="Times New Roman" panose="02020603050405020304" pitchFamily="18" charset="0"/>
+                          <a:cs typeface="Times New Roman" panose="02020603050405020304" pitchFamily="18" charset="0"/>
+                        </a:rPr>
+                        <a:t>G</a:t>
+                      </a:r>
+                      <a:endParaRPr lang="en-US" sz="1200" dirty="0">
+                        <a:latin typeface="Times New Roman" panose="02020603050405020304" pitchFamily="18" charset="0"/>
+                        <a:cs typeface="Times New Roman" panose="02020603050405020304" pitchFamily="18" charset="0"/>
+                      </a:endParaRPr>
+                    </a:p>
+                  </a:txBody>
+                  <a:tcPr>
+                    <a:solidFill>
+                      <a:schemeClr val="bg2"/>
+                    </a:solidFill>
+                  </a:tcPr>
+                </a:tc>
+                <a:tc>
+                  <a:txBody>
+                    <a:bodyPr/>
+                    <a:lstStyle/>
+                    <a:p>
+                      <a:pPr algn="ctr"/>
+                      <a:r>
+                        <a:rPr lang="es-419" sz="1200" dirty="0">
+                          <a:latin typeface="Times New Roman" panose="02020603050405020304" pitchFamily="18" charset="0"/>
+                          <a:cs typeface="Times New Roman" panose="02020603050405020304" pitchFamily="18" charset="0"/>
+                        </a:rPr>
+                        <a:t>C</a:t>
+                      </a:r>
+                      <a:endParaRPr lang="en-US" sz="1200" dirty="0">
+                        <a:latin typeface="Times New Roman" panose="02020603050405020304" pitchFamily="18" charset="0"/>
+                        <a:cs typeface="Times New Roman" panose="02020603050405020304" pitchFamily="18" charset="0"/>
+                      </a:endParaRPr>
+                    </a:p>
+                  </a:txBody>
+                  <a:tcPr>
+                    <a:solidFill>
+                      <a:schemeClr val="bg2"/>
+                    </a:solidFill>
+                  </a:tcPr>
+                </a:tc>
+                <a:tc>
+                  <a:txBody>
+                    <a:bodyPr/>
+                    <a:lstStyle/>
+                    <a:p>
+                      <a:pPr algn="ctr"/>
+                      <a:r>
+                        <a:rPr lang="es-419" sz="1200" dirty="0">
+                          <a:latin typeface="Times New Roman" panose="02020603050405020304" pitchFamily="18" charset="0"/>
+                          <a:cs typeface="Times New Roman" panose="02020603050405020304" pitchFamily="18" charset="0"/>
+                        </a:rPr>
+                        <a:t>C</a:t>
+                      </a:r>
+                      <a:endParaRPr lang="en-US" sz="1200" dirty="0">
+                        <a:latin typeface="Times New Roman" panose="02020603050405020304" pitchFamily="18" charset="0"/>
+                        <a:cs typeface="Times New Roman" panose="02020603050405020304" pitchFamily="18" charset="0"/>
+                      </a:endParaRPr>
+                    </a:p>
+                  </a:txBody>
+                  <a:tcPr>
+                    <a:solidFill>
+                      <a:schemeClr val="bg2"/>
+                    </a:solidFill>
+                  </a:tcPr>
+                </a:tc>
+                <a:tc>
+                  <a:txBody>
+                    <a:bodyPr/>
+                    <a:lstStyle/>
+                    <a:p>
+                      <a:pPr algn="ctr"/>
+                      <a:r>
+                        <a:rPr lang="es-419" sz="1200" dirty="0">
+                          <a:latin typeface="Times New Roman" panose="02020603050405020304" pitchFamily="18" charset="0"/>
+                          <a:cs typeface="Times New Roman" panose="02020603050405020304" pitchFamily="18" charset="0"/>
+                        </a:rPr>
+                        <a:t>-</a:t>
+                      </a:r>
+                      <a:endParaRPr lang="en-US" sz="1200" dirty="0">
+                        <a:latin typeface="Times New Roman" panose="02020603050405020304" pitchFamily="18" charset="0"/>
+                        <a:cs typeface="Times New Roman" panose="02020603050405020304" pitchFamily="18" charset="0"/>
+                      </a:endParaRPr>
+                    </a:p>
+                  </a:txBody>
+                  <a:tcPr>
+                    <a:solidFill>
+                      <a:schemeClr val="bg2"/>
+                    </a:solidFill>
+                  </a:tcPr>
+                </a:tc>
+                <a:tc>
+                  <a:txBody>
+                    <a:bodyPr/>
+                    <a:lstStyle/>
+                    <a:p>
+                      <a:pPr algn="ctr"/>
+                      <a:r>
+                        <a:rPr lang="es-419" sz="1200" dirty="0">
+                          <a:latin typeface="Times New Roman" panose="02020603050405020304" pitchFamily="18" charset="0"/>
+                          <a:cs typeface="Times New Roman" panose="02020603050405020304" pitchFamily="18" charset="0"/>
+                        </a:rPr>
+                        <a:t>-</a:t>
+                      </a:r>
+                      <a:endParaRPr lang="en-US" sz="1200" dirty="0">
+                        <a:latin typeface="Times New Roman" panose="02020603050405020304" pitchFamily="18" charset="0"/>
+                        <a:cs typeface="Times New Roman" panose="02020603050405020304" pitchFamily="18" charset="0"/>
+                      </a:endParaRPr>
+                    </a:p>
+                  </a:txBody>
+                  <a:tcPr>
+                    <a:solidFill>
+                      <a:schemeClr val="bg2"/>
+                    </a:solidFill>
+                  </a:tcPr>
+                </a:tc>
+                <a:tc>
+                  <a:txBody>
+                    <a:bodyPr/>
+                    <a:lstStyle/>
+                    <a:p>
+                      <a:pPr algn="ctr"/>
+                      <a:r>
+                        <a:rPr lang="es-419" sz="1200" dirty="0">
+                          <a:latin typeface="Times New Roman" panose="02020603050405020304" pitchFamily="18" charset="0"/>
+                          <a:cs typeface="Times New Roman" panose="02020603050405020304" pitchFamily="18" charset="0"/>
+                        </a:rPr>
+                        <a:t>C</a:t>
+                      </a:r>
+                      <a:endParaRPr lang="en-US" sz="1200" dirty="0">
+                        <a:latin typeface="Times New Roman" panose="02020603050405020304" pitchFamily="18" charset="0"/>
+                        <a:cs typeface="Times New Roman" panose="02020603050405020304" pitchFamily="18" charset="0"/>
+                      </a:endParaRPr>
+                    </a:p>
+                  </a:txBody>
+                  <a:tcPr>
+                    <a:solidFill>
+                      <a:schemeClr val="bg2"/>
+                    </a:solidFill>
+                  </a:tcPr>
+                </a:tc>
+                <a:tc>
+                  <a:txBody>
+                    <a:bodyPr/>
+                    <a:lstStyle/>
+                    <a:p>
+                      <a:pPr algn="ctr"/>
+                      <a:r>
+                        <a:rPr lang="es-419" sz="1200" dirty="0">
+                          <a:latin typeface="Times New Roman" panose="02020603050405020304" pitchFamily="18" charset="0"/>
+                          <a:cs typeface="Times New Roman" panose="02020603050405020304" pitchFamily="18" charset="0"/>
+                        </a:rPr>
+                        <a:t>C</a:t>
+                      </a:r>
+                      <a:endParaRPr lang="en-US" sz="1200" dirty="0">
+                        <a:latin typeface="Times New Roman" panose="02020603050405020304" pitchFamily="18" charset="0"/>
+                        <a:cs typeface="Times New Roman" panose="02020603050405020304" pitchFamily="18" charset="0"/>
+                      </a:endParaRPr>
+                    </a:p>
+                  </a:txBody>
+                  <a:tcPr>
+                    <a:solidFill>
+                      <a:schemeClr val="bg2"/>
+                    </a:solidFill>
+                  </a:tcPr>
+                </a:tc>
+                <a:extLst>
+                  <a:ext uri="{0D108BD9-81ED-4DB2-BD59-A6C34878D82A}">
+                    <a16:rowId xmlns:a16="http://schemas.microsoft.com/office/drawing/2014/main" val="2359312844"/>
+                  </a:ext>
+                </a:extLst>
+              </a:tr>
+            </a:tbl>
+          </a:graphicData>
+        </a:graphic>
+      </p:graphicFrame>
+      <p:sp>
+        <p:nvSpPr>
+          <p:cNvPr id="53" name="TextBox 52">
+            <a:extLst>
+              <a:ext uri="{FF2B5EF4-FFF2-40B4-BE49-F238E27FC236}">
+                <a16:creationId xmlns:a16="http://schemas.microsoft.com/office/drawing/2014/main" id="{6347E6A6-F856-C0F5-8392-CF05639D0FA9}"/>
+              </a:ext>
+            </a:extLst>
+          </p:cNvPr>
+          <p:cNvSpPr txBox="1"/>
+          <p:nvPr/>
+        </p:nvSpPr>
+        <p:spPr>
+          <a:xfrm>
+            <a:off x="1413658" y="1006469"/>
+            <a:ext cx="6758190" cy="369332"/>
+          </a:xfrm>
+          <a:prstGeom prst="rect">
+            <a:avLst/>
+          </a:prstGeom>
+          <a:noFill/>
+        </p:spPr>
+        <p:txBody>
+          <a:bodyPr wrap="square" rtlCol="0">
+            <a:spAutoFit/>
+          </a:bodyPr>
+          <a:lstStyle/>
+          <a:p>
+            <a:r>
+              <a:rPr lang="es-MX" dirty="0">
+                <a:latin typeface="Times New Roman" panose="02020603050405020304" pitchFamily="18" charset="0"/>
+                <a:cs typeface="Times New Roman" panose="02020603050405020304" pitchFamily="18" charset="0"/>
+              </a:rPr>
+              <a:t>Proceso de Mutación del </a:t>
+            </a:r>
+            <a:r>
+              <a:rPr lang="es-MX" dirty="0" err="1">
+                <a:latin typeface="Times New Roman" panose="02020603050405020304" pitchFamily="18" charset="0"/>
+                <a:cs typeface="Times New Roman" panose="02020603050405020304" pitchFamily="18" charset="0"/>
+              </a:rPr>
+              <a:t>Mutador</a:t>
+            </a:r>
+            <a:r>
+              <a:rPr lang="es-MX" dirty="0">
+                <a:latin typeface="Times New Roman" panose="02020603050405020304" pitchFamily="18" charset="0"/>
+                <a:cs typeface="Times New Roman" panose="02020603050405020304" pitchFamily="18" charset="0"/>
+              </a:rPr>
+              <a:t> de Cruce de Secuencias (MCS)</a:t>
+            </a:r>
+            <a:endParaRPr lang="en-US" dirty="0">
+              <a:latin typeface="Times New Roman" panose="02020603050405020304" pitchFamily="18" charset="0"/>
+              <a:cs typeface="Times New Roman" panose="02020603050405020304" pitchFamily="18" charset="0"/>
+            </a:endParaRPr>
+          </a:p>
+        </p:txBody>
+      </p:sp>
+    </p:spTree>
+    <p:extLst>
+      <p:ext uri="{BB962C8B-B14F-4D97-AF65-F5344CB8AC3E}">
+        <p14:creationId xmlns:p14="http://schemas.microsoft.com/office/powerpoint/2010/main" val="417423104"/>
+      </p:ext>
+    </p:extLst>
+  </p:cSld>
+  <p:clrMapOvr>
+    <a:masterClrMapping/>
+  </p:clrMapOvr>
+</p:sld>
+</file>
+
+<file path=ppt/slides/slide4.xml><?xml version="1.0" encoding="utf-8"?>
+<p:sld xmlns:a="http://schemas.openxmlformats.org/drawingml/2006/main" xmlns:r="http://schemas.openxmlformats.org/officeDocument/2006/relationships" xmlns:p="http://schemas.openxmlformats.org/presentationml/2006/main">
+  <p:cSld>
+    <p:spTree>
+      <p:nvGrpSpPr>
+        <p:cNvPr id="1" name=""/>
+        <p:cNvGrpSpPr/>
+        <p:nvPr/>
+      </p:nvGrpSpPr>
+      <p:grpSpPr>
+        <a:xfrm>
+          <a:off x="0" y="0"/>
+          <a:ext cx="0" cy="0"/>
+          <a:chOff x="0" y="0"/>
+          <a:chExt cx="0" cy="0"/>
+        </a:xfrm>
+      </p:grpSpPr>
+      <p:sp>
+        <p:nvSpPr>
+          <p:cNvPr id="2" name="Title 1">
+            <a:extLst>
+              <a:ext uri="{FF2B5EF4-FFF2-40B4-BE49-F238E27FC236}">
+                <a16:creationId xmlns:a16="http://schemas.microsoft.com/office/drawing/2014/main" id="{2AD61B63-ACD4-7E7E-2484-8DDB41370F04}"/>
+              </a:ext>
+            </a:extLst>
+          </p:cNvPr>
+          <p:cNvSpPr>
+            <a:spLocks noGrp="1"/>
+          </p:cNvSpPr>
+          <p:nvPr>
+            <p:ph type="title"/>
+          </p:nvPr>
+        </p:nvSpPr>
+        <p:spPr/>
+        <p:txBody>
+          <a:bodyPr/>
+          <a:lstStyle/>
+          <a:p>
+            <a:endParaRPr lang="en-US"/>
+          </a:p>
+        </p:txBody>
+      </p:sp>
+      <p:sp>
+        <p:nvSpPr>
+          <p:cNvPr id="3" name="Content Placeholder 2">
+            <a:extLst>
+              <a:ext uri="{FF2B5EF4-FFF2-40B4-BE49-F238E27FC236}">
+                <a16:creationId xmlns:a16="http://schemas.microsoft.com/office/drawing/2014/main" id="{E2D52005-B489-65F0-FD5B-DD9617421B08}"/>
+              </a:ext>
+            </a:extLst>
+          </p:cNvPr>
+          <p:cNvSpPr>
+            <a:spLocks noGrp="1"/>
+          </p:cNvSpPr>
+          <p:nvPr>
+            <p:ph idx="1"/>
+          </p:nvPr>
+        </p:nvSpPr>
+        <p:spPr/>
+        <p:txBody>
+          <a:bodyPr/>
+          <a:lstStyle/>
+          <a:p>
+            <a:endParaRPr lang="en-US"/>
+          </a:p>
+        </p:txBody>
+      </p:sp>
+    </p:spTree>
+    <p:extLst>
+      <p:ext uri="{BB962C8B-B14F-4D97-AF65-F5344CB8AC3E}">
+        <p14:creationId xmlns:p14="http://schemas.microsoft.com/office/powerpoint/2010/main" val="1356203393"/>
       </p:ext>
     </p:extLst>
   </p:cSld>

--- a/docu/mejoras/slides.pptx
+++ b/docu/mejoras/slides.pptx
@@ -8,7 +8,6 @@
     <p:sldId id="256" r:id="rId2"/>
     <p:sldId id="259" r:id="rId3"/>
     <p:sldId id="261" r:id="rId4"/>
-    <p:sldId id="262" r:id="rId5"/>
   </p:sldIdLst>
   <p:sldSz cx="12192000" cy="6858000"/>
   <p:notesSz cx="6858000" cy="9144000"/>
@@ -4585,462 +4584,6 @@
         <mc:Choice xmlns:a14="http://schemas.microsoft.com/office/drawing/2010/main" Requires="a14">
           <p:sp>
             <p:nvSpPr>
-              <p:cNvPr id="33" name="TextBox 32">
-                <a:extLst>
-                  <a:ext uri="{FF2B5EF4-FFF2-40B4-BE49-F238E27FC236}">
-                    <a16:creationId xmlns:a16="http://schemas.microsoft.com/office/drawing/2014/main" id="{E11F69B4-CFE8-0237-9430-04A2C2E6FB37}"/>
-                  </a:ext>
-                </a:extLst>
-              </p:cNvPr>
-              <p:cNvSpPr txBox="1"/>
-              <p:nvPr/>
-            </p:nvSpPr>
-            <p:spPr>
-              <a:xfrm>
-                <a:off x="1986155" y="1443926"/>
-                <a:ext cx="3840481" cy="738664"/>
-              </a:xfrm>
-              <a:prstGeom prst="rect">
-                <a:avLst/>
-              </a:prstGeom>
-              <a:noFill/>
-            </p:spPr>
-            <p:txBody>
-              <a:bodyPr wrap="square" rtlCol="0">
-                <a:spAutoFit/>
-              </a:bodyPr>
-              <a:lstStyle/>
-              <a:p>
-                <a14:m>
-                  <m:oMath xmlns:m="http://schemas.openxmlformats.org/officeDocument/2006/math">
-                    <m:r>
-                      <a:rPr lang="es-MX" sz="1400" b="0" i="1" smtClean="0">
-                        <a:latin typeface="Cambria Math" panose="02040503050406030204" pitchFamily="18" charset="0"/>
-                      </a:rPr>
-                      <m:t>𝑚𝑖𝑛</m:t>
-                    </m:r>
-                    <m:r>
-                      <a:rPr lang="es-MX" sz="1400" b="0" i="1" smtClean="0">
-                        <a:latin typeface="Cambria Math" panose="02040503050406030204" pitchFamily="18" charset="0"/>
-                      </a:rPr>
-                      <m:t>,</m:t>
-                    </m:r>
-                    <m:func>
-                      <m:funcPr>
-                        <m:ctrlPr>
-                          <a:rPr lang="es-MX" sz="1400" b="0" i="1" smtClean="0">
-                            <a:latin typeface="Cambria Math" panose="02040503050406030204" pitchFamily="18" charset="0"/>
-                          </a:rPr>
-                        </m:ctrlPr>
-                      </m:funcPr>
-                      <m:fName>
-                        <m:r>
-                          <m:rPr>
-                            <m:sty m:val="p"/>
-                          </m:rPr>
-                          <a:rPr lang="es-MX" sz="1400" b="0" i="0" smtClean="0">
-                            <a:latin typeface="Cambria Math" panose="02040503050406030204" pitchFamily="18" charset="0"/>
-                          </a:rPr>
-                          <m:t>max</m:t>
-                        </m:r>
-                      </m:fName>
-                      <m:e>
-                        <m:r>
-                          <a:rPr lang="es-MX" sz="1400" b="0" i="1" smtClean="0">
-                            <a:latin typeface="Cambria Math" panose="02040503050406030204" pitchFamily="18" charset="0"/>
-                            <a:ea typeface="Cambria Math" panose="02040503050406030204" pitchFamily="18" charset="0"/>
-                          </a:rPr>
-                          <m:t>∈</m:t>
-                        </m:r>
-                        <m:sSup>
-                          <m:sSupPr>
-                            <m:ctrlPr>
-                              <a:rPr lang="es-MX" sz="1400" b="0" i="1" smtClean="0">
-                                <a:latin typeface="Cambria Math" panose="02040503050406030204" pitchFamily="18" charset="0"/>
-                                <a:ea typeface="Cambria Math" panose="02040503050406030204" pitchFamily="18" charset="0"/>
-                              </a:rPr>
-                            </m:ctrlPr>
-                          </m:sSupPr>
-                          <m:e>
-                            <m:r>
-                              <a:rPr lang="es-MX" sz="1400" b="0" i="1" smtClean="0">
-                                <a:latin typeface="Cambria Math" panose="02040503050406030204" pitchFamily="18" charset="0"/>
-                                <a:ea typeface="Cambria Math" panose="02040503050406030204" pitchFamily="18" charset="0"/>
-                              </a:rPr>
-                              <m:t>ℝ</m:t>
-                            </m:r>
-                          </m:e>
-                          <m:sup>
-                            <m:r>
-                              <a:rPr lang="es-MX" sz="1400" b="0" i="1" smtClean="0">
-                                <a:latin typeface="Cambria Math" panose="02040503050406030204" pitchFamily="18" charset="0"/>
-                                <a:ea typeface="Cambria Math" panose="02040503050406030204" pitchFamily="18" charset="0"/>
-                              </a:rPr>
-                              <m:t>+</m:t>
-                            </m:r>
-                          </m:sup>
-                        </m:sSup>
-                      </m:e>
-                    </m:func>
-                  </m:oMath>
-                </a14:m>
-                <a:r>
-                  <a:rPr lang="es-MX" sz="1400" dirty="0"/>
-                  <a:t> </a:t>
-                </a:r>
-                <a:r>
-                  <a:rPr lang="es-MX" sz="1400" dirty="0">
-                    <a:latin typeface="Times New Roman" panose="02020603050405020304" pitchFamily="18" charset="0"/>
-                    <a:cs typeface="Times New Roman" panose="02020603050405020304" pitchFamily="18" charset="0"/>
-                  </a:rPr>
-                  <a:t>tal que </a:t>
-                </a:r>
-                <a14:m>
-                  <m:oMath xmlns:m="http://schemas.openxmlformats.org/officeDocument/2006/math">
-                    <m:func>
-                      <m:funcPr>
-                        <m:ctrlPr>
-                          <a:rPr lang="es-MX" sz="1400" b="0" i="1" smtClean="0">
-                            <a:latin typeface="Cambria Math" panose="02040503050406030204" pitchFamily="18" charset="0"/>
-                          </a:rPr>
-                        </m:ctrlPr>
-                      </m:funcPr>
-                      <m:fName>
-                        <m:r>
-                          <m:rPr>
-                            <m:sty m:val="p"/>
-                          </m:rPr>
-                          <a:rPr lang="es-MX" sz="1400" b="0" i="0" smtClean="0">
-                            <a:latin typeface="Cambria Math" panose="02040503050406030204" pitchFamily="18" charset="0"/>
-                          </a:rPr>
-                          <m:t>min</m:t>
-                        </m:r>
-                      </m:fName>
-                      <m:e>
-                        <m:r>
-                          <a:rPr lang="es-MX" sz="1400" b="0" i="1" smtClean="0">
-                            <a:latin typeface="Cambria Math" panose="02040503050406030204" pitchFamily="18" charset="0"/>
-                          </a:rPr>
-                          <m:t>&lt;</m:t>
-                        </m:r>
-                        <m:r>
-                          <a:rPr lang="es-MX" sz="1400" b="0" i="1" smtClean="0">
-                            <a:latin typeface="Cambria Math" panose="02040503050406030204" pitchFamily="18" charset="0"/>
-                          </a:rPr>
-                          <m:t>𝑚𝑎𝑥</m:t>
-                        </m:r>
-                      </m:e>
-                    </m:func>
-                  </m:oMath>
-                </a14:m>
-                <a:endParaRPr lang="es-MX" sz="1400" dirty="0"/>
-              </a:p>
-              <a:p>
-                <a:pPr marL="285750" indent="-285750">
-                  <a:buFont typeface="Arial" panose="020B0604020202020204" pitchFamily="34" charset="0"/>
-                  <a:buChar char="•"/>
-                </a:pPr>
-                <a:r>
-                  <a:rPr lang="es-MX" sz="1400" dirty="0">
-                    <a:latin typeface="Times New Roman" panose="02020603050405020304" pitchFamily="18" charset="0"/>
-                    <a:cs typeface="Times New Roman" panose="02020603050405020304" pitchFamily="18" charset="0"/>
-                  </a:rPr>
-                  <a:t>Intervalo de Índices </a:t>
-                </a:r>
-                <a14:m>
-                  <m:oMath xmlns:m="http://schemas.openxmlformats.org/officeDocument/2006/math">
-                    <m:r>
-                      <a:rPr lang="es-MX" sz="1400" b="0" i="1" smtClean="0">
-                        <a:latin typeface="Cambria Math" panose="02040503050406030204" pitchFamily="18" charset="0"/>
-                      </a:rPr>
-                      <m:t>[</m:t>
-                    </m:r>
-                    <m:r>
-                      <a:rPr lang="es-MX" sz="1400" b="0" i="1" smtClean="0">
-                        <a:latin typeface="Cambria Math" panose="02040503050406030204" pitchFamily="18" charset="0"/>
-                      </a:rPr>
-                      <m:t>𝑚𝑖𝑛</m:t>
-                    </m:r>
-                    <m:r>
-                      <a:rPr lang="es-MX" sz="1400" b="0" i="1" smtClean="0">
-                        <a:latin typeface="Cambria Math" panose="02040503050406030204" pitchFamily="18" charset="0"/>
-                      </a:rPr>
-                      <m:t>, </m:t>
-                    </m:r>
-                    <m:r>
-                      <a:rPr lang="es-MX" sz="1400" b="0" i="1" smtClean="0">
-                        <a:latin typeface="Cambria Math" panose="02040503050406030204" pitchFamily="18" charset="0"/>
-                      </a:rPr>
-                      <m:t>𝑚𝑎𝑥</m:t>
-                    </m:r>
-                    <m:r>
-                      <a:rPr lang="es-MX" sz="1400" b="0" i="1" smtClean="0">
-                        <a:latin typeface="Cambria Math" panose="02040503050406030204" pitchFamily="18" charset="0"/>
-                      </a:rPr>
-                      <m:t>]</m:t>
-                    </m:r>
-                  </m:oMath>
-                </a14:m>
-                <a:r>
-                  <a:rPr lang="es-MX" sz="1400" dirty="0"/>
-                  <a:t> </a:t>
-                </a:r>
-              </a:p>
-              <a:p>
-                <a:pPr marL="285750" indent="-285750">
-                  <a:buFont typeface="Arial" panose="020B0604020202020204" pitchFamily="34" charset="0"/>
-                  <a:buChar char="•"/>
-                </a:pPr>
-                <a:r>
-                  <a:rPr lang="en-US" sz="1400" dirty="0" err="1">
-                    <a:latin typeface="Times New Roman" panose="02020603050405020304" pitchFamily="18" charset="0"/>
-                    <a:cs typeface="Times New Roman" panose="02020603050405020304" pitchFamily="18" charset="0"/>
-                  </a:rPr>
-                  <a:t>Intervalo</a:t>
-                </a:r>
-                <a:r>
-                  <a:rPr lang="en-US" sz="1400" dirty="0">
-                    <a:latin typeface="Times New Roman" panose="02020603050405020304" pitchFamily="18" charset="0"/>
-                    <a:cs typeface="Times New Roman" panose="02020603050405020304" pitchFamily="18" charset="0"/>
-                  </a:rPr>
-                  <a:t> de Longitudes de Gaps </a:t>
-                </a:r>
-                <a14:m>
-                  <m:oMath xmlns:m="http://schemas.openxmlformats.org/officeDocument/2006/math">
-                    <m:r>
-                      <a:rPr lang="es-MX" sz="1400" b="0" i="1" smtClean="0">
-                        <a:latin typeface="Cambria Math" panose="02040503050406030204" pitchFamily="18" charset="0"/>
-                      </a:rPr>
-                      <m:t>[</m:t>
-                    </m:r>
-                    <m:r>
-                      <a:rPr lang="es-MX" sz="1400" b="0" i="1" smtClean="0">
-                        <a:latin typeface="Cambria Math" panose="02040503050406030204" pitchFamily="18" charset="0"/>
-                      </a:rPr>
-                      <m:t>𝑚𝑖𝑛</m:t>
-                    </m:r>
-                    <m:r>
-                      <a:rPr lang="es-MX" sz="1400" b="0" i="1" smtClean="0">
-                        <a:latin typeface="Cambria Math" panose="02040503050406030204" pitchFamily="18" charset="0"/>
-                      </a:rPr>
-                      <m:t>, </m:t>
-                    </m:r>
-                    <m:r>
-                      <a:rPr lang="es-MX" sz="1400" b="0" i="1" smtClean="0">
-                        <a:latin typeface="Cambria Math" panose="02040503050406030204" pitchFamily="18" charset="0"/>
-                      </a:rPr>
-                      <m:t>𝑚𝑎𝑥</m:t>
-                    </m:r>
-                    <m:r>
-                      <a:rPr lang="es-MX" sz="1400" b="0" i="1" smtClean="0">
-                        <a:latin typeface="Cambria Math" panose="02040503050406030204" pitchFamily="18" charset="0"/>
-                      </a:rPr>
-                      <m:t>]</m:t>
-                    </m:r>
-                  </m:oMath>
-                </a14:m>
-                <a:endParaRPr lang="en-US" sz="1400" dirty="0"/>
-              </a:p>
-            </p:txBody>
-          </p:sp>
-        </mc:Choice>
-        <mc:Fallback>
-          <p:sp>
-            <p:nvSpPr>
-              <p:cNvPr id="33" name="TextBox 32">
-                <a:extLst>
-                  <a:ext uri="{FF2B5EF4-FFF2-40B4-BE49-F238E27FC236}">
-                    <a16:creationId xmlns:a16="http://schemas.microsoft.com/office/drawing/2014/main" id="{E11F69B4-CFE8-0237-9430-04A2C2E6FB37}"/>
-                  </a:ext>
-                </a:extLst>
-              </p:cNvPr>
-              <p:cNvSpPr txBox="1">
-                <a:spLocks noRot="1" noChangeAspect="1" noMove="1" noResize="1" noEditPoints="1" noAdjustHandles="1" noChangeArrowheads="1" noChangeShapeType="1" noTextEdit="1"/>
-              </p:cNvSpPr>
-              <p:nvPr/>
-            </p:nvSpPr>
-            <p:spPr>
-              <a:xfrm>
-                <a:off x="1986155" y="1443926"/>
-                <a:ext cx="3840481" cy="738664"/>
-              </a:xfrm>
-              <a:prstGeom prst="rect">
-                <a:avLst/>
-              </a:prstGeom>
-              <a:blipFill>
-                <a:blip r:embed="rId2"/>
-                <a:stretch>
-                  <a:fillRect l="-317" t="-2479" b="-6612"/>
-                </a:stretch>
-              </a:blipFill>
-            </p:spPr>
-            <p:txBody>
-              <a:bodyPr/>
-              <a:lstStyle/>
-              <a:p>
-                <a:r>
-                  <a:rPr lang="en-US">
-                    <a:noFill/>
-                  </a:rPr>
-                  <a:t> </a:t>
-                </a:r>
-              </a:p>
-            </p:txBody>
-          </p:sp>
-        </mc:Fallback>
-      </mc:AlternateContent>
-      <mc:AlternateContent xmlns:mc="http://schemas.openxmlformats.org/markup-compatibility/2006">
-        <mc:Choice xmlns:a14="http://schemas.microsoft.com/office/drawing/2010/main" Requires="a14">
-          <p:sp>
-            <p:nvSpPr>
-              <p:cNvPr id="36" name="TextBox 35">
-                <a:extLst>
-                  <a:ext uri="{FF2B5EF4-FFF2-40B4-BE49-F238E27FC236}">
-                    <a16:creationId xmlns:a16="http://schemas.microsoft.com/office/drawing/2014/main" id="{F0FC4461-2D0B-FEE7-701B-703E075AF539}"/>
-                  </a:ext>
-                </a:extLst>
-              </p:cNvPr>
-              <p:cNvSpPr txBox="1"/>
-              <p:nvPr/>
-            </p:nvSpPr>
-            <p:spPr>
-              <a:xfrm>
-                <a:off x="2223963" y="2437717"/>
-                <a:ext cx="3840482" cy="738664"/>
-              </a:xfrm>
-              <a:prstGeom prst="rect">
-                <a:avLst/>
-              </a:prstGeom>
-              <a:noFill/>
-            </p:spPr>
-            <p:txBody>
-              <a:bodyPr wrap="square">
-                <a:spAutoFit/>
-              </a:bodyPr>
-              <a:lstStyle/>
-              <a:p>
-                <a:r>
-                  <a:rPr lang="es-MX" sz="1400" b="0" dirty="0">
-                    <a:latin typeface="Times New Roman" panose="02020603050405020304" pitchFamily="18" charset="0"/>
-                    <a:cs typeface="Times New Roman" panose="02020603050405020304" pitchFamily="18" charset="0"/>
-                  </a:rPr>
-                  <a:t>Secuencia Original</a:t>
-                </a:r>
-                <a:r>
-                  <a:rPr lang="es-MX" sz="1400" dirty="0"/>
-                  <a:t>: </a:t>
-                </a:r>
-                <a14:m>
-                  <m:oMath xmlns:m="http://schemas.openxmlformats.org/officeDocument/2006/math">
-                    <m:r>
-                      <a:rPr lang="es-MX" sz="1400" b="0" i="1" smtClean="0">
-                        <a:latin typeface="Cambria Math" panose="02040503050406030204" pitchFamily="18" charset="0"/>
-                      </a:rPr>
-                      <m:t>𝐴𝑇𝑇𝐺𝐴𝐺𝐶𝐶𝑇𝐺𝑇𝐴𝑇𝐶𝐴𝐺𝐶𝐶𝐶</m:t>
-                    </m:r>
-                  </m:oMath>
-                </a14:m>
-                <a:endParaRPr lang="es-MX" sz="1400" b="0" dirty="0"/>
-              </a:p>
-              <a:p>
-                <a:r>
-                  <a:rPr lang="es-MX" sz="1400" dirty="0">
-                    <a:latin typeface="Times New Roman" panose="02020603050405020304" pitchFamily="18" charset="0"/>
-                    <a:cs typeface="Times New Roman" panose="02020603050405020304" pitchFamily="18" charset="0"/>
-                  </a:rPr>
-                  <a:t>Intervalo de Índices: </a:t>
-                </a:r>
-                <a14:m>
-                  <m:oMath xmlns:m="http://schemas.openxmlformats.org/officeDocument/2006/math">
-                    <m:r>
-                      <a:rPr lang="es-MX" sz="1400" b="0" i="1" smtClean="0">
-                        <a:latin typeface="Cambria Math" panose="02040503050406030204" pitchFamily="18" charset="0"/>
-                      </a:rPr>
-                      <m:t>[1, 6]</m:t>
-                    </m:r>
-                  </m:oMath>
-                </a14:m>
-                <a:endParaRPr lang="es-MX" sz="1400" dirty="0"/>
-              </a:p>
-              <a:p>
-                <a:r>
-                  <a:rPr lang="en-US" sz="1400" dirty="0" err="1">
-                    <a:latin typeface="Times New Roman" panose="02020603050405020304" pitchFamily="18" charset="0"/>
-                    <a:cs typeface="Times New Roman" panose="02020603050405020304" pitchFamily="18" charset="0"/>
-                  </a:rPr>
-                  <a:t>Intervalo</a:t>
-                </a:r>
-                <a:r>
-                  <a:rPr lang="en-US" sz="1400" dirty="0">
-                    <a:latin typeface="Times New Roman" panose="02020603050405020304" pitchFamily="18" charset="0"/>
-                    <a:cs typeface="Times New Roman" panose="02020603050405020304" pitchFamily="18" charset="0"/>
-                  </a:rPr>
-                  <a:t> de Longitudes de Gaps: </a:t>
-                </a:r>
-                <a14:m>
-                  <m:oMath xmlns:m="http://schemas.openxmlformats.org/officeDocument/2006/math">
-                    <m:r>
-                      <a:rPr lang="es-MX" sz="1400" b="0" i="1" smtClean="0">
-                        <a:latin typeface="Cambria Math" panose="02040503050406030204" pitchFamily="18" charset="0"/>
-                      </a:rPr>
-                      <m:t>[1, 3]</m:t>
-                    </m:r>
-                  </m:oMath>
-                </a14:m>
-                <a:endParaRPr lang="en-US" sz="1400" dirty="0"/>
-              </a:p>
-            </p:txBody>
-          </p:sp>
-        </mc:Choice>
-        <mc:Fallback>
-          <p:sp>
-            <p:nvSpPr>
-              <p:cNvPr id="36" name="TextBox 35">
-                <a:extLst>
-                  <a:ext uri="{FF2B5EF4-FFF2-40B4-BE49-F238E27FC236}">
-                    <a16:creationId xmlns:a16="http://schemas.microsoft.com/office/drawing/2014/main" id="{F0FC4461-2D0B-FEE7-701B-703E075AF539}"/>
-                  </a:ext>
-                </a:extLst>
-              </p:cNvPr>
-              <p:cNvSpPr txBox="1">
-                <a:spLocks noRot="1" noChangeAspect="1" noMove="1" noResize="1" noEditPoints="1" noAdjustHandles="1" noChangeArrowheads="1" noChangeShapeType="1" noTextEdit="1"/>
-              </p:cNvSpPr>
-              <p:nvPr/>
-            </p:nvSpPr>
-            <p:spPr>
-              <a:xfrm>
-                <a:off x="2223963" y="2437717"/>
-                <a:ext cx="3840482" cy="738664"/>
-              </a:xfrm>
-              <a:prstGeom prst="rect">
-                <a:avLst/>
-              </a:prstGeom>
-              <a:blipFill>
-                <a:blip r:embed="rId3"/>
-                <a:stretch>
-                  <a:fillRect l="-476" t="-2479" b="-6612"/>
-                </a:stretch>
-              </a:blipFill>
-            </p:spPr>
-            <p:txBody>
-              <a:bodyPr/>
-              <a:lstStyle/>
-              <a:p>
-                <a:r>
-                  <a:rPr lang="en-US">
-                    <a:noFill/>
-                  </a:rPr>
-                  <a:t> </a:t>
-                </a:r>
-              </a:p>
-            </p:txBody>
-          </p:sp>
-        </mc:Fallback>
-      </mc:AlternateContent>
-      <mc:AlternateContent xmlns:mc="http://schemas.openxmlformats.org/markup-compatibility/2006">
-        <mc:Choice xmlns:a14="http://schemas.microsoft.com/office/drawing/2010/main" Requires="a14">
-          <p:sp>
-            <p:nvSpPr>
               <p:cNvPr id="37" name="TextBox 36">
                 <a:extLst>
                   <a:ext uri="{FF2B5EF4-FFF2-40B4-BE49-F238E27FC236}">
@@ -5048,13 +4591,15 @@
                   </a:ext>
                 </a:extLst>
               </p:cNvPr>
-              <p:cNvSpPr txBox="1"/>
+              <p:cNvSpPr txBox="1">
+                <a:spLocks/>
+              </p:cNvSpPr>
               <p:nvPr/>
             </p:nvSpPr>
             <p:spPr>
               <a:xfrm>
-                <a:off x="6770852" y="1681918"/>
-                <a:ext cx="3561552" cy="430887"/>
+                <a:off x="2804588" y="5307261"/>
+                <a:ext cx="4937779" cy="430887"/>
               </a:xfrm>
               <a:prstGeom prst="rect">
                 <a:avLst/>
@@ -5068,87 +4613,101 @@
               <a:lstStyle/>
               <a:p>
                 <a:pPr/>
+                <a:r>
+                  <a:rPr lang="es-MX" sz="1400" dirty="0">
+                    <a:latin typeface="Times New Roman" panose="02020603050405020304" pitchFamily="18" charset="0"/>
+                    <a:cs typeface="Times New Roman" panose="02020603050405020304" pitchFamily="18" charset="0"/>
+                  </a:rPr>
+                  <a:t>Secuencia Original:</a:t>
+                </a:r>
                 <a14:m>
-                  <m:oMathPara xmlns:m="http://schemas.openxmlformats.org/officeDocument/2006/math">
-                    <m:oMathParaPr>
-                      <m:jc m:val="centerGroup"/>
-                    </m:oMathParaPr>
-                    <m:oMath xmlns:m="http://schemas.openxmlformats.org/officeDocument/2006/math">
-                      <m:r>
-                        <a:rPr lang="es-MX" sz="1400" i="1" smtClean="0">
-                          <a:latin typeface="Cambria Math" panose="02040503050406030204" pitchFamily="18" charset="0"/>
-                        </a:rPr>
-                        <m:t>𝐴𝑇𝑇𝐺𝐴𝐺𝐶𝐶𝑇𝐺𝑇𝐴𝑇𝐶𝐴𝐺𝐶𝐶𝐶</m:t>
-                      </m:r>
-                    </m:oMath>
-                  </m:oMathPara>
+                  <m:oMath xmlns:m="http://schemas.openxmlformats.org/officeDocument/2006/math">
+                    <m:r>
+                      <a:rPr lang="es-419" sz="1400" b="0" i="0" smtClean="0">
+                        <a:latin typeface="Cambria Math" panose="02040503050406030204" pitchFamily="18" charset="0"/>
+                      </a:rPr>
+                      <m:t> </m:t>
+                    </m:r>
+                    <m:r>
+                      <a:rPr lang="es-MX" sz="1400" i="1" smtClean="0">
+                        <a:latin typeface="Cambria Math" panose="02040503050406030204" pitchFamily="18" charset="0"/>
+                      </a:rPr>
+                      <m:t>𝐴𝑇𝑇𝐺𝐴𝐺𝐶𝐶𝑇𝐺𝑇𝐴𝑇𝐶𝐴𝐺𝐶𝐶𝐶</m:t>
+                    </m:r>
+                  </m:oMath>
                 </a14:m>
-                <a:endParaRPr lang="es-MX" sz="1400" dirty="0"/>
+                <a:endParaRPr lang="es-419" sz="1400" dirty="0"/>
               </a:p>
               <a:p>
                 <a:pPr/>
+                <a:r>
+                  <a:rPr lang="es-MX" sz="1400" dirty="0">
+                    <a:latin typeface="Times New Roman" panose="02020603050405020304" pitchFamily="18" charset="0"/>
+                    <a:cs typeface="Times New Roman" panose="02020603050405020304" pitchFamily="18" charset="0"/>
+                  </a:rPr>
+                  <a:t>Secuencia Mutada:</a:t>
+                </a:r>
+                <a:r>
+                  <a:rPr lang="es-MX" sz="1400" dirty="0"/>
+                  <a:t> </a:t>
+                </a:r>
                 <a14:m>
-                  <m:oMathPara xmlns:m="http://schemas.openxmlformats.org/officeDocument/2006/math">
-                    <m:oMathParaPr>
-                      <m:jc m:val="centerGroup"/>
-                    </m:oMathParaPr>
-                    <m:oMath xmlns:m="http://schemas.openxmlformats.org/officeDocument/2006/math">
-                      <m:r>
-                        <a:rPr lang="es-MX" sz="1400" i="1" smtClean="0">
-                          <a:latin typeface="Cambria Math" panose="02040503050406030204" pitchFamily="18" charset="0"/>
-                        </a:rPr>
-                        <m:t>𝐴𝑇𝑇𝐺𝐴</m:t>
-                      </m:r>
-                      <m:r>
-                        <a:rPr lang="es-MX" sz="1400" b="0" i="1" smtClean="0">
-                          <a:latin typeface="Cambria Math" panose="02040503050406030204" pitchFamily="18" charset="0"/>
-                        </a:rPr>
-                        <m:t>−−−</m:t>
-                      </m:r>
-                      <m:r>
-                        <a:rPr lang="es-MX" sz="1400" i="1" smtClean="0">
-                          <a:latin typeface="Cambria Math" panose="02040503050406030204" pitchFamily="18" charset="0"/>
-                        </a:rPr>
-                        <m:t>𝐺𝐶</m:t>
-                      </m:r>
-                      <m:r>
-                        <a:rPr lang="es-MX" sz="1400" b="0" i="1" smtClean="0">
-                          <a:latin typeface="Cambria Math" panose="02040503050406030204" pitchFamily="18" charset="0"/>
-                        </a:rPr>
-                        <m:t>−</m:t>
-                      </m:r>
-                      <m:r>
-                        <a:rPr lang="es-MX" sz="1400" i="1" smtClean="0">
-                          <a:latin typeface="Cambria Math" panose="02040503050406030204" pitchFamily="18" charset="0"/>
-                        </a:rPr>
-                        <m:t>𝐶𝑇𝐺</m:t>
-                      </m:r>
-                      <m:r>
-                        <a:rPr lang="es-MX" sz="1400" b="0" i="1" smtClean="0">
-                          <a:latin typeface="Cambria Math" panose="02040503050406030204" pitchFamily="18" charset="0"/>
-                        </a:rPr>
-                        <m:t>−−</m:t>
-                      </m:r>
-                      <m:r>
-                        <a:rPr lang="es-MX" sz="1400" i="1" smtClean="0">
-                          <a:latin typeface="Cambria Math" panose="02040503050406030204" pitchFamily="18" charset="0"/>
-                        </a:rPr>
-                        <m:t>𝑇𝐴𝑇𝐶𝐴𝐺𝐶</m:t>
-                      </m:r>
-                      <m:r>
-                        <a:rPr lang="es-MX" sz="1400" b="0" i="1" smtClean="0">
-                          <a:latin typeface="Cambria Math" panose="02040503050406030204" pitchFamily="18" charset="0"/>
-                        </a:rPr>
-                        <m:t>−−</m:t>
-                      </m:r>
-                      <m:r>
-                        <a:rPr lang="es-MX" sz="1400" i="1" smtClean="0">
-                          <a:latin typeface="Cambria Math" panose="02040503050406030204" pitchFamily="18" charset="0"/>
-                        </a:rPr>
-                        <m:t>𝐶𝐶</m:t>
-                      </m:r>
-                    </m:oMath>
-                  </m:oMathPara>
+                  <m:oMath xmlns:m="http://schemas.openxmlformats.org/officeDocument/2006/math">
+                    <m:r>
+                      <a:rPr lang="es-MX" sz="1400" i="1" smtClean="0">
+                        <a:latin typeface="Cambria Math" panose="02040503050406030204" pitchFamily="18" charset="0"/>
+                      </a:rPr>
+                      <m:t>𝐴𝑇𝑇𝐺𝐴</m:t>
+                    </m:r>
+                    <m:r>
+                      <a:rPr lang="es-MX" sz="1400" b="0" i="1" smtClean="0">
+                        <a:latin typeface="Cambria Math" panose="02040503050406030204" pitchFamily="18" charset="0"/>
+                      </a:rPr>
+                      <m:t>−−−</m:t>
+                    </m:r>
+                    <m:r>
+                      <a:rPr lang="es-MX" sz="1400" i="1" smtClean="0">
+                        <a:latin typeface="Cambria Math" panose="02040503050406030204" pitchFamily="18" charset="0"/>
+                      </a:rPr>
+                      <m:t>𝐺𝐶</m:t>
+                    </m:r>
+                    <m:r>
+                      <a:rPr lang="es-MX" sz="1400" b="0" i="1" smtClean="0">
+                        <a:latin typeface="Cambria Math" panose="02040503050406030204" pitchFamily="18" charset="0"/>
+                      </a:rPr>
+                      <m:t>−</m:t>
+                    </m:r>
+                    <m:r>
+                      <a:rPr lang="es-MX" sz="1400" i="1" smtClean="0">
+                        <a:latin typeface="Cambria Math" panose="02040503050406030204" pitchFamily="18" charset="0"/>
+                      </a:rPr>
+                      <m:t>𝐶𝑇𝐺</m:t>
+                    </m:r>
+                    <m:r>
+                      <a:rPr lang="es-MX" sz="1400" b="0" i="1" smtClean="0">
+                        <a:latin typeface="Cambria Math" panose="02040503050406030204" pitchFamily="18" charset="0"/>
+                      </a:rPr>
+                      <m:t>−−</m:t>
+                    </m:r>
+                    <m:r>
+                      <a:rPr lang="es-MX" sz="1400" i="1" smtClean="0">
+                        <a:latin typeface="Cambria Math" panose="02040503050406030204" pitchFamily="18" charset="0"/>
+                      </a:rPr>
+                      <m:t>𝑇𝐴𝑇𝐶𝐴𝐺𝐶</m:t>
+                    </m:r>
+                    <m:r>
+                      <a:rPr lang="es-MX" sz="1400" b="0" i="1" smtClean="0">
+                        <a:latin typeface="Cambria Math" panose="02040503050406030204" pitchFamily="18" charset="0"/>
+                      </a:rPr>
+                      <m:t>−−</m:t>
+                    </m:r>
+                    <m:r>
+                      <a:rPr lang="es-MX" sz="1400" i="1" smtClean="0">
+                        <a:latin typeface="Cambria Math" panose="02040503050406030204" pitchFamily="18" charset="0"/>
+                      </a:rPr>
+                      <m:t>𝐶𝐶</m:t>
+                    </m:r>
+                  </m:oMath>
                 </a14:m>
                 <a:endParaRPr lang="en-US" sz="1400" dirty="0"/>
               </a:p>
@@ -5172,16 +4731,16 @@
             </p:nvSpPr>
             <p:spPr>
               <a:xfrm>
-                <a:off x="6770852" y="1681918"/>
-                <a:ext cx="3561552" cy="430887"/>
+                <a:off x="2804588" y="5307261"/>
+                <a:ext cx="4937779" cy="430887"/>
               </a:xfrm>
               <a:prstGeom prst="rect">
                 <a:avLst/>
               </a:prstGeom>
               <a:blipFill>
-                <a:blip r:embed="rId4"/>
+                <a:blip r:embed="rId2"/>
                 <a:stretch>
-                  <a:fillRect l="-685" r="-342" b="-1408"/>
+                  <a:fillRect l="-2222" t="-15714" b="-24286"/>
                 </a:stretch>
               </a:blipFill>
             </p:spPr>
@@ -5215,14 +4774,14 @@
           <p:nvPr>
             <p:extLst>
               <p:ext uri="{D42A27DB-BD31-4B8C-83A1-F6EECF244321}">
-                <p14:modId xmlns:p14="http://schemas.microsoft.com/office/powerpoint/2010/main" val="1429802420"/>
+                <p14:modId xmlns:p14="http://schemas.microsoft.com/office/powerpoint/2010/main" val="433635657"/>
               </p:ext>
             </p:extLst>
           </p:nvPr>
         </p:nvGraphicFramePr>
         <p:xfrm>
-          <a:off x="2550781" y="3511713"/>
-          <a:ext cx="7454182" cy="1493894"/>
+          <a:off x="1549753" y="2848202"/>
+          <a:ext cx="7447451" cy="1493894"/>
         </p:xfrm>
         <a:graphic>
           <a:graphicData uri="http://schemas.openxmlformats.org/drawingml/2006/table">
@@ -5266,7 +4825,7 @@
                     </a:ext>
                   </a:extLst>
                 </a:gridCol>
-                <a:gridCol w="337248">
+                <a:gridCol w="330517">
                   <a:extLst>
                     <a:ext uri="{9D8B030D-6E8A-4147-A177-3AD203B41FA5}">
                       <a16:colId xmlns:a16="http://schemas.microsoft.com/office/drawing/2014/main" val="3896218845"/>
@@ -6801,6 +6360,24 @@
                     </a:p>
                   </a:txBody>
                   <a:tcPr>
+                    <a:solidFill>
+                      <a:schemeClr val="bg1"/>
+                    </a:solidFill>
+                  </a:tcPr>
+                </a:tc>
+                <a:tc>
+                  <a:txBody>
+                    <a:bodyPr/>
+                    <a:lstStyle/>
+                    <a:p>
+                      <a:pPr algn="ctr"/>
+                      <a:endParaRPr lang="en-US" sz="1200" dirty="0">
+                        <a:latin typeface="Times New Roman" panose="02020603050405020304" pitchFamily="18" charset="0"/>
+                        <a:cs typeface="Times New Roman" panose="02020603050405020304" pitchFamily="18" charset="0"/>
+                      </a:endParaRPr>
+                    </a:p>
+                  </a:txBody>
+                  <a:tcPr>
                     <a:noFill/>
                   </a:tcPr>
                 </a:tc>
@@ -6810,22 +6387,6 @@
                     <a:lstStyle/>
                     <a:p>
                       <a:pPr algn="ctr"/>
-                      <a:endParaRPr lang="en-US" sz="1200" dirty="0">
-                        <a:latin typeface="Times New Roman" panose="02020603050405020304" pitchFamily="18" charset="0"/>
-                        <a:cs typeface="Times New Roman" panose="02020603050405020304" pitchFamily="18" charset="0"/>
-                      </a:endParaRPr>
-                    </a:p>
-                  </a:txBody>
-                  <a:tcPr>
-                    <a:noFill/>
-                  </a:tcPr>
-                </a:tc>
-                <a:tc>
-                  <a:txBody>
-                    <a:bodyPr/>
-                    <a:lstStyle/>
-                    <a:p>
-                      <a:pPr algn="ctr"/>
                       <a:r>
                         <a:rPr lang="es-MX" sz="1200" dirty="0">
                           <a:latin typeface="Times New Roman" panose="02020603050405020304" pitchFamily="18" charset="0"/>
@@ -6840,39 +6401,45 @@
                     </a:p>
                   </a:txBody>
                   <a:tcPr>
-                    <a:noFill/>
-                  </a:tcPr>
-                </a:tc>
-                <a:tc>
-                  <a:txBody>
-                    <a:bodyPr/>
-                    <a:lstStyle/>
-                    <a:p>
-                      <a:pPr algn="ctr"/>
-                      <a:endParaRPr lang="en-US" sz="1200" dirty="0">
-                        <a:latin typeface="Times New Roman" panose="02020603050405020304" pitchFamily="18" charset="0"/>
-                        <a:cs typeface="Times New Roman" panose="02020603050405020304" pitchFamily="18" charset="0"/>
-                      </a:endParaRPr>
-                    </a:p>
-                  </a:txBody>
-                  <a:tcPr>
-                    <a:noFill/>
-                  </a:tcPr>
-                </a:tc>
-                <a:tc>
-                  <a:txBody>
-                    <a:bodyPr/>
-                    <a:lstStyle/>
-                    <a:p>
-                      <a:pPr algn="ctr"/>
-                      <a:endParaRPr lang="en-US" sz="1200" dirty="0">
-                        <a:latin typeface="Times New Roman" panose="02020603050405020304" pitchFamily="18" charset="0"/>
-                        <a:cs typeface="Times New Roman" panose="02020603050405020304" pitchFamily="18" charset="0"/>
-                      </a:endParaRPr>
-                    </a:p>
-                  </a:txBody>
-                  <a:tcPr>
-                    <a:noFill/>
+                    <a:solidFill>
+                      <a:schemeClr val="bg1"/>
+                    </a:solidFill>
+                  </a:tcPr>
+                </a:tc>
+                <a:tc>
+                  <a:txBody>
+                    <a:bodyPr/>
+                    <a:lstStyle/>
+                    <a:p>
+                      <a:pPr algn="ctr"/>
+                      <a:endParaRPr lang="en-US" sz="1200" dirty="0">
+                        <a:latin typeface="Times New Roman" panose="02020603050405020304" pitchFamily="18" charset="0"/>
+                        <a:cs typeface="Times New Roman" panose="02020603050405020304" pitchFamily="18" charset="0"/>
+                      </a:endParaRPr>
+                    </a:p>
+                  </a:txBody>
+                  <a:tcPr>
+                    <a:solidFill>
+                      <a:schemeClr val="bg1"/>
+                    </a:solidFill>
+                  </a:tcPr>
+                </a:tc>
+                <a:tc>
+                  <a:txBody>
+                    <a:bodyPr/>
+                    <a:lstStyle/>
+                    <a:p>
+                      <a:pPr algn="ctr"/>
+                      <a:endParaRPr lang="en-US" sz="1200" dirty="0">
+                        <a:latin typeface="Times New Roman" panose="02020603050405020304" pitchFamily="18" charset="0"/>
+                        <a:cs typeface="Times New Roman" panose="02020603050405020304" pitchFamily="18" charset="0"/>
+                      </a:endParaRPr>
+                    </a:p>
+                  </a:txBody>
+                  <a:tcPr>
+                    <a:solidFill>
+                      <a:schemeClr val="bg1"/>
+                    </a:solidFill>
                   </a:tcPr>
                 </a:tc>
                 <a:tc>
@@ -6895,103 +6462,117 @@
                     </a:p>
                   </a:txBody>
                   <a:tcPr>
-                    <a:noFill/>
-                  </a:tcPr>
-                </a:tc>
-                <a:tc>
-                  <a:txBody>
-                    <a:bodyPr/>
-                    <a:lstStyle/>
-                    <a:p>
-                      <a:pPr algn="ctr"/>
-                      <a:endParaRPr lang="en-US" sz="1200" dirty="0">
-                        <a:latin typeface="Times New Roman" panose="02020603050405020304" pitchFamily="18" charset="0"/>
-                        <a:cs typeface="Times New Roman" panose="02020603050405020304" pitchFamily="18" charset="0"/>
-                      </a:endParaRPr>
-                    </a:p>
-                  </a:txBody>
-                  <a:tcPr>
-                    <a:noFill/>
-                  </a:tcPr>
-                </a:tc>
-                <a:tc>
-                  <a:txBody>
-                    <a:bodyPr/>
-                    <a:lstStyle/>
-                    <a:p>
-                      <a:pPr algn="ctr"/>
-                      <a:endParaRPr lang="en-US" sz="1200" dirty="0">
-                        <a:latin typeface="Times New Roman" panose="02020603050405020304" pitchFamily="18" charset="0"/>
-                        <a:cs typeface="Times New Roman" panose="02020603050405020304" pitchFamily="18" charset="0"/>
-                      </a:endParaRPr>
-                    </a:p>
-                  </a:txBody>
-                  <a:tcPr>
-                    <a:noFill/>
-                  </a:tcPr>
-                </a:tc>
-                <a:tc>
-                  <a:txBody>
-                    <a:bodyPr/>
-                    <a:lstStyle/>
-                    <a:p>
-                      <a:pPr algn="ctr"/>
-                      <a:endParaRPr lang="en-US" sz="1200" dirty="0">
-                        <a:latin typeface="Times New Roman" panose="02020603050405020304" pitchFamily="18" charset="0"/>
-                        <a:cs typeface="Times New Roman" panose="02020603050405020304" pitchFamily="18" charset="0"/>
-                      </a:endParaRPr>
-                    </a:p>
-                  </a:txBody>
-                  <a:tcPr>
-                    <a:noFill/>
-                  </a:tcPr>
-                </a:tc>
-                <a:tc>
-                  <a:txBody>
-                    <a:bodyPr/>
-                    <a:lstStyle/>
-                    <a:p>
-                      <a:pPr algn="ctr"/>
-                      <a:endParaRPr lang="en-US" sz="1200" dirty="0">
-                        <a:latin typeface="Times New Roman" panose="02020603050405020304" pitchFamily="18" charset="0"/>
-                        <a:cs typeface="Times New Roman" panose="02020603050405020304" pitchFamily="18" charset="0"/>
-                      </a:endParaRPr>
-                    </a:p>
-                  </a:txBody>
-                  <a:tcPr>
-                    <a:noFill/>
-                  </a:tcPr>
-                </a:tc>
-                <a:tc>
-                  <a:txBody>
-                    <a:bodyPr/>
-                    <a:lstStyle/>
-                    <a:p>
-                      <a:pPr algn="ctr"/>
-                      <a:endParaRPr lang="en-US" sz="1200" dirty="0">
-                        <a:latin typeface="Times New Roman" panose="02020603050405020304" pitchFamily="18" charset="0"/>
-                        <a:cs typeface="Times New Roman" panose="02020603050405020304" pitchFamily="18" charset="0"/>
-                      </a:endParaRPr>
-                    </a:p>
-                  </a:txBody>
-                  <a:tcPr>
-                    <a:noFill/>
-                  </a:tcPr>
-                </a:tc>
-                <a:tc>
-                  <a:txBody>
-                    <a:bodyPr/>
-                    <a:lstStyle/>
-                    <a:p>
-                      <a:pPr algn="ctr"/>
-                      <a:endParaRPr lang="en-US" sz="1200" dirty="0">
-                        <a:latin typeface="Times New Roman" panose="02020603050405020304" pitchFamily="18" charset="0"/>
-                        <a:cs typeface="Times New Roman" panose="02020603050405020304" pitchFamily="18" charset="0"/>
-                      </a:endParaRPr>
-                    </a:p>
-                  </a:txBody>
-                  <a:tcPr>
-                    <a:noFill/>
+                    <a:solidFill>
+                      <a:schemeClr val="bg1"/>
+                    </a:solidFill>
+                  </a:tcPr>
+                </a:tc>
+                <a:tc>
+                  <a:txBody>
+                    <a:bodyPr/>
+                    <a:lstStyle/>
+                    <a:p>
+                      <a:pPr algn="ctr"/>
+                      <a:endParaRPr lang="en-US" sz="1200" dirty="0">
+                        <a:latin typeface="Times New Roman" panose="02020603050405020304" pitchFamily="18" charset="0"/>
+                        <a:cs typeface="Times New Roman" panose="02020603050405020304" pitchFamily="18" charset="0"/>
+                      </a:endParaRPr>
+                    </a:p>
+                  </a:txBody>
+                  <a:tcPr>
+                    <a:solidFill>
+                      <a:schemeClr val="bg1"/>
+                    </a:solidFill>
+                  </a:tcPr>
+                </a:tc>
+                <a:tc>
+                  <a:txBody>
+                    <a:bodyPr/>
+                    <a:lstStyle/>
+                    <a:p>
+                      <a:pPr algn="ctr"/>
+                      <a:endParaRPr lang="en-US" sz="1200" dirty="0">
+                        <a:latin typeface="Times New Roman" panose="02020603050405020304" pitchFamily="18" charset="0"/>
+                        <a:cs typeface="Times New Roman" panose="02020603050405020304" pitchFamily="18" charset="0"/>
+                      </a:endParaRPr>
+                    </a:p>
+                  </a:txBody>
+                  <a:tcPr>
+                    <a:solidFill>
+                      <a:schemeClr val="bg1"/>
+                    </a:solidFill>
+                  </a:tcPr>
+                </a:tc>
+                <a:tc>
+                  <a:txBody>
+                    <a:bodyPr/>
+                    <a:lstStyle/>
+                    <a:p>
+                      <a:pPr algn="ctr"/>
+                      <a:endParaRPr lang="en-US" sz="1200" dirty="0">
+                        <a:latin typeface="Times New Roman" panose="02020603050405020304" pitchFamily="18" charset="0"/>
+                        <a:cs typeface="Times New Roman" panose="02020603050405020304" pitchFamily="18" charset="0"/>
+                      </a:endParaRPr>
+                    </a:p>
+                  </a:txBody>
+                  <a:tcPr>
+                    <a:solidFill>
+                      <a:schemeClr val="bg1"/>
+                    </a:solidFill>
+                  </a:tcPr>
+                </a:tc>
+                <a:tc>
+                  <a:txBody>
+                    <a:bodyPr/>
+                    <a:lstStyle/>
+                    <a:p>
+                      <a:pPr algn="ctr"/>
+                      <a:endParaRPr lang="en-US" sz="1200" dirty="0">
+                        <a:latin typeface="Times New Roman" panose="02020603050405020304" pitchFamily="18" charset="0"/>
+                        <a:cs typeface="Times New Roman" panose="02020603050405020304" pitchFamily="18" charset="0"/>
+                      </a:endParaRPr>
+                    </a:p>
+                  </a:txBody>
+                  <a:tcPr>
+                    <a:solidFill>
+                      <a:schemeClr val="bg1"/>
+                    </a:solidFill>
+                  </a:tcPr>
+                </a:tc>
+                <a:tc>
+                  <a:txBody>
+                    <a:bodyPr/>
+                    <a:lstStyle/>
+                    <a:p>
+                      <a:pPr algn="ctr"/>
+                      <a:endParaRPr lang="en-US" sz="1200" dirty="0">
+                        <a:latin typeface="Times New Roman" panose="02020603050405020304" pitchFamily="18" charset="0"/>
+                        <a:cs typeface="Times New Roman" panose="02020603050405020304" pitchFamily="18" charset="0"/>
+                      </a:endParaRPr>
+                    </a:p>
+                  </a:txBody>
+                  <a:tcPr>
+                    <a:solidFill>
+                      <a:schemeClr val="bg1"/>
+                    </a:solidFill>
+                  </a:tcPr>
+                </a:tc>
+                <a:tc>
+                  <a:txBody>
+                    <a:bodyPr/>
+                    <a:lstStyle/>
+                    <a:p>
+                      <a:pPr algn="ctr"/>
+                      <a:endParaRPr lang="en-US" sz="1200" dirty="0">
+                        <a:latin typeface="Times New Roman" panose="02020603050405020304" pitchFamily="18" charset="0"/>
+                        <a:cs typeface="Times New Roman" panose="02020603050405020304" pitchFamily="18" charset="0"/>
+                      </a:endParaRPr>
+                    </a:p>
+                  </a:txBody>
+                  <a:tcPr>
+                    <a:solidFill>
+                      <a:schemeClr val="bg1"/>
+                    </a:solidFill>
                   </a:tcPr>
                 </a:tc>
                 <a:tc>
@@ -7014,7 +6595,9 @@
                     </a:p>
                   </a:txBody>
                   <a:tcPr>
-                    <a:noFill/>
+                    <a:solidFill>
+                      <a:schemeClr val="bg1"/>
+                    </a:solidFill>
                   </a:tcPr>
                 </a:tc>
                 <a:tc>
@@ -7074,13 +6657,13 @@
           <p:nvPr>
             <p:extLst>
               <p:ext uri="{D42A27DB-BD31-4B8C-83A1-F6EECF244321}">
-                <p14:modId xmlns:p14="http://schemas.microsoft.com/office/powerpoint/2010/main" val="1496101483"/>
+                <p14:modId xmlns:p14="http://schemas.microsoft.com/office/powerpoint/2010/main" val="161776609"/>
               </p:ext>
             </p:extLst>
           </p:nvPr>
         </p:nvGraphicFramePr>
         <p:xfrm>
-          <a:off x="2689113" y="5309134"/>
+          <a:off x="1688085" y="4647513"/>
           <a:ext cx="7177518" cy="357273"/>
         </p:xfrm>
         <a:graphic>
@@ -7980,7 +7563,7 @@
         </p:nvSpPr>
         <p:spPr>
           <a:xfrm>
-            <a:off x="6373287" y="2437717"/>
+            <a:off x="1549753" y="1804121"/>
             <a:ext cx="4081008" cy="738664"/>
           </a:xfrm>
           <a:prstGeom prst="rect">
@@ -7995,106 +7578,29 @@
           <a:lstStyle/>
           <a:p>
             <a:r>
-              <a:rPr lang="en-US" sz="1400" dirty="0" err="1">
+              <a:rPr lang="en-US" sz="1400" dirty="0">
                 <a:latin typeface="Times New Roman" panose="02020603050405020304" pitchFamily="18" charset="0"/>
                 <a:cs typeface="Times New Roman" panose="02020603050405020304" pitchFamily="18" charset="0"/>
               </a:rPr>
-              <a:t>Longitud</a:t>
+              <a:t>Longitud de Arreglo de Índices Aleatorios [1, 6]: 4</a:t>
             </a:r>
+          </a:p>
+          <a:p>
             <a:r>
               <a:rPr lang="en-US" sz="1400" dirty="0">
                 <a:latin typeface="Times New Roman" panose="02020603050405020304" pitchFamily="18" charset="0"/>
                 <a:cs typeface="Times New Roman" panose="02020603050405020304" pitchFamily="18" charset="0"/>
               </a:rPr>
-              <a:t> de </a:t>
+              <a:t>Arreglo de Indices Aleatorios [4]: (10, 5, 7, 17)</a:t>
             </a:r>
-            <a:r>
-              <a:rPr lang="en-US" sz="1400" dirty="0" err="1">
-                <a:latin typeface="Times New Roman" panose="02020603050405020304" pitchFamily="18" charset="0"/>
-                <a:cs typeface="Times New Roman" panose="02020603050405020304" pitchFamily="18" charset="0"/>
-              </a:rPr>
-              <a:t>Arreglo</a:t>
-            </a:r>
+          </a:p>
+          <a:p>
             <a:r>
               <a:rPr lang="en-US" sz="1400" dirty="0">
                 <a:latin typeface="Times New Roman" panose="02020603050405020304" pitchFamily="18" charset="0"/>
                 <a:cs typeface="Times New Roman" panose="02020603050405020304" pitchFamily="18" charset="0"/>
               </a:rPr>
-              <a:t> de </a:t>
-            </a:r>
-            <a:r>
-              <a:rPr lang="en-US" sz="1400" dirty="0" err="1">
-                <a:latin typeface="Times New Roman" panose="02020603050405020304" pitchFamily="18" charset="0"/>
-                <a:cs typeface="Times New Roman" panose="02020603050405020304" pitchFamily="18" charset="0"/>
-              </a:rPr>
-              <a:t>Índices</a:t>
-            </a:r>
-            <a:r>
-              <a:rPr lang="en-US" sz="1400" dirty="0">
-                <a:latin typeface="Times New Roman" panose="02020603050405020304" pitchFamily="18" charset="0"/>
-                <a:cs typeface="Times New Roman" panose="02020603050405020304" pitchFamily="18" charset="0"/>
-              </a:rPr>
-              <a:t> </a:t>
-            </a:r>
-            <a:r>
-              <a:rPr lang="en-US" sz="1400" dirty="0" err="1">
-                <a:latin typeface="Times New Roman" panose="02020603050405020304" pitchFamily="18" charset="0"/>
-                <a:cs typeface="Times New Roman" panose="02020603050405020304" pitchFamily="18" charset="0"/>
-              </a:rPr>
-              <a:t>Aleatorios</a:t>
-            </a:r>
-            <a:r>
-              <a:rPr lang="en-US" sz="1400" dirty="0">
-                <a:latin typeface="Times New Roman" panose="02020603050405020304" pitchFamily="18" charset="0"/>
-                <a:cs typeface="Times New Roman" panose="02020603050405020304" pitchFamily="18" charset="0"/>
-              </a:rPr>
-              <a:t> [1, 6]: 4</a:t>
-            </a:r>
-          </a:p>
-          <a:p>
-            <a:r>
-              <a:rPr lang="en-US" sz="1400" dirty="0" err="1">
-                <a:latin typeface="Times New Roman" panose="02020603050405020304" pitchFamily="18" charset="0"/>
-                <a:cs typeface="Times New Roman" panose="02020603050405020304" pitchFamily="18" charset="0"/>
-              </a:rPr>
-              <a:t>Arreglo</a:t>
-            </a:r>
-            <a:r>
-              <a:rPr lang="en-US" sz="1400" dirty="0">
-                <a:latin typeface="Times New Roman" panose="02020603050405020304" pitchFamily="18" charset="0"/>
-                <a:cs typeface="Times New Roman" panose="02020603050405020304" pitchFamily="18" charset="0"/>
-              </a:rPr>
-              <a:t> de Indices </a:t>
-            </a:r>
-            <a:r>
-              <a:rPr lang="en-US" sz="1400" dirty="0" err="1">
-                <a:latin typeface="Times New Roman" panose="02020603050405020304" pitchFamily="18" charset="0"/>
-                <a:cs typeface="Times New Roman" panose="02020603050405020304" pitchFamily="18" charset="0"/>
-              </a:rPr>
-              <a:t>Aleatorios</a:t>
-            </a:r>
-            <a:r>
-              <a:rPr lang="en-US" sz="1400" dirty="0">
-                <a:latin typeface="Times New Roman" panose="02020603050405020304" pitchFamily="18" charset="0"/>
-                <a:cs typeface="Times New Roman" panose="02020603050405020304" pitchFamily="18" charset="0"/>
-              </a:rPr>
-              <a:t>: (10, 5, 7, 17)</a:t>
-            </a:r>
-          </a:p>
-          <a:p>
-            <a:r>
-              <a:rPr lang="en-US" sz="1400" dirty="0" err="1">
-                <a:latin typeface="Times New Roman" panose="02020603050405020304" pitchFamily="18" charset="0"/>
-                <a:cs typeface="Times New Roman" panose="02020603050405020304" pitchFamily="18" charset="0"/>
-              </a:rPr>
-              <a:t>Arreglo</a:t>
-            </a:r>
-            <a:r>
-              <a:rPr lang="en-US" sz="1400" dirty="0">
-                <a:latin typeface="Times New Roman" panose="02020603050405020304" pitchFamily="18" charset="0"/>
-                <a:cs typeface="Times New Roman" panose="02020603050405020304" pitchFamily="18" charset="0"/>
-              </a:rPr>
-              <a:t> de Longitudes de gaps [1, 3]: (2, 3, 1, 2)</a:t>
+              <a:t>Arreglo de Longitudes de gaps [1, 3]: (2, 3, 1, 2)</a:t>
             </a:r>
           </a:p>
         </p:txBody>
@@ -10743,13 +10249,13 @@
           <p:nvPr>
             <p:extLst>
               <p:ext uri="{D42A27DB-BD31-4B8C-83A1-F6EECF244321}">
-                <p14:modId xmlns:p14="http://schemas.microsoft.com/office/powerpoint/2010/main" val="197550938"/>
+                <p14:modId xmlns:p14="http://schemas.microsoft.com/office/powerpoint/2010/main" val="2731024515"/>
               </p:ext>
             </p:extLst>
           </p:nvPr>
         </p:nvGraphicFramePr>
         <p:xfrm>
-          <a:off x="2656773" y="4903845"/>
+          <a:off x="2689113" y="4997445"/>
           <a:ext cx="7242197" cy="714546"/>
         </p:xfrm>
         <a:graphic>
@@ -12477,86 +11983,6 @@
     <p:extLst>
       <p:ext uri="{BB962C8B-B14F-4D97-AF65-F5344CB8AC3E}">
         <p14:creationId xmlns:p14="http://schemas.microsoft.com/office/powerpoint/2010/main" val="417423104"/>
-      </p:ext>
-    </p:extLst>
-  </p:cSld>
-  <p:clrMapOvr>
-    <a:masterClrMapping/>
-  </p:clrMapOvr>
-</p:sld>
-</file>
-
-<file path=ppt/slides/slide4.xml><?xml version="1.0" encoding="utf-8"?>
-<p:sld xmlns:a="http://schemas.openxmlformats.org/drawingml/2006/main" xmlns:r="http://schemas.openxmlformats.org/officeDocument/2006/relationships" xmlns:p="http://schemas.openxmlformats.org/presentationml/2006/main">
-  <p:cSld>
-    <p:spTree>
-      <p:nvGrpSpPr>
-        <p:cNvPr id="1" name=""/>
-        <p:cNvGrpSpPr/>
-        <p:nvPr/>
-      </p:nvGrpSpPr>
-      <p:grpSpPr>
-        <a:xfrm>
-          <a:off x="0" y="0"/>
-          <a:ext cx="0" cy="0"/>
-          <a:chOff x="0" y="0"/>
-          <a:chExt cx="0" cy="0"/>
-        </a:xfrm>
-      </p:grpSpPr>
-      <p:sp>
-        <p:nvSpPr>
-          <p:cNvPr id="2" name="Title 1">
-            <a:extLst>
-              <a:ext uri="{FF2B5EF4-FFF2-40B4-BE49-F238E27FC236}">
-                <a16:creationId xmlns:a16="http://schemas.microsoft.com/office/drawing/2014/main" id="{2AD61B63-ACD4-7E7E-2484-8DDB41370F04}"/>
-              </a:ext>
-            </a:extLst>
-          </p:cNvPr>
-          <p:cNvSpPr>
-            <a:spLocks noGrp="1"/>
-          </p:cNvSpPr>
-          <p:nvPr>
-            <p:ph type="title"/>
-          </p:nvPr>
-        </p:nvSpPr>
-        <p:spPr/>
-        <p:txBody>
-          <a:bodyPr/>
-          <a:lstStyle/>
-          <a:p>
-            <a:endParaRPr lang="en-US"/>
-          </a:p>
-        </p:txBody>
-      </p:sp>
-      <p:sp>
-        <p:nvSpPr>
-          <p:cNvPr id="3" name="Content Placeholder 2">
-            <a:extLst>
-              <a:ext uri="{FF2B5EF4-FFF2-40B4-BE49-F238E27FC236}">
-                <a16:creationId xmlns:a16="http://schemas.microsoft.com/office/drawing/2014/main" id="{E2D52005-B489-65F0-FD5B-DD9617421B08}"/>
-              </a:ext>
-            </a:extLst>
-          </p:cNvPr>
-          <p:cNvSpPr>
-            <a:spLocks noGrp="1"/>
-          </p:cNvSpPr>
-          <p:nvPr>
-            <p:ph idx="1"/>
-          </p:nvPr>
-        </p:nvSpPr>
-        <p:spPr/>
-        <p:txBody>
-          <a:bodyPr/>
-          <a:lstStyle/>
-          <a:p>
-            <a:endParaRPr lang="en-US"/>
-          </a:p>
-        </p:txBody>
-      </p:sp>
-    </p:spTree>
-    <p:extLst>
-      <p:ext uri="{BB962C8B-B14F-4D97-AF65-F5344CB8AC3E}">
-        <p14:creationId xmlns:p14="http://schemas.microsoft.com/office/powerpoint/2010/main" val="1356203393"/>
       </p:ext>
     </p:extLst>
   </p:cSld>

--- a/docu/mejoras/slides.pptx
+++ b/docu/mejoras/slides.pptx
@@ -261,7 +261,7 @@
           <a:p>
             <a:fld id="{5DDF0DDE-38FC-4D9A-AACF-FC967813EFBA}" type="datetimeFigureOut">
               <a:rPr lang="en-US" smtClean="0"/>
-              <a:t>4/11/2024</a:t>
+              <a:t>4/16/2024</a:t>
             </a:fld>
             <a:endParaRPr lang="en-US"/>
           </a:p>
@@ -459,7 +459,7 @@
           <a:p>
             <a:fld id="{5DDF0DDE-38FC-4D9A-AACF-FC967813EFBA}" type="datetimeFigureOut">
               <a:rPr lang="en-US" smtClean="0"/>
-              <a:t>4/11/2024</a:t>
+              <a:t>4/16/2024</a:t>
             </a:fld>
             <a:endParaRPr lang="en-US"/>
           </a:p>
@@ -667,7 +667,7 @@
           <a:p>
             <a:fld id="{5DDF0DDE-38FC-4D9A-AACF-FC967813EFBA}" type="datetimeFigureOut">
               <a:rPr lang="en-US" smtClean="0"/>
-              <a:t>4/11/2024</a:t>
+              <a:t>4/16/2024</a:t>
             </a:fld>
             <a:endParaRPr lang="en-US"/>
           </a:p>
@@ -865,7 +865,7 @@
           <a:p>
             <a:fld id="{5DDF0DDE-38FC-4D9A-AACF-FC967813EFBA}" type="datetimeFigureOut">
               <a:rPr lang="en-US" smtClean="0"/>
-              <a:t>4/11/2024</a:t>
+              <a:t>4/16/2024</a:t>
             </a:fld>
             <a:endParaRPr lang="en-US"/>
           </a:p>
@@ -1140,7 +1140,7 @@
           <a:p>
             <a:fld id="{5DDF0DDE-38FC-4D9A-AACF-FC967813EFBA}" type="datetimeFigureOut">
               <a:rPr lang="en-US" smtClean="0"/>
-              <a:t>4/11/2024</a:t>
+              <a:t>4/16/2024</a:t>
             </a:fld>
             <a:endParaRPr lang="en-US"/>
           </a:p>
@@ -1405,7 +1405,7 @@
           <a:p>
             <a:fld id="{5DDF0DDE-38FC-4D9A-AACF-FC967813EFBA}" type="datetimeFigureOut">
               <a:rPr lang="en-US" smtClean="0"/>
-              <a:t>4/11/2024</a:t>
+              <a:t>4/16/2024</a:t>
             </a:fld>
             <a:endParaRPr lang="en-US"/>
           </a:p>
@@ -1817,7 +1817,7 @@
           <a:p>
             <a:fld id="{5DDF0DDE-38FC-4D9A-AACF-FC967813EFBA}" type="datetimeFigureOut">
               <a:rPr lang="en-US" smtClean="0"/>
-              <a:t>4/11/2024</a:t>
+              <a:t>4/16/2024</a:t>
             </a:fld>
             <a:endParaRPr lang="en-US"/>
           </a:p>
@@ -1958,7 +1958,7 @@
           <a:p>
             <a:fld id="{5DDF0DDE-38FC-4D9A-AACF-FC967813EFBA}" type="datetimeFigureOut">
               <a:rPr lang="en-US" smtClean="0"/>
-              <a:t>4/11/2024</a:t>
+              <a:t>4/16/2024</a:t>
             </a:fld>
             <a:endParaRPr lang="en-US"/>
           </a:p>
@@ -2071,7 +2071,7 @@
           <a:p>
             <a:fld id="{5DDF0DDE-38FC-4D9A-AACF-FC967813EFBA}" type="datetimeFigureOut">
               <a:rPr lang="en-US" smtClean="0"/>
-              <a:t>4/11/2024</a:t>
+              <a:t>4/16/2024</a:t>
             </a:fld>
             <a:endParaRPr lang="en-US"/>
           </a:p>
@@ -2382,7 +2382,7 @@
           <a:p>
             <a:fld id="{5DDF0DDE-38FC-4D9A-AACF-FC967813EFBA}" type="datetimeFigureOut">
               <a:rPr lang="en-US" smtClean="0"/>
-              <a:t>4/11/2024</a:t>
+              <a:t>4/16/2024</a:t>
             </a:fld>
             <a:endParaRPr lang="en-US"/>
           </a:p>
@@ -2670,7 +2670,7 @@
           <a:p>
             <a:fld id="{5DDF0DDE-38FC-4D9A-AACF-FC967813EFBA}" type="datetimeFigureOut">
               <a:rPr lang="en-US" smtClean="0"/>
-              <a:t>4/11/2024</a:t>
+              <a:t>4/16/2024</a:t>
             </a:fld>
             <a:endParaRPr lang="en-US"/>
           </a:p>
@@ -2911,7 +2911,7 @@
           <a:p>
             <a:fld id="{5DDF0DDE-38FC-4D9A-AACF-FC967813EFBA}" type="datetimeFigureOut">
               <a:rPr lang="en-US" smtClean="0"/>
-              <a:t>4/11/2024</a:t>
+              <a:t>4/16/2024</a:t>
             </a:fld>
             <a:endParaRPr lang="en-US"/>
           </a:p>
@@ -4068,8 +4068,8 @@
           </p:sp>
         </mc:Fallback>
       </mc:AlternateContent>
-      <mc:AlternateContent xmlns:mc="http://schemas.openxmlformats.org/markup-compatibility/2006">
-        <mc:Choice xmlns:a14="http://schemas.microsoft.com/office/drawing/2010/main" Requires="a14">
+      <mc:AlternateContent xmlns:mc="http://schemas.openxmlformats.org/markup-compatibility/2006" xmlns:a14="http://schemas.microsoft.com/office/drawing/2010/main">
+        <mc:Choice Requires="a14">
           <p:sp>
             <p:nvSpPr>
               <p:cNvPr id="30" name="TextBox 29">
@@ -4204,7 +4204,7 @@
             </p:txBody>
           </p:sp>
         </mc:Choice>
-        <mc:Fallback>
+        <mc:Fallback xmlns="">
           <p:sp>
             <p:nvSpPr>
               <p:cNvPr id="30" name="TextBox 29">
@@ -4249,8 +4249,8 @@
           </p:sp>
         </mc:Fallback>
       </mc:AlternateContent>
-      <mc:AlternateContent xmlns:mc="http://schemas.openxmlformats.org/markup-compatibility/2006">
-        <mc:Choice xmlns:a14="http://schemas.microsoft.com/office/drawing/2010/main" Requires="a14">
+      <mc:AlternateContent xmlns:mc="http://schemas.openxmlformats.org/markup-compatibility/2006" xmlns:a14="http://schemas.microsoft.com/office/drawing/2010/main">
+        <mc:Choice Requires="a14">
           <p:sp>
             <p:nvSpPr>
               <p:cNvPr id="31" name="TextBox 30">
@@ -4505,7 +4505,7 @@
             </p:txBody>
           </p:sp>
         </mc:Choice>
-        <mc:Fallback>
+        <mc:Fallback xmlns="">
           <p:sp>
             <p:nvSpPr>
               <p:cNvPr id="31" name="TextBox 30">
@@ -4598,7 +4598,7 @@
             </p:nvSpPr>
             <p:spPr>
               <a:xfrm>
-                <a:off x="2804588" y="5307261"/>
+                <a:off x="2804588" y="4952929"/>
                 <a:ext cx="4937779" cy="430887"/>
               </a:xfrm>
               <a:prstGeom prst="rect">
@@ -4612,7 +4612,6 @@
               </a:bodyPr>
               <a:lstStyle/>
               <a:p>
-                <a:pPr/>
                 <a:r>
                   <a:rPr lang="es-MX" sz="1400" dirty="0">
                     <a:latin typeface="Times New Roman" panose="02020603050405020304" pitchFamily="18" charset="0"/>
@@ -4639,7 +4638,6 @@
                 <a:endParaRPr lang="es-419" sz="1400" dirty="0"/>
               </a:p>
               <a:p>
-                <a:pPr/>
                 <a:r>
                   <a:rPr lang="es-MX" sz="1400" dirty="0">
                     <a:latin typeface="Times New Roman" panose="02020603050405020304" pitchFamily="18" charset="0"/>
@@ -4731,7 +4729,7 @@
             </p:nvSpPr>
             <p:spPr>
               <a:xfrm>
-                <a:off x="2804588" y="5307261"/>
+                <a:off x="2804588" y="4952929"/>
                 <a:ext cx="4937779" cy="430887"/>
               </a:xfrm>
               <a:prstGeom prst="rect">
@@ -4740,7 +4738,7 @@
               <a:blipFill>
                 <a:blip r:embed="rId2"/>
                 <a:stretch>
-                  <a:fillRect l="-2222" t="-15714" b="-24286"/>
+                  <a:fillRect l="-2222" t="-14085" b="-22535"/>
                 </a:stretch>
               </a:blipFill>
             </p:spPr>
@@ -4749,7 +4747,7 @@
               <a:lstStyle/>
               <a:p>
                 <a:r>
-                  <a:rPr lang="en-US">
+                  <a:rPr lang="es-MX">
                     <a:noFill/>
                   </a:rPr>
                   <a:t> </a:t>
@@ -4774,7 +4772,7 @@
           <p:nvPr>
             <p:extLst>
               <p:ext uri="{D42A27DB-BD31-4B8C-83A1-F6EECF244321}">
-                <p14:modId xmlns:p14="http://schemas.microsoft.com/office/powerpoint/2010/main" val="433635657"/>
+                <p14:modId xmlns:p14="http://schemas.microsoft.com/office/powerpoint/2010/main" val="2230758243"/>
               </p:ext>
             </p:extLst>
           </p:nvPr>
@@ -6289,77 +6287,6 @@
                     </a:p>
                   </a:txBody>
                   <a:tcPr>
-                    <a:noFill/>
-                  </a:tcPr>
-                </a:tc>
-                <a:tc>
-                  <a:txBody>
-                    <a:bodyPr/>
-                    <a:lstStyle/>
-                    <a:p>
-                      <a:pPr algn="ctr"/>
-                      <a:endParaRPr lang="en-US" sz="1200">
-                        <a:latin typeface="Times New Roman" panose="02020603050405020304" pitchFamily="18" charset="0"/>
-                        <a:cs typeface="Times New Roman" panose="02020603050405020304" pitchFamily="18" charset="0"/>
-                      </a:endParaRPr>
-                    </a:p>
-                  </a:txBody>
-                  <a:tcPr>
-                    <a:noFill/>
-                  </a:tcPr>
-                </a:tc>
-                <a:tc>
-                  <a:txBody>
-                    <a:bodyPr/>
-                    <a:lstStyle/>
-                    <a:p>
-                      <a:pPr algn="ctr"/>
-                      <a:endParaRPr lang="en-US" sz="1200">
-                        <a:latin typeface="Times New Roman" panose="02020603050405020304" pitchFamily="18" charset="0"/>
-                        <a:cs typeface="Times New Roman" panose="02020603050405020304" pitchFamily="18" charset="0"/>
-                      </a:endParaRPr>
-                    </a:p>
-                  </a:txBody>
-                  <a:tcPr>
-                    <a:noFill/>
-                  </a:tcPr>
-                </a:tc>
-                <a:tc>
-                  <a:txBody>
-                    <a:bodyPr/>
-                    <a:lstStyle/>
-                    <a:p>
-                      <a:pPr algn="ctr"/>
-                      <a:endParaRPr lang="en-US" sz="1200" dirty="0">
-                        <a:latin typeface="Times New Roman" panose="02020603050405020304" pitchFamily="18" charset="0"/>
-                        <a:cs typeface="Times New Roman" panose="02020603050405020304" pitchFamily="18" charset="0"/>
-                      </a:endParaRPr>
-                    </a:p>
-                  </a:txBody>
-                  <a:tcPr>
-                    <a:noFill/>
-                  </a:tcPr>
-                </a:tc>
-                <a:tc>
-                  <a:txBody>
-                    <a:bodyPr/>
-                    <a:lstStyle/>
-                    <a:p>
-                      <a:pPr algn="ctr"/>
-                      <a:r>
-                        <a:rPr lang="es-MX" sz="1200" dirty="0">
-                          <a:latin typeface="Times New Roman" panose="02020603050405020304" pitchFamily="18" charset="0"/>
-                          <a:cs typeface="Times New Roman" panose="02020603050405020304" pitchFamily="18" charset="0"/>
-                        </a:rPr>
-                        <a:t>3</a:t>
-                      </a:r>
-                      <a:endParaRPr lang="en-US" sz="1200" dirty="0">
-                        <a:latin typeface="Times New Roman" panose="02020603050405020304" pitchFamily="18" charset="0"/>
-                        <a:cs typeface="Times New Roman" panose="02020603050405020304" pitchFamily="18" charset="0"/>
-                      </a:endParaRPr>
-                    </a:p>
-                  </a:txBody>
-                  <a:tcPr>
                     <a:solidFill>
                       <a:schemeClr val="bg1"/>
                     </a:solidFill>
@@ -6378,29 +6305,6 @@
                     </a:p>
                   </a:txBody>
                   <a:tcPr>
-                    <a:noFill/>
-                  </a:tcPr>
-                </a:tc>
-                <a:tc>
-                  <a:txBody>
-                    <a:bodyPr/>
-                    <a:lstStyle/>
-                    <a:p>
-                      <a:pPr algn="ctr"/>
-                      <a:r>
-                        <a:rPr lang="es-MX" sz="1200" dirty="0">
-                          <a:latin typeface="Times New Roman" panose="02020603050405020304" pitchFamily="18" charset="0"/>
-                          <a:cs typeface="Times New Roman" panose="02020603050405020304" pitchFamily="18" charset="0"/>
-                        </a:rPr>
-                        <a:t>1</a:t>
-                      </a:r>
-                      <a:endParaRPr lang="en-US" sz="1200" dirty="0">
-                        <a:latin typeface="Times New Roman" panose="02020603050405020304" pitchFamily="18" charset="0"/>
-                        <a:cs typeface="Times New Roman" panose="02020603050405020304" pitchFamily="18" charset="0"/>
-                      </a:endParaRPr>
-                    </a:p>
-                  </a:txBody>
-                  <a:tcPr>
                     <a:solidFill>
                       <a:schemeClr val="bg1"/>
                     </a:solidFill>
@@ -6453,7 +6357,7 @@
                           <a:latin typeface="Times New Roman" panose="02020603050405020304" pitchFamily="18" charset="0"/>
                           <a:cs typeface="Times New Roman" panose="02020603050405020304" pitchFamily="18" charset="0"/>
                         </a:rPr>
-                        <a:t>2</a:t>
+                        <a:t>3</a:t>
                       </a:r>
                       <a:endParaRPr lang="en-US" sz="1200" dirty="0">
                         <a:latin typeface="Times New Roman" panose="02020603050405020304" pitchFamily="18" charset="0"/>
@@ -6491,6 +6395,13 @@
                     <a:lstStyle/>
                     <a:p>
                       <a:pPr algn="ctr"/>
+                      <a:r>
+                        <a:rPr lang="es-MX" sz="1200" dirty="0">
+                          <a:latin typeface="Times New Roman" panose="02020603050405020304" pitchFamily="18" charset="0"/>
+                          <a:cs typeface="Times New Roman" panose="02020603050405020304" pitchFamily="18" charset="0"/>
+                        </a:rPr>
+                        <a:t>1</a:t>
+                      </a:r>
                       <a:endParaRPr lang="en-US" sz="1200" dirty="0">
                         <a:latin typeface="Times New Roman" panose="02020603050405020304" pitchFamily="18" charset="0"/>
                         <a:cs typeface="Times New Roman" panose="02020603050405020304" pitchFamily="18" charset="0"/>
@@ -6545,6 +6456,13 @@
                     <a:lstStyle/>
                     <a:p>
                       <a:pPr algn="ctr"/>
+                      <a:r>
+                        <a:rPr lang="es-MX" sz="1200" dirty="0">
+                          <a:latin typeface="Times New Roman" panose="02020603050405020304" pitchFamily="18" charset="0"/>
+                          <a:cs typeface="Times New Roman" panose="02020603050405020304" pitchFamily="18" charset="0"/>
+                        </a:rPr>
+                        <a:t>2</a:t>
+                      </a:r>
                       <a:endParaRPr lang="en-US" sz="1200" dirty="0">
                         <a:latin typeface="Times New Roman" panose="02020603050405020304" pitchFamily="18" charset="0"/>
                         <a:cs typeface="Times New Roman" panose="02020603050405020304" pitchFamily="18" charset="0"/>
@@ -6581,13 +6499,6 @@
                     <a:lstStyle/>
                     <a:p>
                       <a:pPr algn="ctr"/>
-                      <a:r>
-                        <a:rPr lang="es-MX" sz="1200" dirty="0">
-                          <a:latin typeface="Times New Roman" panose="02020603050405020304" pitchFamily="18" charset="0"/>
-                          <a:cs typeface="Times New Roman" panose="02020603050405020304" pitchFamily="18" charset="0"/>
-                        </a:rPr>
-                        <a:t>2</a:t>
-                      </a:r>
                       <a:endParaRPr lang="en-US" sz="1200" dirty="0">
                         <a:latin typeface="Times New Roman" panose="02020603050405020304" pitchFamily="18" charset="0"/>
                         <a:cs typeface="Times New Roman" panose="02020603050405020304" pitchFamily="18" charset="0"/>
@@ -6613,23 +6524,124 @@
                     </a:p>
                   </a:txBody>
                   <a:tcPr>
-                    <a:noFill/>
-                  </a:tcPr>
-                </a:tc>
-                <a:tc>
-                  <a:txBody>
-                    <a:bodyPr/>
-                    <a:lstStyle/>
-                    <a:p>
-                      <a:pPr algn="ctr"/>
-                      <a:endParaRPr lang="en-US" sz="1200" dirty="0">
-                        <a:latin typeface="Times New Roman" panose="02020603050405020304" pitchFamily="18" charset="0"/>
-                        <a:cs typeface="Times New Roman" panose="02020603050405020304" pitchFamily="18" charset="0"/>
-                      </a:endParaRPr>
-                    </a:p>
-                  </a:txBody>
-                  <a:tcPr>
-                    <a:noFill/>
+                    <a:solidFill>
+                      <a:schemeClr val="bg1"/>
+                    </a:solidFill>
+                  </a:tcPr>
+                </a:tc>
+                <a:tc>
+                  <a:txBody>
+                    <a:bodyPr/>
+                    <a:lstStyle/>
+                    <a:p>
+                      <a:pPr algn="ctr"/>
+                      <a:endParaRPr lang="en-US" sz="1200" dirty="0">
+                        <a:latin typeface="Times New Roman" panose="02020603050405020304" pitchFamily="18" charset="0"/>
+                        <a:cs typeface="Times New Roman" panose="02020603050405020304" pitchFamily="18" charset="0"/>
+                      </a:endParaRPr>
+                    </a:p>
+                  </a:txBody>
+                  <a:tcPr>
+                    <a:solidFill>
+                      <a:schemeClr val="bg1"/>
+                    </a:solidFill>
+                  </a:tcPr>
+                </a:tc>
+                <a:tc>
+                  <a:txBody>
+                    <a:bodyPr/>
+                    <a:lstStyle/>
+                    <a:p>
+                      <a:pPr algn="ctr"/>
+                      <a:endParaRPr lang="en-US" sz="1200" dirty="0">
+                        <a:latin typeface="Times New Roman" panose="02020603050405020304" pitchFamily="18" charset="0"/>
+                        <a:cs typeface="Times New Roman" panose="02020603050405020304" pitchFamily="18" charset="0"/>
+                      </a:endParaRPr>
+                    </a:p>
+                  </a:txBody>
+                  <a:tcPr>
+                    <a:solidFill>
+                      <a:schemeClr val="bg1"/>
+                    </a:solidFill>
+                  </a:tcPr>
+                </a:tc>
+                <a:tc>
+                  <a:txBody>
+                    <a:bodyPr/>
+                    <a:lstStyle/>
+                    <a:p>
+                      <a:pPr algn="ctr"/>
+                      <a:endParaRPr lang="en-US" sz="1200" dirty="0">
+                        <a:latin typeface="Times New Roman" panose="02020603050405020304" pitchFamily="18" charset="0"/>
+                        <a:cs typeface="Times New Roman" panose="02020603050405020304" pitchFamily="18" charset="0"/>
+                      </a:endParaRPr>
+                    </a:p>
+                  </a:txBody>
+                  <a:tcPr>
+                    <a:solidFill>
+                      <a:schemeClr val="bg1"/>
+                    </a:solidFill>
+                  </a:tcPr>
+                </a:tc>
+                <a:tc>
+                  <a:txBody>
+                    <a:bodyPr/>
+                    <a:lstStyle/>
+                    <a:p>
+                      <a:pPr algn="ctr"/>
+                      <a:r>
+                        <a:rPr lang="es-MX" sz="1200" dirty="0">
+                          <a:latin typeface="Times New Roman" panose="02020603050405020304" pitchFamily="18" charset="0"/>
+                          <a:cs typeface="Times New Roman" panose="02020603050405020304" pitchFamily="18" charset="0"/>
+                        </a:rPr>
+                        <a:t>2</a:t>
+                      </a:r>
+                      <a:endParaRPr lang="en-US" sz="1200" dirty="0">
+                        <a:latin typeface="Times New Roman" panose="02020603050405020304" pitchFamily="18" charset="0"/>
+                        <a:cs typeface="Times New Roman" panose="02020603050405020304" pitchFamily="18" charset="0"/>
+                      </a:endParaRPr>
+                    </a:p>
+                  </a:txBody>
+                  <a:tcPr>
+                    <a:solidFill>
+                      <a:schemeClr val="bg1"/>
+                    </a:solidFill>
+                  </a:tcPr>
+                </a:tc>
+                <a:tc>
+                  <a:txBody>
+                    <a:bodyPr/>
+                    <a:lstStyle/>
+                    <a:p>
+                      <a:pPr algn="ctr"/>
+                      <a:endParaRPr lang="en-US" sz="1200" dirty="0">
+                        <a:latin typeface="Times New Roman" panose="02020603050405020304" pitchFamily="18" charset="0"/>
+                        <a:cs typeface="Times New Roman" panose="02020603050405020304" pitchFamily="18" charset="0"/>
+                      </a:endParaRPr>
+                    </a:p>
+                  </a:txBody>
+                  <a:tcPr>
+                    <a:solidFill>
+                      <a:schemeClr val="bg1"/>
+                    </a:solidFill>
+                  </a:tcPr>
+                </a:tc>
+                <a:tc>
+                  <a:txBody>
+                    <a:bodyPr/>
+                    <a:lstStyle/>
+                    <a:p>
+                      <a:pPr algn="ctr"/>
+                      <a:endParaRPr lang="en-US" sz="1200" dirty="0">
+                        <a:latin typeface="Times New Roman" panose="02020603050405020304" pitchFamily="18" charset="0"/>
+                        <a:cs typeface="Times New Roman" panose="02020603050405020304" pitchFamily="18" charset="0"/>
+                      </a:endParaRPr>
+                    </a:p>
+                  </a:txBody>
+                  <a:tcPr>
+                    <a:solidFill>
+                      <a:schemeClr val="bg1"/>
+                    </a:solidFill>
                   </a:tcPr>
                 </a:tc>
                 <a:extLst>
@@ -6657,13 +6669,13 @@
           <p:nvPr>
             <p:extLst>
               <p:ext uri="{D42A27DB-BD31-4B8C-83A1-F6EECF244321}">
-                <p14:modId xmlns:p14="http://schemas.microsoft.com/office/powerpoint/2010/main" val="161776609"/>
+                <p14:modId xmlns:p14="http://schemas.microsoft.com/office/powerpoint/2010/main" val="1565668683"/>
               </p:ext>
             </p:extLst>
           </p:nvPr>
         </p:nvGraphicFramePr>
         <p:xfrm>
-          <a:off x="1688085" y="4647513"/>
+          <a:off x="1688085" y="4468876"/>
           <a:ext cx="7177518" cy="357273"/>
         </p:xfrm>
         <a:graphic>
@@ -7691,316 +7703,8 @@
           <a:chExt cx="0" cy="0"/>
         </a:xfrm>
       </p:grpSpPr>
-      <mc:AlternateContent xmlns:mc="http://schemas.openxmlformats.org/markup-compatibility/2006">
-        <mc:Choice xmlns:a14="http://schemas.microsoft.com/office/drawing/2010/main" Requires="a14">
-          <p:sp>
-            <p:nvSpPr>
-              <p:cNvPr id="33" name="TextBox 32">
-                <a:extLst>
-                  <a:ext uri="{FF2B5EF4-FFF2-40B4-BE49-F238E27FC236}">
-                    <a16:creationId xmlns:a16="http://schemas.microsoft.com/office/drawing/2014/main" id="{E11F69B4-CFE8-0237-9430-04A2C2E6FB37}"/>
-                  </a:ext>
-                </a:extLst>
-              </p:cNvPr>
-              <p:cNvSpPr txBox="1"/>
-              <p:nvPr/>
-            </p:nvSpPr>
-            <p:spPr>
-              <a:xfrm>
-                <a:off x="1986155" y="1443926"/>
-                <a:ext cx="3840481" cy="738664"/>
-              </a:xfrm>
-              <a:prstGeom prst="rect">
-                <a:avLst/>
-              </a:prstGeom>
-              <a:noFill/>
-            </p:spPr>
-            <p:txBody>
-              <a:bodyPr wrap="square" rtlCol="0">
-                <a:spAutoFit/>
-              </a:bodyPr>
-              <a:lstStyle/>
-              <a:p>
-                <a14:m>
-                  <m:oMath xmlns:m="http://schemas.openxmlformats.org/officeDocument/2006/math">
-                    <m:r>
-                      <a:rPr lang="es-MX" sz="1400" b="0" i="1" smtClean="0">
-                        <a:latin typeface="Cambria Math" panose="02040503050406030204" pitchFamily="18" charset="0"/>
-                      </a:rPr>
-                      <m:t>𝑚𝑖𝑛</m:t>
-                    </m:r>
-                    <m:r>
-                      <a:rPr lang="es-MX" sz="1400" b="0" i="1" smtClean="0">
-                        <a:latin typeface="Cambria Math" panose="02040503050406030204" pitchFamily="18" charset="0"/>
-                      </a:rPr>
-                      <m:t>,</m:t>
-                    </m:r>
-                    <m:func>
-                      <m:funcPr>
-                        <m:ctrlPr>
-                          <a:rPr lang="es-MX" sz="1400" b="0" i="1" smtClean="0">
-                            <a:latin typeface="Cambria Math" panose="02040503050406030204" pitchFamily="18" charset="0"/>
-                          </a:rPr>
-                        </m:ctrlPr>
-                      </m:funcPr>
-                      <m:fName>
-                        <m:r>
-                          <m:rPr>
-                            <m:sty m:val="p"/>
-                          </m:rPr>
-                          <a:rPr lang="es-MX" sz="1400" b="0" i="0" smtClean="0">
-                            <a:latin typeface="Cambria Math" panose="02040503050406030204" pitchFamily="18" charset="0"/>
-                          </a:rPr>
-                          <m:t>max</m:t>
-                        </m:r>
-                      </m:fName>
-                      <m:e>
-                        <m:r>
-                          <a:rPr lang="es-MX" sz="1400" b="0" i="1" smtClean="0">
-                            <a:latin typeface="Cambria Math" panose="02040503050406030204" pitchFamily="18" charset="0"/>
-                            <a:ea typeface="Cambria Math" panose="02040503050406030204" pitchFamily="18" charset="0"/>
-                          </a:rPr>
-                          <m:t>∈</m:t>
-                        </m:r>
-                        <m:sSup>
-                          <m:sSupPr>
-                            <m:ctrlPr>
-                              <a:rPr lang="es-MX" sz="1400" b="0" i="1" smtClean="0">
-                                <a:latin typeface="Cambria Math" panose="02040503050406030204" pitchFamily="18" charset="0"/>
-                                <a:ea typeface="Cambria Math" panose="02040503050406030204" pitchFamily="18" charset="0"/>
-                              </a:rPr>
-                            </m:ctrlPr>
-                          </m:sSupPr>
-                          <m:e>
-                            <m:r>
-                              <a:rPr lang="es-MX" sz="1400" b="0" i="1" smtClean="0">
-                                <a:latin typeface="Cambria Math" panose="02040503050406030204" pitchFamily="18" charset="0"/>
-                                <a:ea typeface="Cambria Math" panose="02040503050406030204" pitchFamily="18" charset="0"/>
-                              </a:rPr>
-                              <m:t>ℝ</m:t>
-                            </m:r>
-                          </m:e>
-                          <m:sup>
-                            <m:r>
-                              <a:rPr lang="es-MX" sz="1400" b="0" i="1" smtClean="0">
-                                <a:latin typeface="Cambria Math" panose="02040503050406030204" pitchFamily="18" charset="0"/>
-                                <a:ea typeface="Cambria Math" panose="02040503050406030204" pitchFamily="18" charset="0"/>
-                              </a:rPr>
-                              <m:t>+</m:t>
-                            </m:r>
-                          </m:sup>
-                        </m:sSup>
-                      </m:e>
-                    </m:func>
-                  </m:oMath>
-                </a14:m>
-                <a:r>
-                  <a:rPr lang="es-MX" sz="1400" dirty="0"/>
-                  <a:t> </a:t>
-                </a:r>
-                <a:r>
-                  <a:rPr lang="es-MX" sz="1400" dirty="0">
-                    <a:latin typeface="Times New Roman" panose="02020603050405020304" pitchFamily="18" charset="0"/>
-                    <a:cs typeface="Times New Roman" panose="02020603050405020304" pitchFamily="18" charset="0"/>
-                  </a:rPr>
-                  <a:t>tal que </a:t>
-                </a:r>
-                <a14:m>
-                  <m:oMath xmlns:m="http://schemas.openxmlformats.org/officeDocument/2006/math">
-                    <m:func>
-                      <m:funcPr>
-                        <m:ctrlPr>
-                          <a:rPr lang="es-MX" sz="1400" b="0" i="1" smtClean="0">
-                            <a:latin typeface="Cambria Math" panose="02040503050406030204" pitchFamily="18" charset="0"/>
-                          </a:rPr>
-                        </m:ctrlPr>
-                      </m:funcPr>
-                      <m:fName>
-                        <m:r>
-                          <m:rPr>
-                            <m:sty m:val="p"/>
-                          </m:rPr>
-                          <a:rPr lang="es-MX" sz="1400" b="0" i="0" smtClean="0">
-                            <a:latin typeface="Cambria Math" panose="02040503050406030204" pitchFamily="18" charset="0"/>
-                          </a:rPr>
-                          <m:t>min</m:t>
-                        </m:r>
-                      </m:fName>
-                      <m:e>
-                        <m:r>
-                          <a:rPr lang="es-MX" sz="1400" b="0" i="1" smtClean="0">
-                            <a:latin typeface="Cambria Math" panose="02040503050406030204" pitchFamily="18" charset="0"/>
-                          </a:rPr>
-                          <m:t>&lt;</m:t>
-                        </m:r>
-                        <m:r>
-                          <a:rPr lang="es-MX" sz="1400" b="0" i="1" smtClean="0">
-                            <a:latin typeface="Cambria Math" panose="02040503050406030204" pitchFamily="18" charset="0"/>
-                          </a:rPr>
-                          <m:t>𝑚𝑎𝑥</m:t>
-                        </m:r>
-                      </m:e>
-                    </m:func>
-                  </m:oMath>
-                </a14:m>
-                <a:endParaRPr lang="es-MX" sz="1400" dirty="0"/>
-              </a:p>
-              <a:p>
-                <a:pPr marL="285750" indent="-285750">
-                  <a:buFont typeface="Arial" panose="020B0604020202020204" pitchFamily="34" charset="0"/>
-                  <a:buChar char="•"/>
-                </a:pPr>
-                <a:r>
-                  <a:rPr lang="es-MX" sz="1400" dirty="0">
-                    <a:latin typeface="Times New Roman" panose="02020603050405020304" pitchFamily="18" charset="0"/>
-                    <a:cs typeface="Times New Roman" panose="02020603050405020304" pitchFamily="18" charset="0"/>
-                  </a:rPr>
-                  <a:t>Intervalo de Índices </a:t>
-                </a:r>
-                <a14:m>
-                  <m:oMath xmlns:m="http://schemas.openxmlformats.org/officeDocument/2006/math">
-                    <m:r>
-                      <a:rPr lang="es-MX" sz="1400" b="0" i="1" smtClean="0">
-                        <a:latin typeface="Cambria Math" panose="02040503050406030204" pitchFamily="18" charset="0"/>
-                      </a:rPr>
-                      <m:t>[</m:t>
-                    </m:r>
-                    <m:r>
-                      <a:rPr lang="es-MX" sz="1400" b="0" i="1" smtClean="0">
-                        <a:latin typeface="Cambria Math" panose="02040503050406030204" pitchFamily="18" charset="0"/>
-                      </a:rPr>
-                      <m:t>𝑚𝑖𝑛</m:t>
-                    </m:r>
-                    <m:r>
-                      <a:rPr lang="es-MX" sz="1400" b="0" i="1" smtClean="0">
-                        <a:latin typeface="Cambria Math" panose="02040503050406030204" pitchFamily="18" charset="0"/>
-                      </a:rPr>
-                      <m:t>, </m:t>
-                    </m:r>
-                    <m:r>
-                      <a:rPr lang="es-MX" sz="1400" b="0" i="1" smtClean="0">
-                        <a:latin typeface="Cambria Math" panose="02040503050406030204" pitchFamily="18" charset="0"/>
-                      </a:rPr>
-                      <m:t>𝑚𝑎𝑥</m:t>
-                    </m:r>
-                    <m:r>
-                      <a:rPr lang="es-MX" sz="1400" b="0" i="1" smtClean="0">
-                        <a:latin typeface="Cambria Math" panose="02040503050406030204" pitchFamily="18" charset="0"/>
-                      </a:rPr>
-                      <m:t>]</m:t>
-                    </m:r>
-                  </m:oMath>
-                </a14:m>
-                <a:r>
-                  <a:rPr lang="es-MX" sz="1400" dirty="0"/>
-                  <a:t> </a:t>
-                </a:r>
-              </a:p>
-              <a:p>
-                <a:pPr marL="285750" indent="-285750">
-                  <a:buFont typeface="Arial" panose="020B0604020202020204" pitchFamily="34" charset="0"/>
-                  <a:buChar char="•"/>
-                </a:pPr>
-                <a:r>
-                  <a:rPr lang="en-US" sz="1400" dirty="0" err="1">
-                    <a:latin typeface="Times New Roman" panose="02020603050405020304" pitchFamily="18" charset="0"/>
-                    <a:cs typeface="Times New Roman" panose="02020603050405020304" pitchFamily="18" charset="0"/>
-                  </a:rPr>
-                  <a:t>Intervalo</a:t>
-                </a:r>
-                <a:r>
-                  <a:rPr lang="en-US" sz="1400" dirty="0">
-                    <a:latin typeface="Times New Roman" panose="02020603050405020304" pitchFamily="18" charset="0"/>
-                    <a:cs typeface="Times New Roman" panose="02020603050405020304" pitchFamily="18" charset="0"/>
-                  </a:rPr>
-                  <a:t> de Longitudes de Gaps </a:t>
-                </a:r>
-                <a14:m>
-                  <m:oMath xmlns:m="http://schemas.openxmlformats.org/officeDocument/2006/math">
-                    <m:r>
-                      <a:rPr lang="es-MX" sz="1400" b="0" i="1" smtClean="0">
-                        <a:latin typeface="Cambria Math" panose="02040503050406030204" pitchFamily="18" charset="0"/>
-                      </a:rPr>
-                      <m:t>[</m:t>
-                    </m:r>
-                    <m:r>
-                      <a:rPr lang="es-MX" sz="1400" b="0" i="1" smtClean="0">
-                        <a:latin typeface="Cambria Math" panose="02040503050406030204" pitchFamily="18" charset="0"/>
-                      </a:rPr>
-                      <m:t>𝑚𝑖𝑛</m:t>
-                    </m:r>
-                    <m:r>
-                      <a:rPr lang="es-MX" sz="1400" b="0" i="1" smtClean="0">
-                        <a:latin typeface="Cambria Math" panose="02040503050406030204" pitchFamily="18" charset="0"/>
-                      </a:rPr>
-                      <m:t>, </m:t>
-                    </m:r>
-                    <m:r>
-                      <a:rPr lang="es-MX" sz="1400" b="0" i="1" smtClean="0">
-                        <a:latin typeface="Cambria Math" panose="02040503050406030204" pitchFamily="18" charset="0"/>
-                      </a:rPr>
-                      <m:t>𝑚𝑎𝑥</m:t>
-                    </m:r>
-                    <m:r>
-                      <a:rPr lang="es-MX" sz="1400" b="0" i="1" smtClean="0">
-                        <a:latin typeface="Cambria Math" panose="02040503050406030204" pitchFamily="18" charset="0"/>
-                      </a:rPr>
-                      <m:t>]</m:t>
-                    </m:r>
-                  </m:oMath>
-                </a14:m>
-                <a:endParaRPr lang="en-US" sz="1400" dirty="0"/>
-              </a:p>
-            </p:txBody>
-          </p:sp>
-        </mc:Choice>
-        <mc:Fallback>
-          <p:sp>
-            <p:nvSpPr>
-              <p:cNvPr id="33" name="TextBox 32">
-                <a:extLst>
-                  <a:ext uri="{FF2B5EF4-FFF2-40B4-BE49-F238E27FC236}">
-                    <a16:creationId xmlns:a16="http://schemas.microsoft.com/office/drawing/2014/main" id="{E11F69B4-CFE8-0237-9430-04A2C2E6FB37}"/>
-                  </a:ext>
-                </a:extLst>
-              </p:cNvPr>
-              <p:cNvSpPr txBox="1">
-                <a:spLocks noRot="1" noChangeAspect="1" noMove="1" noResize="1" noEditPoints="1" noAdjustHandles="1" noChangeArrowheads="1" noChangeShapeType="1" noTextEdit="1"/>
-              </p:cNvSpPr>
-              <p:nvPr/>
-            </p:nvSpPr>
-            <p:spPr>
-              <a:xfrm>
-                <a:off x="1986155" y="1443926"/>
-                <a:ext cx="3840481" cy="738664"/>
-              </a:xfrm>
-              <a:prstGeom prst="rect">
-                <a:avLst/>
-              </a:prstGeom>
-              <a:blipFill>
-                <a:blip r:embed="rId2"/>
-                <a:stretch>
-                  <a:fillRect l="-317" t="-2479" b="-6612"/>
-                </a:stretch>
-              </a:blipFill>
-            </p:spPr>
-            <p:txBody>
-              <a:bodyPr/>
-              <a:lstStyle/>
-              <a:p>
-                <a:r>
-                  <a:rPr lang="en-US">
-                    <a:noFill/>
-                  </a:rPr>
-                  <a:t> </a:t>
-                </a:r>
-              </a:p>
-            </p:txBody>
-          </p:sp>
-        </mc:Fallback>
-      </mc:AlternateContent>
-      <mc:AlternateContent xmlns:mc="http://schemas.openxmlformats.org/markup-compatibility/2006">
-        <mc:Choice xmlns:a14="http://schemas.microsoft.com/office/drawing/2010/main" Requires="a14">
+      <mc:AlternateContent xmlns:mc="http://schemas.openxmlformats.org/markup-compatibility/2006" xmlns:a14="http://schemas.microsoft.com/office/drawing/2010/main">
+        <mc:Choice Requires="a14">
           <p:sp>
             <p:nvSpPr>
               <p:cNvPr id="36" name="TextBox 35">
@@ -8167,7 +7871,7 @@
             </p:txBody>
           </p:sp>
         </mc:Choice>
-        <mc:Fallback>
+        <mc:Fallback xmlns="">
           <p:sp>
             <p:nvSpPr>
               <p:cNvPr id="36" name="TextBox 35">
@@ -8212,8 +7916,8 @@
           </p:sp>
         </mc:Fallback>
       </mc:AlternateContent>
-      <mc:AlternateContent xmlns:mc="http://schemas.openxmlformats.org/markup-compatibility/2006">
-        <mc:Choice xmlns:a14="http://schemas.microsoft.com/office/drawing/2010/main" Requires="a14">
+      <mc:AlternateContent xmlns:mc="http://schemas.openxmlformats.org/markup-compatibility/2006" xmlns:a14="http://schemas.microsoft.com/office/drawing/2010/main">
+        <mc:Choice Requires="a14">
           <p:sp>
             <p:nvSpPr>
               <p:cNvPr id="37" name="TextBox 36">
@@ -8330,7 +8034,7 @@
             </p:txBody>
           </p:sp>
         </mc:Choice>
-        <mc:Fallback>
+        <mc:Fallback xmlns="">
           <p:sp>
             <p:nvSpPr>
               <p:cNvPr id="37" name="TextBox 36">
@@ -10249,13 +9953,13 @@
           <p:nvPr>
             <p:extLst>
               <p:ext uri="{D42A27DB-BD31-4B8C-83A1-F6EECF244321}">
-                <p14:modId xmlns:p14="http://schemas.microsoft.com/office/powerpoint/2010/main" val="2731024515"/>
+                <p14:modId xmlns:p14="http://schemas.microsoft.com/office/powerpoint/2010/main" val="678852891"/>
               </p:ext>
             </p:extLst>
           </p:nvPr>
         </p:nvGraphicFramePr>
         <p:xfrm>
-          <a:off x="2689113" y="4997445"/>
+          <a:off x="2656773" y="4818809"/>
           <a:ext cx="7242197" cy="714546"/>
         </p:xfrm>
         <a:graphic>

--- a/docu/mejoras/slides.pptx
+++ b/docu/mejoras/slides.pptx
@@ -4580,8 +4580,8 @@
           <a:chExt cx="0" cy="0"/>
         </a:xfrm>
       </p:grpSpPr>
-      <mc:AlternateContent xmlns:mc="http://schemas.openxmlformats.org/markup-compatibility/2006">
-        <mc:Choice xmlns:a14="http://schemas.microsoft.com/office/drawing/2010/main" Requires="a14">
+      <mc:AlternateContent xmlns:mc="http://schemas.openxmlformats.org/markup-compatibility/2006" xmlns:a14="http://schemas.microsoft.com/office/drawing/2010/main">
+        <mc:Choice Requires="a14">
           <p:sp>
             <p:nvSpPr>
               <p:cNvPr id="37" name="TextBox 36">
@@ -4712,7 +4712,7 @@
             </p:txBody>
           </p:sp>
         </mc:Choice>
-        <mc:Fallback>
+        <mc:Fallback xmlns="">
           <p:sp>
             <p:nvSpPr>
               <p:cNvPr id="37" name="TextBox 36">
@@ -7631,7 +7631,7 @@
         </p:nvSpPr>
         <p:spPr>
           <a:xfrm>
-            <a:off x="1413658" y="1006469"/>
+            <a:off x="1549753" y="1289518"/>
             <a:ext cx="6154310" cy="369332"/>
           </a:xfrm>
           <a:prstGeom prst="rect">
@@ -7650,21 +7650,7 @@
                 <a:latin typeface="Times New Roman" panose="02020603050405020304" pitchFamily="18" charset="0"/>
                 <a:cs typeface="Times New Roman" panose="02020603050405020304" pitchFamily="18" charset="0"/>
               </a:rPr>
-              <a:t>Proceso de Mutación del </a:t>
-            </a:r>
-            <a:r>
-              <a:rPr lang="es-MX" dirty="0" err="1">
-                <a:latin typeface="Times New Roman" panose="02020603050405020304" pitchFamily="18" charset="0"/>
-                <a:cs typeface="Times New Roman" panose="02020603050405020304" pitchFamily="18" charset="0"/>
-              </a:rPr>
-              <a:t>Mutador</a:t>
-            </a:r>
-            <a:r>
-              <a:rPr lang="es-MX" dirty="0">
-                <a:latin typeface="Times New Roman" panose="02020603050405020304" pitchFamily="18" charset="0"/>
-                <a:cs typeface="Times New Roman" panose="02020603050405020304" pitchFamily="18" charset="0"/>
-              </a:rPr>
-              <a:t> de Secuencias Simple (MSS)</a:t>
+              <a:t>Proceso de Mutación del Mutador de Secuencias Simple (MSS)</a:t>
             </a:r>
             <a:endParaRPr lang="en-US" dirty="0">
               <a:latin typeface="Times New Roman" panose="02020603050405020304" pitchFamily="18" charset="0"/>
@@ -7703,221 +7689,8 @@
           <a:chExt cx="0" cy="0"/>
         </a:xfrm>
       </p:grpSpPr>
-      <mc:AlternateContent xmlns:mc="http://schemas.openxmlformats.org/markup-compatibility/2006" xmlns:a14="http://schemas.microsoft.com/office/drawing/2010/main">
-        <mc:Choice Requires="a14">
-          <p:sp>
-            <p:nvSpPr>
-              <p:cNvPr id="36" name="TextBox 35">
-                <a:extLst>
-                  <a:ext uri="{FF2B5EF4-FFF2-40B4-BE49-F238E27FC236}">
-                    <a16:creationId xmlns:a16="http://schemas.microsoft.com/office/drawing/2014/main" id="{F0FC4461-2D0B-FEE7-701B-703E075AF539}"/>
-                  </a:ext>
-                </a:extLst>
-              </p:cNvPr>
-              <p:cNvSpPr txBox="1"/>
-              <p:nvPr/>
-            </p:nvSpPr>
-            <p:spPr>
-              <a:xfrm>
-                <a:off x="1986155" y="2416271"/>
-                <a:ext cx="5319419" cy="523220"/>
-              </a:xfrm>
-              <a:prstGeom prst="rect">
-                <a:avLst/>
-              </a:prstGeom>
-              <a:noFill/>
-            </p:spPr>
-            <p:txBody>
-              <a:bodyPr wrap="square">
-                <a:spAutoFit/>
-              </a:bodyPr>
-              <a:lstStyle/>
-              <a:p>
-                <a:r>
-                  <a:rPr lang="es-MX" sz="1400" dirty="0">
-                    <a:latin typeface="Times New Roman" panose="02020603050405020304" pitchFamily="18" charset="0"/>
-                    <a:cs typeface="Times New Roman" panose="02020603050405020304" pitchFamily="18" charset="0"/>
-                  </a:rPr>
-                  <a:t>Primera secuencia: </a:t>
-                </a:r>
-                <a14:m>
-                  <m:oMath xmlns:m="http://schemas.openxmlformats.org/officeDocument/2006/math">
-                    <m:r>
-                      <a:rPr lang="es-MX" sz="1400" b="0" i="1" smtClean="0">
-                        <a:latin typeface="Cambria Math" panose="02040503050406030204" pitchFamily="18" charset="0"/>
-                      </a:rPr>
-                      <m:t>𝐴𝑇𝑇𝐺𝐴</m:t>
-                    </m:r>
-                    <m:r>
-                      <a:rPr lang="es-MX" sz="1400" b="0" i="1" smtClean="0">
-                        <a:latin typeface="Cambria Math" panose="02040503050406030204" pitchFamily="18" charset="0"/>
-                      </a:rPr>
-                      <m:t>−−−</m:t>
-                    </m:r>
-                    <m:r>
-                      <a:rPr lang="es-MX" sz="1400" b="0" i="1" smtClean="0">
-                        <a:latin typeface="Cambria Math" panose="02040503050406030204" pitchFamily="18" charset="0"/>
-                      </a:rPr>
-                      <m:t>𝐺𝐶</m:t>
-                    </m:r>
-                    <m:r>
-                      <a:rPr lang="es-MX" sz="1400" b="0" i="1" smtClean="0">
-                        <a:latin typeface="Cambria Math" panose="02040503050406030204" pitchFamily="18" charset="0"/>
-                      </a:rPr>
-                      <m:t>−</m:t>
-                    </m:r>
-                    <m:r>
-                      <a:rPr lang="es-MX" sz="1400" b="0" i="1" smtClean="0">
-                        <a:latin typeface="Cambria Math" panose="02040503050406030204" pitchFamily="18" charset="0"/>
-                      </a:rPr>
-                      <m:t>𝐶𝑇𝐺</m:t>
-                    </m:r>
-                    <m:r>
-                      <a:rPr lang="es-MX" sz="1400" b="0" i="1" smtClean="0">
-                        <a:latin typeface="Cambria Math" panose="02040503050406030204" pitchFamily="18" charset="0"/>
-                      </a:rPr>
-                      <m:t>−−</m:t>
-                    </m:r>
-                    <m:r>
-                      <a:rPr lang="es-MX" sz="1400" b="0" i="1" smtClean="0">
-                        <a:latin typeface="Cambria Math" panose="02040503050406030204" pitchFamily="18" charset="0"/>
-                      </a:rPr>
-                      <m:t>𝑇𝐴𝑇𝐶𝐴𝐺𝐶</m:t>
-                    </m:r>
-                    <m:r>
-                      <a:rPr lang="es-MX" sz="1400" b="0" i="1" smtClean="0">
-                        <a:latin typeface="Cambria Math" panose="02040503050406030204" pitchFamily="18" charset="0"/>
-                      </a:rPr>
-                      <m:t>−−</m:t>
-                    </m:r>
-                    <m:r>
-                      <a:rPr lang="es-MX" sz="1400" b="0" i="1" smtClean="0">
-                        <a:latin typeface="Cambria Math" panose="02040503050406030204" pitchFamily="18" charset="0"/>
-                      </a:rPr>
-                      <m:t>𝐶𝐶</m:t>
-                    </m:r>
-                  </m:oMath>
-                </a14:m>
-                <a:endParaRPr lang="es-MX" sz="1400" b="0" dirty="0"/>
-              </a:p>
-              <a:p>
-                <a:r>
-                  <a:rPr lang="es-MX" sz="1400" dirty="0">
-                    <a:latin typeface="Times New Roman" panose="02020603050405020304" pitchFamily="18" charset="0"/>
-                    <a:cs typeface="Times New Roman" panose="02020603050405020304" pitchFamily="18" charset="0"/>
-                  </a:rPr>
-                  <a:t>Segunda secuencia: </a:t>
-                </a:r>
-                <a14:m>
-                  <m:oMath xmlns:m="http://schemas.openxmlformats.org/officeDocument/2006/math">
-                    <m:r>
-                      <a:rPr lang="es-MX" sz="1400" b="0" i="1" smtClean="0">
-                        <a:latin typeface="Cambria Math" panose="02040503050406030204" pitchFamily="18" charset="0"/>
-                      </a:rPr>
-                      <m:t>𝐴𝑇𝑇</m:t>
-                    </m:r>
-                    <m:r>
-                      <a:rPr lang="es-MX" sz="1400" b="0" i="1" smtClean="0">
-                        <a:latin typeface="Cambria Math" panose="02040503050406030204" pitchFamily="18" charset="0"/>
-                      </a:rPr>
-                      <m:t>−−</m:t>
-                    </m:r>
-                    <m:r>
-                      <a:rPr lang="es-MX" sz="1400" b="0" i="1" smtClean="0">
-                        <a:latin typeface="Cambria Math" panose="02040503050406030204" pitchFamily="18" charset="0"/>
-                      </a:rPr>
-                      <m:t>𝐺𝐴𝐺𝐶</m:t>
-                    </m:r>
-                    <m:r>
-                      <a:rPr lang="es-MX" sz="1400" b="0" i="1" smtClean="0">
-                        <a:latin typeface="Cambria Math" panose="02040503050406030204" pitchFamily="18" charset="0"/>
-                      </a:rPr>
-                      <m:t>−−</m:t>
-                    </m:r>
-                    <m:r>
-                      <a:rPr lang="es-MX" sz="1400" b="0" i="1" smtClean="0">
-                        <a:latin typeface="Cambria Math" panose="02040503050406030204" pitchFamily="18" charset="0"/>
-                      </a:rPr>
-                      <m:t>𝐶𝑇𝐺</m:t>
-                    </m:r>
-                    <m:r>
-                      <a:rPr lang="es-MX" sz="1400" b="0" i="1" smtClean="0">
-                        <a:latin typeface="Cambria Math" panose="02040503050406030204" pitchFamily="18" charset="0"/>
-                      </a:rPr>
-                      <m:t>−</m:t>
-                    </m:r>
-                    <m:r>
-                      <a:rPr lang="es-MX" sz="1400" b="0" i="1" smtClean="0">
-                        <a:latin typeface="Cambria Math" panose="02040503050406030204" pitchFamily="18" charset="0"/>
-                      </a:rPr>
-                      <m:t>𝑇𝐴𝑇𝐶𝐴</m:t>
-                    </m:r>
-                    <m:r>
-                      <a:rPr lang="es-MX" sz="1400" b="0" i="1" smtClean="0">
-                        <a:latin typeface="Cambria Math" panose="02040503050406030204" pitchFamily="18" charset="0"/>
-                      </a:rPr>
-                      <m:t>−−</m:t>
-                    </m:r>
-                    <m:r>
-                      <a:rPr lang="es-MX" sz="1400" b="0" i="1" smtClean="0">
-                        <a:latin typeface="Cambria Math" panose="02040503050406030204" pitchFamily="18" charset="0"/>
-                      </a:rPr>
-                      <m:t>𝐺𝐶𝐶𝐶</m:t>
-                    </m:r>
-                  </m:oMath>
-                </a14:m>
-                <a:endParaRPr lang="es-MX" sz="1400" b="0" dirty="0"/>
-              </a:p>
-            </p:txBody>
-          </p:sp>
-        </mc:Choice>
-        <mc:Fallback xmlns="">
-          <p:sp>
-            <p:nvSpPr>
-              <p:cNvPr id="36" name="TextBox 35">
-                <a:extLst>
-                  <a:ext uri="{FF2B5EF4-FFF2-40B4-BE49-F238E27FC236}">
-                    <a16:creationId xmlns:a16="http://schemas.microsoft.com/office/drawing/2014/main" id="{F0FC4461-2D0B-FEE7-701B-703E075AF539}"/>
-                  </a:ext>
-                </a:extLst>
-              </p:cNvPr>
-              <p:cNvSpPr txBox="1">
-                <a:spLocks noRot="1" noChangeAspect="1" noMove="1" noResize="1" noEditPoints="1" noAdjustHandles="1" noChangeArrowheads="1" noChangeShapeType="1" noTextEdit="1"/>
-              </p:cNvSpPr>
-              <p:nvPr/>
-            </p:nvSpPr>
-            <p:spPr>
-              <a:xfrm>
-                <a:off x="1986155" y="2416271"/>
-                <a:ext cx="5319419" cy="523220"/>
-              </a:xfrm>
-              <a:prstGeom prst="rect">
-                <a:avLst/>
-              </a:prstGeom>
-              <a:blipFill>
-                <a:blip r:embed="rId3"/>
-                <a:stretch>
-                  <a:fillRect l="-344" t="-2326" b="-10465"/>
-                </a:stretch>
-              </a:blipFill>
-            </p:spPr>
-            <p:txBody>
-              <a:bodyPr/>
-              <a:lstStyle/>
-              <a:p>
-                <a:r>
-                  <a:rPr lang="en-US">
-                    <a:noFill/>
-                  </a:rPr>
-                  <a:t> </a:t>
-                </a:r>
-              </a:p>
-            </p:txBody>
-          </p:sp>
-        </mc:Fallback>
-      </mc:AlternateContent>
-      <mc:AlternateContent xmlns:mc="http://schemas.openxmlformats.org/markup-compatibility/2006" xmlns:a14="http://schemas.microsoft.com/office/drawing/2010/main">
-        <mc:Choice Requires="a14">
+      <mc:AlternateContent xmlns:mc="http://schemas.openxmlformats.org/markup-compatibility/2006">
+        <mc:Choice xmlns:a14="http://schemas.microsoft.com/office/drawing/2010/main" Requires="a14">
           <p:sp>
             <p:nvSpPr>
               <p:cNvPr id="37" name="TextBox 36">
@@ -7932,8 +7705,8 @@
             </p:nvSpPr>
             <p:spPr>
               <a:xfrm>
-                <a:off x="6770852" y="1681918"/>
-                <a:ext cx="3561552" cy="430887"/>
+                <a:off x="859550" y="1290946"/>
+                <a:ext cx="3561552" cy="215444"/>
               </a:xfrm>
               <a:prstGeom prst="rect">
                 <a:avLst/>
@@ -7947,94 +7720,26 @@
               <a:lstStyle/>
               <a:p>
                 <a:pPr/>
+                <a:r>
+                  <a:rPr lang="es-MX" sz="1400" dirty="0"/>
+                  <a:t>Secuencia Original: </a:t>
+                </a:r>
                 <a14:m>
-                  <m:oMathPara xmlns:m="http://schemas.openxmlformats.org/officeDocument/2006/math">
-                    <m:oMathParaPr>
-                      <m:jc m:val="centerGroup"/>
-                    </m:oMathParaPr>
-                    <m:oMath xmlns:m="http://schemas.openxmlformats.org/officeDocument/2006/math">
-                      <m:r>
-                        <a:rPr lang="es-MX" sz="1400" i="1" smtClean="0">
-                          <a:latin typeface="Cambria Math" panose="02040503050406030204" pitchFamily="18" charset="0"/>
-                        </a:rPr>
-                        <m:t>𝐴𝑇𝑇𝐺𝐴𝐺𝐶𝐶𝑇𝐺𝑇𝐴𝑇𝐶𝐴𝐺𝐶𝐶𝐶</m:t>
-                      </m:r>
-                    </m:oMath>
-                  </m:oMathPara>
+                  <m:oMath xmlns:m="http://schemas.openxmlformats.org/officeDocument/2006/math">
+                    <m:r>
+                      <a:rPr lang="es-MX" sz="1400" i="1" smtClean="0">
+                        <a:latin typeface="Cambria Math" panose="02040503050406030204" pitchFamily="18" charset="0"/>
+                      </a:rPr>
+                      <m:t>𝐴𝑇𝑇𝐺𝐴𝐺𝐶𝐶𝑇𝐺𝑇𝐴𝑇𝐶𝐴𝐺𝐶𝐶𝐶</m:t>
+                    </m:r>
+                  </m:oMath>
                 </a14:m>
                 <a:endParaRPr lang="es-MX" sz="1400" dirty="0"/>
-              </a:p>
-              <a:p>
-                <a:pPr/>
-                <a14:m>
-                  <m:oMathPara xmlns:m="http://schemas.openxmlformats.org/officeDocument/2006/math">
-                    <m:oMathParaPr>
-                      <m:jc m:val="centerGroup"/>
-                    </m:oMathParaPr>
-                    <m:oMath xmlns:m="http://schemas.openxmlformats.org/officeDocument/2006/math">
-                      <m:r>
-                        <a:rPr lang="es-MX" sz="1400" i="1" smtClean="0">
-                          <a:latin typeface="Cambria Math" panose="02040503050406030204" pitchFamily="18" charset="0"/>
-                        </a:rPr>
-                        <m:t>𝐴𝑇𝑇𝐺𝐴</m:t>
-                      </m:r>
-                      <m:r>
-                        <a:rPr lang="es-MX" sz="1400" b="0" i="1" smtClean="0">
-                          <a:latin typeface="Cambria Math" panose="02040503050406030204" pitchFamily="18" charset="0"/>
-                        </a:rPr>
-                        <m:t>−−−</m:t>
-                      </m:r>
-                      <m:r>
-                        <a:rPr lang="es-MX" sz="1400" i="1" smtClean="0">
-                          <a:latin typeface="Cambria Math" panose="02040503050406030204" pitchFamily="18" charset="0"/>
-                        </a:rPr>
-                        <m:t>𝐺𝐶</m:t>
-                      </m:r>
-                      <m:r>
-                        <a:rPr lang="es-MX" sz="1400" b="0" i="1" smtClean="0">
-                          <a:latin typeface="Cambria Math" panose="02040503050406030204" pitchFamily="18" charset="0"/>
-                        </a:rPr>
-                        <m:t>−</m:t>
-                      </m:r>
-                      <m:r>
-                        <a:rPr lang="es-MX" sz="1400" i="1" smtClean="0">
-                          <a:latin typeface="Cambria Math" panose="02040503050406030204" pitchFamily="18" charset="0"/>
-                        </a:rPr>
-                        <m:t>𝐶𝑇𝐺</m:t>
-                      </m:r>
-                      <m:r>
-                        <a:rPr lang="es-MX" sz="1400" b="0" i="1" smtClean="0">
-                          <a:latin typeface="Cambria Math" panose="02040503050406030204" pitchFamily="18" charset="0"/>
-                        </a:rPr>
-                        <m:t>−−</m:t>
-                      </m:r>
-                      <m:r>
-                        <a:rPr lang="es-MX" sz="1400" i="1" smtClean="0">
-                          <a:latin typeface="Cambria Math" panose="02040503050406030204" pitchFamily="18" charset="0"/>
-                        </a:rPr>
-                        <m:t>𝑇𝐴𝑇𝐶𝐴𝐺𝐶</m:t>
-                      </m:r>
-                      <m:r>
-                        <a:rPr lang="es-MX" sz="1400" b="0" i="1" smtClean="0">
-                          <a:latin typeface="Cambria Math" panose="02040503050406030204" pitchFamily="18" charset="0"/>
-                        </a:rPr>
-                        <m:t>−−</m:t>
-                      </m:r>
-                      <m:r>
-                        <a:rPr lang="es-MX" sz="1400" i="1" smtClean="0">
-                          <a:latin typeface="Cambria Math" panose="02040503050406030204" pitchFamily="18" charset="0"/>
-                        </a:rPr>
-                        <m:t>𝐶𝐶</m:t>
-                      </m:r>
-                    </m:oMath>
-                  </m:oMathPara>
-                </a14:m>
-                <a:endParaRPr lang="en-US" sz="1400" dirty="0"/>
               </a:p>
             </p:txBody>
           </p:sp>
         </mc:Choice>
-        <mc:Fallback xmlns="">
+        <mc:Fallback>
           <p:sp>
             <p:nvSpPr>
               <p:cNvPr id="37" name="TextBox 36">
@@ -8051,16 +7756,16 @@
             </p:nvSpPr>
             <p:spPr>
               <a:xfrm>
-                <a:off x="6770852" y="1681918"/>
-                <a:ext cx="3561552" cy="430887"/>
+                <a:off x="859550" y="1290946"/>
+                <a:ext cx="3561552" cy="215444"/>
               </a:xfrm>
               <a:prstGeom prst="rect">
                 <a:avLst/>
               </a:prstGeom>
               <a:blipFill>
-                <a:blip r:embed="rId4"/>
+                <a:blip r:embed="rId2"/>
                 <a:stretch>
-                  <a:fillRect l="-685" r="-342" b="-1408"/>
+                  <a:fillRect l="-3082" t="-25714" b="-51429"/>
                 </a:stretch>
               </a:blipFill>
             </p:spPr>
@@ -8081,1865 +7786,6 @@
       </mc:AlternateContent>
       <p:graphicFrame>
         <p:nvGraphicFramePr>
-          <p:cNvPr id="44" name="Table 44">
-            <a:extLst>
-              <a:ext uri="{FF2B5EF4-FFF2-40B4-BE49-F238E27FC236}">
-                <a16:creationId xmlns:a16="http://schemas.microsoft.com/office/drawing/2014/main" id="{9577E1A9-BB93-A3AA-3FF0-CB1CDD8E426C}"/>
-              </a:ext>
-            </a:extLst>
-          </p:cNvPr>
-          <p:cNvGraphicFramePr>
-            <a:graphicFrameLocks noGrp="1"/>
-          </p:cNvGraphicFramePr>
-          <p:nvPr>
-            <p:extLst>
-              <p:ext uri="{D42A27DB-BD31-4B8C-83A1-F6EECF244321}">
-                <p14:modId xmlns:p14="http://schemas.microsoft.com/office/powerpoint/2010/main" val="752005747"/>
-              </p:ext>
-            </p:extLst>
-          </p:nvPr>
-        </p:nvGraphicFramePr>
-        <p:xfrm>
-          <a:off x="2550781" y="3174721"/>
-          <a:ext cx="7454182" cy="1493894"/>
-        </p:xfrm>
-        <a:graphic>
-          <a:graphicData uri="http://schemas.openxmlformats.org/drawingml/2006/table">
-            <a:tbl>
-              <a:tblPr>
-                <a:tableStyleId>{073A0DAA-6AF3-43AB-8588-CEC1D06C72B9}</a:tableStyleId>
-              </a:tblPr>
-              <a:tblGrid>
-                <a:gridCol w="1046470">
-                  <a:extLst>
-                    <a:ext uri="{9D8B030D-6E8A-4147-A177-3AD203B41FA5}">
-                      <a16:colId xmlns:a16="http://schemas.microsoft.com/office/drawing/2014/main" val="2172324578"/>
-                    </a:ext>
-                  </a:extLst>
-                </a:gridCol>
-                <a:gridCol w="337248">
-                  <a:extLst>
-                    <a:ext uri="{9D8B030D-6E8A-4147-A177-3AD203B41FA5}">
-                      <a16:colId xmlns:a16="http://schemas.microsoft.com/office/drawing/2014/main" val="2130731758"/>
-                    </a:ext>
-                  </a:extLst>
-                </a:gridCol>
-                <a:gridCol w="337248">
-                  <a:extLst>
-                    <a:ext uri="{9D8B030D-6E8A-4147-A177-3AD203B41FA5}">
-                      <a16:colId xmlns:a16="http://schemas.microsoft.com/office/drawing/2014/main" val="1731812923"/>
-                    </a:ext>
-                  </a:extLst>
-                </a:gridCol>
-                <a:gridCol w="337248">
-                  <a:extLst>
-                    <a:ext uri="{9D8B030D-6E8A-4147-A177-3AD203B41FA5}">
-                      <a16:colId xmlns:a16="http://schemas.microsoft.com/office/drawing/2014/main" val="4074123367"/>
-                    </a:ext>
-                  </a:extLst>
-                </a:gridCol>
-                <a:gridCol w="337248">
-                  <a:extLst>
-                    <a:ext uri="{9D8B030D-6E8A-4147-A177-3AD203B41FA5}">
-                      <a16:colId xmlns:a16="http://schemas.microsoft.com/office/drawing/2014/main" val="4149857935"/>
-                    </a:ext>
-                  </a:extLst>
-                </a:gridCol>
-                <a:gridCol w="337248">
-                  <a:extLst>
-                    <a:ext uri="{9D8B030D-6E8A-4147-A177-3AD203B41FA5}">
-                      <a16:colId xmlns:a16="http://schemas.microsoft.com/office/drawing/2014/main" val="3896218845"/>
-                    </a:ext>
-                  </a:extLst>
-                </a:gridCol>
-                <a:gridCol w="337248">
-                  <a:extLst>
-                    <a:ext uri="{9D8B030D-6E8A-4147-A177-3AD203B41FA5}">
-                      <a16:colId xmlns:a16="http://schemas.microsoft.com/office/drawing/2014/main" val="92122073"/>
-                    </a:ext>
-                  </a:extLst>
-                </a:gridCol>
-                <a:gridCol w="337248">
-                  <a:extLst>
-                    <a:ext uri="{9D8B030D-6E8A-4147-A177-3AD203B41FA5}">
-                      <a16:colId xmlns:a16="http://schemas.microsoft.com/office/drawing/2014/main" val="2862428154"/>
-                    </a:ext>
-                  </a:extLst>
-                </a:gridCol>
-                <a:gridCol w="337248">
-                  <a:extLst>
-                    <a:ext uri="{9D8B030D-6E8A-4147-A177-3AD203B41FA5}">
-                      <a16:colId xmlns:a16="http://schemas.microsoft.com/office/drawing/2014/main" val="2100834581"/>
-                    </a:ext>
-                  </a:extLst>
-                </a:gridCol>
-                <a:gridCol w="337248">
-                  <a:extLst>
-                    <a:ext uri="{9D8B030D-6E8A-4147-A177-3AD203B41FA5}">
-                      <a16:colId xmlns:a16="http://schemas.microsoft.com/office/drawing/2014/main" val="1112095470"/>
-                    </a:ext>
-                  </a:extLst>
-                </a:gridCol>
-                <a:gridCol w="337248">
-                  <a:extLst>
-                    <a:ext uri="{9D8B030D-6E8A-4147-A177-3AD203B41FA5}">
-                      <a16:colId xmlns:a16="http://schemas.microsoft.com/office/drawing/2014/main" val="458055734"/>
-                    </a:ext>
-                  </a:extLst>
-                </a:gridCol>
-                <a:gridCol w="337248">
-                  <a:extLst>
-                    <a:ext uri="{9D8B030D-6E8A-4147-A177-3AD203B41FA5}">
-                      <a16:colId xmlns:a16="http://schemas.microsoft.com/office/drawing/2014/main" val="1411228209"/>
-                    </a:ext>
-                  </a:extLst>
-                </a:gridCol>
-                <a:gridCol w="337248">
-                  <a:extLst>
-                    <a:ext uri="{9D8B030D-6E8A-4147-A177-3AD203B41FA5}">
-                      <a16:colId xmlns:a16="http://schemas.microsoft.com/office/drawing/2014/main" val="1183676338"/>
-                    </a:ext>
-                  </a:extLst>
-                </a:gridCol>
-                <a:gridCol w="337248">
-                  <a:extLst>
-                    <a:ext uri="{9D8B030D-6E8A-4147-A177-3AD203B41FA5}">
-                      <a16:colId xmlns:a16="http://schemas.microsoft.com/office/drawing/2014/main" val="2292732483"/>
-                    </a:ext>
-                  </a:extLst>
-                </a:gridCol>
-                <a:gridCol w="337248">
-                  <a:extLst>
-                    <a:ext uri="{9D8B030D-6E8A-4147-A177-3AD203B41FA5}">
-                      <a16:colId xmlns:a16="http://schemas.microsoft.com/office/drawing/2014/main" val="1996009094"/>
-                    </a:ext>
-                  </a:extLst>
-                </a:gridCol>
-                <a:gridCol w="337248">
-                  <a:extLst>
-                    <a:ext uri="{9D8B030D-6E8A-4147-A177-3AD203B41FA5}">
-                      <a16:colId xmlns:a16="http://schemas.microsoft.com/office/drawing/2014/main" val="1405235179"/>
-                    </a:ext>
-                  </a:extLst>
-                </a:gridCol>
-                <a:gridCol w="337248">
-                  <a:extLst>
-                    <a:ext uri="{9D8B030D-6E8A-4147-A177-3AD203B41FA5}">
-                      <a16:colId xmlns:a16="http://schemas.microsoft.com/office/drawing/2014/main" val="367639497"/>
-                    </a:ext>
-                  </a:extLst>
-                </a:gridCol>
-                <a:gridCol w="337248">
-                  <a:extLst>
-                    <a:ext uri="{9D8B030D-6E8A-4147-A177-3AD203B41FA5}">
-                      <a16:colId xmlns:a16="http://schemas.microsoft.com/office/drawing/2014/main" val="204597424"/>
-                    </a:ext>
-                  </a:extLst>
-                </a:gridCol>
-                <a:gridCol w="337248">
-                  <a:extLst>
-                    <a:ext uri="{9D8B030D-6E8A-4147-A177-3AD203B41FA5}">
-                      <a16:colId xmlns:a16="http://schemas.microsoft.com/office/drawing/2014/main" val="3804482160"/>
-                    </a:ext>
-                  </a:extLst>
-                </a:gridCol>
-                <a:gridCol w="337248">
-                  <a:extLst>
-                    <a:ext uri="{9D8B030D-6E8A-4147-A177-3AD203B41FA5}">
-                      <a16:colId xmlns:a16="http://schemas.microsoft.com/office/drawing/2014/main" val="486400320"/>
-                    </a:ext>
-                  </a:extLst>
-                </a:gridCol>
-              </a:tblGrid>
-              <a:tr h="381187">
-                <a:tc>
-                  <a:txBody>
-                    <a:bodyPr/>
-                    <a:lstStyle/>
-                    <a:p>
-                      <a:pPr algn="ctr"/>
-                      <a:r>
-                        <a:rPr lang="es-MX" sz="900" dirty="0">
-                          <a:latin typeface="Times New Roman" panose="02020603050405020304" pitchFamily="18" charset="0"/>
-                          <a:cs typeface="Times New Roman" panose="02020603050405020304" pitchFamily="18" charset="0"/>
-                        </a:rPr>
-                        <a:t>INDICES</a:t>
-                      </a:r>
-                    </a:p>
-                    <a:p>
-                      <a:pPr algn="ctr"/>
-                      <a:r>
-                        <a:rPr lang="es-MX" sz="900" dirty="0">
-                          <a:latin typeface="Times New Roman" panose="02020603050405020304" pitchFamily="18" charset="0"/>
-                          <a:cs typeface="Times New Roman" panose="02020603050405020304" pitchFamily="18" charset="0"/>
-                        </a:rPr>
-                        <a:t>ALEATORIOS</a:t>
-                      </a:r>
-                      <a:endParaRPr lang="en-US" sz="900" dirty="0">
-                        <a:latin typeface="Times New Roman" panose="02020603050405020304" pitchFamily="18" charset="0"/>
-                        <a:cs typeface="Times New Roman" panose="02020603050405020304" pitchFamily="18" charset="0"/>
-                      </a:endParaRPr>
-                    </a:p>
-                  </a:txBody>
-                  <a:tcPr>
-                    <a:solidFill>
-                      <a:schemeClr val="bg2"/>
-                    </a:solidFill>
-                  </a:tcPr>
-                </a:tc>
-                <a:tc>
-                  <a:txBody>
-                    <a:bodyPr/>
-                    <a:lstStyle/>
-                    <a:p>
-                      <a:pPr algn="ctr"/>
-                      <a:endParaRPr lang="en-US" sz="1200" dirty="0">
-                        <a:latin typeface="Times New Roman" panose="02020603050405020304" pitchFamily="18" charset="0"/>
-                        <a:cs typeface="Times New Roman" panose="02020603050405020304" pitchFamily="18" charset="0"/>
-                      </a:endParaRPr>
-                    </a:p>
-                  </a:txBody>
-                  <a:tcPr>
-                    <a:noFill/>
-                  </a:tcPr>
-                </a:tc>
-                <a:tc>
-                  <a:txBody>
-                    <a:bodyPr/>
-                    <a:lstStyle/>
-                    <a:p>
-                      <a:pPr algn="ctr"/>
-                      <a:endParaRPr lang="en-US" sz="1200" dirty="0">
-                        <a:latin typeface="Times New Roman" panose="02020603050405020304" pitchFamily="18" charset="0"/>
-                        <a:cs typeface="Times New Roman" panose="02020603050405020304" pitchFamily="18" charset="0"/>
-                      </a:endParaRPr>
-                    </a:p>
-                  </a:txBody>
-                  <a:tcPr>
-                    <a:noFill/>
-                  </a:tcPr>
-                </a:tc>
-                <a:tc>
-                  <a:txBody>
-                    <a:bodyPr/>
-                    <a:lstStyle/>
-                    <a:p>
-                      <a:pPr algn="ctr"/>
-                      <a:endParaRPr lang="en-US" sz="1200" dirty="0">
-                        <a:latin typeface="Times New Roman" panose="02020603050405020304" pitchFamily="18" charset="0"/>
-                        <a:cs typeface="Times New Roman" panose="02020603050405020304" pitchFamily="18" charset="0"/>
-                      </a:endParaRPr>
-                    </a:p>
-                  </a:txBody>
-                  <a:tcPr>
-                    <a:noFill/>
-                  </a:tcPr>
-                </a:tc>
-                <a:tc>
-                  <a:txBody>
-                    <a:bodyPr/>
-                    <a:lstStyle/>
-                    <a:p>
-                      <a:pPr algn="ctr"/>
-                      <a:endParaRPr lang="en-US" sz="1200" dirty="0">
-                        <a:latin typeface="Times New Roman" panose="02020603050405020304" pitchFamily="18" charset="0"/>
-                        <a:cs typeface="Times New Roman" panose="02020603050405020304" pitchFamily="18" charset="0"/>
-                      </a:endParaRPr>
-                    </a:p>
-                  </a:txBody>
-                  <a:tcPr>
-                    <a:noFill/>
-                  </a:tcPr>
-                </a:tc>
-                <a:tc>
-                  <a:txBody>
-                    <a:bodyPr/>
-                    <a:lstStyle/>
-                    <a:p>
-                      <a:pPr algn="ctr"/>
-                      <a:r>
-                        <a:rPr lang="es-MX" sz="1200" dirty="0">
-                          <a:latin typeface="Times New Roman" panose="02020603050405020304" pitchFamily="18" charset="0"/>
-                          <a:cs typeface="Times New Roman" panose="02020603050405020304" pitchFamily="18" charset="0"/>
-                        </a:rPr>
-                        <a:t>5</a:t>
-                      </a:r>
-                      <a:endParaRPr lang="en-US" sz="1200" dirty="0">
-                        <a:latin typeface="Times New Roman" panose="02020603050405020304" pitchFamily="18" charset="0"/>
-                        <a:cs typeface="Times New Roman" panose="02020603050405020304" pitchFamily="18" charset="0"/>
-                      </a:endParaRPr>
-                    </a:p>
-                  </a:txBody>
-                  <a:tcPr>
-                    <a:noFill/>
-                  </a:tcPr>
-                </a:tc>
-                <a:tc>
-                  <a:txBody>
-                    <a:bodyPr/>
-                    <a:lstStyle/>
-                    <a:p>
-                      <a:pPr algn="ctr"/>
-                      <a:endParaRPr lang="en-US" sz="1200" dirty="0">
-                        <a:latin typeface="Times New Roman" panose="02020603050405020304" pitchFamily="18" charset="0"/>
-                        <a:cs typeface="Times New Roman" panose="02020603050405020304" pitchFamily="18" charset="0"/>
-                      </a:endParaRPr>
-                    </a:p>
-                  </a:txBody>
-                  <a:tcPr>
-                    <a:noFill/>
-                  </a:tcPr>
-                </a:tc>
-                <a:tc>
-                  <a:txBody>
-                    <a:bodyPr/>
-                    <a:lstStyle/>
-                    <a:p>
-                      <a:pPr algn="ctr"/>
-                      <a:r>
-                        <a:rPr lang="es-MX" sz="1200" dirty="0">
-                          <a:latin typeface="Times New Roman" panose="02020603050405020304" pitchFamily="18" charset="0"/>
-                          <a:cs typeface="Times New Roman" panose="02020603050405020304" pitchFamily="18" charset="0"/>
-                        </a:rPr>
-                        <a:t>7</a:t>
-                      </a:r>
-                      <a:endParaRPr lang="en-US" sz="1200" dirty="0">
-                        <a:latin typeface="Times New Roman" panose="02020603050405020304" pitchFamily="18" charset="0"/>
-                        <a:cs typeface="Times New Roman" panose="02020603050405020304" pitchFamily="18" charset="0"/>
-                      </a:endParaRPr>
-                    </a:p>
-                  </a:txBody>
-                  <a:tcPr>
-                    <a:noFill/>
-                  </a:tcPr>
-                </a:tc>
-                <a:tc>
-                  <a:txBody>
-                    <a:bodyPr/>
-                    <a:lstStyle/>
-                    <a:p>
-                      <a:pPr algn="ctr"/>
-                      <a:endParaRPr lang="en-US" sz="1200" dirty="0">
-                        <a:latin typeface="Times New Roman" panose="02020603050405020304" pitchFamily="18" charset="0"/>
-                        <a:cs typeface="Times New Roman" panose="02020603050405020304" pitchFamily="18" charset="0"/>
-                      </a:endParaRPr>
-                    </a:p>
-                  </a:txBody>
-                  <a:tcPr>
-                    <a:noFill/>
-                  </a:tcPr>
-                </a:tc>
-                <a:tc>
-                  <a:txBody>
-                    <a:bodyPr/>
-                    <a:lstStyle/>
-                    <a:p>
-                      <a:pPr algn="ctr"/>
-                      <a:endParaRPr lang="en-US" sz="1200" dirty="0">
-                        <a:latin typeface="Times New Roman" panose="02020603050405020304" pitchFamily="18" charset="0"/>
-                        <a:cs typeface="Times New Roman" panose="02020603050405020304" pitchFamily="18" charset="0"/>
-                      </a:endParaRPr>
-                    </a:p>
-                  </a:txBody>
-                  <a:tcPr>
-                    <a:noFill/>
-                  </a:tcPr>
-                </a:tc>
-                <a:tc>
-                  <a:txBody>
-                    <a:bodyPr/>
-                    <a:lstStyle/>
-                    <a:p>
-                      <a:pPr algn="ctr"/>
-                      <a:r>
-                        <a:rPr lang="es-MX" sz="1200" dirty="0">
-                          <a:latin typeface="Times New Roman" panose="02020603050405020304" pitchFamily="18" charset="0"/>
-                          <a:cs typeface="Times New Roman" panose="02020603050405020304" pitchFamily="18" charset="0"/>
-                        </a:rPr>
-                        <a:t>10</a:t>
-                      </a:r>
-                      <a:endParaRPr lang="en-US" sz="1200" dirty="0">
-                        <a:latin typeface="Times New Roman" panose="02020603050405020304" pitchFamily="18" charset="0"/>
-                        <a:cs typeface="Times New Roman" panose="02020603050405020304" pitchFamily="18" charset="0"/>
-                      </a:endParaRPr>
-                    </a:p>
-                  </a:txBody>
-                  <a:tcPr>
-                    <a:noFill/>
-                  </a:tcPr>
-                </a:tc>
-                <a:tc>
-                  <a:txBody>
-                    <a:bodyPr/>
-                    <a:lstStyle/>
-                    <a:p>
-                      <a:pPr algn="ctr"/>
-                      <a:endParaRPr lang="en-US" sz="1200" dirty="0">
-                        <a:latin typeface="Times New Roman" panose="02020603050405020304" pitchFamily="18" charset="0"/>
-                        <a:cs typeface="Times New Roman" panose="02020603050405020304" pitchFamily="18" charset="0"/>
-                      </a:endParaRPr>
-                    </a:p>
-                  </a:txBody>
-                  <a:tcPr>
-                    <a:noFill/>
-                  </a:tcPr>
-                </a:tc>
-                <a:tc>
-                  <a:txBody>
-                    <a:bodyPr/>
-                    <a:lstStyle/>
-                    <a:p>
-                      <a:pPr algn="ctr"/>
-                      <a:endParaRPr lang="en-US" sz="1200" dirty="0">
-                        <a:latin typeface="Times New Roman" panose="02020603050405020304" pitchFamily="18" charset="0"/>
-                        <a:cs typeface="Times New Roman" panose="02020603050405020304" pitchFamily="18" charset="0"/>
-                      </a:endParaRPr>
-                    </a:p>
-                  </a:txBody>
-                  <a:tcPr>
-                    <a:noFill/>
-                  </a:tcPr>
-                </a:tc>
-                <a:tc>
-                  <a:txBody>
-                    <a:bodyPr/>
-                    <a:lstStyle/>
-                    <a:p>
-                      <a:pPr algn="ctr"/>
-                      <a:endParaRPr lang="en-US" sz="1200" dirty="0">
-                        <a:latin typeface="Times New Roman" panose="02020603050405020304" pitchFamily="18" charset="0"/>
-                        <a:cs typeface="Times New Roman" panose="02020603050405020304" pitchFamily="18" charset="0"/>
-                      </a:endParaRPr>
-                    </a:p>
-                  </a:txBody>
-                  <a:tcPr>
-                    <a:noFill/>
-                  </a:tcPr>
-                </a:tc>
-                <a:tc>
-                  <a:txBody>
-                    <a:bodyPr/>
-                    <a:lstStyle/>
-                    <a:p>
-                      <a:pPr algn="ctr"/>
-                      <a:endParaRPr lang="en-US" sz="1200" dirty="0">
-                        <a:latin typeface="Times New Roman" panose="02020603050405020304" pitchFamily="18" charset="0"/>
-                        <a:cs typeface="Times New Roman" panose="02020603050405020304" pitchFamily="18" charset="0"/>
-                      </a:endParaRPr>
-                    </a:p>
-                  </a:txBody>
-                  <a:tcPr>
-                    <a:noFill/>
-                  </a:tcPr>
-                </a:tc>
-                <a:tc>
-                  <a:txBody>
-                    <a:bodyPr/>
-                    <a:lstStyle/>
-                    <a:p>
-                      <a:pPr algn="ctr"/>
-                      <a:endParaRPr lang="en-US" sz="1200" dirty="0">
-                        <a:latin typeface="Times New Roman" panose="02020603050405020304" pitchFamily="18" charset="0"/>
-                        <a:cs typeface="Times New Roman" panose="02020603050405020304" pitchFamily="18" charset="0"/>
-                      </a:endParaRPr>
-                    </a:p>
-                  </a:txBody>
-                  <a:tcPr>
-                    <a:noFill/>
-                  </a:tcPr>
-                </a:tc>
-                <a:tc>
-                  <a:txBody>
-                    <a:bodyPr/>
-                    <a:lstStyle/>
-                    <a:p>
-                      <a:pPr algn="ctr"/>
-                      <a:endParaRPr lang="en-US" sz="1200" dirty="0">
-                        <a:latin typeface="Times New Roman" panose="02020603050405020304" pitchFamily="18" charset="0"/>
-                        <a:cs typeface="Times New Roman" panose="02020603050405020304" pitchFamily="18" charset="0"/>
-                      </a:endParaRPr>
-                    </a:p>
-                  </a:txBody>
-                  <a:tcPr>
-                    <a:noFill/>
-                  </a:tcPr>
-                </a:tc>
-                <a:tc>
-                  <a:txBody>
-                    <a:bodyPr/>
-                    <a:lstStyle/>
-                    <a:p>
-                      <a:pPr algn="ctr"/>
-                      <a:r>
-                        <a:rPr lang="es-MX" sz="1200" dirty="0">
-                          <a:latin typeface="Times New Roman" panose="02020603050405020304" pitchFamily="18" charset="0"/>
-                          <a:cs typeface="Times New Roman" panose="02020603050405020304" pitchFamily="18" charset="0"/>
-                        </a:rPr>
-                        <a:t>17</a:t>
-                      </a:r>
-                      <a:endParaRPr lang="en-US" sz="1200" dirty="0">
-                        <a:latin typeface="Times New Roman" panose="02020603050405020304" pitchFamily="18" charset="0"/>
-                        <a:cs typeface="Times New Roman" panose="02020603050405020304" pitchFamily="18" charset="0"/>
-                      </a:endParaRPr>
-                    </a:p>
-                  </a:txBody>
-                  <a:tcPr>
-                    <a:noFill/>
-                  </a:tcPr>
-                </a:tc>
-                <a:tc>
-                  <a:txBody>
-                    <a:bodyPr/>
-                    <a:lstStyle/>
-                    <a:p>
-                      <a:pPr algn="ctr"/>
-                      <a:endParaRPr lang="en-US" sz="1200" dirty="0">
-                        <a:latin typeface="Times New Roman" panose="02020603050405020304" pitchFamily="18" charset="0"/>
-                        <a:cs typeface="Times New Roman" panose="02020603050405020304" pitchFamily="18" charset="0"/>
-                      </a:endParaRPr>
-                    </a:p>
-                  </a:txBody>
-                  <a:tcPr>
-                    <a:noFill/>
-                  </a:tcPr>
-                </a:tc>
-                <a:tc>
-                  <a:txBody>
-                    <a:bodyPr/>
-                    <a:lstStyle/>
-                    <a:p>
-                      <a:pPr algn="ctr"/>
-                      <a:endParaRPr lang="en-US" sz="1200" dirty="0">
-                        <a:latin typeface="Times New Roman" panose="02020603050405020304" pitchFamily="18" charset="0"/>
-                        <a:cs typeface="Times New Roman" panose="02020603050405020304" pitchFamily="18" charset="0"/>
-                      </a:endParaRPr>
-                    </a:p>
-                  </a:txBody>
-                  <a:tcPr>
-                    <a:noFill/>
-                  </a:tcPr>
-                </a:tc>
-                <a:extLst>
-                  <a:ext uri="{0D108BD9-81ED-4DB2-BD59-A6C34878D82A}">
-                    <a16:rowId xmlns:a16="http://schemas.microsoft.com/office/drawing/2014/main" val="887266527"/>
-                  </a:ext>
-                </a:extLst>
-              </a:tr>
-              <a:tr h="304949">
-                <a:tc>
-                  <a:txBody>
-                    <a:bodyPr/>
-                    <a:lstStyle/>
-                    <a:p>
-                      <a:pPr algn="ctr"/>
-                      <a:r>
-                        <a:rPr lang="es-MX" sz="900" dirty="0">
-                          <a:latin typeface="Times New Roman" panose="02020603050405020304" pitchFamily="18" charset="0"/>
-                          <a:cs typeface="Times New Roman" panose="02020603050405020304" pitchFamily="18" charset="0"/>
-                        </a:rPr>
-                        <a:t>GENES</a:t>
-                      </a:r>
-                      <a:br>
-                        <a:rPr lang="es-MX" sz="900" dirty="0">
-                          <a:latin typeface="Times New Roman" panose="02020603050405020304" pitchFamily="18" charset="0"/>
-                          <a:cs typeface="Times New Roman" panose="02020603050405020304" pitchFamily="18" charset="0"/>
-                        </a:rPr>
-                      </a:br>
-                      <a:endParaRPr lang="en-US" sz="900" dirty="0">
-                        <a:latin typeface="Times New Roman" panose="02020603050405020304" pitchFamily="18" charset="0"/>
-                        <a:cs typeface="Times New Roman" panose="02020603050405020304" pitchFamily="18" charset="0"/>
-                      </a:endParaRPr>
-                    </a:p>
-                  </a:txBody>
-                  <a:tcPr>
-                    <a:solidFill>
-                      <a:schemeClr val="bg2"/>
-                    </a:solidFill>
-                  </a:tcPr>
-                </a:tc>
-                <a:tc>
-                  <a:txBody>
-                    <a:bodyPr/>
-                    <a:lstStyle/>
-                    <a:p>
-                      <a:pPr algn="ctr"/>
-                      <a:r>
-                        <a:rPr lang="es-MX" sz="1200" dirty="0">
-                          <a:latin typeface="Times New Roman" panose="02020603050405020304" pitchFamily="18" charset="0"/>
-                          <a:cs typeface="Times New Roman" panose="02020603050405020304" pitchFamily="18" charset="0"/>
-                        </a:rPr>
-                        <a:t>A</a:t>
-                      </a:r>
-                      <a:endParaRPr lang="en-US" sz="1200" dirty="0">
-                        <a:latin typeface="Times New Roman" panose="02020603050405020304" pitchFamily="18" charset="0"/>
-                        <a:cs typeface="Times New Roman" panose="02020603050405020304" pitchFamily="18" charset="0"/>
-                      </a:endParaRPr>
-                    </a:p>
-                  </a:txBody>
-                  <a:tcPr/>
-                </a:tc>
-                <a:tc>
-                  <a:txBody>
-                    <a:bodyPr/>
-                    <a:lstStyle/>
-                    <a:p>
-                      <a:pPr algn="ctr"/>
-                      <a:r>
-                        <a:rPr lang="es-MX" sz="1200" dirty="0">
-                          <a:latin typeface="Times New Roman" panose="02020603050405020304" pitchFamily="18" charset="0"/>
-                          <a:cs typeface="Times New Roman" panose="02020603050405020304" pitchFamily="18" charset="0"/>
-                        </a:rPr>
-                        <a:t>T</a:t>
-                      </a:r>
-                      <a:endParaRPr lang="en-US" sz="1200" dirty="0">
-                        <a:latin typeface="Times New Roman" panose="02020603050405020304" pitchFamily="18" charset="0"/>
-                        <a:cs typeface="Times New Roman" panose="02020603050405020304" pitchFamily="18" charset="0"/>
-                      </a:endParaRPr>
-                    </a:p>
-                  </a:txBody>
-                  <a:tcPr/>
-                </a:tc>
-                <a:tc>
-                  <a:txBody>
-                    <a:bodyPr/>
-                    <a:lstStyle/>
-                    <a:p>
-                      <a:pPr algn="ctr"/>
-                      <a:r>
-                        <a:rPr lang="es-MX" sz="1200" dirty="0">
-                          <a:latin typeface="Times New Roman" panose="02020603050405020304" pitchFamily="18" charset="0"/>
-                          <a:cs typeface="Times New Roman" panose="02020603050405020304" pitchFamily="18" charset="0"/>
-                        </a:rPr>
-                        <a:t>T</a:t>
-                      </a:r>
-                      <a:endParaRPr lang="en-US" sz="1200" dirty="0">
-                        <a:latin typeface="Times New Roman" panose="02020603050405020304" pitchFamily="18" charset="0"/>
-                        <a:cs typeface="Times New Roman" panose="02020603050405020304" pitchFamily="18" charset="0"/>
-                      </a:endParaRPr>
-                    </a:p>
-                  </a:txBody>
-                  <a:tcPr/>
-                </a:tc>
-                <a:tc>
-                  <a:txBody>
-                    <a:bodyPr/>
-                    <a:lstStyle/>
-                    <a:p>
-                      <a:pPr algn="ctr"/>
-                      <a:r>
-                        <a:rPr lang="es-MX" sz="1200" dirty="0">
-                          <a:latin typeface="Times New Roman" panose="02020603050405020304" pitchFamily="18" charset="0"/>
-                          <a:cs typeface="Times New Roman" panose="02020603050405020304" pitchFamily="18" charset="0"/>
-                        </a:rPr>
-                        <a:t>G</a:t>
-                      </a:r>
-                      <a:endParaRPr lang="en-US" sz="1200" dirty="0">
-                        <a:latin typeface="Times New Roman" panose="02020603050405020304" pitchFamily="18" charset="0"/>
-                        <a:cs typeface="Times New Roman" panose="02020603050405020304" pitchFamily="18" charset="0"/>
-                      </a:endParaRPr>
-                    </a:p>
-                  </a:txBody>
-                  <a:tcPr/>
-                </a:tc>
-                <a:tc>
-                  <a:txBody>
-                    <a:bodyPr/>
-                    <a:lstStyle/>
-                    <a:p>
-                      <a:pPr algn="ctr"/>
-                      <a:r>
-                        <a:rPr lang="es-MX" sz="1200" dirty="0">
-                          <a:latin typeface="Times New Roman" panose="02020603050405020304" pitchFamily="18" charset="0"/>
-                          <a:cs typeface="Times New Roman" panose="02020603050405020304" pitchFamily="18" charset="0"/>
-                        </a:rPr>
-                        <a:t>A</a:t>
-                      </a:r>
-                      <a:endParaRPr lang="en-US" sz="1200" dirty="0">
-                        <a:latin typeface="Times New Roman" panose="02020603050405020304" pitchFamily="18" charset="0"/>
-                        <a:cs typeface="Times New Roman" panose="02020603050405020304" pitchFamily="18" charset="0"/>
-                      </a:endParaRPr>
-                    </a:p>
-                  </a:txBody>
-                  <a:tcPr>
-                    <a:solidFill>
-                      <a:schemeClr val="accent3"/>
-                    </a:solidFill>
-                  </a:tcPr>
-                </a:tc>
-                <a:tc>
-                  <a:txBody>
-                    <a:bodyPr/>
-                    <a:lstStyle/>
-                    <a:p>
-                      <a:pPr algn="ctr"/>
-                      <a:r>
-                        <a:rPr lang="es-MX" sz="1200" dirty="0">
-                          <a:latin typeface="Times New Roman" panose="02020603050405020304" pitchFamily="18" charset="0"/>
-                          <a:cs typeface="Times New Roman" panose="02020603050405020304" pitchFamily="18" charset="0"/>
-                        </a:rPr>
-                        <a:t>G</a:t>
-                      </a:r>
-                      <a:endParaRPr lang="en-US" sz="1200" dirty="0">
-                        <a:latin typeface="Times New Roman" panose="02020603050405020304" pitchFamily="18" charset="0"/>
-                        <a:cs typeface="Times New Roman" panose="02020603050405020304" pitchFamily="18" charset="0"/>
-                      </a:endParaRPr>
-                    </a:p>
-                  </a:txBody>
-                  <a:tcPr/>
-                </a:tc>
-                <a:tc>
-                  <a:txBody>
-                    <a:bodyPr/>
-                    <a:lstStyle/>
-                    <a:p>
-                      <a:pPr algn="ctr"/>
-                      <a:r>
-                        <a:rPr lang="es-MX" sz="1200" dirty="0">
-                          <a:latin typeface="Times New Roman" panose="02020603050405020304" pitchFamily="18" charset="0"/>
-                          <a:cs typeface="Times New Roman" panose="02020603050405020304" pitchFamily="18" charset="0"/>
-                        </a:rPr>
-                        <a:t>C</a:t>
-                      </a:r>
-                      <a:endParaRPr lang="en-US" sz="1200" dirty="0">
-                        <a:latin typeface="Times New Roman" panose="02020603050405020304" pitchFamily="18" charset="0"/>
-                        <a:cs typeface="Times New Roman" panose="02020603050405020304" pitchFamily="18" charset="0"/>
-                      </a:endParaRPr>
-                    </a:p>
-                  </a:txBody>
-                  <a:tcPr>
-                    <a:solidFill>
-                      <a:schemeClr val="accent3"/>
-                    </a:solidFill>
-                  </a:tcPr>
-                </a:tc>
-                <a:tc>
-                  <a:txBody>
-                    <a:bodyPr/>
-                    <a:lstStyle/>
-                    <a:p>
-                      <a:pPr algn="ctr"/>
-                      <a:r>
-                        <a:rPr lang="es-MX" sz="1200" dirty="0">
-                          <a:latin typeface="Times New Roman" panose="02020603050405020304" pitchFamily="18" charset="0"/>
-                          <a:cs typeface="Times New Roman" panose="02020603050405020304" pitchFamily="18" charset="0"/>
-                        </a:rPr>
-                        <a:t>C</a:t>
-                      </a:r>
-                      <a:endParaRPr lang="en-US" sz="1200" dirty="0">
-                        <a:latin typeface="Times New Roman" panose="02020603050405020304" pitchFamily="18" charset="0"/>
-                        <a:cs typeface="Times New Roman" panose="02020603050405020304" pitchFamily="18" charset="0"/>
-                      </a:endParaRPr>
-                    </a:p>
-                  </a:txBody>
-                  <a:tcPr/>
-                </a:tc>
-                <a:tc>
-                  <a:txBody>
-                    <a:bodyPr/>
-                    <a:lstStyle/>
-                    <a:p>
-                      <a:pPr algn="ctr"/>
-                      <a:r>
-                        <a:rPr lang="es-MX" sz="1200" dirty="0">
-                          <a:latin typeface="Times New Roman" panose="02020603050405020304" pitchFamily="18" charset="0"/>
-                          <a:cs typeface="Times New Roman" panose="02020603050405020304" pitchFamily="18" charset="0"/>
-                        </a:rPr>
-                        <a:t>T</a:t>
-                      </a:r>
-                      <a:endParaRPr lang="en-US" sz="1200" dirty="0">
-                        <a:latin typeface="Times New Roman" panose="02020603050405020304" pitchFamily="18" charset="0"/>
-                        <a:cs typeface="Times New Roman" panose="02020603050405020304" pitchFamily="18" charset="0"/>
-                      </a:endParaRPr>
-                    </a:p>
-                  </a:txBody>
-                  <a:tcPr/>
-                </a:tc>
-                <a:tc>
-                  <a:txBody>
-                    <a:bodyPr/>
-                    <a:lstStyle/>
-                    <a:p>
-                      <a:pPr algn="ctr"/>
-                      <a:r>
-                        <a:rPr lang="es-MX" sz="1200" dirty="0">
-                          <a:latin typeface="Times New Roman" panose="02020603050405020304" pitchFamily="18" charset="0"/>
-                          <a:cs typeface="Times New Roman" panose="02020603050405020304" pitchFamily="18" charset="0"/>
-                        </a:rPr>
-                        <a:t>G</a:t>
-                      </a:r>
-                      <a:endParaRPr lang="en-US" sz="1200" dirty="0">
-                        <a:latin typeface="Times New Roman" panose="02020603050405020304" pitchFamily="18" charset="0"/>
-                        <a:cs typeface="Times New Roman" panose="02020603050405020304" pitchFamily="18" charset="0"/>
-                      </a:endParaRPr>
-                    </a:p>
-                  </a:txBody>
-                  <a:tcPr>
-                    <a:solidFill>
-                      <a:schemeClr val="accent3"/>
-                    </a:solidFill>
-                  </a:tcPr>
-                </a:tc>
-                <a:tc>
-                  <a:txBody>
-                    <a:bodyPr/>
-                    <a:lstStyle/>
-                    <a:p>
-                      <a:pPr algn="ctr"/>
-                      <a:r>
-                        <a:rPr lang="es-MX" sz="1200" dirty="0">
-                          <a:latin typeface="Times New Roman" panose="02020603050405020304" pitchFamily="18" charset="0"/>
-                          <a:cs typeface="Times New Roman" panose="02020603050405020304" pitchFamily="18" charset="0"/>
-                        </a:rPr>
-                        <a:t>T</a:t>
-                      </a:r>
-                      <a:endParaRPr lang="en-US" sz="1200" dirty="0">
-                        <a:latin typeface="Times New Roman" panose="02020603050405020304" pitchFamily="18" charset="0"/>
-                        <a:cs typeface="Times New Roman" panose="02020603050405020304" pitchFamily="18" charset="0"/>
-                      </a:endParaRPr>
-                    </a:p>
-                  </a:txBody>
-                  <a:tcPr/>
-                </a:tc>
-                <a:tc>
-                  <a:txBody>
-                    <a:bodyPr/>
-                    <a:lstStyle/>
-                    <a:p>
-                      <a:pPr algn="ctr"/>
-                      <a:r>
-                        <a:rPr lang="es-MX" sz="1200" dirty="0">
-                          <a:latin typeface="Times New Roman" panose="02020603050405020304" pitchFamily="18" charset="0"/>
-                          <a:cs typeface="Times New Roman" panose="02020603050405020304" pitchFamily="18" charset="0"/>
-                        </a:rPr>
-                        <a:t>A</a:t>
-                      </a:r>
-                      <a:endParaRPr lang="en-US" sz="1200" dirty="0">
-                        <a:latin typeface="Times New Roman" panose="02020603050405020304" pitchFamily="18" charset="0"/>
-                        <a:cs typeface="Times New Roman" panose="02020603050405020304" pitchFamily="18" charset="0"/>
-                      </a:endParaRPr>
-                    </a:p>
-                  </a:txBody>
-                  <a:tcPr/>
-                </a:tc>
-                <a:tc>
-                  <a:txBody>
-                    <a:bodyPr/>
-                    <a:lstStyle/>
-                    <a:p>
-                      <a:pPr algn="ctr"/>
-                      <a:r>
-                        <a:rPr lang="es-MX" sz="1200" dirty="0">
-                          <a:latin typeface="Times New Roman" panose="02020603050405020304" pitchFamily="18" charset="0"/>
-                          <a:cs typeface="Times New Roman" panose="02020603050405020304" pitchFamily="18" charset="0"/>
-                        </a:rPr>
-                        <a:t>T</a:t>
-                      </a:r>
-                      <a:endParaRPr lang="en-US" sz="1200" dirty="0">
-                        <a:latin typeface="Times New Roman" panose="02020603050405020304" pitchFamily="18" charset="0"/>
-                        <a:cs typeface="Times New Roman" panose="02020603050405020304" pitchFamily="18" charset="0"/>
-                      </a:endParaRPr>
-                    </a:p>
-                  </a:txBody>
-                  <a:tcPr/>
-                </a:tc>
-                <a:tc>
-                  <a:txBody>
-                    <a:bodyPr/>
-                    <a:lstStyle/>
-                    <a:p>
-                      <a:pPr algn="ctr"/>
-                      <a:r>
-                        <a:rPr lang="es-MX" sz="1200" dirty="0">
-                          <a:latin typeface="Times New Roman" panose="02020603050405020304" pitchFamily="18" charset="0"/>
-                          <a:cs typeface="Times New Roman" panose="02020603050405020304" pitchFamily="18" charset="0"/>
-                        </a:rPr>
-                        <a:t>C</a:t>
-                      </a:r>
-                      <a:endParaRPr lang="en-US" sz="1200" dirty="0">
-                        <a:latin typeface="Times New Roman" panose="02020603050405020304" pitchFamily="18" charset="0"/>
-                        <a:cs typeface="Times New Roman" panose="02020603050405020304" pitchFamily="18" charset="0"/>
-                      </a:endParaRPr>
-                    </a:p>
-                  </a:txBody>
-                  <a:tcPr/>
-                </a:tc>
-                <a:tc>
-                  <a:txBody>
-                    <a:bodyPr/>
-                    <a:lstStyle/>
-                    <a:p>
-                      <a:pPr algn="ctr"/>
-                      <a:r>
-                        <a:rPr lang="es-MX" sz="1200" dirty="0">
-                          <a:latin typeface="Times New Roman" panose="02020603050405020304" pitchFamily="18" charset="0"/>
-                          <a:cs typeface="Times New Roman" panose="02020603050405020304" pitchFamily="18" charset="0"/>
-                        </a:rPr>
-                        <a:t>A</a:t>
-                      </a:r>
-                      <a:endParaRPr lang="en-US" sz="1200" dirty="0">
-                        <a:latin typeface="Times New Roman" panose="02020603050405020304" pitchFamily="18" charset="0"/>
-                        <a:cs typeface="Times New Roman" panose="02020603050405020304" pitchFamily="18" charset="0"/>
-                      </a:endParaRPr>
-                    </a:p>
-                  </a:txBody>
-                  <a:tcPr/>
-                </a:tc>
-                <a:tc>
-                  <a:txBody>
-                    <a:bodyPr/>
-                    <a:lstStyle/>
-                    <a:p>
-                      <a:pPr algn="ctr"/>
-                      <a:r>
-                        <a:rPr lang="es-MX" sz="1200" dirty="0">
-                          <a:latin typeface="Times New Roman" panose="02020603050405020304" pitchFamily="18" charset="0"/>
-                          <a:cs typeface="Times New Roman" panose="02020603050405020304" pitchFamily="18" charset="0"/>
-                        </a:rPr>
-                        <a:t>G</a:t>
-                      </a:r>
-                      <a:endParaRPr lang="en-US" sz="1200" dirty="0">
-                        <a:latin typeface="Times New Roman" panose="02020603050405020304" pitchFamily="18" charset="0"/>
-                        <a:cs typeface="Times New Roman" panose="02020603050405020304" pitchFamily="18" charset="0"/>
-                      </a:endParaRPr>
-                    </a:p>
-                  </a:txBody>
-                  <a:tcPr/>
-                </a:tc>
-                <a:tc>
-                  <a:txBody>
-                    <a:bodyPr/>
-                    <a:lstStyle/>
-                    <a:p>
-                      <a:pPr algn="ctr"/>
-                      <a:r>
-                        <a:rPr lang="es-MX" sz="1200" dirty="0">
-                          <a:latin typeface="Times New Roman" panose="02020603050405020304" pitchFamily="18" charset="0"/>
-                          <a:cs typeface="Times New Roman" panose="02020603050405020304" pitchFamily="18" charset="0"/>
-                        </a:rPr>
-                        <a:t>C</a:t>
-                      </a:r>
-                      <a:endParaRPr lang="en-US" sz="1200" dirty="0">
-                        <a:latin typeface="Times New Roman" panose="02020603050405020304" pitchFamily="18" charset="0"/>
-                        <a:cs typeface="Times New Roman" panose="02020603050405020304" pitchFamily="18" charset="0"/>
-                      </a:endParaRPr>
-                    </a:p>
-                  </a:txBody>
-                  <a:tcPr>
-                    <a:solidFill>
-                      <a:schemeClr val="accent3"/>
-                    </a:solidFill>
-                  </a:tcPr>
-                </a:tc>
-                <a:tc>
-                  <a:txBody>
-                    <a:bodyPr/>
-                    <a:lstStyle/>
-                    <a:p>
-                      <a:pPr algn="ctr"/>
-                      <a:r>
-                        <a:rPr lang="es-MX" sz="1200" dirty="0">
-                          <a:latin typeface="Times New Roman" panose="02020603050405020304" pitchFamily="18" charset="0"/>
-                          <a:cs typeface="Times New Roman" panose="02020603050405020304" pitchFamily="18" charset="0"/>
-                        </a:rPr>
-                        <a:t>C</a:t>
-                      </a:r>
-                      <a:endParaRPr lang="en-US" sz="1200" dirty="0">
-                        <a:latin typeface="Times New Roman" panose="02020603050405020304" pitchFamily="18" charset="0"/>
-                        <a:cs typeface="Times New Roman" panose="02020603050405020304" pitchFamily="18" charset="0"/>
-                      </a:endParaRPr>
-                    </a:p>
-                  </a:txBody>
-                  <a:tcPr/>
-                </a:tc>
-                <a:tc>
-                  <a:txBody>
-                    <a:bodyPr/>
-                    <a:lstStyle/>
-                    <a:p>
-                      <a:pPr algn="ctr"/>
-                      <a:r>
-                        <a:rPr lang="es-MX" sz="1200" dirty="0">
-                          <a:latin typeface="Times New Roman" panose="02020603050405020304" pitchFamily="18" charset="0"/>
-                          <a:cs typeface="Times New Roman" panose="02020603050405020304" pitchFamily="18" charset="0"/>
-                        </a:rPr>
-                        <a:t>C</a:t>
-                      </a:r>
-                      <a:endParaRPr lang="en-US" sz="1200" dirty="0">
-                        <a:latin typeface="Times New Roman" panose="02020603050405020304" pitchFamily="18" charset="0"/>
-                        <a:cs typeface="Times New Roman" panose="02020603050405020304" pitchFamily="18" charset="0"/>
-                      </a:endParaRPr>
-                    </a:p>
-                  </a:txBody>
-                  <a:tcPr/>
-                </a:tc>
-                <a:extLst>
-                  <a:ext uri="{0D108BD9-81ED-4DB2-BD59-A6C34878D82A}">
-                    <a16:rowId xmlns:a16="http://schemas.microsoft.com/office/drawing/2014/main" val="4184938944"/>
-                  </a:ext>
-                </a:extLst>
-              </a:tr>
-              <a:tr h="381187">
-                <a:tc>
-                  <a:txBody>
-                    <a:bodyPr/>
-                    <a:lstStyle/>
-                    <a:p>
-                      <a:pPr algn="ctr"/>
-                      <a:r>
-                        <a:rPr lang="es-MX" sz="900" dirty="0">
-                          <a:latin typeface="Times New Roman" panose="02020603050405020304" pitchFamily="18" charset="0"/>
-                          <a:cs typeface="Times New Roman" panose="02020603050405020304" pitchFamily="18" charset="0"/>
-                        </a:rPr>
-                        <a:t>INDICES </a:t>
-                      </a:r>
-                    </a:p>
-                    <a:p>
-                      <a:pPr algn="ctr"/>
-                      <a:r>
-                        <a:rPr lang="es-MX" sz="900" dirty="0">
-                          <a:latin typeface="Times New Roman" panose="02020603050405020304" pitchFamily="18" charset="0"/>
-                          <a:cs typeface="Times New Roman" panose="02020603050405020304" pitchFamily="18" charset="0"/>
-                        </a:rPr>
-                        <a:t>DE GENES</a:t>
-                      </a:r>
-                      <a:endParaRPr lang="en-US" sz="900" dirty="0">
-                        <a:latin typeface="Times New Roman" panose="02020603050405020304" pitchFamily="18" charset="0"/>
-                        <a:cs typeface="Times New Roman" panose="02020603050405020304" pitchFamily="18" charset="0"/>
-                      </a:endParaRPr>
-                    </a:p>
-                  </a:txBody>
-                  <a:tcPr>
-                    <a:solidFill>
-                      <a:schemeClr val="bg2"/>
-                    </a:solidFill>
-                  </a:tcPr>
-                </a:tc>
-                <a:tc>
-                  <a:txBody>
-                    <a:bodyPr/>
-                    <a:lstStyle/>
-                    <a:p>
-                      <a:pPr algn="ctr"/>
-                      <a:r>
-                        <a:rPr lang="es-MX" sz="1200" dirty="0">
-                          <a:latin typeface="Times New Roman" panose="02020603050405020304" pitchFamily="18" charset="0"/>
-                          <a:cs typeface="Times New Roman" panose="02020603050405020304" pitchFamily="18" charset="0"/>
-                        </a:rPr>
-                        <a:t>1</a:t>
-                      </a:r>
-                      <a:endParaRPr lang="en-US" sz="1200" dirty="0">
-                        <a:latin typeface="Times New Roman" panose="02020603050405020304" pitchFamily="18" charset="0"/>
-                        <a:cs typeface="Times New Roman" panose="02020603050405020304" pitchFamily="18" charset="0"/>
-                      </a:endParaRPr>
-                    </a:p>
-                  </a:txBody>
-                  <a:tcPr>
-                    <a:noFill/>
-                  </a:tcPr>
-                </a:tc>
-                <a:tc>
-                  <a:txBody>
-                    <a:bodyPr/>
-                    <a:lstStyle/>
-                    <a:p>
-                      <a:pPr algn="ctr"/>
-                      <a:r>
-                        <a:rPr lang="es-MX" sz="1200" dirty="0">
-                          <a:latin typeface="Times New Roman" panose="02020603050405020304" pitchFamily="18" charset="0"/>
-                          <a:cs typeface="Times New Roman" panose="02020603050405020304" pitchFamily="18" charset="0"/>
-                        </a:rPr>
-                        <a:t>2</a:t>
-                      </a:r>
-                      <a:endParaRPr lang="en-US" sz="1200" dirty="0">
-                        <a:latin typeface="Times New Roman" panose="02020603050405020304" pitchFamily="18" charset="0"/>
-                        <a:cs typeface="Times New Roman" panose="02020603050405020304" pitchFamily="18" charset="0"/>
-                      </a:endParaRPr>
-                    </a:p>
-                  </a:txBody>
-                  <a:tcPr>
-                    <a:noFill/>
-                  </a:tcPr>
-                </a:tc>
-                <a:tc>
-                  <a:txBody>
-                    <a:bodyPr/>
-                    <a:lstStyle/>
-                    <a:p>
-                      <a:pPr algn="ctr"/>
-                      <a:r>
-                        <a:rPr lang="es-MX" sz="1200" dirty="0">
-                          <a:latin typeface="Times New Roman" panose="02020603050405020304" pitchFamily="18" charset="0"/>
-                          <a:cs typeface="Times New Roman" panose="02020603050405020304" pitchFamily="18" charset="0"/>
-                        </a:rPr>
-                        <a:t>3</a:t>
-                      </a:r>
-                      <a:endParaRPr lang="en-US" sz="1200" dirty="0">
-                        <a:latin typeface="Times New Roman" panose="02020603050405020304" pitchFamily="18" charset="0"/>
-                        <a:cs typeface="Times New Roman" panose="02020603050405020304" pitchFamily="18" charset="0"/>
-                      </a:endParaRPr>
-                    </a:p>
-                  </a:txBody>
-                  <a:tcPr>
-                    <a:noFill/>
-                  </a:tcPr>
-                </a:tc>
-                <a:tc>
-                  <a:txBody>
-                    <a:bodyPr/>
-                    <a:lstStyle/>
-                    <a:p>
-                      <a:pPr algn="ctr"/>
-                      <a:r>
-                        <a:rPr lang="es-MX" sz="1200" dirty="0">
-                          <a:latin typeface="Times New Roman" panose="02020603050405020304" pitchFamily="18" charset="0"/>
-                          <a:cs typeface="Times New Roman" panose="02020603050405020304" pitchFamily="18" charset="0"/>
-                        </a:rPr>
-                        <a:t>4</a:t>
-                      </a:r>
-                      <a:endParaRPr lang="en-US" sz="1200" dirty="0">
-                        <a:latin typeface="Times New Roman" panose="02020603050405020304" pitchFamily="18" charset="0"/>
-                        <a:cs typeface="Times New Roman" panose="02020603050405020304" pitchFamily="18" charset="0"/>
-                      </a:endParaRPr>
-                    </a:p>
-                  </a:txBody>
-                  <a:tcPr>
-                    <a:noFill/>
-                  </a:tcPr>
-                </a:tc>
-                <a:tc>
-                  <a:txBody>
-                    <a:bodyPr/>
-                    <a:lstStyle/>
-                    <a:p>
-                      <a:pPr algn="ctr"/>
-                      <a:r>
-                        <a:rPr lang="es-MX" sz="1200" dirty="0">
-                          <a:latin typeface="Times New Roman" panose="02020603050405020304" pitchFamily="18" charset="0"/>
-                          <a:cs typeface="Times New Roman" panose="02020603050405020304" pitchFamily="18" charset="0"/>
-                        </a:rPr>
-                        <a:t>5</a:t>
-                      </a:r>
-                      <a:endParaRPr lang="en-US" sz="1200" dirty="0">
-                        <a:latin typeface="Times New Roman" panose="02020603050405020304" pitchFamily="18" charset="0"/>
-                        <a:cs typeface="Times New Roman" panose="02020603050405020304" pitchFamily="18" charset="0"/>
-                      </a:endParaRPr>
-                    </a:p>
-                  </a:txBody>
-                  <a:tcPr>
-                    <a:noFill/>
-                  </a:tcPr>
-                </a:tc>
-                <a:tc>
-                  <a:txBody>
-                    <a:bodyPr/>
-                    <a:lstStyle/>
-                    <a:p>
-                      <a:pPr algn="ctr"/>
-                      <a:r>
-                        <a:rPr lang="es-MX" sz="1200" dirty="0">
-                          <a:latin typeface="Times New Roman" panose="02020603050405020304" pitchFamily="18" charset="0"/>
-                          <a:cs typeface="Times New Roman" panose="02020603050405020304" pitchFamily="18" charset="0"/>
-                        </a:rPr>
-                        <a:t>6</a:t>
-                      </a:r>
-                      <a:endParaRPr lang="en-US" sz="1200" dirty="0">
-                        <a:latin typeface="Times New Roman" panose="02020603050405020304" pitchFamily="18" charset="0"/>
-                        <a:cs typeface="Times New Roman" panose="02020603050405020304" pitchFamily="18" charset="0"/>
-                      </a:endParaRPr>
-                    </a:p>
-                  </a:txBody>
-                  <a:tcPr>
-                    <a:noFill/>
-                  </a:tcPr>
-                </a:tc>
-                <a:tc>
-                  <a:txBody>
-                    <a:bodyPr/>
-                    <a:lstStyle/>
-                    <a:p>
-                      <a:pPr algn="ctr"/>
-                      <a:r>
-                        <a:rPr lang="es-MX" sz="1200" dirty="0">
-                          <a:latin typeface="Times New Roman" panose="02020603050405020304" pitchFamily="18" charset="0"/>
-                          <a:cs typeface="Times New Roman" panose="02020603050405020304" pitchFamily="18" charset="0"/>
-                        </a:rPr>
-                        <a:t>7</a:t>
-                      </a:r>
-                      <a:endParaRPr lang="en-US" sz="1200" dirty="0">
-                        <a:latin typeface="Times New Roman" panose="02020603050405020304" pitchFamily="18" charset="0"/>
-                        <a:cs typeface="Times New Roman" panose="02020603050405020304" pitchFamily="18" charset="0"/>
-                      </a:endParaRPr>
-                    </a:p>
-                  </a:txBody>
-                  <a:tcPr>
-                    <a:noFill/>
-                  </a:tcPr>
-                </a:tc>
-                <a:tc>
-                  <a:txBody>
-                    <a:bodyPr/>
-                    <a:lstStyle/>
-                    <a:p>
-                      <a:pPr algn="ctr"/>
-                      <a:r>
-                        <a:rPr lang="es-MX" sz="1200" dirty="0">
-                          <a:latin typeface="Times New Roman" panose="02020603050405020304" pitchFamily="18" charset="0"/>
-                          <a:cs typeface="Times New Roman" panose="02020603050405020304" pitchFamily="18" charset="0"/>
-                        </a:rPr>
-                        <a:t>8</a:t>
-                      </a:r>
-                      <a:endParaRPr lang="en-US" sz="1200" dirty="0">
-                        <a:latin typeface="Times New Roman" panose="02020603050405020304" pitchFamily="18" charset="0"/>
-                        <a:cs typeface="Times New Roman" panose="02020603050405020304" pitchFamily="18" charset="0"/>
-                      </a:endParaRPr>
-                    </a:p>
-                  </a:txBody>
-                  <a:tcPr>
-                    <a:noFill/>
-                  </a:tcPr>
-                </a:tc>
-                <a:tc>
-                  <a:txBody>
-                    <a:bodyPr/>
-                    <a:lstStyle/>
-                    <a:p>
-                      <a:pPr algn="ctr"/>
-                      <a:r>
-                        <a:rPr lang="es-MX" sz="1200" dirty="0">
-                          <a:latin typeface="Times New Roman" panose="02020603050405020304" pitchFamily="18" charset="0"/>
-                          <a:cs typeface="Times New Roman" panose="02020603050405020304" pitchFamily="18" charset="0"/>
-                        </a:rPr>
-                        <a:t>9</a:t>
-                      </a:r>
-                      <a:endParaRPr lang="en-US" sz="1200" dirty="0">
-                        <a:latin typeface="Times New Roman" panose="02020603050405020304" pitchFamily="18" charset="0"/>
-                        <a:cs typeface="Times New Roman" panose="02020603050405020304" pitchFamily="18" charset="0"/>
-                      </a:endParaRPr>
-                    </a:p>
-                  </a:txBody>
-                  <a:tcPr>
-                    <a:noFill/>
-                  </a:tcPr>
-                </a:tc>
-                <a:tc>
-                  <a:txBody>
-                    <a:bodyPr/>
-                    <a:lstStyle/>
-                    <a:p>
-                      <a:pPr algn="ctr"/>
-                      <a:r>
-                        <a:rPr lang="es-MX" sz="1200" dirty="0">
-                          <a:latin typeface="Times New Roman" panose="02020603050405020304" pitchFamily="18" charset="0"/>
-                          <a:cs typeface="Times New Roman" panose="02020603050405020304" pitchFamily="18" charset="0"/>
-                        </a:rPr>
-                        <a:t>10</a:t>
-                      </a:r>
-                      <a:endParaRPr lang="en-US" sz="1200" dirty="0">
-                        <a:latin typeface="Times New Roman" panose="02020603050405020304" pitchFamily="18" charset="0"/>
-                        <a:cs typeface="Times New Roman" panose="02020603050405020304" pitchFamily="18" charset="0"/>
-                      </a:endParaRPr>
-                    </a:p>
-                  </a:txBody>
-                  <a:tcPr>
-                    <a:noFill/>
-                  </a:tcPr>
-                </a:tc>
-                <a:tc>
-                  <a:txBody>
-                    <a:bodyPr/>
-                    <a:lstStyle/>
-                    <a:p>
-                      <a:pPr algn="ctr"/>
-                      <a:r>
-                        <a:rPr lang="es-MX" sz="1200" dirty="0">
-                          <a:latin typeface="Times New Roman" panose="02020603050405020304" pitchFamily="18" charset="0"/>
-                          <a:cs typeface="Times New Roman" panose="02020603050405020304" pitchFamily="18" charset="0"/>
-                        </a:rPr>
-                        <a:t>11</a:t>
-                      </a:r>
-                      <a:endParaRPr lang="en-US" sz="1200" dirty="0">
-                        <a:latin typeface="Times New Roman" panose="02020603050405020304" pitchFamily="18" charset="0"/>
-                        <a:cs typeface="Times New Roman" panose="02020603050405020304" pitchFamily="18" charset="0"/>
-                      </a:endParaRPr>
-                    </a:p>
-                  </a:txBody>
-                  <a:tcPr>
-                    <a:noFill/>
-                  </a:tcPr>
-                </a:tc>
-                <a:tc>
-                  <a:txBody>
-                    <a:bodyPr/>
-                    <a:lstStyle/>
-                    <a:p>
-                      <a:pPr algn="ctr"/>
-                      <a:r>
-                        <a:rPr lang="es-MX" sz="1200" dirty="0">
-                          <a:latin typeface="Times New Roman" panose="02020603050405020304" pitchFamily="18" charset="0"/>
-                          <a:cs typeface="Times New Roman" panose="02020603050405020304" pitchFamily="18" charset="0"/>
-                        </a:rPr>
-                        <a:t>12</a:t>
-                      </a:r>
-                      <a:endParaRPr lang="en-US" sz="1200" dirty="0">
-                        <a:latin typeface="Times New Roman" panose="02020603050405020304" pitchFamily="18" charset="0"/>
-                        <a:cs typeface="Times New Roman" panose="02020603050405020304" pitchFamily="18" charset="0"/>
-                      </a:endParaRPr>
-                    </a:p>
-                  </a:txBody>
-                  <a:tcPr>
-                    <a:noFill/>
-                  </a:tcPr>
-                </a:tc>
-                <a:tc>
-                  <a:txBody>
-                    <a:bodyPr/>
-                    <a:lstStyle/>
-                    <a:p>
-                      <a:pPr algn="ctr"/>
-                      <a:r>
-                        <a:rPr lang="es-MX" sz="1200" dirty="0">
-                          <a:latin typeface="Times New Roman" panose="02020603050405020304" pitchFamily="18" charset="0"/>
-                          <a:cs typeface="Times New Roman" panose="02020603050405020304" pitchFamily="18" charset="0"/>
-                        </a:rPr>
-                        <a:t>13</a:t>
-                      </a:r>
-                      <a:endParaRPr lang="en-US" sz="1200" dirty="0">
-                        <a:latin typeface="Times New Roman" panose="02020603050405020304" pitchFamily="18" charset="0"/>
-                        <a:cs typeface="Times New Roman" panose="02020603050405020304" pitchFamily="18" charset="0"/>
-                      </a:endParaRPr>
-                    </a:p>
-                  </a:txBody>
-                  <a:tcPr>
-                    <a:noFill/>
-                  </a:tcPr>
-                </a:tc>
-                <a:tc>
-                  <a:txBody>
-                    <a:bodyPr/>
-                    <a:lstStyle/>
-                    <a:p>
-                      <a:pPr algn="ctr"/>
-                      <a:r>
-                        <a:rPr lang="es-MX" sz="1200" dirty="0">
-                          <a:latin typeface="Times New Roman" panose="02020603050405020304" pitchFamily="18" charset="0"/>
-                          <a:cs typeface="Times New Roman" panose="02020603050405020304" pitchFamily="18" charset="0"/>
-                        </a:rPr>
-                        <a:t>14</a:t>
-                      </a:r>
-                      <a:endParaRPr lang="en-US" sz="1200" dirty="0">
-                        <a:latin typeface="Times New Roman" panose="02020603050405020304" pitchFamily="18" charset="0"/>
-                        <a:cs typeface="Times New Roman" panose="02020603050405020304" pitchFamily="18" charset="0"/>
-                      </a:endParaRPr>
-                    </a:p>
-                  </a:txBody>
-                  <a:tcPr>
-                    <a:noFill/>
-                  </a:tcPr>
-                </a:tc>
-                <a:tc>
-                  <a:txBody>
-                    <a:bodyPr/>
-                    <a:lstStyle/>
-                    <a:p>
-                      <a:pPr algn="ctr"/>
-                      <a:r>
-                        <a:rPr lang="es-MX" sz="1200" dirty="0">
-                          <a:latin typeface="Times New Roman" panose="02020603050405020304" pitchFamily="18" charset="0"/>
-                          <a:cs typeface="Times New Roman" panose="02020603050405020304" pitchFamily="18" charset="0"/>
-                        </a:rPr>
-                        <a:t>15</a:t>
-                      </a:r>
-                      <a:endParaRPr lang="en-US" sz="1200" dirty="0">
-                        <a:latin typeface="Times New Roman" panose="02020603050405020304" pitchFamily="18" charset="0"/>
-                        <a:cs typeface="Times New Roman" panose="02020603050405020304" pitchFamily="18" charset="0"/>
-                      </a:endParaRPr>
-                    </a:p>
-                  </a:txBody>
-                  <a:tcPr>
-                    <a:noFill/>
-                  </a:tcPr>
-                </a:tc>
-                <a:tc>
-                  <a:txBody>
-                    <a:bodyPr/>
-                    <a:lstStyle/>
-                    <a:p>
-                      <a:pPr algn="ctr"/>
-                      <a:r>
-                        <a:rPr lang="es-MX" sz="1200" dirty="0">
-                          <a:latin typeface="Times New Roman" panose="02020603050405020304" pitchFamily="18" charset="0"/>
-                          <a:cs typeface="Times New Roman" panose="02020603050405020304" pitchFamily="18" charset="0"/>
-                        </a:rPr>
-                        <a:t>16</a:t>
-                      </a:r>
-                      <a:endParaRPr lang="en-US" sz="1200" dirty="0">
-                        <a:latin typeface="Times New Roman" panose="02020603050405020304" pitchFamily="18" charset="0"/>
-                        <a:cs typeface="Times New Roman" panose="02020603050405020304" pitchFamily="18" charset="0"/>
-                      </a:endParaRPr>
-                    </a:p>
-                  </a:txBody>
-                  <a:tcPr>
-                    <a:noFill/>
-                  </a:tcPr>
-                </a:tc>
-                <a:tc>
-                  <a:txBody>
-                    <a:bodyPr/>
-                    <a:lstStyle/>
-                    <a:p>
-                      <a:pPr algn="ctr"/>
-                      <a:r>
-                        <a:rPr lang="es-MX" sz="1200" dirty="0">
-                          <a:latin typeface="Times New Roman" panose="02020603050405020304" pitchFamily="18" charset="0"/>
-                          <a:cs typeface="Times New Roman" panose="02020603050405020304" pitchFamily="18" charset="0"/>
-                        </a:rPr>
-                        <a:t>17</a:t>
-                      </a:r>
-                      <a:endParaRPr lang="en-US" sz="1200" dirty="0">
-                        <a:latin typeface="Times New Roman" panose="02020603050405020304" pitchFamily="18" charset="0"/>
-                        <a:cs typeface="Times New Roman" panose="02020603050405020304" pitchFamily="18" charset="0"/>
-                      </a:endParaRPr>
-                    </a:p>
-                  </a:txBody>
-                  <a:tcPr>
-                    <a:noFill/>
-                  </a:tcPr>
-                </a:tc>
-                <a:tc>
-                  <a:txBody>
-                    <a:bodyPr/>
-                    <a:lstStyle/>
-                    <a:p>
-                      <a:pPr algn="ctr"/>
-                      <a:r>
-                        <a:rPr lang="es-MX" sz="1200" dirty="0">
-                          <a:latin typeface="Times New Roman" panose="02020603050405020304" pitchFamily="18" charset="0"/>
-                          <a:cs typeface="Times New Roman" panose="02020603050405020304" pitchFamily="18" charset="0"/>
-                        </a:rPr>
-                        <a:t>18</a:t>
-                      </a:r>
-                      <a:endParaRPr lang="en-US" sz="1200" dirty="0">
-                        <a:latin typeface="Times New Roman" panose="02020603050405020304" pitchFamily="18" charset="0"/>
-                        <a:cs typeface="Times New Roman" panose="02020603050405020304" pitchFamily="18" charset="0"/>
-                      </a:endParaRPr>
-                    </a:p>
-                  </a:txBody>
-                  <a:tcPr>
-                    <a:noFill/>
-                  </a:tcPr>
-                </a:tc>
-                <a:tc>
-                  <a:txBody>
-                    <a:bodyPr/>
-                    <a:lstStyle/>
-                    <a:p>
-                      <a:pPr algn="ctr"/>
-                      <a:r>
-                        <a:rPr lang="es-MX" sz="1200" dirty="0">
-                          <a:latin typeface="Times New Roman" panose="02020603050405020304" pitchFamily="18" charset="0"/>
-                          <a:cs typeface="Times New Roman" panose="02020603050405020304" pitchFamily="18" charset="0"/>
-                        </a:rPr>
-                        <a:t>19</a:t>
-                      </a:r>
-                      <a:endParaRPr lang="en-US" sz="1200" dirty="0">
-                        <a:latin typeface="Times New Roman" panose="02020603050405020304" pitchFamily="18" charset="0"/>
-                        <a:cs typeface="Times New Roman" panose="02020603050405020304" pitchFamily="18" charset="0"/>
-                      </a:endParaRPr>
-                    </a:p>
-                  </a:txBody>
-                  <a:tcPr>
-                    <a:noFill/>
-                  </a:tcPr>
-                </a:tc>
-                <a:extLst>
-                  <a:ext uri="{0D108BD9-81ED-4DB2-BD59-A6C34878D82A}">
-                    <a16:rowId xmlns:a16="http://schemas.microsoft.com/office/drawing/2014/main" val="1839235311"/>
-                  </a:ext>
-                </a:extLst>
-              </a:tr>
-              <a:tr h="304949">
-                <a:tc>
-                  <a:txBody>
-                    <a:bodyPr/>
-                    <a:lstStyle/>
-                    <a:p>
-                      <a:pPr algn="ctr"/>
-                      <a:r>
-                        <a:rPr lang="es-MX" sz="900" dirty="0">
-                          <a:latin typeface="Times New Roman" panose="02020603050405020304" pitchFamily="18" charset="0"/>
-                          <a:cs typeface="Times New Roman" panose="02020603050405020304" pitchFamily="18" charset="0"/>
-                        </a:rPr>
-                        <a:t>LONGITUDES</a:t>
-                      </a:r>
-                      <a:br>
-                        <a:rPr lang="es-MX" sz="900" dirty="0">
-                          <a:latin typeface="Times New Roman" panose="02020603050405020304" pitchFamily="18" charset="0"/>
-                          <a:cs typeface="Times New Roman" panose="02020603050405020304" pitchFamily="18" charset="0"/>
-                        </a:rPr>
-                      </a:br>
-                      <a:r>
-                        <a:rPr lang="es-MX" sz="900" dirty="0">
-                          <a:latin typeface="Times New Roman" panose="02020603050405020304" pitchFamily="18" charset="0"/>
-                          <a:cs typeface="Times New Roman" panose="02020603050405020304" pitchFamily="18" charset="0"/>
-                        </a:rPr>
-                        <a:t>DE GAPS</a:t>
-                      </a:r>
-                      <a:endParaRPr lang="en-US" sz="900" dirty="0">
-                        <a:latin typeface="Times New Roman" panose="02020603050405020304" pitchFamily="18" charset="0"/>
-                        <a:cs typeface="Times New Roman" panose="02020603050405020304" pitchFamily="18" charset="0"/>
-                      </a:endParaRPr>
-                    </a:p>
-                  </a:txBody>
-                  <a:tcPr>
-                    <a:solidFill>
-                      <a:schemeClr val="bg2"/>
-                    </a:solidFill>
-                  </a:tcPr>
-                </a:tc>
-                <a:tc>
-                  <a:txBody>
-                    <a:bodyPr/>
-                    <a:lstStyle/>
-                    <a:p>
-                      <a:pPr algn="ctr"/>
-                      <a:endParaRPr lang="en-US" sz="1200" dirty="0">
-                        <a:latin typeface="Times New Roman" panose="02020603050405020304" pitchFamily="18" charset="0"/>
-                        <a:cs typeface="Times New Roman" panose="02020603050405020304" pitchFamily="18" charset="0"/>
-                      </a:endParaRPr>
-                    </a:p>
-                  </a:txBody>
-                  <a:tcPr>
-                    <a:noFill/>
-                  </a:tcPr>
-                </a:tc>
-                <a:tc>
-                  <a:txBody>
-                    <a:bodyPr/>
-                    <a:lstStyle/>
-                    <a:p>
-                      <a:pPr algn="ctr"/>
-                      <a:endParaRPr lang="en-US" sz="1200">
-                        <a:latin typeface="Times New Roman" panose="02020603050405020304" pitchFamily="18" charset="0"/>
-                        <a:cs typeface="Times New Roman" panose="02020603050405020304" pitchFamily="18" charset="0"/>
-                      </a:endParaRPr>
-                    </a:p>
-                  </a:txBody>
-                  <a:tcPr>
-                    <a:noFill/>
-                  </a:tcPr>
-                </a:tc>
-                <a:tc>
-                  <a:txBody>
-                    <a:bodyPr/>
-                    <a:lstStyle/>
-                    <a:p>
-                      <a:pPr algn="ctr"/>
-                      <a:endParaRPr lang="en-US" sz="1200">
-                        <a:latin typeface="Times New Roman" panose="02020603050405020304" pitchFamily="18" charset="0"/>
-                        <a:cs typeface="Times New Roman" panose="02020603050405020304" pitchFamily="18" charset="0"/>
-                      </a:endParaRPr>
-                    </a:p>
-                  </a:txBody>
-                  <a:tcPr>
-                    <a:noFill/>
-                  </a:tcPr>
-                </a:tc>
-                <a:tc>
-                  <a:txBody>
-                    <a:bodyPr/>
-                    <a:lstStyle/>
-                    <a:p>
-                      <a:pPr algn="ctr"/>
-                      <a:endParaRPr lang="en-US" sz="1200" dirty="0">
-                        <a:latin typeface="Times New Roman" panose="02020603050405020304" pitchFamily="18" charset="0"/>
-                        <a:cs typeface="Times New Roman" panose="02020603050405020304" pitchFamily="18" charset="0"/>
-                      </a:endParaRPr>
-                    </a:p>
-                  </a:txBody>
-                  <a:tcPr>
-                    <a:noFill/>
-                  </a:tcPr>
-                </a:tc>
-                <a:tc>
-                  <a:txBody>
-                    <a:bodyPr/>
-                    <a:lstStyle/>
-                    <a:p>
-                      <a:pPr algn="ctr"/>
-                      <a:r>
-                        <a:rPr lang="es-MX" sz="1200" dirty="0">
-                          <a:latin typeface="Times New Roman" panose="02020603050405020304" pitchFamily="18" charset="0"/>
-                          <a:cs typeface="Times New Roman" panose="02020603050405020304" pitchFamily="18" charset="0"/>
-                        </a:rPr>
-                        <a:t>3</a:t>
-                      </a:r>
-                      <a:endParaRPr lang="en-US" sz="1200" dirty="0">
-                        <a:latin typeface="Times New Roman" panose="02020603050405020304" pitchFamily="18" charset="0"/>
-                        <a:cs typeface="Times New Roman" panose="02020603050405020304" pitchFamily="18" charset="0"/>
-                      </a:endParaRPr>
-                    </a:p>
-                  </a:txBody>
-                  <a:tcPr>
-                    <a:noFill/>
-                  </a:tcPr>
-                </a:tc>
-                <a:tc>
-                  <a:txBody>
-                    <a:bodyPr/>
-                    <a:lstStyle/>
-                    <a:p>
-                      <a:pPr algn="ctr"/>
-                      <a:endParaRPr lang="en-US" sz="1200" dirty="0">
-                        <a:latin typeface="Times New Roman" panose="02020603050405020304" pitchFamily="18" charset="0"/>
-                        <a:cs typeface="Times New Roman" panose="02020603050405020304" pitchFamily="18" charset="0"/>
-                      </a:endParaRPr>
-                    </a:p>
-                  </a:txBody>
-                  <a:tcPr>
-                    <a:noFill/>
-                  </a:tcPr>
-                </a:tc>
-                <a:tc>
-                  <a:txBody>
-                    <a:bodyPr/>
-                    <a:lstStyle/>
-                    <a:p>
-                      <a:pPr algn="ctr"/>
-                      <a:r>
-                        <a:rPr lang="es-MX" sz="1200" dirty="0">
-                          <a:latin typeface="Times New Roman" panose="02020603050405020304" pitchFamily="18" charset="0"/>
-                          <a:cs typeface="Times New Roman" panose="02020603050405020304" pitchFamily="18" charset="0"/>
-                        </a:rPr>
-                        <a:t>1</a:t>
-                      </a:r>
-                      <a:endParaRPr lang="en-US" sz="1200" dirty="0">
-                        <a:latin typeface="Times New Roman" panose="02020603050405020304" pitchFamily="18" charset="0"/>
-                        <a:cs typeface="Times New Roman" panose="02020603050405020304" pitchFamily="18" charset="0"/>
-                      </a:endParaRPr>
-                    </a:p>
-                  </a:txBody>
-                  <a:tcPr>
-                    <a:noFill/>
-                  </a:tcPr>
-                </a:tc>
-                <a:tc>
-                  <a:txBody>
-                    <a:bodyPr/>
-                    <a:lstStyle/>
-                    <a:p>
-                      <a:pPr algn="ctr"/>
-                      <a:endParaRPr lang="en-US" sz="1200" dirty="0">
-                        <a:latin typeface="Times New Roman" panose="02020603050405020304" pitchFamily="18" charset="0"/>
-                        <a:cs typeface="Times New Roman" panose="02020603050405020304" pitchFamily="18" charset="0"/>
-                      </a:endParaRPr>
-                    </a:p>
-                  </a:txBody>
-                  <a:tcPr>
-                    <a:noFill/>
-                  </a:tcPr>
-                </a:tc>
-                <a:tc>
-                  <a:txBody>
-                    <a:bodyPr/>
-                    <a:lstStyle/>
-                    <a:p>
-                      <a:pPr algn="ctr"/>
-                      <a:endParaRPr lang="en-US" sz="1200" dirty="0">
-                        <a:latin typeface="Times New Roman" panose="02020603050405020304" pitchFamily="18" charset="0"/>
-                        <a:cs typeface="Times New Roman" panose="02020603050405020304" pitchFamily="18" charset="0"/>
-                      </a:endParaRPr>
-                    </a:p>
-                  </a:txBody>
-                  <a:tcPr>
-                    <a:noFill/>
-                  </a:tcPr>
-                </a:tc>
-                <a:tc>
-                  <a:txBody>
-                    <a:bodyPr/>
-                    <a:lstStyle/>
-                    <a:p>
-                      <a:pPr algn="ctr"/>
-                      <a:r>
-                        <a:rPr lang="es-MX" sz="1200" dirty="0">
-                          <a:latin typeface="Times New Roman" panose="02020603050405020304" pitchFamily="18" charset="0"/>
-                          <a:cs typeface="Times New Roman" panose="02020603050405020304" pitchFamily="18" charset="0"/>
-                        </a:rPr>
-                        <a:t>2</a:t>
-                      </a:r>
-                      <a:endParaRPr lang="en-US" sz="1200" dirty="0">
-                        <a:latin typeface="Times New Roman" panose="02020603050405020304" pitchFamily="18" charset="0"/>
-                        <a:cs typeface="Times New Roman" panose="02020603050405020304" pitchFamily="18" charset="0"/>
-                      </a:endParaRPr>
-                    </a:p>
-                  </a:txBody>
-                  <a:tcPr>
-                    <a:noFill/>
-                  </a:tcPr>
-                </a:tc>
-                <a:tc>
-                  <a:txBody>
-                    <a:bodyPr/>
-                    <a:lstStyle/>
-                    <a:p>
-                      <a:pPr algn="ctr"/>
-                      <a:endParaRPr lang="en-US" sz="1200" dirty="0">
-                        <a:latin typeface="Times New Roman" panose="02020603050405020304" pitchFamily="18" charset="0"/>
-                        <a:cs typeface="Times New Roman" panose="02020603050405020304" pitchFamily="18" charset="0"/>
-                      </a:endParaRPr>
-                    </a:p>
-                  </a:txBody>
-                  <a:tcPr>
-                    <a:noFill/>
-                  </a:tcPr>
-                </a:tc>
-                <a:tc>
-                  <a:txBody>
-                    <a:bodyPr/>
-                    <a:lstStyle/>
-                    <a:p>
-                      <a:pPr algn="ctr"/>
-                      <a:endParaRPr lang="en-US" sz="1200" dirty="0">
-                        <a:latin typeface="Times New Roman" panose="02020603050405020304" pitchFamily="18" charset="0"/>
-                        <a:cs typeface="Times New Roman" panose="02020603050405020304" pitchFamily="18" charset="0"/>
-                      </a:endParaRPr>
-                    </a:p>
-                  </a:txBody>
-                  <a:tcPr>
-                    <a:noFill/>
-                  </a:tcPr>
-                </a:tc>
-                <a:tc>
-                  <a:txBody>
-                    <a:bodyPr/>
-                    <a:lstStyle/>
-                    <a:p>
-                      <a:pPr algn="ctr"/>
-                      <a:endParaRPr lang="en-US" sz="1200" dirty="0">
-                        <a:latin typeface="Times New Roman" panose="02020603050405020304" pitchFamily="18" charset="0"/>
-                        <a:cs typeface="Times New Roman" panose="02020603050405020304" pitchFamily="18" charset="0"/>
-                      </a:endParaRPr>
-                    </a:p>
-                  </a:txBody>
-                  <a:tcPr>
-                    <a:noFill/>
-                  </a:tcPr>
-                </a:tc>
-                <a:tc>
-                  <a:txBody>
-                    <a:bodyPr/>
-                    <a:lstStyle/>
-                    <a:p>
-                      <a:pPr algn="ctr"/>
-                      <a:endParaRPr lang="en-US" sz="1200" dirty="0">
-                        <a:latin typeface="Times New Roman" panose="02020603050405020304" pitchFamily="18" charset="0"/>
-                        <a:cs typeface="Times New Roman" panose="02020603050405020304" pitchFamily="18" charset="0"/>
-                      </a:endParaRPr>
-                    </a:p>
-                  </a:txBody>
-                  <a:tcPr>
-                    <a:noFill/>
-                  </a:tcPr>
-                </a:tc>
-                <a:tc>
-                  <a:txBody>
-                    <a:bodyPr/>
-                    <a:lstStyle/>
-                    <a:p>
-                      <a:pPr algn="ctr"/>
-                      <a:endParaRPr lang="en-US" sz="1200" dirty="0">
-                        <a:latin typeface="Times New Roman" panose="02020603050405020304" pitchFamily="18" charset="0"/>
-                        <a:cs typeface="Times New Roman" panose="02020603050405020304" pitchFamily="18" charset="0"/>
-                      </a:endParaRPr>
-                    </a:p>
-                  </a:txBody>
-                  <a:tcPr>
-                    <a:noFill/>
-                  </a:tcPr>
-                </a:tc>
-                <a:tc>
-                  <a:txBody>
-                    <a:bodyPr/>
-                    <a:lstStyle/>
-                    <a:p>
-                      <a:pPr algn="ctr"/>
-                      <a:endParaRPr lang="en-US" sz="1200" dirty="0">
-                        <a:latin typeface="Times New Roman" panose="02020603050405020304" pitchFamily="18" charset="0"/>
-                        <a:cs typeface="Times New Roman" panose="02020603050405020304" pitchFamily="18" charset="0"/>
-                      </a:endParaRPr>
-                    </a:p>
-                  </a:txBody>
-                  <a:tcPr>
-                    <a:noFill/>
-                  </a:tcPr>
-                </a:tc>
-                <a:tc>
-                  <a:txBody>
-                    <a:bodyPr/>
-                    <a:lstStyle/>
-                    <a:p>
-                      <a:pPr algn="ctr"/>
-                      <a:r>
-                        <a:rPr lang="es-MX" sz="1200" dirty="0">
-                          <a:latin typeface="Times New Roman" panose="02020603050405020304" pitchFamily="18" charset="0"/>
-                          <a:cs typeface="Times New Roman" panose="02020603050405020304" pitchFamily="18" charset="0"/>
-                        </a:rPr>
-                        <a:t>2</a:t>
-                      </a:r>
-                      <a:endParaRPr lang="en-US" sz="1200" dirty="0">
-                        <a:latin typeface="Times New Roman" panose="02020603050405020304" pitchFamily="18" charset="0"/>
-                        <a:cs typeface="Times New Roman" panose="02020603050405020304" pitchFamily="18" charset="0"/>
-                      </a:endParaRPr>
-                    </a:p>
-                  </a:txBody>
-                  <a:tcPr>
-                    <a:noFill/>
-                  </a:tcPr>
-                </a:tc>
-                <a:tc>
-                  <a:txBody>
-                    <a:bodyPr/>
-                    <a:lstStyle/>
-                    <a:p>
-                      <a:pPr algn="ctr"/>
-                      <a:endParaRPr lang="en-US" sz="1200" dirty="0">
-                        <a:latin typeface="Times New Roman" panose="02020603050405020304" pitchFamily="18" charset="0"/>
-                        <a:cs typeface="Times New Roman" panose="02020603050405020304" pitchFamily="18" charset="0"/>
-                      </a:endParaRPr>
-                    </a:p>
-                  </a:txBody>
-                  <a:tcPr>
-                    <a:noFill/>
-                  </a:tcPr>
-                </a:tc>
-                <a:tc>
-                  <a:txBody>
-                    <a:bodyPr/>
-                    <a:lstStyle/>
-                    <a:p>
-                      <a:pPr algn="ctr"/>
-                      <a:endParaRPr lang="en-US" sz="1200" dirty="0">
-                        <a:latin typeface="Times New Roman" panose="02020603050405020304" pitchFamily="18" charset="0"/>
-                        <a:cs typeface="Times New Roman" panose="02020603050405020304" pitchFamily="18" charset="0"/>
-                      </a:endParaRPr>
-                    </a:p>
-                  </a:txBody>
-                  <a:tcPr>
-                    <a:noFill/>
-                  </a:tcPr>
-                </a:tc>
-                <a:extLst>
-                  <a:ext uri="{0D108BD9-81ED-4DB2-BD59-A6C34878D82A}">
-                    <a16:rowId xmlns:a16="http://schemas.microsoft.com/office/drawing/2014/main" val="4117154481"/>
-                  </a:ext>
-                </a:extLst>
-              </a:tr>
-            </a:tbl>
-          </a:graphicData>
-        </a:graphic>
-      </p:graphicFrame>
-      <p:graphicFrame>
-        <p:nvGraphicFramePr>
           <p:cNvPr id="45" name="Table 44">
             <a:extLst>
               <a:ext uri="{FF2B5EF4-FFF2-40B4-BE49-F238E27FC236}">
@@ -9953,14 +7799,14 @@
           <p:nvPr>
             <p:extLst>
               <p:ext uri="{D42A27DB-BD31-4B8C-83A1-F6EECF244321}">
-                <p14:modId xmlns:p14="http://schemas.microsoft.com/office/powerpoint/2010/main" val="678852891"/>
+                <p14:modId xmlns:p14="http://schemas.microsoft.com/office/powerpoint/2010/main" val="4096856998"/>
               </p:ext>
             </p:extLst>
           </p:nvPr>
         </p:nvGraphicFramePr>
         <p:xfrm>
-          <a:off x="2656773" y="4818809"/>
-          <a:ext cx="7242197" cy="714546"/>
+          <a:off x="758183" y="2183454"/>
+          <a:ext cx="10675633" cy="1446066"/>
         </p:xfrm>
         <a:graphic>
           <a:graphicData uri="http://schemas.openxmlformats.org/drawingml/2006/table">
@@ -9969,209 +7815,209 @@
                 <a:tableStyleId>{073A0DAA-6AF3-43AB-8588-CEC1D06C72B9}</a:tableStyleId>
               </a:tblPr>
               <a:tblGrid>
-                <a:gridCol w="307913">
+                <a:gridCol w="1065984">
+                  <a:extLst>
+                    <a:ext uri="{9D8B030D-6E8A-4147-A177-3AD203B41FA5}">
+                      <a16:colId xmlns:a16="http://schemas.microsoft.com/office/drawing/2014/main" val="699262375"/>
+                    </a:ext>
+                  </a:extLst>
+                </a:gridCol>
+                <a:gridCol w="373380">
                   <a:extLst>
                     <a:ext uri="{9D8B030D-6E8A-4147-A177-3AD203B41FA5}">
                       <a16:colId xmlns:a16="http://schemas.microsoft.com/office/drawing/2014/main" val="1596951627"/>
                     </a:ext>
                   </a:extLst>
                 </a:gridCol>
-                <a:gridCol w="247653">
+                <a:gridCol w="373380">
                   <a:extLst>
                     <a:ext uri="{9D8B030D-6E8A-4147-A177-3AD203B41FA5}">
                       <a16:colId xmlns:a16="http://schemas.microsoft.com/office/drawing/2014/main" val="3242738574"/>
                     </a:ext>
                   </a:extLst>
                 </a:gridCol>
-                <a:gridCol w="247653">
+                <a:gridCol w="373380">
                   <a:extLst>
                     <a:ext uri="{9D8B030D-6E8A-4147-A177-3AD203B41FA5}">
                       <a16:colId xmlns:a16="http://schemas.microsoft.com/office/drawing/2014/main" val="420854149"/>
                     </a:ext>
                   </a:extLst>
                 </a:gridCol>
-                <a:gridCol w="247653">
+                <a:gridCol w="272978">
                   <a:extLst>
                     <a:ext uri="{9D8B030D-6E8A-4147-A177-3AD203B41FA5}">
                       <a16:colId xmlns:a16="http://schemas.microsoft.com/office/drawing/2014/main" val="3840113764"/>
                     </a:ext>
                   </a:extLst>
                 </a:gridCol>
-                <a:gridCol w="247653">
+                <a:gridCol w="272978">
                   <a:extLst>
                     <a:ext uri="{9D8B030D-6E8A-4147-A177-3AD203B41FA5}">
                       <a16:colId xmlns:a16="http://schemas.microsoft.com/office/drawing/2014/main" val="87948951"/>
                     </a:ext>
                   </a:extLst>
                 </a:gridCol>
-                <a:gridCol w="247653">
+                <a:gridCol w="373380">
                   <a:extLst>
                     <a:ext uri="{9D8B030D-6E8A-4147-A177-3AD203B41FA5}">
                       <a16:colId xmlns:a16="http://schemas.microsoft.com/office/drawing/2014/main" val="2587171364"/>
                     </a:ext>
                   </a:extLst>
                 </a:gridCol>
-                <a:gridCol w="247653">
+                <a:gridCol w="373380">
                   <a:extLst>
                     <a:ext uri="{9D8B030D-6E8A-4147-A177-3AD203B41FA5}">
                       <a16:colId xmlns:a16="http://schemas.microsoft.com/office/drawing/2014/main" val="1176575097"/>
                     </a:ext>
                   </a:extLst>
                 </a:gridCol>
-                <a:gridCol w="247653">
+                <a:gridCol w="373380">
                   <a:extLst>
                     <a:ext uri="{9D8B030D-6E8A-4147-A177-3AD203B41FA5}">
                       <a16:colId xmlns:a16="http://schemas.microsoft.com/office/drawing/2014/main" val="3512184678"/>
                     </a:ext>
                   </a:extLst>
                 </a:gridCol>
-                <a:gridCol w="247653">
+                <a:gridCol w="373380">
                   <a:extLst>
                     <a:ext uri="{9D8B030D-6E8A-4147-A177-3AD203B41FA5}">
                       <a16:colId xmlns:a16="http://schemas.microsoft.com/office/drawing/2014/main" val="3989955031"/>
                     </a:ext>
                   </a:extLst>
                 </a:gridCol>
-                <a:gridCol w="247653">
+                <a:gridCol w="272978">
                   <a:extLst>
                     <a:ext uri="{9D8B030D-6E8A-4147-A177-3AD203B41FA5}">
                       <a16:colId xmlns:a16="http://schemas.microsoft.com/office/drawing/2014/main" val="3986273295"/>
                     </a:ext>
                   </a:extLst>
                 </a:gridCol>
-                <a:gridCol w="247653">
+                <a:gridCol w="271780">
                   <a:extLst>
                     <a:ext uri="{9D8B030D-6E8A-4147-A177-3AD203B41FA5}">
                       <a16:colId xmlns:a16="http://schemas.microsoft.com/office/drawing/2014/main" val="1810239491"/>
                     </a:ext>
                   </a:extLst>
                 </a:gridCol>
-                <a:gridCol w="247653">
+                <a:gridCol w="406717">
                   <a:extLst>
                     <a:ext uri="{9D8B030D-6E8A-4147-A177-3AD203B41FA5}">
                       <a16:colId xmlns:a16="http://schemas.microsoft.com/office/drawing/2014/main" val="4228523081"/>
                     </a:ext>
                   </a:extLst>
                 </a:gridCol>
-                <a:gridCol w="247653">
+                <a:gridCol w="367729">
                   <a:extLst>
                     <a:ext uri="{9D8B030D-6E8A-4147-A177-3AD203B41FA5}">
                       <a16:colId xmlns:a16="http://schemas.microsoft.com/office/drawing/2014/main" val="1931428107"/>
                     </a:ext>
                   </a:extLst>
                 </a:gridCol>
-                <a:gridCol w="247653">
+                <a:gridCol w="373380">
                   <a:extLst>
                     <a:ext uri="{9D8B030D-6E8A-4147-A177-3AD203B41FA5}">
                       <a16:colId xmlns:a16="http://schemas.microsoft.com/office/drawing/2014/main" val="3380807221"/>
                     </a:ext>
                   </a:extLst>
                 </a:gridCol>
-                <a:gridCol w="247653">
+                <a:gridCol w="271780">
                   <a:extLst>
                     <a:ext uri="{9D8B030D-6E8A-4147-A177-3AD203B41FA5}">
                       <a16:colId xmlns:a16="http://schemas.microsoft.com/office/drawing/2014/main" val="4171754792"/>
                     </a:ext>
                   </a:extLst>
                 </a:gridCol>
-                <a:gridCol w="247653">
+                <a:gridCol w="272978">
                   <a:extLst>
                     <a:ext uri="{9D8B030D-6E8A-4147-A177-3AD203B41FA5}">
                       <a16:colId xmlns:a16="http://schemas.microsoft.com/office/drawing/2014/main" val="3499045928"/>
                     </a:ext>
                   </a:extLst>
                 </a:gridCol>
-                <a:gridCol w="247653">
+                <a:gridCol w="406717">
                   <a:extLst>
                     <a:ext uri="{9D8B030D-6E8A-4147-A177-3AD203B41FA5}">
                       <a16:colId xmlns:a16="http://schemas.microsoft.com/office/drawing/2014/main" val="2913938890"/>
                     </a:ext>
                   </a:extLst>
                 </a:gridCol>
-                <a:gridCol w="247653">
+                <a:gridCol w="373380">
                   <a:extLst>
                     <a:ext uri="{9D8B030D-6E8A-4147-A177-3AD203B41FA5}">
                       <a16:colId xmlns:a16="http://schemas.microsoft.com/office/drawing/2014/main" val="2886884640"/>
                     </a:ext>
                   </a:extLst>
                 </a:gridCol>
-                <a:gridCol w="247653">
+                <a:gridCol w="373380">
                   <a:extLst>
                     <a:ext uri="{9D8B030D-6E8A-4147-A177-3AD203B41FA5}">
                       <a16:colId xmlns:a16="http://schemas.microsoft.com/office/drawing/2014/main" val="1299446429"/>
                     </a:ext>
                   </a:extLst>
                 </a:gridCol>
-                <a:gridCol w="247653">
+                <a:gridCol w="373380">
                   <a:extLst>
                     <a:ext uri="{9D8B030D-6E8A-4147-A177-3AD203B41FA5}">
                       <a16:colId xmlns:a16="http://schemas.microsoft.com/office/drawing/2014/main" val="436902207"/>
                     </a:ext>
                   </a:extLst>
                 </a:gridCol>
-                <a:gridCol w="247653">
+                <a:gridCol w="373380">
                   <a:extLst>
                     <a:ext uri="{9D8B030D-6E8A-4147-A177-3AD203B41FA5}">
                       <a16:colId xmlns:a16="http://schemas.microsoft.com/office/drawing/2014/main" val="2673376623"/>
                     </a:ext>
                   </a:extLst>
                 </a:gridCol>
-                <a:gridCol w="247653">
+                <a:gridCol w="373380">
                   <a:extLst>
                     <a:ext uri="{9D8B030D-6E8A-4147-A177-3AD203B41FA5}">
                       <a16:colId xmlns:a16="http://schemas.microsoft.com/office/drawing/2014/main" val="2572788712"/>
                     </a:ext>
                   </a:extLst>
                 </a:gridCol>
-                <a:gridCol w="247653">
+                <a:gridCol w="373380">
                   <a:extLst>
                     <a:ext uri="{9D8B030D-6E8A-4147-A177-3AD203B41FA5}">
                       <a16:colId xmlns:a16="http://schemas.microsoft.com/office/drawing/2014/main" val="992309576"/>
                     </a:ext>
                   </a:extLst>
                 </a:gridCol>
-                <a:gridCol w="247653">
+                <a:gridCol w="272978">
                   <a:extLst>
                     <a:ext uri="{9D8B030D-6E8A-4147-A177-3AD203B41FA5}">
                       <a16:colId xmlns:a16="http://schemas.microsoft.com/office/drawing/2014/main" val="2327499355"/>
                     </a:ext>
                   </a:extLst>
                 </a:gridCol>
-                <a:gridCol w="247653">
+                <a:gridCol w="272978">
                   <a:extLst>
                     <a:ext uri="{9D8B030D-6E8A-4147-A177-3AD203B41FA5}">
                       <a16:colId xmlns:a16="http://schemas.microsoft.com/office/drawing/2014/main" val="761882706"/>
                     </a:ext>
                   </a:extLst>
                 </a:gridCol>
-                <a:gridCol w="247653">
+                <a:gridCol w="373380">
                   <a:extLst>
                     <a:ext uri="{9D8B030D-6E8A-4147-A177-3AD203B41FA5}">
                       <a16:colId xmlns:a16="http://schemas.microsoft.com/office/drawing/2014/main" val="2175358323"/>
                     </a:ext>
                   </a:extLst>
                 </a:gridCol>
-                <a:gridCol w="247653">
+                <a:gridCol w="373380">
                   <a:extLst>
                     <a:ext uri="{9D8B030D-6E8A-4147-A177-3AD203B41FA5}">
                       <a16:colId xmlns:a16="http://schemas.microsoft.com/office/drawing/2014/main" val="2910288808"/>
                     </a:ext>
                   </a:extLst>
                 </a:gridCol>
-                <a:gridCol w="247653">
+                <a:gridCol w="272978">
                   <a:extLst>
                     <a:ext uri="{9D8B030D-6E8A-4147-A177-3AD203B41FA5}">
                       <a16:colId xmlns:a16="http://schemas.microsoft.com/office/drawing/2014/main" val="283451570"/>
                     </a:ext>
                   </a:extLst>
                 </a:gridCol>
-                <a:gridCol w="247653">
-                  <a:extLst>
-                    <a:ext uri="{9D8B030D-6E8A-4147-A177-3AD203B41FA5}">
-                      <a16:colId xmlns:a16="http://schemas.microsoft.com/office/drawing/2014/main" val="3590948140"/>
-                    </a:ext>
-                  </a:extLst>
-                </a:gridCol>
               </a:tblGrid>
               <a:tr h="357273">
                 <a:tc>
@@ -10181,6 +8027,713 @@
                     <a:p>
                       <a:pPr algn="ctr"/>
                       <a:r>
+                        <a:rPr lang="es-MX" sz="900" b="1" dirty="0">
+                          <a:latin typeface="Times New Roman" panose="02020603050405020304" pitchFamily="18" charset="0"/>
+                          <a:cs typeface="Times New Roman" panose="02020603050405020304" pitchFamily="18" charset="0"/>
+                        </a:rPr>
+                        <a:t>CP INDICES</a:t>
+                      </a:r>
+                      <a:endParaRPr lang="en-US" sz="900" b="1" dirty="0">
+                        <a:latin typeface="Times New Roman" panose="02020603050405020304" pitchFamily="18" charset="0"/>
+                        <a:cs typeface="Times New Roman" panose="02020603050405020304" pitchFamily="18" charset="0"/>
+                      </a:endParaRPr>
+                    </a:p>
+                  </a:txBody>
+                  <a:tcPr>
+                    <a:solidFill>
+                      <a:schemeClr val="bg2"/>
+                    </a:solidFill>
+                  </a:tcPr>
+                </a:tc>
+                <a:tc>
+                  <a:txBody>
+                    <a:bodyPr/>
+                    <a:lstStyle/>
+                    <a:p>
+                      <a:pPr algn="ctr"/>
+                      <a:r>
+                        <a:rPr lang="es-MX" sz="1200" dirty="0">
+                          <a:latin typeface="Times New Roman" panose="02020603050405020304" pitchFamily="18" charset="0"/>
+                          <a:cs typeface="Times New Roman" panose="02020603050405020304" pitchFamily="18" charset="0"/>
+                        </a:rPr>
+                        <a:t>1</a:t>
+                      </a:r>
+                      <a:endParaRPr lang="en-US" sz="1200" dirty="0">
+                        <a:latin typeface="Times New Roman" panose="02020603050405020304" pitchFamily="18" charset="0"/>
+                        <a:cs typeface="Times New Roman" panose="02020603050405020304" pitchFamily="18" charset="0"/>
+                      </a:endParaRPr>
+                    </a:p>
+                  </a:txBody>
+                  <a:tcPr>
+                    <a:solidFill>
+                      <a:schemeClr val="bg1"/>
+                    </a:solidFill>
+                  </a:tcPr>
+                </a:tc>
+                <a:tc>
+                  <a:txBody>
+                    <a:bodyPr/>
+                    <a:lstStyle/>
+                    <a:p>
+                      <a:pPr algn="ctr"/>
+                      <a:r>
+                        <a:rPr lang="es-MX" sz="1200" dirty="0">
+                          <a:latin typeface="Times New Roman" panose="02020603050405020304" pitchFamily="18" charset="0"/>
+                          <a:cs typeface="Times New Roman" panose="02020603050405020304" pitchFamily="18" charset="0"/>
+                        </a:rPr>
+                        <a:t>2</a:t>
+                      </a:r>
+                      <a:endParaRPr lang="en-US" sz="1200" dirty="0">
+                        <a:latin typeface="Times New Roman" panose="02020603050405020304" pitchFamily="18" charset="0"/>
+                        <a:cs typeface="Times New Roman" panose="02020603050405020304" pitchFamily="18" charset="0"/>
+                      </a:endParaRPr>
+                    </a:p>
+                  </a:txBody>
+                  <a:tcPr>
+                    <a:solidFill>
+                      <a:schemeClr val="bg1"/>
+                    </a:solidFill>
+                  </a:tcPr>
+                </a:tc>
+                <a:tc>
+                  <a:txBody>
+                    <a:bodyPr/>
+                    <a:lstStyle/>
+                    <a:p>
+                      <a:pPr algn="ctr"/>
+                      <a:r>
+                        <a:rPr lang="es-MX" sz="1200" dirty="0">
+                          <a:latin typeface="Times New Roman" panose="02020603050405020304" pitchFamily="18" charset="0"/>
+                          <a:cs typeface="Times New Roman" panose="02020603050405020304" pitchFamily="18" charset="0"/>
+                        </a:rPr>
+                        <a:t>3</a:t>
+                      </a:r>
+                      <a:endParaRPr lang="en-US" sz="1200" dirty="0">
+                        <a:latin typeface="Times New Roman" panose="02020603050405020304" pitchFamily="18" charset="0"/>
+                        <a:cs typeface="Times New Roman" panose="02020603050405020304" pitchFamily="18" charset="0"/>
+                      </a:endParaRPr>
+                    </a:p>
+                  </a:txBody>
+                  <a:tcPr>
+                    <a:solidFill>
+                      <a:schemeClr val="bg1"/>
+                    </a:solidFill>
+                  </a:tcPr>
+                </a:tc>
+                <a:tc>
+                  <a:txBody>
+                    <a:bodyPr/>
+                    <a:lstStyle/>
+                    <a:p>
+                      <a:pPr algn="ctr"/>
+                      <a:r>
+                        <a:rPr lang="es-MX" sz="1200" dirty="0">
+                          <a:latin typeface="Times New Roman" panose="02020603050405020304" pitchFamily="18" charset="0"/>
+                          <a:cs typeface="Times New Roman" panose="02020603050405020304" pitchFamily="18" charset="0"/>
+                        </a:rPr>
+                        <a:t>4</a:t>
+                      </a:r>
+                      <a:endParaRPr lang="en-US" sz="1200" dirty="0">
+                        <a:latin typeface="Times New Roman" panose="02020603050405020304" pitchFamily="18" charset="0"/>
+                        <a:cs typeface="Times New Roman" panose="02020603050405020304" pitchFamily="18" charset="0"/>
+                      </a:endParaRPr>
+                    </a:p>
+                  </a:txBody>
+                  <a:tcPr>
+                    <a:solidFill>
+                      <a:schemeClr val="bg1"/>
+                    </a:solidFill>
+                  </a:tcPr>
+                </a:tc>
+                <a:tc>
+                  <a:txBody>
+                    <a:bodyPr/>
+                    <a:lstStyle/>
+                    <a:p>
+                      <a:pPr algn="ctr"/>
+                      <a:r>
+                        <a:rPr lang="es-MX" sz="1200" dirty="0">
+                          <a:latin typeface="Times New Roman" panose="02020603050405020304" pitchFamily="18" charset="0"/>
+                          <a:cs typeface="Times New Roman" panose="02020603050405020304" pitchFamily="18" charset="0"/>
+                        </a:rPr>
+                        <a:t>5</a:t>
+                      </a:r>
+                      <a:endParaRPr lang="en-US" sz="1200" dirty="0">
+                        <a:latin typeface="Times New Roman" panose="02020603050405020304" pitchFamily="18" charset="0"/>
+                        <a:cs typeface="Times New Roman" panose="02020603050405020304" pitchFamily="18" charset="0"/>
+                      </a:endParaRPr>
+                    </a:p>
+                  </a:txBody>
+                  <a:tcPr>
+                    <a:solidFill>
+                      <a:schemeClr val="bg1"/>
+                    </a:solidFill>
+                  </a:tcPr>
+                </a:tc>
+                <a:tc>
+                  <a:txBody>
+                    <a:bodyPr/>
+                    <a:lstStyle/>
+                    <a:p>
+                      <a:pPr algn="ctr"/>
+                      <a:endParaRPr lang="en-US" sz="1200" dirty="0">
+                        <a:latin typeface="Times New Roman" panose="02020603050405020304" pitchFamily="18" charset="0"/>
+                        <a:cs typeface="Times New Roman" panose="02020603050405020304" pitchFamily="18" charset="0"/>
+                      </a:endParaRPr>
+                    </a:p>
+                  </a:txBody>
+                  <a:tcPr>
+                    <a:solidFill>
+                      <a:schemeClr val="bg1"/>
+                    </a:solidFill>
+                  </a:tcPr>
+                </a:tc>
+                <a:tc>
+                  <a:txBody>
+                    <a:bodyPr/>
+                    <a:lstStyle/>
+                    <a:p>
+                      <a:pPr algn="ctr"/>
+                      <a:endParaRPr lang="en-US" sz="1200" dirty="0">
+                        <a:latin typeface="Times New Roman" panose="02020603050405020304" pitchFamily="18" charset="0"/>
+                        <a:cs typeface="Times New Roman" panose="02020603050405020304" pitchFamily="18" charset="0"/>
+                      </a:endParaRPr>
+                    </a:p>
+                  </a:txBody>
+                  <a:tcPr>
+                    <a:solidFill>
+                      <a:schemeClr val="bg1"/>
+                    </a:solidFill>
+                  </a:tcPr>
+                </a:tc>
+                <a:tc>
+                  <a:txBody>
+                    <a:bodyPr/>
+                    <a:lstStyle/>
+                    <a:p>
+                      <a:pPr algn="ctr"/>
+                      <a:endParaRPr lang="en-US" sz="1200" dirty="0">
+                        <a:latin typeface="Times New Roman" panose="02020603050405020304" pitchFamily="18" charset="0"/>
+                        <a:cs typeface="Times New Roman" panose="02020603050405020304" pitchFamily="18" charset="0"/>
+                      </a:endParaRPr>
+                    </a:p>
+                  </a:txBody>
+                  <a:tcPr>
+                    <a:solidFill>
+                      <a:schemeClr val="bg1"/>
+                    </a:solidFill>
+                  </a:tcPr>
+                </a:tc>
+                <a:tc>
+                  <a:txBody>
+                    <a:bodyPr/>
+                    <a:lstStyle/>
+                    <a:p>
+                      <a:pPr algn="ctr"/>
+                      <a:r>
+                        <a:rPr lang="es-MX" sz="1200" dirty="0">
+                          <a:latin typeface="Times New Roman" panose="02020603050405020304" pitchFamily="18" charset="0"/>
+                          <a:cs typeface="Times New Roman" panose="02020603050405020304" pitchFamily="18" charset="0"/>
+                        </a:rPr>
+                        <a:t>6</a:t>
+                      </a:r>
+                      <a:endParaRPr lang="en-US" sz="1200" dirty="0">
+                        <a:latin typeface="Times New Roman" panose="02020603050405020304" pitchFamily="18" charset="0"/>
+                        <a:cs typeface="Times New Roman" panose="02020603050405020304" pitchFamily="18" charset="0"/>
+                      </a:endParaRPr>
+                    </a:p>
+                  </a:txBody>
+                  <a:tcPr>
+                    <a:solidFill>
+                      <a:schemeClr val="bg1"/>
+                    </a:solidFill>
+                  </a:tcPr>
+                </a:tc>
+                <a:tc>
+                  <a:txBody>
+                    <a:bodyPr/>
+                    <a:lstStyle/>
+                    <a:p>
+                      <a:pPr algn="ctr"/>
+                      <a:r>
+                        <a:rPr lang="es-MX" sz="1200" dirty="0">
+                          <a:latin typeface="Times New Roman" panose="02020603050405020304" pitchFamily="18" charset="0"/>
+                          <a:cs typeface="Times New Roman" panose="02020603050405020304" pitchFamily="18" charset="0"/>
+                        </a:rPr>
+                        <a:t>7</a:t>
+                      </a:r>
+                      <a:endParaRPr lang="en-US" sz="1200" dirty="0">
+                        <a:latin typeface="Times New Roman" panose="02020603050405020304" pitchFamily="18" charset="0"/>
+                        <a:cs typeface="Times New Roman" panose="02020603050405020304" pitchFamily="18" charset="0"/>
+                      </a:endParaRPr>
+                    </a:p>
+                  </a:txBody>
+                  <a:tcPr>
+                    <a:solidFill>
+                      <a:schemeClr val="bg1"/>
+                    </a:solidFill>
+                  </a:tcPr>
+                </a:tc>
+                <a:tc>
+                  <a:txBody>
+                    <a:bodyPr/>
+                    <a:lstStyle/>
+                    <a:p>
+                      <a:pPr algn="ctr"/>
+                      <a:endParaRPr lang="en-US" sz="1200" dirty="0">
+                        <a:latin typeface="Times New Roman" panose="02020603050405020304" pitchFamily="18" charset="0"/>
+                        <a:cs typeface="Times New Roman" panose="02020603050405020304" pitchFamily="18" charset="0"/>
+                      </a:endParaRPr>
+                    </a:p>
+                  </a:txBody>
+                  <a:tcPr>
+                    <a:solidFill>
+                      <a:schemeClr val="bg1"/>
+                    </a:solidFill>
+                  </a:tcPr>
+                </a:tc>
+                <a:tc>
+                  <a:txBody>
+                    <a:bodyPr/>
+                    <a:lstStyle/>
+                    <a:p>
+                      <a:pPr algn="ctr"/>
+                      <a:r>
+                        <a:rPr lang="es-MX" sz="1200" dirty="0">
+                          <a:latin typeface="Times New Roman" panose="02020603050405020304" pitchFamily="18" charset="0"/>
+                          <a:cs typeface="Times New Roman" panose="02020603050405020304" pitchFamily="18" charset="0"/>
+                        </a:rPr>
+                        <a:t>8</a:t>
+                      </a:r>
+                      <a:endParaRPr lang="en-US" sz="1200" dirty="0">
+                        <a:latin typeface="Times New Roman" panose="02020603050405020304" pitchFamily="18" charset="0"/>
+                        <a:cs typeface="Times New Roman" panose="02020603050405020304" pitchFamily="18" charset="0"/>
+                      </a:endParaRPr>
+                    </a:p>
+                  </a:txBody>
+                  <a:tcPr>
+                    <a:solidFill>
+                      <a:schemeClr val="bg2"/>
+                    </a:solidFill>
+                  </a:tcPr>
+                </a:tc>
+                <a:tc>
+                  <a:txBody>
+                    <a:bodyPr/>
+                    <a:lstStyle/>
+                    <a:p>
+                      <a:pPr algn="ctr"/>
+                      <a:r>
+                        <a:rPr lang="es-MX" sz="1200" dirty="0">
+                          <a:latin typeface="Times New Roman" panose="02020603050405020304" pitchFamily="18" charset="0"/>
+                          <a:cs typeface="Times New Roman" panose="02020603050405020304" pitchFamily="18" charset="0"/>
+                        </a:rPr>
+                        <a:t>9</a:t>
+                      </a:r>
+                      <a:endParaRPr lang="en-US" sz="1200" dirty="0">
+                        <a:latin typeface="Times New Roman" panose="02020603050405020304" pitchFamily="18" charset="0"/>
+                        <a:cs typeface="Times New Roman" panose="02020603050405020304" pitchFamily="18" charset="0"/>
+                      </a:endParaRPr>
+                    </a:p>
+                  </a:txBody>
+                  <a:tcPr>
+                    <a:solidFill>
+                      <a:schemeClr val="bg1"/>
+                    </a:solidFill>
+                  </a:tcPr>
+                </a:tc>
+                <a:tc>
+                  <a:txBody>
+                    <a:bodyPr/>
+                    <a:lstStyle/>
+                    <a:p>
+                      <a:pPr algn="ctr"/>
+                      <a:r>
+                        <a:rPr lang="es-MX" sz="1200" dirty="0">
+                          <a:latin typeface="Times New Roman" panose="02020603050405020304" pitchFamily="18" charset="0"/>
+                          <a:cs typeface="Times New Roman" panose="02020603050405020304" pitchFamily="18" charset="0"/>
+                        </a:rPr>
+                        <a:t>10</a:t>
+                      </a:r>
+                      <a:endParaRPr lang="en-US" sz="1200" dirty="0">
+                        <a:latin typeface="Times New Roman" panose="02020603050405020304" pitchFamily="18" charset="0"/>
+                        <a:cs typeface="Times New Roman" panose="02020603050405020304" pitchFamily="18" charset="0"/>
+                      </a:endParaRPr>
+                    </a:p>
+                  </a:txBody>
+                  <a:tcPr>
+                    <a:solidFill>
+                      <a:schemeClr val="bg1"/>
+                    </a:solidFill>
+                  </a:tcPr>
+                </a:tc>
+                <a:tc>
+                  <a:txBody>
+                    <a:bodyPr/>
+                    <a:lstStyle/>
+                    <a:p>
+                      <a:pPr algn="ctr"/>
+                      <a:endParaRPr lang="en-US" sz="1200" dirty="0">
+                        <a:latin typeface="Times New Roman" panose="02020603050405020304" pitchFamily="18" charset="0"/>
+                        <a:cs typeface="Times New Roman" panose="02020603050405020304" pitchFamily="18" charset="0"/>
+                      </a:endParaRPr>
+                    </a:p>
+                  </a:txBody>
+                  <a:tcPr>
+                    <a:solidFill>
+                      <a:schemeClr val="bg1"/>
+                    </a:solidFill>
+                  </a:tcPr>
+                </a:tc>
+                <a:tc>
+                  <a:txBody>
+                    <a:bodyPr/>
+                    <a:lstStyle/>
+                    <a:p>
+                      <a:pPr algn="ctr"/>
+                      <a:endParaRPr lang="en-US" sz="1200" dirty="0">
+                        <a:latin typeface="Times New Roman" panose="02020603050405020304" pitchFamily="18" charset="0"/>
+                        <a:cs typeface="Times New Roman" panose="02020603050405020304" pitchFamily="18" charset="0"/>
+                      </a:endParaRPr>
+                    </a:p>
+                  </a:txBody>
+                  <a:tcPr>
+                    <a:solidFill>
+                      <a:schemeClr val="bg1"/>
+                    </a:solidFill>
+                  </a:tcPr>
+                </a:tc>
+                <a:tc>
+                  <a:txBody>
+                    <a:bodyPr/>
+                    <a:lstStyle/>
+                    <a:p>
+                      <a:pPr algn="ctr"/>
+                      <a:r>
+                        <a:rPr lang="es-MX" sz="1200" dirty="0">
+                          <a:latin typeface="Times New Roman" panose="02020603050405020304" pitchFamily="18" charset="0"/>
+                          <a:cs typeface="Times New Roman" panose="02020603050405020304" pitchFamily="18" charset="0"/>
+                        </a:rPr>
+                        <a:t>11</a:t>
+                      </a:r>
+                      <a:endParaRPr lang="en-US" sz="1200" dirty="0">
+                        <a:latin typeface="Times New Roman" panose="02020603050405020304" pitchFamily="18" charset="0"/>
+                        <a:cs typeface="Times New Roman" panose="02020603050405020304" pitchFamily="18" charset="0"/>
+                      </a:endParaRPr>
+                    </a:p>
+                  </a:txBody>
+                  <a:tcPr>
+                    <a:solidFill>
+                      <a:schemeClr val="bg1"/>
+                    </a:solidFill>
+                  </a:tcPr>
+                </a:tc>
+                <a:tc>
+                  <a:txBody>
+                    <a:bodyPr/>
+                    <a:lstStyle/>
+                    <a:p>
+                      <a:pPr algn="ctr"/>
+                      <a:r>
+                        <a:rPr lang="es-MX" sz="1200" dirty="0">
+                          <a:latin typeface="Times New Roman" panose="02020603050405020304" pitchFamily="18" charset="0"/>
+                          <a:cs typeface="Times New Roman" panose="02020603050405020304" pitchFamily="18" charset="0"/>
+                        </a:rPr>
+                        <a:t>12</a:t>
+                      </a:r>
+                      <a:endParaRPr lang="en-US" sz="1200" dirty="0">
+                        <a:latin typeface="Times New Roman" panose="02020603050405020304" pitchFamily="18" charset="0"/>
+                        <a:cs typeface="Times New Roman" panose="02020603050405020304" pitchFamily="18" charset="0"/>
+                      </a:endParaRPr>
+                    </a:p>
+                  </a:txBody>
+                  <a:tcPr>
+                    <a:solidFill>
+                      <a:schemeClr val="bg1"/>
+                    </a:solidFill>
+                  </a:tcPr>
+                </a:tc>
+                <a:tc>
+                  <a:txBody>
+                    <a:bodyPr/>
+                    <a:lstStyle/>
+                    <a:p>
+                      <a:pPr algn="ctr"/>
+                      <a:r>
+                        <a:rPr lang="es-MX" sz="1200" dirty="0">
+                          <a:latin typeface="Times New Roman" panose="02020603050405020304" pitchFamily="18" charset="0"/>
+                          <a:cs typeface="Times New Roman" panose="02020603050405020304" pitchFamily="18" charset="0"/>
+                        </a:rPr>
+                        <a:t>13</a:t>
+                      </a:r>
+                      <a:endParaRPr lang="en-US" sz="1200" dirty="0">
+                        <a:latin typeface="Times New Roman" panose="02020603050405020304" pitchFamily="18" charset="0"/>
+                        <a:cs typeface="Times New Roman" panose="02020603050405020304" pitchFamily="18" charset="0"/>
+                      </a:endParaRPr>
+                    </a:p>
+                  </a:txBody>
+                  <a:tcPr>
+                    <a:solidFill>
+                      <a:schemeClr val="bg1"/>
+                    </a:solidFill>
+                  </a:tcPr>
+                </a:tc>
+                <a:tc>
+                  <a:txBody>
+                    <a:bodyPr/>
+                    <a:lstStyle/>
+                    <a:p>
+                      <a:pPr algn="ctr"/>
+                      <a:r>
+                        <a:rPr lang="es-MX" sz="1200" dirty="0">
+                          <a:latin typeface="Times New Roman" panose="02020603050405020304" pitchFamily="18" charset="0"/>
+                          <a:cs typeface="Times New Roman" panose="02020603050405020304" pitchFamily="18" charset="0"/>
+                        </a:rPr>
+                        <a:t>14</a:t>
+                      </a:r>
+                      <a:endParaRPr lang="en-US" sz="1200" dirty="0">
+                        <a:latin typeface="Times New Roman" panose="02020603050405020304" pitchFamily="18" charset="0"/>
+                        <a:cs typeface="Times New Roman" panose="02020603050405020304" pitchFamily="18" charset="0"/>
+                      </a:endParaRPr>
+                    </a:p>
+                  </a:txBody>
+                  <a:tcPr>
+                    <a:solidFill>
+                      <a:schemeClr val="bg1"/>
+                    </a:solidFill>
+                  </a:tcPr>
+                </a:tc>
+                <a:tc>
+                  <a:txBody>
+                    <a:bodyPr/>
+                    <a:lstStyle/>
+                    <a:p>
+                      <a:pPr algn="ctr"/>
+                      <a:r>
+                        <a:rPr lang="es-MX" sz="1200" dirty="0">
+                          <a:latin typeface="Times New Roman" panose="02020603050405020304" pitchFamily="18" charset="0"/>
+                          <a:cs typeface="Times New Roman" panose="02020603050405020304" pitchFamily="18" charset="0"/>
+                        </a:rPr>
+                        <a:t>15</a:t>
+                      </a:r>
+                      <a:endParaRPr lang="en-US" sz="1200" dirty="0">
+                        <a:latin typeface="Times New Roman" panose="02020603050405020304" pitchFamily="18" charset="0"/>
+                        <a:cs typeface="Times New Roman" panose="02020603050405020304" pitchFamily="18" charset="0"/>
+                      </a:endParaRPr>
+                    </a:p>
+                  </a:txBody>
+                  <a:tcPr>
+                    <a:solidFill>
+                      <a:schemeClr val="bg1"/>
+                    </a:solidFill>
+                  </a:tcPr>
+                </a:tc>
+                <a:tc>
+                  <a:txBody>
+                    <a:bodyPr/>
+                    <a:lstStyle/>
+                    <a:p>
+                      <a:pPr algn="ctr"/>
+                      <a:r>
+                        <a:rPr lang="es-MX" sz="1200" dirty="0">
+                          <a:latin typeface="Times New Roman" panose="02020603050405020304" pitchFamily="18" charset="0"/>
+                          <a:cs typeface="Times New Roman" panose="02020603050405020304" pitchFamily="18" charset="0"/>
+                        </a:rPr>
+                        <a:t>16</a:t>
+                      </a:r>
+                      <a:endParaRPr lang="en-US" sz="1200" dirty="0">
+                        <a:latin typeface="Times New Roman" panose="02020603050405020304" pitchFamily="18" charset="0"/>
+                        <a:cs typeface="Times New Roman" panose="02020603050405020304" pitchFamily="18" charset="0"/>
+                      </a:endParaRPr>
+                    </a:p>
+                  </a:txBody>
+                  <a:tcPr>
+                    <a:solidFill>
+                      <a:schemeClr val="bg1"/>
+                    </a:solidFill>
+                  </a:tcPr>
+                </a:tc>
+                <a:tc>
+                  <a:txBody>
+                    <a:bodyPr/>
+                    <a:lstStyle/>
+                    <a:p>
+                      <a:pPr algn="ctr"/>
+                      <a:r>
+                        <a:rPr lang="es-MX" sz="1200" dirty="0">
+                          <a:latin typeface="Times New Roman" panose="02020603050405020304" pitchFamily="18" charset="0"/>
+                          <a:cs typeface="Times New Roman" panose="02020603050405020304" pitchFamily="18" charset="0"/>
+                        </a:rPr>
+                        <a:t>17</a:t>
+                      </a:r>
+                      <a:endParaRPr lang="en-US" sz="1200" dirty="0">
+                        <a:latin typeface="Times New Roman" panose="02020603050405020304" pitchFamily="18" charset="0"/>
+                        <a:cs typeface="Times New Roman" panose="02020603050405020304" pitchFamily="18" charset="0"/>
+                      </a:endParaRPr>
+                    </a:p>
+                  </a:txBody>
+                  <a:tcPr>
+                    <a:solidFill>
+                      <a:schemeClr val="bg1"/>
+                    </a:solidFill>
+                  </a:tcPr>
+                </a:tc>
+                <a:tc>
+                  <a:txBody>
+                    <a:bodyPr/>
+                    <a:lstStyle/>
+                    <a:p>
+                      <a:pPr algn="ctr"/>
+                      <a:endParaRPr lang="en-US" sz="1200" dirty="0">
+                        <a:latin typeface="Times New Roman" panose="02020603050405020304" pitchFamily="18" charset="0"/>
+                        <a:cs typeface="Times New Roman" panose="02020603050405020304" pitchFamily="18" charset="0"/>
+                      </a:endParaRPr>
+                    </a:p>
+                  </a:txBody>
+                  <a:tcPr>
+                    <a:solidFill>
+                      <a:schemeClr val="bg1"/>
+                    </a:solidFill>
+                  </a:tcPr>
+                </a:tc>
+                <a:tc>
+                  <a:txBody>
+                    <a:bodyPr/>
+                    <a:lstStyle/>
+                    <a:p>
+                      <a:pPr algn="ctr"/>
+                      <a:endParaRPr lang="en-US" sz="1200" dirty="0">
+                        <a:latin typeface="Times New Roman" panose="02020603050405020304" pitchFamily="18" charset="0"/>
+                        <a:cs typeface="Times New Roman" panose="02020603050405020304" pitchFamily="18" charset="0"/>
+                      </a:endParaRPr>
+                    </a:p>
+                  </a:txBody>
+                  <a:tcPr>
+                    <a:solidFill>
+                      <a:schemeClr val="bg1"/>
+                    </a:solidFill>
+                  </a:tcPr>
+                </a:tc>
+                <a:tc>
+                  <a:txBody>
+                    <a:bodyPr/>
+                    <a:lstStyle/>
+                    <a:p>
+                      <a:pPr algn="ctr"/>
+                      <a:r>
+                        <a:rPr lang="es-MX" sz="1200" dirty="0">
+                          <a:latin typeface="Times New Roman" panose="02020603050405020304" pitchFamily="18" charset="0"/>
+                          <a:cs typeface="Times New Roman" panose="02020603050405020304" pitchFamily="18" charset="0"/>
+                        </a:rPr>
+                        <a:t>18</a:t>
+                      </a:r>
+                      <a:endParaRPr lang="en-US" sz="1200" dirty="0">
+                        <a:latin typeface="Times New Roman" panose="02020603050405020304" pitchFamily="18" charset="0"/>
+                        <a:cs typeface="Times New Roman" panose="02020603050405020304" pitchFamily="18" charset="0"/>
+                      </a:endParaRPr>
+                    </a:p>
+                  </a:txBody>
+                  <a:tcPr>
+                    <a:solidFill>
+                      <a:schemeClr val="bg1"/>
+                    </a:solidFill>
+                  </a:tcPr>
+                </a:tc>
+                <a:tc>
+                  <a:txBody>
+                    <a:bodyPr/>
+                    <a:lstStyle/>
+                    <a:p>
+                      <a:pPr algn="ctr"/>
+                      <a:r>
+                        <a:rPr lang="es-MX" sz="1200" dirty="0">
+                          <a:latin typeface="Times New Roman" panose="02020603050405020304" pitchFamily="18" charset="0"/>
+                          <a:cs typeface="Times New Roman" panose="02020603050405020304" pitchFamily="18" charset="0"/>
+                        </a:rPr>
+                        <a:t>19</a:t>
+                      </a:r>
+                      <a:endParaRPr lang="en-US" sz="1200" dirty="0">
+                        <a:latin typeface="Times New Roman" panose="02020603050405020304" pitchFamily="18" charset="0"/>
+                        <a:cs typeface="Times New Roman" panose="02020603050405020304" pitchFamily="18" charset="0"/>
+                      </a:endParaRPr>
+                    </a:p>
+                  </a:txBody>
+                  <a:tcPr>
+                    <a:solidFill>
+                      <a:schemeClr val="bg1"/>
+                    </a:solidFill>
+                  </a:tcPr>
+                </a:tc>
+                <a:tc>
+                  <a:txBody>
+                    <a:bodyPr/>
+                    <a:lstStyle/>
+                    <a:p>
+                      <a:pPr algn="ctr"/>
+                      <a:endParaRPr lang="en-US" sz="1200" dirty="0">
+                        <a:latin typeface="Times New Roman" panose="02020603050405020304" pitchFamily="18" charset="0"/>
+                        <a:cs typeface="Times New Roman" panose="02020603050405020304" pitchFamily="18" charset="0"/>
+                      </a:endParaRPr>
+                    </a:p>
+                  </a:txBody>
+                  <a:tcPr>
+                    <a:solidFill>
+                      <a:schemeClr val="bg1"/>
+                    </a:solidFill>
+                  </a:tcPr>
+                </a:tc>
+                <a:extLst>
+                  <a:ext uri="{0D108BD9-81ED-4DB2-BD59-A6C34878D82A}">
+                    <a16:rowId xmlns:a16="http://schemas.microsoft.com/office/drawing/2014/main" val="3116946519"/>
+                  </a:ext>
+                </a:extLst>
+              </a:tr>
+              <a:tr h="357273">
+                <a:tc>
+                  <a:txBody>
+                    <a:bodyPr/>
+                    <a:lstStyle/>
+                    <a:p>
+                      <a:pPr algn="ctr"/>
+                      <a:r>
+                        <a:rPr lang="es-MX" sz="900" b="1" dirty="0">
+                          <a:latin typeface="Times New Roman" panose="02020603050405020304" pitchFamily="18" charset="0"/>
+                          <a:cs typeface="Times New Roman" panose="02020603050405020304" pitchFamily="18" charset="0"/>
+                        </a:rPr>
+                        <a:t>PRIMERA</a:t>
+                      </a:r>
+                      <a:br>
+                        <a:rPr lang="es-MX" sz="900" b="1" dirty="0">
+                          <a:latin typeface="Times New Roman" panose="02020603050405020304" pitchFamily="18" charset="0"/>
+                          <a:cs typeface="Times New Roman" panose="02020603050405020304" pitchFamily="18" charset="0"/>
+                        </a:rPr>
+                      </a:br>
+                      <a:r>
+                        <a:rPr lang="es-MX" sz="900" b="1" dirty="0">
+                          <a:latin typeface="Times New Roman" panose="02020603050405020304" pitchFamily="18" charset="0"/>
+                          <a:cs typeface="Times New Roman" panose="02020603050405020304" pitchFamily="18" charset="0"/>
+                        </a:rPr>
+                        <a:t>SECUENCIA</a:t>
+                      </a:r>
+                      <a:endParaRPr lang="en-US" sz="900" b="1" dirty="0">
+                        <a:latin typeface="Times New Roman" panose="02020603050405020304" pitchFamily="18" charset="0"/>
+                        <a:cs typeface="Times New Roman" panose="02020603050405020304" pitchFamily="18" charset="0"/>
+                      </a:endParaRPr>
+                    </a:p>
+                  </a:txBody>
+                  <a:tcPr>
+                    <a:solidFill>
+                      <a:schemeClr val="bg2"/>
+                    </a:solidFill>
+                  </a:tcPr>
+                </a:tc>
+                <a:tc>
+                  <a:txBody>
+                    <a:bodyPr/>
+                    <a:lstStyle/>
+                    <a:p>
+                      <a:pPr algn="ctr"/>
+                      <a:r>
                         <a:rPr lang="es-MX" sz="1200" dirty="0">
                           <a:latin typeface="Times New Roman" panose="02020603050405020304" pitchFamily="18" charset="0"/>
                           <a:cs typeface="Times New Roman" panose="02020603050405020304" pitchFamily="18" charset="0"/>
@@ -10195,7 +8748,10 @@
                   </a:txBody>
                   <a:tcPr>
                     <a:solidFill>
-                      <a:schemeClr val="bg2"/>
+                      <a:schemeClr val="accent5">
+                        <a:lumMod val="40000"/>
+                        <a:lumOff val="60000"/>
+                      </a:schemeClr>
                     </a:solidFill>
                   </a:tcPr>
                 </a:tc>
@@ -10220,7 +8776,10 @@
                   </a:txBody>
                   <a:tcPr>
                     <a:solidFill>
-                      <a:schemeClr val="bg2"/>
+                      <a:schemeClr val="accent5">
+                        <a:lumMod val="40000"/>
+                        <a:lumOff val="60000"/>
+                      </a:schemeClr>
                     </a:solidFill>
                   </a:tcPr>
                 </a:tc>
@@ -10245,7 +8804,10 @@
                   </a:txBody>
                   <a:tcPr>
                     <a:solidFill>
-                      <a:schemeClr val="bg2"/>
+                      <a:schemeClr val="accent5">
+                        <a:lumMod val="40000"/>
+                        <a:lumOff val="60000"/>
+                      </a:schemeClr>
                     </a:solidFill>
                   </a:tcPr>
                 </a:tc>
@@ -10270,7 +8832,10 @@
                   </a:txBody>
                   <a:tcPr>
                     <a:solidFill>
-                      <a:schemeClr val="bg2"/>
+                      <a:schemeClr val="accent5">
+                        <a:lumMod val="40000"/>
+                        <a:lumOff val="60000"/>
+                      </a:schemeClr>
                     </a:solidFill>
                   </a:tcPr>
                 </a:tc>
@@ -10295,7 +8860,10 @@
                   </a:txBody>
                   <a:tcPr>
                     <a:solidFill>
-                      <a:schemeClr val="bg2"/>
+                      <a:schemeClr val="accent5">
+                        <a:lumMod val="40000"/>
+                        <a:lumOff val="60000"/>
+                      </a:schemeClr>
                     </a:solidFill>
                   </a:tcPr>
                 </a:tc>
@@ -10320,7 +8888,10 @@
                   </a:txBody>
                   <a:tcPr>
                     <a:solidFill>
-                      <a:schemeClr val="bg2"/>
+                      <a:schemeClr val="accent5">
+                        <a:lumMod val="40000"/>
+                        <a:lumOff val="60000"/>
+                      </a:schemeClr>
                     </a:solidFill>
                   </a:tcPr>
                 </a:tc>
@@ -10345,7 +8916,10 @@
                   </a:txBody>
                   <a:tcPr>
                     <a:solidFill>
-                      <a:schemeClr val="bg2"/>
+                      <a:schemeClr val="accent5">
+                        <a:lumMod val="40000"/>
+                        <a:lumOff val="60000"/>
+                      </a:schemeClr>
                     </a:solidFill>
                   </a:tcPr>
                 </a:tc>
@@ -10370,7 +8944,10 @@
                   </a:txBody>
                   <a:tcPr>
                     <a:solidFill>
-                      <a:schemeClr val="bg2"/>
+                      <a:schemeClr val="accent5">
+                        <a:lumMod val="40000"/>
+                        <a:lumOff val="60000"/>
+                      </a:schemeClr>
                     </a:solidFill>
                   </a:tcPr>
                 </a:tc>
@@ -10395,7 +8972,10 @@
                   </a:txBody>
                   <a:tcPr>
                     <a:solidFill>
-                      <a:schemeClr val="bg2"/>
+                      <a:schemeClr val="accent5">
+                        <a:lumMod val="40000"/>
+                        <a:lumOff val="60000"/>
+                      </a:schemeClr>
                     </a:solidFill>
                   </a:tcPr>
                 </a:tc>
@@ -10420,7 +9000,10 @@
                   </a:txBody>
                   <a:tcPr>
                     <a:solidFill>
-                      <a:schemeClr val="bg2"/>
+                      <a:schemeClr val="accent5">
+                        <a:lumMod val="40000"/>
+                        <a:lumOff val="60000"/>
+                      </a:schemeClr>
                     </a:solidFill>
                   </a:tcPr>
                 </a:tc>
@@ -10445,7 +9028,10 @@
                   </a:txBody>
                   <a:tcPr>
                     <a:solidFill>
-                      <a:schemeClr val="bg2"/>
+                      <a:schemeClr val="accent5">
+                        <a:lumMod val="40000"/>
+                        <a:lumOff val="60000"/>
+                      </a:schemeClr>
                     </a:solidFill>
                   </a:tcPr>
                 </a:tc>
@@ -10470,7 +9056,10 @@
                   </a:txBody>
                   <a:tcPr>
                     <a:solidFill>
-                      <a:schemeClr val="bg2"/>
+                      <a:schemeClr val="accent5">
+                        <a:lumMod val="40000"/>
+                        <a:lumOff val="60000"/>
+                      </a:schemeClr>
                     </a:solidFill>
                   </a:tcPr>
                 </a:tc>
@@ -10495,7 +9084,10 @@
                   </a:txBody>
                   <a:tcPr>
                     <a:solidFill>
-                      <a:schemeClr val="bg2"/>
+                      <a:schemeClr val="accent5">
+                        <a:lumMod val="20000"/>
+                        <a:lumOff val="80000"/>
+                      </a:schemeClr>
                     </a:solidFill>
                   </a:tcPr>
                 </a:tc>
@@ -10520,7 +9112,10 @@
                   </a:txBody>
                   <a:tcPr>
                     <a:solidFill>
-                      <a:schemeClr val="bg2"/>
+                      <a:schemeClr val="accent5">
+                        <a:lumMod val="20000"/>
+                        <a:lumOff val="80000"/>
+                      </a:schemeClr>
                     </a:solidFill>
                   </a:tcPr>
                 </a:tc>
@@ -10545,7 +9140,10 @@
                   </a:txBody>
                   <a:tcPr>
                     <a:solidFill>
-                      <a:schemeClr val="bg2"/>
+                      <a:schemeClr val="accent5">
+                        <a:lumMod val="20000"/>
+                        <a:lumOff val="80000"/>
+                      </a:schemeClr>
                     </a:solidFill>
                   </a:tcPr>
                 </a:tc>
@@ -10570,7 +9168,10 @@
                   </a:txBody>
                   <a:tcPr>
                     <a:solidFill>
-                      <a:schemeClr val="bg2"/>
+                      <a:schemeClr val="accent5">
+                        <a:lumMod val="20000"/>
+                        <a:lumOff val="80000"/>
+                      </a:schemeClr>
                     </a:solidFill>
                   </a:tcPr>
                 </a:tc>
@@ -10595,7 +9196,10 @@
                   </a:txBody>
                   <a:tcPr>
                     <a:solidFill>
-                      <a:schemeClr val="bg2"/>
+                      <a:schemeClr val="accent5">
+                        <a:lumMod val="20000"/>
+                        <a:lumOff val="80000"/>
+                      </a:schemeClr>
                     </a:solidFill>
                   </a:tcPr>
                 </a:tc>
@@ -10620,7 +9224,10 @@
                   </a:txBody>
                   <a:tcPr>
                     <a:solidFill>
-                      <a:schemeClr val="bg2"/>
+                      <a:schemeClr val="accent5">
+                        <a:lumMod val="20000"/>
+                        <a:lumOff val="80000"/>
+                      </a:schemeClr>
                     </a:solidFill>
                   </a:tcPr>
                 </a:tc>
@@ -10645,7 +9252,10 @@
                   </a:txBody>
                   <a:tcPr>
                     <a:solidFill>
-                      <a:schemeClr val="bg2"/>
+                      <a:schemeClr val="accent5">
+                        <a:lumMod val="20000"/>
+                        <a:lumOff val="80000"/>
+                      </a:schemeClr>
                     </a:solidFill>
                   </a:tcPr>
                 </a:tc>
@@ -10670,7 +9280,10 @@
                   </a:txBody>
                   <a:tcPr>
                     <a:solidFill>
-                      <a:schemeClr val="bg2"/>
+                      <a:schemeClr val="accent5">
+                        <a:lumMod val="20000"/>
+                        <a:lumOff val="80000"/>
+                      </a:schemeClr>
                     </a:solidFill>
                   </a:tcPr>
                 </a:tc>
@@ -10695,7 +9308,10 @@
                   </a:txBody>
                   <a:tcPr>
                     <a:solidFill>
-                      <a:schemeClr val="bg2"/>
+                      <a:schemeClr val="accent5">
+                        <a:lumMod val="20000"/>
+                        <a:lumOff val="80000"/>
+                      </a:schemeClr>
                     </a:solidFill>
                   </a:tcPr>
                 </a:tc>
@@ -10720,7 +9336,10 @@
                   </a:txBody>
                   <a:tcPr>
                     <a:solidFill>
-                      <a:schemeClr val="bg2"/>
+                      <a:schemeClr val="accent5">
+                        <a:lumMod val="20000"/>
+                        <a:lumOff val="80000"/>
+                      </a:schemeClr>
                     </a:solidFill>
                   </a:tcPr>
                 </a:tc>
@@ -10745,7 +9364,10 @@
                   </a:txBody>
                   <a:tcPr>
                     <a:solidFill>
-                      <a:schemeClr val="bg2"/>
+                      <a:schemeClr val="accent5">
+                        <a:lumMod val="20000"/>
+                        <a:lumOff val="80000"/>
+                      </a:schemeClr>
                     </a:solidFill>
                   </a:tcPr>
                 </a:tc>
@@ -10770,7 +9392,10 @@
                   </a:txBody>
                   <a:tcPr>
                     <a:solidFill>
-                      <a:schemeClr val="bg2"/>
+                      <a:schemeClr val="accent5">
+                        <a:lumMod val="20000"/>
+                        <a:lumOff val="80000"/>
+                      </a:schemeClr>
                     </a:solidFill>
                   </a:tcPr>
                 </a:tc>
@@ -10795,7 +9420,10 @@
                   </a:txBody>
                   <a:tcPr>
                     <a:solidFill>
-                      <a:schemeClr val="bg2"/>
+                      <a:schemeClr val="accent5">
+                        <a:lumMod val="20000"/>
+                        <a:lumOff val="80000"/>
+                      </a:schemeClr>
                     </a:solidFill>
                   </a:tcPr>
                 </a:tc>
@@ -10820,7 +9448,10 @@
                   </a:txBody>
                   <a:tcPr>
                     <a:solidFill>
-                      <a:schemeClr val="bg2"/>
+                      <a:schemeClr val="accent5">
+                        <a:lumMod val="20000"/>
+                        <a:lumOff val="80000"/>
+                      </a:schemeClr>
                     </a:solidFill>
                   </a:tcPr>
                 </a:tc>
@@ -10845,43 +9476,31 @@
                   </a:txBody>
                   <a:tcPr>
                     <a:solidFill>
-                      <a:schemeClr val="bg2"/>
-                    </a:solidFill>
-                  </a:tcPr>
-                </a:tc>
-                <a:tc>
-                  <a:txBody>
-                    <a:bodyPr/>
-                    <a:lstStyle/>
-                    <a:p>
-                      <a:pPr algn="ctr"/>
-                      <a:endParaRPr lang="en-US" sz="1200" dirty="0">
-                        <a:latin typeface="Times New Roman" panose="02020603050405020304" pitchFamily="18" charset="0"/>
-                        <a:cs typeface="Times New Roman" panose="02020603050405020304" pitchFamily="18" charset="0"/>
-                      </a:endParaRPr>
-                    </a:p>
-                  </a:txBody>
-                  <a:tcPr>
-                    <a:solidFill>
-                      <a:schemeClr val="bg2"/>
-                    </a:solidFill>
-                  </a:tcPr>
-                </a:tc>
-                <a:tc>
-                  <a:txBody>
-                    <a:bodyPr/>
-                    <a:lstStyle/>
-                    <a:p>
-                      <a:pPr algn="ctr"/>
-                      <a:endParaRPr lang="en-US" sz="1200" dirty="0">
-                        <a:latin typeface="Times New Roman" panose="02020603050405020304" pitchFamily="18" charset="0"/>
-                        <a:cs typeface="Times New Roman" panose="02020603050405020304" pitchFamily="18" charset="0"/>
-                      </a:endParaRPr>
-                    </a:p>
-                  </a:txBody>
-                  <a:tcPr>
-                    <a:solidFill>
-                      <a:schemeClr val="bg2"/>
+                      <a:schemeClr val="accent5">
+                        <a:lumMod val="20000"/>
+                        <a:lumOff val="80000"/>
+                      </a:schemeClr>
+                    </a:solidFill>
+                  </a:tcPr>
+                </a:tc>
+                <a:tc>
+                  <a:txBody>
+                    <a:bodyPr/>
+                    <a:lstStyle/>
+                    <a:p>
+                      <a:pPr algn="ctr"/>
+                      <a:endParaRPr lang="en-US" sz="1200" dirty="0">
+                        <a:latin typeface="Times New Roman" panose="02020603050405020304" pitchFamily="18" charset="0"/>
+                        <a:cs typeface="Times New Roman" panose="02020603050405020304" pitchFamily="18" charset="0"/>
+                      </a:endParaRPr>
+                    </a:p>
+                  </a:txBody>
+                  <a:tcPr>
+                    <a:solidFill>
+                      <a:schemeClr val="accent5">
+                        <a:lumMod val="20000"/>
+                        <a:lumOff val="80000"/>
+                      </a:schemeClr>
                     </a:solidFill>
                   </a:tcPr>
                 </a:tc>
@@ -10899,6 +9518,44 @@
                     <a:p>
                       <a:pPr algn="ctr"/>
                       <a:r>
+                        <a:rPr lang="es-MX" sz="900" b="1" dirty="0">
+                          <a:latin typeface="Times New Roman" panose="02020603050405020304" pitchFamily="18" charset="0"/>
+                          <a:cs typeface="Times New Roman" panose="02020603050405020304" pitchFamily="18" charset="0"/>
+                        </a:rPr>
+                        <a:t>SEGUNDA</a:t>
+                      </a:r>
+                      <a:br>
+                        <a:rPr lang="es-MX" sz="900" b="1" dirty="0">
+                          <a:latin typeface="Times New Roman" panose="02020603050405020304" pitchFamily="18" charset="0"/>
+                          <a:cs typeface="Times New Roman" panose="02020603050405020304" pitchFamily="18" charset="0"/>
+                        </a:rPr>
+                      </a:br>
+                      <a:r>
+                        <a:rPr lang="es-MX" sz="900" b="1" dirty="0">
+                          <a:latin typeface="Times New Roman" panose="02020603050405020304" pitchFamily="18" charset="0"/>
+                          <a:cs typeface="Times New Roman" panose="02020603050405020304" pitchFamily="18" charset="0"/>
+                        </a:rPr>
+                        <a:t>SECUENCIA</a:t>
+                      </a:r>
+                      <a:endParaRPr lang="en-US" sz="900" b="1" dirty="0">
+                        <a:latin typeface="Times New Roman" panose="02020603050405020304" pitchFamily="18" charset="0"/>
+                        <a:cs typeface="Times New Roman" panose="02020603050405020304" pitchFamily="18" charset="0"/>
+                      </a:endParaRPr>
+                    </a:p>
+                  </a:txBody>
+                  <a:tcPr>
+                    <a:solidFill>
+                      <a:schemeClr val="bg2"/>
+                    </a:solidFill>
+                  </a:tcPr>
+                </a:tc>
+                <a:tc>
+                  <a:txBody>
+                    <a:bodyPr/>
+                    <a:lstStyle/>
+                    <a:p>
+                      <a:pPr algn="ctr"/>
+                      <a:r>
                         <a:rPr lang="es-419" sz="1200" dirty="0">
                           <a:latin typeface="Times New Roman" panose="02020603050405020304" pitchFamily="18" charset="0"/>
                           <a:cs typeface="Times New Roman" panose="02020603050405020304" pitchFamily="18" charset="0"/>
@@ -10913,7 +9570,10 @@
                   </a:txBody>
                   <a:tcPr>
                     <a:solidFill>
-                      <a:schemeClr val="bg2"/>
+                      <a:schemeClr val="accent2">
+                        <a:lumMod val="20000"/>
+                        <a:lumOff val="80000"/>
+                      </a:schemeClr>
                     </a:solidFill>
                   </a:tcPr>
                 </a:tc>
@@ -10938,7 +9598,10 @@
                   </a:txBody>
                   <a:tcPr>
                     <a:solidFill>
-                      <a:schemeClr val="bg2"/>
+                      <a:schemeClr val="accent2">
+                        <a:lumMod val="20000"/>
+                        <a:lumOff val="80000"/>
+                      </a:schemeClr>
                     </a:solidFill>
                   </a:tcPr>
                 </a:tc>
@@ -10963,7 +9626,10 @@
                   </a:txBody>
                   <a:tcPr>
                     <a:solidFill>
-                      <a:schemeClr val="bg2"/>
+                      <a:schemeClr val="accent2">
+                        <a:lumMod val="20000"/>
+                        <a:lumOff val="80000"/>
+                      </a:schemeClr>
                     </a:solidFill>
                   </a:tcPr>
                 </a:tc>
@@ -10988,7 +9654,10 @@
                   </a:txBody>
                   <a:tcPr>
                     <a:solidFill>
-                      <a:schemeClr val="bg2"/>
+                      <a:schemeClr val="accent2">
+                        <a:lumMod val="20000"/>
+                        <a:lumOff val="80000"/>
+                      </a:schemeClr>
                     </a:solidFill>
                   </a:tcPr>
                 </a:tc>
@@ -11013,7 +9682,10 @@
                   </a:txBody>
                   <a:tcPr>
                     <a:solidFill>
-                      <a:schemeClr val="bg2"/>
+                      <a:schemeClr val="accent2">
+                        <a:lumMod val="20000"/>
+                        <a:lumOff val="80000"/>
+                      </a:schemeClr>
                     </a:solidFill>
                   </a:tcPr>
                 </a:tc>
@@ -11038,7 +9710,10 @@
                   </a:txBody>
                   <a:tcPr>
                     <a:solidFill>
-                      <a:schemeClr val="bg2"/>
+                      <a:schemeClr val="accent2">
+                        <a:lumMod val="20000"/>
+                        <a:lumOff val="80000"/>
+                      </a:schemeClr>
                     </a:solidFill>
                   </a:tcPr>
                 </a:tc>
@@ -11063,7 +9738,10 @@
                   </a:txBody>
                   <a:tcPr>
                     <a:solidFill>
-                      <a:schemeClr val="bg2"/>
+                      <a:schemeClr val="accent2">
+                        <a:lumMod val="20000"/>
+                        <a:lumOff val="80000"/>
+                      </a:schemeClr>
                     </a:solidFill>
                   </a:tcPr>
                 </a:tc>
@@ -11088,7 +9766,10 @@
                   </a:txBody>
                   <a:tcPr>
                     <a:solidFill>
-                      <a:schemeClr val="bg2"/>
+                      <a:schemeClr val="accent2">
+                        <a:lumMod val="20000"/>
+                        <a:lumOff val="80000"/>
+                      </a:schemeClr>
                     </a:solidFill>
                   </a:tcPr>
                 </a:tc>
@@ -11113,7 +9794,10 @@
                   </a:txBody>
                   <a:tcPr>
                     <a:solidFill>
-                      <a:schemeClr val="bg2"/>
+                      <a:schemeClr val="accent2">
+                        <a:lumMod val="20000"/>
+                        <a:lumOff val="80000"/>
+                      </a:schemeClr>
                     </a:solidFill>
                   </a:tcPr>
                 </a:tc>
@@ -11138,7 +9822,10 @@
                   </a:txBody>
                   <a:tcPr>
                     <a:solidFill>
-                      <a:schemeClr val="bg2"/>
+                      <a:schemeClr val="accent2">
+                        <a:lumMod val="20000"/>
+                        <a:lumOff val="80000"/>
+                      </a:schemeClr>
                     </a:solidFill>
                   </a:tcPr>
                 </a:tc>
@@ -11163,7 +9850,10 @@
                   </a:txBody>
                   <a:tcPr>
                     <a:solidFill>
-                      <a:schemeClr val="bg2"/>
+                      <a:schemeClr val="accent2">
+                        <a:lumMod val="20000"/>
+                        <a:lumOff val="80000"/>
+                      </a:schemeClr>
                     </a:solidFill>
                   </a:tcPr>
                 </a:tc>
@@ -11188,7 +9878,10 @@
                   </a:txBody>
                   <a:tcPr>
                     <a:solidFill>
-                      <a:schemeClr val="bg2"/>
+                      <a:schemeClr val="accent2">
+                        <a:lumMod val="20000"/>
+                        <a:lumOff val="80000"/>
+                      </a:schemeClr>
                     </a:solidFill>
                   </a:tcPr>
                 </a:tc>
@@ -11213,7 +9906,10 @@
                   </a:txBody>
                   <a:tcPr>
                     <a:solidFill>
-                      <a:schemeClr val="bg2"/>
+                      <a:schemeClr val="accent2">
+                        <a:lumMod val="20000"/>
+                        <a:lumOff val="80000"/>
+                      </a:schemeClr>
                     </a:solidFill>
                   </a:tcPr>
                 </a:tc>
@@ -11238,7 +9934,10 @@
                   </a:txBody>
                   <a:tcPr>
                     <a:solidFill>
-                      <a:schemeClr val="bg2"/>
+                      <a:schemeClr val="accent2">
+                        <a:lumMod val="20000"/>
+                        <a:lumOff val="80000"/>
+                      </a:schemeClr>
                     </a:solidFill>
                   </a:tcPr>
                 </a:tc>
@@ -11263,7 +9962,10 @@
                   </a:txBody>
                   <a:tcPr>
                     <a:solidFill>
-                      <a:schemeClr val="bg2"/>
+                      <a:schemeClr val="accent2">
+                        <a:lumMod val="20000"/>
+                        <a:lumOff val="80000"/>
+                      </a:schemeClr>
                     </a:solidFill>
                   </a:tcPr>
                 </a:tc>
@@ -11288,7 +9990,10 @@
                   </a:txBody>
                   <a:tcPr>
                     <a:solidFill>
-                      <a:schemeClr val="bg2"/>
+                      <a:schemeClr val="accent2">
+                        <a:lumMod val="20000"/>
+                        <a:lumOff val="80000"/>
+                      </a:schemeClr>
                     </a:solidFill>
                   </a:tcPr>
                 </a:tc>
@@ -11313,7 +10018,10 @@
                   </a:txBody>
                   <a:tcPr>
                     <a:solidFill>
-                      <a:schemeClr val="bg2"/>
+                      <a:schemeClr val="accent2">
+                        <a:lumMod val="40000"/>
+                        <a:lumOff val="60000"/>
+                      </a:schemeClr>
                     </a:solidFill>
                   </a:tcPr>
                 </a:tc>
@@ -11338,7 +10046,10 @@
                   </a:txBody>
                   <a:tcPr>
                     <a:solidFill>
-                      <a:schemeClr val="bg2"/>
+                      <a:schemeClr val="accent2">
+                        <a:lumMod val="40000"/>
+                        <a:lumOff val="60000"/>
+                      </a:schemeClr>
                     </a:solidFill>
                   </a:tcPr>
                 </a:tc>
@@ -11363,7 +10074,10 @@
                   </a:txBody>
                   <a:tcPr>
                     <a:solidFill>
-                      <a:schemeClr val="bg2"/>
+                      <a:schemeClr val="accent2">
+                        <a:lumMod val="40000"/>
+                        <a:lumOff val="60000"/>
+                      </a:schemeClr>
                     </a:solidFill>
                   </a:tcPr>
                 </a:tc>
@@ -11388,7 +10102,10 @@
                   </a:txBody>
                   <a:tcPr>
                     <a:solidFill>
-                      <a:schemeClr val="bg2"/>
+                      <a:schemeClr val="accent2">
+                        <a:lumMod val="40000"/>
+                        <a:lumOff val="60000"/>
+                      </a:schemeClr>
                     </a:solidFill>
                   </a:tcPr>
                 </a:tc>
@@ -11413,7 +10130,10 @@
                   </a:txBody>
                   <a:tcPr>
                     <a:solidFill>
-                      <a:schemeClr val="bg2"/>
+                      <a:schemeClr val="accent2">
+                        <a:lumMod val="40000"/>
+                        <a:lumOff val="60000"/>
+                      </a:schemeClr>
                     </a:solidFill>
                   </a:tcPr>
                 </a:tc>
@@ -11438,7 +10158,10 @@
                   </a:txBody>
                   <a:tcPr>
                     <a:solidFill>
-                      <a:schemeClr val="bg2"/>
+                      <a:schemeClr val="accent2">
+                        <a:lumMod val="40000"/>
+                        <a:lumOff val="60000"/>
+                      </a:schemeClr>
                     </a:solidFill>
                   </a:tcPr>
                 </a:tc>
@@ -11463,7 +10186,10 @@
                   </a:txBody>
                   <a:tcPr>
                     <a:solidFill>
-                      <a:schemeClr val="bg2"/>
+                      <a:schemeClr val="accent2">
+                        <a:lumMod val="40000"/>
+                        <a:lumOff val="60000"/>
+                      </a:schemeClr>
                     </a:solidFill>
                   </a:tcPr>
                 </a:tc>
@@ -11488,7 +10214,10 @@
                   </a:txBody>
                   <a:tcPr>
                     <a:solidFill>
-                      <a:schemeClr val="bg2"/>
+                      <a:schemeClr val="accent2">
+                        <a:lumMod val="40000"/>
+                        <a:lumOff val="60000"/>
+                      </a:schemeClr>
                     </a:solidFill>
                   </a:tcPr>
                 </a:tc>
@@ -11513,7 +10242,10 @@
                   </a:txBody>
                   <a:tcPr>
                     <a:solidFill>
-                      <a:schemeClr val="bg2"/>
+                      <a:schemeClr val="accent2">
+                        <a:lumMod val="40000"/>
+                        <a:lumOff val="60000"/>
+                      </a:schemeClr>
                     </a:solidFill>
                   </a:tcPr>
                 </a:tc>
@@ -11538,7 +10270,10 @@
                   </a:txBody>
                   <a:tcPr>
                     <a:solidFill>
-                      <a:schemeClr val="bg2"/>
+                      <a:schemeClr val="accent2">
+                        <a:lumMod val="40000"/>
+                        <a:lumOff val="60000"/>
+                      </a:schemeClr>
                     </a:solidFill>
                   </a:tcPr>
                 </a:tc>
@@ -11563,7 +10298,10 @@
                   </a:txBody>
                   <a:tcPr>
                     <a:solidFill>
-                      <a:schemeClr val="bg2"/>
+                      <a:schemeClr val="accent2">
+                        <a:lumMod val="40000"/>
+                        <a:lumOff val="60000"/>
+                      </a:schemeClr>
                     </a:solidFill>
                   </a:tcPr>
                 </a:tc>
@@ -11588,38 +10326,685 @@
                   </a:txBody>
                   <a:tcPr>
                     <a:solidFill>
-                      <a:schemeClr val="bg2"/>
-                    </a:solidFill>
-                  </a:tcPr>
-                </a:tc>
-                <a:tc>
-                  <a:txBody>
-                    <a:bodyPr/>
-                    <a:lstStyle/>
-                    <a:p>
-                      <a:pPr algn="ctr"/>
-                      <a:r>
-                        <a:rPr lang="es-419" sz="1200" dirty="0">
-                          <a:latin typeface="Times New Roman" panose="02020603050405020304" pitchFamily="18" charset="0"/>
-                          <a:cs typeface="Times New Roman" panose="02020603050405020304" pitchFamily="18" charset="0"/>
-                        </a:rPr>
-                        <a:t>C</a:t>
-                      </a:r>
-                      <a:endParaRPr lang="en-US" sz="1200" dirty="0">
-                        <a:latin typeface="Times New Roman" panose="02020603050405020304" pitchFamily="18" charset="0"/>
-                        <a:cs typeface="Times New Roman" panose="02020603050405020304" pitchFamily="18" charset="0"/>
-                      </a:endParaRPr>
-                    </a:p>
-                  </a:txBody>
-                  <a:tcPr>
-                    <a:solidFill>
-                      <a:schemeClr val="bg2"/>
+                      <a:schemeClr val="accent2">
+                        <a:lumMod val="40000"/>
+                        <a:lumOff val="60000"/>
+                      </a:schemeClr>
                     </a:solidFill>
                   </a:tcPr>
                 </a:tc>
                 <a:extLst>
                   <a:ext uri="{0D108BD9-81ED-4DB2-BD59-A6C34878D82A}">
                     <a16:rowId xmlns:a16="http://schemas.microsoft.com/office/drawing/2014/main" val="2359312844"/>
+                  </a:ext>
+                </a:extLst>
+              </a:tr>
+              <a:tr h="357273">
+                <a:tc>
+                  <a:txBody>
+                    <a:bodyPr/>
+                    <a:lstStyle/>
+                    <a:p>
+                      <a:pPr algn="ctr"/>
+                      <a:r>
+                        <a:rPr lang="es-MX" sz="900" b="1" dirty="0">
+                          <a:latin typeface="Times New Roman" panose="02020603050405020304" pitchFamily="18" charset="0"/>
+                          <a:cs typeface="Times New Roman" panose="02020603050405020304" pitchFamily="18" charset="0"/>
+                        </a:rPr>
+                        <a:t>CP INDICES</a:t>
+                      </a:r>
+                      <a:endParaRPr lang="en-US" sz="900" b="1" dirty="0">
+                        <a:latin typeface="Times New Roman" panose="02020603050405020304" pitchFamily="18" charset="0"/>
+                        <a:cs typeface="Times New Roman" panose="02020603050405020304" pitchFamily="18" charset="0"/>
+                      </a:endParaRPr>
+                    </a:p>
+                  </a:txBody>
+                  <a:tcPr>
+                    <a:solidFill>
+                      <a:schemeClr val="bg2"/>
+                    </a:solidFill>
+                  </a:tcPr>
+                </a:tc>
+                <a:tc>
+                  <a:txBody>
+                    <a:bodyPr/>
+                    <a:lstStyle/>
+                    <a:p>
+                      <a:pPr algn="ctr"/>
+                      <a:r>
+                        <a:rPr lang="es-MX" sz="1200" dirty="0">
+                          <a:latin typeface="Times New Roman" panose="02020603050405020304" pitchFamily="18" charset="0"/>
+                          <a:cs typeface="Times New Roman" panose="02020603050405020304" pitchFamily="18" charset="0"/>
+                        </a:rPr>
+                        <a:t>19</a:t>
+                      </a:r>
+                      <a:endParaRPr lang="en-US" sz="1200" dirty="0">
+                        <a:latin typeface="Times New Roman" panose="02020603050405020304" pitchFamily="18" charset="0"/>
+                        <a:cs typeface="Times New Roman" panose="02020603050405020304" pitchFamily="18" charset="0"/>
+                      </a:endParaRPr>
+                    </a:p>
+                  </a:txBody>
+                  <a:tcPr>
+                    <a:solidFill>
+                      <a:schemeClr val="bg1"/>
+                    </a:solidFill>
+                  </a:tcPr>
+                </a:tc>
+                <a:tc>
+                  <a:txBody>
+                    <a:bodyPr/>
+                    <a:lstStyle/>
+                    <a:p>
+                      <a:pPr algn="ctr"/>
+                      <a:r>
+                        <a:rPr lang="es-MX" sz="1200" dirty="0">
+                          <a:latin typeface="Times New Roman" panose="02020603050405020304" pitchFamily="18" charset="0"/>
+                          <a:cs typeface="Times New Roman" panose="02020603050405020304" pitchFamily="18" charset="0"/>
+                        </a:rPr>
+                        <a:t>18</a:t>
+                      </a:r>
+                      <a:endParaRPr lang="en-US" sz="1200" dirty="0">
+                        <a:latin typeface="Times New Roman" panose="02020603050405020304" pitchFamily="18" charset="0"/>
+                        <a:cs typeface="Times New Roman" panose="02020603050405020304" pitchFamily="18" charset="0"/>
+                      </a:endParaRPr>
+                    </a:p>
+                  </a:txBody>
+                  <a:tcPr>
+                    <a:solidFill>
+                      <a:schemeClr val="bg1"/>
+                    </a:solidFill>
+                  </a:tcPr>
+                </a:tc>
+                <a:tc>
+                  <a:txBody>
+                    <a:bodyPr/>
+                    <a:lstStyle/>
+                    <a:p>
+                      <a:pPr algn="ctr"/>
+                      <a:r>
+                        <a:rPr lang="es-MX" sz="1200" dirty="0">
+                          <a:latin typeface="Times New Roman" panose="02020603050405020304" pitchFamily="18" charset="0"/>
+                          <a:cs typeface="Times New Roman" panose="02020603050405020304" pitchFamily="18" charset="0"/>
+                        </a:rPr>
+                        <a:t>17</a:t>
+                      </a:r>
+                      <a:endParaRPr lang="en-US" sz="1200" dirty="0">
+                        <a:latin typeface="Times New Roman" panose="02020603050405020304" pitchFamily="18" charset="0"/>
+                        <a:cs typeface="Times New Roman" panose="02020603050405020304" pitchFamily="18" charset="0"/>
+                      </a:endParaRPr>
+                    </a:p>
+                  </a:txBody>
+                  <a:tcPr>
+                    <a:solidFill>
+                      <a:schemeClr val="bg1"/>
+                    </a:solidFill>
+                  </a:tcPr>
+                </a:tc>
+                <a:tc>
+                  <a:txBody>
+                    <a:bodyPr/>
+                    <a:lstStyle/>
+                    <a:p>
+                      <a:pPr algn="ctr"/>
+                      <a:endParaRPr lang="en-US" sz="1200" dirty="0">
+                        <a:latin typeface="Times New Roman" panose="02020603050405020304" pitchFamily="18" charset="0"/>
+                        <a:cs typeface="Times New Roman" panose="02020603050405020304" pitchFamily="18" charset="0"/>
+                      </a:endParaRPr>
+                    </a:p>
+                  </a:txBody>
+                  <a:tcPr>
+                    <a:solidFill>
+                      <a:schemeClr val="bg1"/>
+                    </a:solidFill>
+                  </a:tcPr>
+                </a:tc>
+                <a:tc>
+                  <a:txBody>
+                    <a:bodyPr/>
+                    <a:lstStyle/>
+                    <a:p>
+                      <a:pPr algn="ctr"/>
+                      <a:endParaRPr lang="en-US" sz="1200" dirty="0">
+                        <a:latin typeface="Times New Roman" panose="02020603050405020304" pitchFamily="18" charset="0"/>
+                        <a:cs typeface="Times New Roman" panose="02020603050405020304" pitchFamily="18" charset="0"/>
+                      </a:endParaRPr>
+                    </a:p>
+                  </a:txBody>
+                  <a:tcPr>
+                    <a:solidFill>
+                      <a:schemeClr val="bg1"/>
+                    </a:solidFill>
+                  </a:tcPr>
+                </a:tc>
+                <a:tc>
+                  <a:txBody>
+                    <a:bodyPr/>
+                    <a:lstStyle/>
+                    <a:p>
+                      <a:pPr algn="ctr"/>
+                      <a:r>
+                        <a:rPr lang="es-MX" sz="1200" dirty="0">
+                          <a:latin typeface="Times New Roman" panose="02020603050405020304" pitchFamily="18" charset="0"/>
+                          <a:cs typeface="Times New Roman" panose="02020603050405020304" pitchFamily="18" charset="0"/>
+                        </a:rPr>
+                        <a:t>16</a:t>
+                      </a:r>
+                      <a:endParaRPr lang="en-US" sz="1200" dirty="0">
+                        <a:latin typeface="Times New Roman" panose="02020603050405020304" pitchFamily="18" charset="0"/>
+                        <a:cs typeface="Times New Roman" panose="02020603050405020304" pitchFamily="18" charset="0"/>
+                      </a:endParaRPr>
+                    </a:p>
+                  </a:txBody>
+                  <a:tcPr>
+                    <a:solidFill>
+                      <a:schemeClr val="bg1"/>
+                    </a:solidFill>
+                  </a:tcPr>
+                </a:tc>
+                <a:tc>
+                  <a:txBody>
+                    <a:bodyPr/>
+                    <a:lstStyle/>
+                    <a:p>
+                      <a:pPr algn="ctr"/>
+                      <a:r>
+                        <a:rPr lang="es-MX" sz="1200" dirty="0">
+                          <a:latin typeface="Times New Roman" panose="02020603050405020304" pitchFamily="18" charset="0"/>
+                          <a:cs typeface="Times New Roman" panose="02020603050405020304" pitchFamily="18" charset="0"/>
+                        </a:rPr>
+                        <a:t>15</a:t>
+                      </a:r>
+                      <a:endParaRPr lang="en-US" sz="1200" dirty="0">
+                        <a:latin typeface="Times New Roman" panose="02020603050405020304" pitchFamily="18" charset="0"/>
+                        <a:cs typeface="Times New Roman" panose="02020603050405020304" pitchFamily="18" charset="0"/>
+                      </a:endParaRPr>
+                    </a:p>
+                  </a:txBody>
+                  <a:tcPr>
+                    <a:solidFill>
+                      <a:schemeClr val="bg1"/>
+                    </a:solidFill>
+                  </a:tcPr>
+                </a:tc>
+                <a:tc>
+                  <a:txBody>
+                    <a:bodyPr/>
+                    <a:lstStyle/>
+                    <a:p>
+                      <a:pPr algn="ctr"/>
+                      <a:r>
+                        <a:rPr lang="es-MX" sz="1200" dirty="0">
+                          <a:latin typeface="Times New Roman" panose="02020603050405020304" pitchFamily="18" charset="0"/>
+                          <a:cs typeface="Times New Roman" panose="02020603050405020304" pitchFamily="18" charset="0"/>
+                        </a:rPr>
+                        <a:t>14</a:t>
+                      </a:r>
+                      <a:endParaRPr lang="en-US" sz="1200" dirty="0">
+                        <a:latin typeface="Times New Roman" panose="02020603050405020304" pitchFamily="18" charset="0"/>
+                        <a:cs typeface="Times New Roman" panose="02020603050405020304" pitchFamily="18" charset="0"/>
+                      </a:endParaRPr>
+                    </a:p>
+                  </a:txBody>
+                  <a:tcPr>
+                    <a:solidFill>
+                      <a:schemeClr val="bg1"/>
+                    </a:solidFill>
+                  </a:tcPr>
+                </a:tc>
+                <a:tc>
+                  <a:txBody>
+                    <a:bodyPr/>
+                    <a:lstStyle/>
+                    <a:p>
+                      <a:pPr algn="ctr"/>
+                      <a:r>
+                        <a:rPr lang="es-MX" sz="1200" dirty="0">
+                          <a:latin typeface="Times New Roman" panose="02020603050405020304" pitchFamily="18" charset="0"/>
+                          <a:cs typeface="Times New Roman" panose="02020603050405020304" pitchFamily="18" charset="0"/>
+                        </a:rPr>
+                        <a:t>13</a:t>
+                      </a:r>
+                      <a:endParaRPr lang="en-US" sz="1200" dirty="0">
+                        <a:latin typeface="Times New Roman" panose="02020603050405020304" pitchFamily="18" charset="0"/>
+                        <a:cs typeface="Times New Roman" panose="02020603050405020304" pitchFamily="18" charset="0"/>
+                      </a:endParaRPr>
+                    </a:p>
+                  </a:txBody>
+                  <a:tcPr>
+                    <a:solidFill>
+                      <a:schemeClr val="bg1"/>
+                    </a:solidFill>
+                  </a:tcPr>
+                </a:tc>
+                <a:tc>
+                  <a:txBody>
+                    <a:bodyPr/>
+                    <a:lstStyle/>
+                    <a:p>
+                      <a:pPr algn="ctr"/>
+                      <a:endParaRPr lang="en-US" sz="1200" dirty="0">
+                        <a:latin typeface="Times New Roman" panose="02020603050405020304" pitchFamily="18" charset="0"/>
+                        <a:cs typeface="Times New Roman" panose="02020603050405020304" pitchFamily="18" charset="0"/>
+                      </a:endParaRPr>
+                    </a:p>
+                  </a:txBody>
+                  <a:tcPr>
+                    <a:solidFill>
+                      <a:schemeClr val="bg1"/>
+                    </a:solidFill>
+                  </a:tcPr>
+                </a:tc>
+                <a:tc>
+                  <a:txBody>
+                    <a:bodyPr/>
+                    <a:lstStyle/>
+                    <a:p>
+                      <a:pPr algn="ctr"/>
+                      <a:endParaRPr lang="en-US" sz="1200" dirty="0">
+                        <a:latin typeface="Times New Roman" panose="02020603050405020304" pitchFamily="18" charset="0"/>
+                        <a:cs typeface="Times New Roman" panose="02020603050405020304" pitchFamily="18" charset="0"/>
+                      </a:endParaRPr>
+                    </a:p>
+                  </a:txBody>
+                  <a:tcPr>
+                    <a:solidFill>
+                      <a:schemeClr val="bg1"/>
+                    </a:solidFill>
+                  </a:tcPr>
+                </a:tc>
+                <a:tc>
+                  <a:txBody>
+                    <a:bodyPr/>
+                    <a:lstStyle/>
+                    <a:p>
+                      <a:pPr algn="ctr"/>
+                      <a:r>
+                        <a:rPr lang="es-MX" sz="1200" dirty="0">
+                          <a:latin typeface="Times New Roman" panose="02020603050405020304" pitchFamily="18" charset="0"/>
+                          <a:cs typeface="Times New Roman" panose="02020603050405020304" pitchFamily="18" charset="0"/>
+                        </a:rPr>
+                        <a:t>12</a:t>
+                      </a:r>
+                      <a:endParaRPr lang="en-US" sz="1200" dirty="0">
+                        <a:latin typeface="Times New Roman" panose="02020603050405020304" pitchFamily="18" charset="0"/>
+                        <a:cs typeface="Times New Roman" panose="02020603050405020304" pitchFamily="18" charset="0"/>
+                      </a:endParaRPr>
+                    </a:p>
+                  </a:txBody>
+                  <a:tcPr>
+                    <a:solidFill>
+                      <a:schemeClr val="bg1"/>
+                    </a:solidFill>
+                  </a:tcPr>
+                </a:tc>
+                <a:tc>
+                  <a:txBody>
+                    <a:bodyPr/>
+                    <a:lstStyle/>
+                    <a:p>
+                      <a:pPr algn="ctr"/>
+                      <a:r>
+                        <a:rPr lang="es-MX" sz="1200" dirty="0">
+                          <a:latin typeface="Times New Roman" panose="02020603050405020304" pitchFamily="18" charset="0"/>
+                          <a:cs typeface="Times New Roman" panose="02020603050405020304" pitchFamily="18" charset="0"/>
+                        </a:rPr>
+                        <a:t>11</a:t>
+                      </a:r>
+                      <a:endParaRPr lang="en-US" sz="1200" dirty="0">
+                        <a:latin typeface="Times New Roman" panose="02020603050405020304" pitchFamily="18" charset="0"/>
+                        <a:cs typeface="Times New Roman" panose="02020603050405020304" pitchFamily="18" charset="0"/>
+                      </a:endParaRPr>
+                    </a:p>
+                  </a:txBody>
+                  <a:tcPr>
+                    <a:solidFill>
+                      <a:schemeClr val="bg1"/>
+                    </a:solidFill>
+                  </a:tcPr>
+                </a:tc>
+                <a:tc>
+                  <a:txBody>
+                    <a:bodyPr/>
+                    <a:lstStyle/>
+                    <a:p>
+                      <a:pPr algn="ctr"/>
+                      <a:r>
+                        <a:rPr lang="es-MX" sz="1200" dirty="0">
+                          <a:latin typeface="Times New Roman" panose="02020603050405020304" pitchFamily="18" charset="0"/>
+                          <a:cs typeface="Times New Roman" panose="02020603050405020304" pitchFamily="18" charset="0"/>
+                        </a:rPr>
+                        <a:t>10</a:t>
+                      </a:r>
+                      <a:endParaRPr lang="en-US" sz="1200" dirty="0">
+                        <a:latin typeface="Times New Roman" panose="02020603050405020304" pitchFamily="18" charset="0"/>
+                        <a:cs typeface="Times New Roman" panose="02020603050405020304" pitchFamily="18" charset="0"/>
+                      </a:endParaRPr>
+                    </a:p>
+                  </a:txBody>
+                  <a:tcPr>
+                    <a:solidFill>
+                      <a:schemeClr val="bg1"/>
+                    </a:solidFill>
+                  </a:tcPr>
+                </a:tc>
+                <a:tc>
+                  <a:txBody>
+                    <a:bodyPr/>
+                    <a:lstStyle/>
+                    <a:p>
+                      <a:pPr algn="ctr"/>
+                      <a:endParaRPr lang="en-US" sz="1200" dirty="0">
+                        <a:latin typeface="Times New Roman" panose="02020603050405020304" pitchFamily="18" charset="0"/>
+                        <a:cs typeface="Times New Roman" panose="02020603050405020304" pitchFamily="18" charset="0"/>
+                      </a:endParaRPr>
+                    </a:p>
+                  </a:txBody>
+                  <a:tcPr>
+                    <a:solidFill>
+                      <a:schemeClr val="bg1"/>
+                    </a:solidFill>
+                  </a:tcPr>
+                </a:tc>
+                <a:tc>
+                  <a:txBody>
+                    <a:bodyPr/>
+                    <a:lstStyle/>
+                    <a:p>
+                      <a:pPr algn="ctr"/>
+                      <a:r>
+                        <a:rPr lang="es-MX" sz="1200" dirty="0">
+                          <a:latin typeface="Times New Roman" panose="02020603050405020304" pitchFamily="18" charset="0"/>
+                          <a:cs typeface="Times New Roman" panose="02020603050405020304" pitchFamily="18" charset="0"/>
+                        </a:rPr>
+                        <a:t>9</a:t>
+                      </a:r>
+                      <a:endParaRPr lang="en-US" sz="1200" dirty="0">
+                        <a:latin typeface="Times New Roman" panose="02020603050405020304" pitchFamily="18" charset="0"/>
+                        <a:cs typeface="Times New Roman" panose="02020603050405020304" pitchFamily="18" charset="0"/>
+                      </a:endParaRPr>
+                    </a:p>
+                  </a:txBody>
+                  <a:tcPr>
+                    <a:solidFill>
+                      <a:schemeClr val="bg1"/>
+                    </a:solidFill>
+                  </a:tcPr>
+                </a:tc>
+                <a:tc>
+                  <a:txBody>
+                    <a:bodyPr/>
+                    <a:lstStyle/>
+                    <a:p>
+                      <a:pPr algn="ctr"/>
+                      <a:r>
+                        <a:rPr lang="es-MX" sz="1200" dirty="0">
+                          <a:latin typeface="Times New Roman" panose="02020603050405020304" pitchFamily="18" charset="0"/>
+                          <a:cs typeface="Times New Roman" panose="02020603050405020304" pitchFamily="18" charset="0"/>
+                        </a:rPr>
+                        <a:t>8</a:t>
+                      </a:r>
+                      <a:endParaRPr lang="en-US" sz="1200" dirty="0">
+                        <a:latin typeface="Times New Roman" panose="02020603050405020304" pitchFamily="18" charset="0"/>
+                        <a:cs typeface="Times New Roman" panose="02020603050405020304" pitchFamily="18" charset="0"/>
+                      </a:endParaRPr>
+                    </a:p>
+                  </a:txBody>
+                  <a:tcPr>
+                    <a:solidFill>
+                      <a:schemeClr val="bg2"/>
+                    </a:solidFill>
+                  </a:tcPr>
+                </a:tc>
+                <a:tc>
+                  <a:txBody>
+                    <a:bodyPr/>
+                    <a:lstStyle/>
+                    <a:p>
+                      <a:pPr algn="ctr"/>
+                      <a:r>
+                        <a:rPr lang="es-MX" sz="1200" dirty="0">
+                          <a:latin typeface="Times New Roman" panose="02020603050405020304" pitchFamily="18" charset="0"/>
+                          <a:cs typeface="Times New Roman" panose="02020603050405020304" pitchFamily="18" charset="0"/>
+                        </a:rPr>
+                        <a:t>7</a:t>
+                      </a:r>
+                      <a:endParaRPr lang="en-US" sz="1200" dirty="0">
+                        <a:latin typeface="Times New Roman" panose="02020603050405020304" pitchFamily="18" charset="0"/>
+                        <a:cs typeface="Times New Roman" panose="02020603050405020304" pitchFamily="18" charset="0"/>
+                      </a:endParaRPr>
+                    </a:p>
+                  </a:txBody>
+                  <a:tcPr>
+                    <a:solidFill>
+                      <a:schemeClr val="bg1"/>
+                    </a:solidFill>
+                  </a:tcPr>
+                </a:tc>
+                <a:tc>
+                  <a:txBody>
+                    <a:bodyPr/>
+                    <a:lstStyle/>
+                    <a:p>
+                      <a:pPr algn="ctr"/>
+                      <a:r>
+                        <a:rPr lang="es-MX" sz="1200" dirty="0">
+                          <a:latin typeface="Times New Roman" panose="02020603050405020304" pitchFamily="18" charset="0"/>
+                          <a:cs typeface="Times New Roman" panose="02020603050405020304" pitchFamily="18" charset="0"/>
+                        </a:rPr>
+                        <a:t>6</a:t>
+                      </a:r>
+                      <a:endParaRPr lang="en-US" sz="1200" dirty="0">
+                        <a:latin typeface="Times New Roman" panose="02020603050405020304" pitchFamily="18" charset="0"/>
+                        <a:cs typeface="Times New Roman" panose="02020603050405020304" pitchFamily="18" charset="0"/>
+                      </a:endParaRPr>
+                    </a:p>
+                  </a:txBody>
+                  <a:tcPr>
+                    <a:solidFill>
+                      <a:schemeClr val="bg1"/>
+                    </a:solidFill>
+                  </a:tcPr>
+                </a:tc>
+                <a:tc>
+                  <a:txBody>
+                    <a:bodyPr/>
+                    <a:lstStyle/>
+                    <a:p>
+                      <a:pPr algn="ctr"/>
+                      <a:endParaRPr lang="en-US" sz="1200" dirty="0">
+                        <a:latin typeface="Times New Roman" panose="02020603050405020304" pitchFamily="18" charset="0"/>
+                        <a:cs typeface="Times New Roman" panose="02020603050405020304" pitchFamily="18" charset="0"/>
+                      </a:endParaRPr>
+                    </a:p>
+                  </a:txBody>
+                  <a:tcPr>
+                    <a:solidFill>
+                      <a:schemeClr val="bg1"/>
+                    </a:solidFill>
+                  </a:tcPr>
+                </a:tc>
+                <a:tc>
+                  <a:txBody>
+                    <a:bodyPr/>
+                    <a:lstStyle/>
+                    <a:p>
+                      <a:pPr algn="ctr"/>
+                      <a:endParaRPr lang="en-US" sz="1200" dirty="0">
+                        <a:latin typeface="Times New Roman" panose="02020603050405020304" pitchFamily="18" charset="0"/>
+                        <a:cs typeface="Times New Roman" panose="02020603050405020304" pitchFamily="18" charset="0"/>
+                      </a:endParaRPr>
+                    </a:p>
+                  </a:txBody>
+                  <a:tcPr>
+                    <a:solidFill>
+                      <a:schemeClr val="bg1"/>
+                    </a:solidFill>
+                  </a:tcPr>
+                </a:tc>
+                <a:tc>
+                  <a:txBody>
+                    <a:bodyPr/>
+                    <a:lstStyle/>
+                    <a:p>
+                      <a:pPr algn="ctr"/>
+                      <a:r>
+                        <a:rPr lang="es-MX" sz="1200" dirty="0">
+                          <a:latin typeface="Times New Roman" panose="02020603050405020304" pitchFamily="18" charset="0"/>
+                          <a:cs typeface="Times New Roman" panose="02020603050405020304" pitchFamily="18" charset="0"/>
+                        </a:rPr>
+                        <a:t>5</a:t>
+                      </a:r>
+                      <a:endParaRPr lang="en-US" sz="1200" dirty="0">
+                        <a:latin typeface="Times New Roman" panose="02020603050405020304" pitchFamily="18" charset="0"/>
+                        <a:cs typeface="Times New Roman" panose="02020603050405020304" pitchFamily="18" charset="0"/>
+                      </a:endParaRPr>
+                    </a:p>
+                  </a:txBody>
+                  <a:tcPr>
+                    <a:solidFill>
+                      <a:schemeClr val="bg1"/>
+                    </a:solidFill>
+                  </a:tcPr>
+                </a:tc>
+                <a:tc>
+                  <a:txBody>
+                    <a:bodyPr/>
+                    <a:lstStyle/>
+                    <a:p>
+                      <a:pPr algn="ctr"/>
+                      <a:r>
+                        <a:rPr lang="es-MX" sz="1200" dirty="0">
+                          <a:latin typeface="Times New Roman" panose="02020603050405020304" pitchFamily="18" charset="0"/>
+                          <a:cs typeface="Times New Roman" panose="02020603050405020304" pitchFamily="18" charset="0"/>
+                        </a:rPr>
+                        <a:t>4</a:t>
+                      </a:r>
+                      <a:endParaRPr lang="en-US" sz="1200" dirty="0">
+                        <a:latin typeface="Times New Roman" panose="02020603050405020304" pitchFamily="18" charset="0"/>
+                        <a:cs typeface="Times New Roman" panose="02020603050405020304" pitchFamily="18" charset="0"/>
+                      </a:endParaRPr>
+                    </a:p>
+                  </a:txBody>
+                  <a:tcPr>
+                    <a:solidFill>
+                      <a:schemeClr val="bg1"/>
+                    </a:solidFill>
+                  </a:tcPr>
+                </a:tc>
+                <a:tc>
+                  <a:txBody>
+                    <a:bodyPr/>
+                    <a:lstStyle/>
+                    <a:p>
+                      <a:pPr algn="ctr"/>
+                      <a:r>
+                        <a:rPr lang="es-MX" sz="1200" dirty="0">
+                          <a:latin typeface="Times New Roman" panose="02020603050405020304" pitchFamily="18" charset="0"/>
+                          <a:cs typeface="Times New Roman" panose="02020603050405020304" pitchFamily="18" charset="0"/>
+                        </a:rPr>
+                        <a:t>3</a:t>
+                      </a:r>
+                      <a:endParaRPr lang="en-US" sz="1200" dirty="0">
+                        <a:latin typeface="Times New Roman" panose="02020603050405020304" pitchFamily="18" charset="0"/>
+                        <a:cs typeface="Times New Roman" panose="02020603050405020304" pitchFamily="18" charset="0"/>
+                      </a:endParaRPr>
+                    </a:p>
+                  </a:txBody>
+                  <a:tcPr>
+                    <a:solidFill>
+                      <a:schemeClr val="bg1"/>
+                    </a:solidFill>
+                  </a:tcPr>
+                </a:tc>
+                <a:tc>
+                  <a:txBody>
+                    <a:bodyPr/>
+                    <a:lstStyle/>
+                    <a:p>
+                      <a:pPr algn="ctr"/>
+                      <a:r>
+                        <a:rPr lang="es-MX" sz="1200" dirty="0">
+                          <a:latin typeface="Times New Roman" panose="02020603050405020304" pitchFamily="18" charset="0"/>
+                          <a:cs typeface="Times New Roman" panose="02020603050405020304" pitchFamily="18" charset="0"/>
+                        </a:rPr>
+                        <a:t>2</a:t>
+                      </a:r>
+                      <a:endParaRPr lang="en-US" sz="1200" dirty="0">
+                        <a:latin typeface="Times New Roman" panose="02020603050405020304" pitchFamily="18" charset="0"/>
+                        <a:cs typeface="Times New Roman" panose="02020603050405020304" pitchFamily="18" charset="0"/>
+                      </a:endParaRPr>
+                    </a:p>
+                  </a:txBody>
+                  <a:tcPr>
+                    <a:solidFill>
+                      <a:schemeClr val="bg1"/>
+                    </a:solidFill>
+                  </a:tcPr>
+                </a:tc>
+                <a:tc>
+                  <a:txBody>
+                    <a:bodyPr/>
+                    <a:lstStyle/>
+                    <a:p>
+                      <a:pPr algn="ctr"/>
+                      <a:endParaRPr lang="en-US" sz="1200" dirty="0">
+                        <a:latin typeface="Times New Roman" panose="02020603050405020304" pitchFamily="18" charset="0"/>
+                        <a:cs typeface="Times New Roman" panose="02020603050405020304" pitchFamily="18" charset="0"/>
+                      </a:endParaRPr>
+                    </a:p>
+                  </a:txBody>
+                  <a:tcPr>
+                    <a:solidFill>
+                      <a:schemeClr val="bg1"/>
+                    </a:solidFill>
+                  </a:tcPr>
+                </a:tc>
+                <a:tc>
+                  <a:txBody>
+                    <a:bodyPr/>
+                    <a:lstStyle/>
+                    <a:p>
+                      <a:pPr algn="ctr"/>
+                      <a:endParaRPr lang="en-US" sz="1200" dirty="0">
+                        <a:latin typeface="Times New Roman" panose="02020603050405020304" pitchFamily="18" charset="0"/>
+                        <a:cs typeface="Times New Roman" panose="02020603050405020304" pitchFamily="18" charset="0"/>
+                      </a:endParaRPr>
+                    </a:p>
+                  </a:txBody>
+                  <a:tcPr>
+                    <a:solidFill>
+                      <a:schemeClr val="bg1"/>
+                    </a:solidFill>
+                  </a:tcPr>
+                </a:tc>
+                <a:tc>
+                  <a:txBody>
+                    <a:bodyPr/>
+                    <a:lstStyle/>
+                    <a:p>
+                      <a:pPr algn="ctr"/>
+                      <a:r>
+                        <a:rPr lang="es-MX" sz="1200" dirty="0">
+                          <a:latin typeface="Times New Roman" panose="02020603050405020304" pitchFamily="18" charset="0"/>
+                          <a:cs typeface="Times New Roman" panose="02020603050405020304" pitchFamily="18" charset="0"/>
+                        </a:rPr>
+                        <a:t>1</a:t>
+                      </a:r>
+                      <a:endParaRPr lang="en-US" sz="1200" dirty="0">
+                        <a:latin typeface="Times New Roman" panose="02020603050405020304" pitchFamily="18" charset="0"/>
+                        <a:cs typeface="Times New Roman" panose="02020603050405020304" pitchFamily="18" charset="0"/>
+                      </a:endParaRPr>
+                    </a:p>
+                  </a:txBody>
+                  <a:tcPr>
+                    <a:solidFill>
+                      <a:schemeClr val="bg1"/>
+                    </a:solidFill>
+                  </a:tcPr>
+                </a:tc>
+                <a:extLst>
+                  <a:ext uri="{0D108BD9-81ED-4DB2-BD59-A6C34878D82A}">
+                    <a16:rowId xmlns:a16="http://schemas.microsoft.com/office/drawing/2014/main" val="47029565"/>
                   </a:ext>
                 </a:extLst>
               </a:tr>
@@ -11641,7 +11026,7 @@
         </p:nvSpPr>
         <p:spPr>
           <a:xfrm>
-            <a:off x="1413658" y="1006469"/>
+            <a:off x="758183" y="815663"/>
             <a:ext cx="6758190" cy="369332"/>
           </a:xfrm>
           <a:prstGeom prst="rect">
@@ -11660,23 +11045,3327 @@
                 <a:latin typeface="Times New Roman" panose="02020603050405020304" pitchFamily="18" charset="0"/>
                 <a:cs typeface="Times New Roman" panose="02020603050405020304" pitchFamily="18" charset="0"/>
               </a:rPr>
-              <a:t>Proceso de Mutación del </a:t>
+              <a:t>Proceso de Mutación del Mutador de Cruce de Secuencias (MCS)</a:t>
             </a:r>
+            <a:endParaRPr lang="en-US" dirty="0">
+              <a:latin typeface="Times New Roman" panose="02020603050405020304" pitchFamily="18" charset="0"/>
+              <a:cs typeface="Times New Roman" panose="02020603050405020304" pitchFamily="18" charset="0"/>
+            </a:endParaRPr>
+          </a:p>
+        </p:txBody>
+      </p:sp>
+      <p:graphicFrame>
+        <p:nvGraphicFramePr>
+          <p:cNvPr id="2" name="Table 1">
+            <a:extLst>
+              <a:ext uri="{FF2B5EF4-FFF2-40B4-BE49-F238E27FC236}">
+                <a16:creationId xmlns:a16="http://schemas.microsoft.com/office/drawing/2014/main" id="{8D446F07-D5A2-8CDC-8815-7A174109B0D7}"/>
+              </a:ext>
+            </a:extLst>
+          </p:cNvPr>
+          <p:cNvGraphicFramePr>
+            <a:graphicFrameLocks noGrp="1"/>
+          </p:cNvGraphicFramePr>
+          <p:nvPr>
+            <p:extLst>
+              <p:ext uri="{D42A27DB-BD31-4B8C-83A1-F6EECF244321}">
+                <p14:modId xmlns:p14="http://schemas.microsoft.com/office/powerpoint/2010/main" val="1068504006"/>
+              </p:ext>
+            </p:extLst>
+          </p:nvPr>
+        </p:nvGraphicFramePr>
+        <p:xfrm>
+          <a:off x="1097821" y="4366391"/>
+          <a:ext cx="9996356" cy="1624432"/>
+        </p:xfrm>
+        <a:graphic>
+          <a:graphicData uri="http://schemas.openxmlformats.org/drawingml/2006/table">
+            <a:tbl>
+              <a:tblPr>
+                <a:tableStyleId>{073A0DAA-6AF3-43AB-8588-CEC1D06C72B9}</a:tableStyleId>
+              </a:tblPr>
+              <a:tblGrid>
+                <a:gridCol w="1075055">
+                  <a:extLst>
+                    <a:ext uri="{9D8B030D-6E8A-4147-A177-3AD203B41FA5}">
+                      <a16:colId xmlns:a16="http://schemas.microsoft.com/office/drawing/2014/main" val="2378878172"/>
+                    </a:ext>
+                  </a:extLst>
+                </a:gridCol>
+                <a:gridCol w="336821">
+                  <a:extLst>
+                    <a:ext uri="{9D8B030D-6E8A-4147-A177-3AD203B41FA5}">
+                      <a16:colId xmlns:a16="http://schemas.microsoft.com/office/drawing/2014/main" val="1596951627"/>
+                    </a:ext>
+                  </a:extLst>
+                </a:gridCol>
+                <a:gridCol w="270903">
+                  <a:extLst>
+                    <a:ext uri="{9D8B030D-6E8A-4147-A177-3AD203B41FA5}">
+                      <a16:colId xmlns:a16="http://schemas.microsoft.com/office/drawing/2014/main" val="3242738574"/>
+                    </a:ext>
+                  </a:extLst>
+                </a:gridCol>
+                <a:gridCol w="270903">
+                  <a:extLst>
+                    <a:ext uri="{9D8B030D-6E8A-4147-A177-3AD203B41FA5}">
+                      <a16:colId xmlns:a16="http://schemas.microsoft.com/office/drawing/2014/main" val="420854149"/>
+                    </a:ext>
+                  </a:extLst>
+                </a:gridCol>
+                <a:gridCol w="270903">
+                  <a:extLst>
+                    <a:ext uri="{9D8B030D-6E8A-4147-A177-3AD203B41FA5}">
+                      <a16:colId xmlns:a16="http://schemas.microsoft.com/office/drawing/2014/main" val="3840113764"/>
+                    </a:ext>
+                  </a:extLst>
+                </a:gridCol>
+                <a:gridCol w="270903">
+                  <a:extLst>
+                    <a:ext uri="{9D8B030D-6E8A-4147-A177-3AD203B41FA5}">
+                      <a16:colId xmlns:a16="http://schemas.microsoft.com/office/drawing/2014/main" val="87948951"/>
+                    </a:ext>
+                  </a:extLst>
+                </a:gridCol>
+                <a:gridCol w="270903">
+                  <a:extLst>
+                    <a:ext uri="{9D8B030D-6E8A-4147-A177-3AD203B41FA5}">
+                      <a16:colId xmlns:a16="http://schemas.microsoft.com/office/drawing/2014/main" val="2587171364"/>
+                    </a:ext>
+                  </a:extLst>
+                </a:gridCol>
+                <a:gridCol w="270903">
+                  <a:extLst>
+                    <a:ext uri="{9D8B030D-6E8A-4147-A177-3AD203B41FA5}">
+                      <a16:colId xmlns:a16="http://schemas.microsoft.com/office/drawing/2014/main" val="1176575097"/>
+                    </a:ext>
+                  </a:extLst>
+                </a:gridCol>
+                <a:gridCol w="270903">
+                  <a:extLst>
+                    <a:ext uri="{9D8B030D-6E8A-4147-A177-3AD203B41FA5}">
+                      <a16:colId xmlns:a16="http://schemas.microsoft.com/office/drawing/2014/main" val="3512184678"/>
+                    </a:ext>
+                  </a:extLst>
+                </a:gridCol>
+                <a:gridCol w="270903">
+                  <a:extLst>
+                    <a:ext uri="{9D8B030D-6E8A-4147-A177-3AD203B41FA5}">
+                      <a16:colId xmlns:a16="http://schemas.microsoft.com/office/drawing/2014/main" val="3989955031"/>
+                    </a:ext>
+                  </a:extLst>
+                </a:gridCol>
+                <a:gridCol w="270903">
+                  <a:extLst>
+                    <a:ext uri="{9D8B030D-6E8A-4147-A177-3AD203B41FA5}">
+                      <a16:colId xmlns:a16="http://schemas.microsoft.com/office/drawing/2014/main" val="3986273295"/>
+                    </a:ext>
+                  </a:extLst>
+                </a:gridCol>
+                <a:gridCol w="270903">
+                  <a:extLst>
+                    <a:ext uri="{9D8B030D-6E8A-4147-A177-3AD203B41FA5}">
+                      <a16:colId xmlns:a16="http://schemas.microsoft.com/office/drawing/2014/main" val="1810239491"/>
+                    </a:ext>
+                  </a:extLst>
+                </a:gridCol>
+                <a:gridCol w="270903">
+                  <a:extLst>
+                    <a:ext uri="{9D8B030D-6E8A-4147-A177-3AD203B41FA5}">
+                      <a16:colId xmlns:a16="http://schemas.microsoft.com/office/drawing/2014/main" val="4228523081"/>
+                    </a:ext>
+                  </a:extLst>
+                </a:gridCol>
+                <a:gridCol w="270903">
+                  <a:extLst>
+                    <a:ext uri="{9D8B030D-6E8A-4147-A177-3AD203B41FA5}">
+                      <a16:colId xmlns:a16="http://schemas.microsoft.com/office/drawing/2014/main" val="1931428107"/>
+                    </a:ext>
+                  </a:extLst>
+                </a:gridCol>
+                <a:gridCol w="373380">
+                  <a:extLst>
+                    <a:ext uri="{9D8B030D-6E8A-4147-A177-3AD203B41FA5}">
+                      <a16:colId xmlns:a16="http://schemas.microsoft.com/office/drawing/2014/main" val="3380807221"/>
+                    </a:ext>
+                  </a:extLst>
+                </a:gridCol>
+                <a:gridCol w="270903">
+                  <a:extLst>
+                    <a:ext uri="{9D8B030D-6E8A-4147-A177-3AD203B41FA5}">
+                      <a16:colId xmlns:a16="http://schemas.microsoft.com/office/drawing/2014/main" val="4171754792"/>
+                    </a:ext>
+                  </a:extLst>
+                </a:gridCol>
+                <a:gridCol w="367729">
+                  <a:extLst>
+                    <a:ext uri="{9D8B030D-6E8A-4147-A177-3AD203B41FA5}">
+                      <a16:colId xmlns:a16="http://schemas.microsoft.com/office/drawing/2014/main" val="3499045928"/>
+                    </a:ext>
+                  </a:extLst>
+                </a:gridCol>
+                <a:gridCol w="367729">
+                  <a:extLst>
+                    <a:ext uri="{9D8B030D-6E8A-4147-A177-3AD203B41FA5}">
+                      <a16:colId xmlns:a16="http://schemas.microsoft.com/office/drawing/2014/main" val="2913938890"/>
+                    </a:ext>
+                  </a:extLst>
+                </a:gridCol>
+                <a:gridCol w="373380">
+                  <a:extLst>
+                    <a:ext uri="{9D8B030D-6E8A-4147-A177-3AD203B41FA5}">
+                      <a16:colId xmlns:a16="http://schemas.microsoft.com/office/drawing/2014/main" val="2886884640"/>
+                    </a:ext>
+                  </a:extLst>
+                </a:gridCol>
+                <a:gridCol w="373380">
+                  <a:extLst>
+                    <a:ext uri="{9D8B030D-6E8A-4147-A177-3AD203B41FA5}">
+                      <a16:colId xmlns:a16="http://schemas.microsoft.com/office/drawing/2014/main" val="1299446429"/>
+                    </a:ext>
+                  </a:extLst>
+                </a:gridCol>
+                <a:gridCol w="373380">
+                  <a:extLst>
+                    <a:ext uri="{9D8B030D-6E8A-4147-A177-3AD203B41FA5}">
+                      <a16:colId xmlns:a16="http://schemas.microsoft.com/office/drawing/2014/main" val="436902207"/>
+                    </a:ext>
+                  </a:extLst>
+                </a:gridCol>
+                <a:gridCol w="373380">
+                  <a:extLst>
+                    <a:ext uri="{9D8B030D-6E8A-4147-A177-3AD203B41FA5}">
+                      <a16:colId xmlns:a16="http://schemas.microsoft.com/office/drawing/2014/main" val="2673376623"/>
+                    </a:ext>
+                  </a:extLst>
+                </a:gridCol>
+                <a:gridCol w="373380">
+                  <a:extLst>
+                    <a:ext uri="{9D8B030D-6E8A-4147-A177-3AD203B41FA5}">
+                      <a16:colId xmlns:a16="http://schemas.microsoft.com/office/drawing/2014/main" val="2572788712"/>
+                    </a:ext>
+                  </a:extLst>
+                </a:gridCol>
+                <a:gridCol w="373380">
+                  <a:extLst>
+                    <a:ext uri="{9D8B030D-6E8A-4147-A177-3AD203B41FA5}">
+                      <a16:colId xmlns:a16="http://schemas.microsoft.com/office/drawing/2014/main" val="992309576"/>
+                    </a:ext>
+                  </a:extLst>
+                </a:gridCol>
+                <a:gridCol w="373380">
+                  <a:extLst>
+                    <a:ext uri="{9D8B030D-6E8A-4147-A177-3AD203B41FA5}">
+                      <a16:colId xmlns:a16="http://schemas.microsoft.com/office/drawing/2014/main" val="2327499355"/>
+                    </a:ext>
+                  </a:extLst>
+                </a:gridCol>
+                <a:gridCol w="373380">
+                  <a:extLst>
+                    <a:ext uri="{9D8B030D-6E8A-4147-A177-3AD203B41FA5}">
+                      <a16:colId xmlns:a16="http://schemas.microsoft.com/office/drawing/2014/main" val="761882706"/>
+                    </a:ext>
+                  </a:extLst>
+                </a:gridCol>
+                <a:gridCol w="373380">
+                  <a:extLst>
+                    <a:ext uri="{9D8B030D-6E8A-4147-A177-3AD203B41FA5}">
+                      <a16:colId xmlns:a16="http://schemas.microsoft.com/office/drawing/2014/main" val="2175358323"/>
+                    </a:ext>
+                  </a:extLst>
+                </a:gridCol>
+                <a:gridCol w="228288">
+                  <a:extLst>
+                    <a:ext uri="{9D8B030D-6E8A-4147-A177-3AD203B41FA5}">
+                      <a16:colId xmlns:a16="http://schemas.microsoft.com/office/drawing/2014/main" val="2910288808"/>
+                    </a:ext>
+                  </a:extLst>
+                </a:gridCol>
+                <a:gridCol w="365195">
+                  <a:extLst>
+                    <a:ext uri="{9D8B030D-6E8A-4147-A177-3AD203B41FA5}">
+                      <a16:colId xmlns:a16="http://schemas.microsoft.com/office/drawing/2014/main" val="283451570"/>
+                    </a:ext>
+                  </a:extLst>
+                </a:gridCol>
+              </a:tblGrid>
+              <a:tr h="406108">
+                <a:tc>
+                  <a:txBody>
+                    <a:bodyPr/>
+                    <a:lstStyle/>
+                    <a:p>
+                      <a:pPr algn="ctr"/>
+                      <a:r>
+                        <a:rPr lang="es-MX" sz="900" b="1" dirty="0">
+                          <a:latin typeface="Times New Roman" panose="02020603050405020304" pitchFamily="18" charset="0"/>
+                          <a:cs typeface="Times New Roman" panose="02020603050405020304" pitchFamily="18" charset="0"/>
+                        </a:rPr>
+                        <a:t>SEQ1 - INDICES DE GENES</a:t>
+                      </a:r>
+                      <a:endParaRPr lang="en-US" sz="900" b="1" dirty="0">
+                        <a:latin typeface="Times New Roman" panose="02020603050405020304" pitchFamily="18" charset="0"/>
+                        <a:cs typeface="Times New Roman" panose="02020603050405020304" pitchFamily="18" charset="0"/>
+                      </a:endParaRPr>
+                    </a:p>
+                  </a:txBody>
+                  <a:tcPr>
+                    <a:solidFill>
+                      <a:schemeClr val="bg2"/>
+                    </a:solidFill>
+                  </a:tcPr>
+                </a:tc>
+                <a:tc>
+                  <a:txBody>
+                    <a:bodyPr/>
+                    <a:lstStyle/>
+                    <a:p>
+                      <a:pPr algn="ctr"/>
+                      <a:r>
+                        <a:rPr lang="es-MX" sz="1200" dirty="0">
+                          <a:latin typeface="Times New Roman" panose="02020603050405020304" pitchFamily="18" charset="0"/>
+                          <a:cs typeface="Times New Roman" panose="02020603050405020304" pitchFamily="18" charset="0"/>
+                        </a:rPr>
+                        <a:t>1</a:t>
+                      </a:r>
+                      <a:endParaRPr lang="en-US" sz="1200" dirty="0">
+                        <a:latin typeface="Times New Roman" panose="02020603050405020304" pitchFamily="18" charset="0"/>
+                        <a:cs typeface="Times New Roman" panose="02020603050405020304" pitchFamily="18" charset="0"/>
+                      </a:endParaRPr>
+                    </a:p>
+                  </a:txBody>
+                  <a:tcPr>
+                    <a:solidFill>
+                      <a:schemeClr val="bg1"/>
+                    </a:solidFill>
+                  </a:tcPr>
+                </a:tc>
+                <a:tc>
+                  <a:txBody>
+                    <a:bodyPr/>
+                    <a:lstStyle/>
+                    <a:p>
+                      <a:pPr algn="ctr"/>
+                      <a:r>
+                        <a:rPr lang="es-MX" sz="1200" dirty="0">
+                          <a:latin typeface="Times New Roman" panose="02020603050405020304" pitchFamily="18" charset="0"/>
+                          <a:cs typeface="Times New Roman" panose="02020603050405020304" pitchFamily="18" charset="0"/>
+                        </a:rPr>
+                        <a:t>2</a:t>
+                      </a:r>
+                      <a:endParaRPr lang="en-US" sz="1200" dirty="0">
+                        <a:latin typeface="Times New Roman" panose="02020603050405020304" pitchFamily="18" charset="0"/>
+                        <a:cs typeface="Times New Roman" panose="02020603050405020304" pitchFamily="18" charset="0"/>
+                      </a:endParaRPr>
+                    </a:p>
+                  </a:txBody>
+                  <a:tcPr>
+                    <a:solidFill>
+                      <a:schemeClr val="bg1"/>
+                    </a:solidFill>
+                  </a:tcPr>
+                </a:tc>
+                <a:tc>
+                  <a:txBody>
+                    <a:bodyPr/>
+                    <a:lstStyle/>
+                    <a:p>
+                      <a:pPr algn="ctr"/>
+                      <a:r>
+                        <a:rPr lang="es-MX" sz="1200" dirty="0">
+                          <a:latin typeface="Times New Roman" panose="02020603050405020304" pitchFamily="18" charset="0"/>
+                          <a:cs typeface="Times New Roman" panose="02020603050405020304" pitchFamily="18" charset="0"/>
+                        </a:rPr>
+                        <a:t>3</a:t>
+                      </a:r>
+                      <a:endParaRPr lang="en-US" sz="1200" dirty="0">
+                        <a:latin typeface="Times New Roman" panose="02020603050405020304" pitchFamily="18" charset="0"/>
+                        <a:cs typeface="Times New Roman" panose="02020603050405020304" pitchFamily="18" charset="0"/>
+                      </a:endParaRPr>
+                    </a:p>
+                  </a:txBody>
+                  <a:tcPr>
+                    <a:solidFill>
+                      <a:schemeClr val="bg1"/>
+                    </a:solidFill>
+                  </a:tcPr>
+                </a:tc>
+                <a:tc>
+                  <a:txBody>
+                    <a:bodyPr/>
+                    <a:lstStyle/>
+                    <a:p>
+                      <a:pPr algn="ctr"/>
+                      <a:r>
+                        <a:rPr lang="es-MX" sz="1200" dirty="0">
+                          <a:latin typeface="Times New Roman" panose="02020603050405020304" pitchFamily="18" charset="0"/>
+                          <a:cs typeface="Times New Roman" panose="02020603050405020304" pitchFamily="18" charset="0"/>
+                        </a:rPr>
+                        <a:t>4</a:t>
+                      </a:r>
+                      <a:endParaRPr lang="en-US" sz="1200" dirty="0">
+                        <a:latin typeface="Times New Roman" panose="02020603050405020304" pitchFamily="18" charset="0"/>
+                        <a:cs typeface="Times New Roman" panose="02020603050405020304" pitchFamily="18" charset="0"/>
+                      </a:endParaRPr>
+                    </a:p>
+                  </a:txBody>
+                  <a:tcPr>
+                    <a:solidFill>
+                      <a:schemeClr val="bg1"/>
+                    </a:solidFill>
+                  </a:tcPr>
+                </a:tc>
+                <a:tc>
+                  <a:txBody>
+                    <a:bodyPr/>
+                    <a:lstStyle/>
+                    <a:p>
+                      <a:pPr algn="ctr"/>
+                      <a:r>
+                        <a:rPr lang="es-MX" sz="1200" dirty="0">
+                          <a:latin typeface="Times New Roman" panose="02020603050405020304" pitchFamily="18" charset="0"/>
+                          <a:cs typeface="Times New Roman" panose="02020603050405020304" pitchFamily="18" charset="0"/>
+                        </a:rPr>
+                        <a:t>5</a:t>
+                      </a:r>
+                      <a:endParaRPr lang="en-US" sz="1200" dirty="0">
+                        <a:latin typeface="Times New Roman" panose="02020603050405020304" pitchFamily="18" charset="0"/>
+                        <a:cs typeface="Times New Roman" panose="02020603050405020304" pitchFamily="18" charset="0"/>
+                      </a:endParaRPr>
+                    </a:p>
+                  </a:txBody>
+                  <a:tcPr>
+                    <a:solidFill>
+                      <a:schemeClr val="bg1"/>
+                    </a:solidFill>
+                  </a:tcPr>
+                </a:tc>
+                <a:tc>
+                  <a:txBody>
+                    <a:bodyPr/>
+                    <a:lstStyle/>
+                    <a:p>
+                      <a:pPr algn="ctr"/>
+                      <a:endParaRPr lang="en-US" sz="1200" dirty="0">
+                        <a:latin typeface="Times New Roman" panose="02020603050405020304" pitchFamily="18" charset="0"/>
+                        <a:cs typeface="Times New Roman" panose="02020603050405020304" pitchFamily="18" charset="0"/>
+                      </a:endParaRPr>
+                    </a:p>
+                  </a:txBody>
+                  <a:tcPr>
+                    <a:solidFill>
+                      <a:schemeClr val="bg1"/>
+                    </a:solidFill>
+                  </a:tcPr>
+                </a:tc>
+                <a:tc>
+                  <a:txBody>
+                    <a:bodyPr/>
+                    <a:lstStyle/>
+                    <a:p>
+                      <a:pPr algn="ctr"/>
+                      <a:endParaRPr lang="en-US" sz="1200" dirty="0">
+                        <a:latin typeface="Times New Roman" panose="02020603050405020304" pitchFamily="18" charset="0"/>
+                        <a:cs typeface="Times New Roman" panose="02020603050405020304" pitchFamily="18" charset="0"/>
+                      </a:endParaRPr>
+                    </a:p>
+                  </a:txBody>
+                  <a:tcPr>
+                    <a:solidFill>
+                      <a:schemeClr val="bg1"/>
+                    </a:solidFill>
+                  </a:tcPr>
+                </a:tc>
+                <a:tc>
+                  <a:txBody>
+                    <a:bodyPr/>
+                    <a:lstStyle/>
+                    <a:p>
+                      <a:pPr algn="ctr"/>
+                      <a:endParaRPr lang="en-US" sz="1200" dirty="0">
+                        <a:latin typeface="Times New Roman" panose="02020603050405020304" pitchFamily="18" charset="0"/>
+                        <a:cs typeface="Times New Roman" panose="02020603050405020304" pitchFamily="18" charset="0"/>
+                      </a:endParaRPr>
+                    </a:p>
+                  </a:txBody>
+                  <a:tcPr>
+                    <a:solidFill>
+                      <a:schemeClr val="bg1"/>
+                    </a:solidFill>
+                  </a:tcPr>
+                </a:tc>
+                <a:tc>
+                  <a:txBody>
+                    <a:bodyPr/>
+                    <a:lstStyle/>
+                    <a:p>
+                      <a:pPr algn="ctr"/>
+                      <a:r>
+                        <a:rPr lang="es-MX" sz="1200" dirty="0">
+                          <a:latin typeface="Times New Roman" panose="02020603050405020304" pitchFamily="18" charset="0"/>
+                          <a:cs typeface="Times New Roman" panose="02020603050405020304" pitchFamily="18" charset="0"/>
+                        </a:rPr>
+                        <a:t>6</a:t>
+                      </a:r>
+                      <a:endParaRPr lang="en-US" sz="1200" dirty="0">
+                        <a:latin typeface="Times New Roman" panose="02020603050405020304" pitchFamily="18" charset="0"/>
+                        <a:cs typeface="Times New Roman" panose="02020603050405020304" pitchFamily="18" charset="0"/>
+                      </a:endParaRPr>
+                    </a:p>
+                  </a:txBody>
+                  <a:tcPr>
+                    <a:solidFill>
+                      <a:schemeClr val="bg1"/>
+                    </a:solidFill>
+                  </a:tcPr>
+                </a:tc>
+                <a:tc>
+                  <a:txBody>
+                    <a:bodyPr/>
+                    <a:lstStyle/>
+                    <a:p>
+                      <a:pPr algn="ctr"/>
+                      <a:r>
+                        <a:rPr lang="es-MX" sz="1200" dirty="0">
+                          <a:latin typeface="Times New Roman" panose="02020603050405020304" pitchFamily="18" charset="0"/>
+                          <a:cs typeface="Times New Roman" panose="02020603050405020304" pitchFamily="18" charset="0"/>
+                        </a:rPr>
+                        <a:t>7</a:t>
+                      </a:r>
+                      <a:endParaRPr lang="en-US" sz="1200" dirty="0">
+                        <a:latin typeface="Times New Roman" panose="02020603050405020304" pitchFamily="18" charset="0"/>
+                        <a:cs typeface="Times New Roman" panose="02020603050405020304" pitchFamily="18" charset="0"/>
+                      </a:endParaRPr>
+                    </a:p>
+                  </a:txBody>
+                  <a:tcPr>
+                    <a:solidFill>
+                      <a:schemeClr val="bg1"/>
+                    </a:solidFill>
+                  </a:tcPr>
+                </a:tc>
+                <a:tc>
+                  <a:txBody>
+                    <a:bodyPr/>
+                    <a:lstStyle/>
+                    <a:p>
+                      <a:pPr algn="ctr"/>
+                      <a:endParaRPr lang="en-US" sz="1200" dirty="0">
+                        <a:latin typeface="Times New Roman" panose="02020603050405020304" pitchFamily="18" charset="0"/>
+                        <a:cs typeface="Times New Roman" panose="02020603050405020304" pitchFamily="18" charset="0"/>
+                      </a:endParaRPr>
+                    </a:p>
+                  </a:txBody>
+                  <a:tcPr>
+                    <a:solidFill>
+                      <a:schemeClr val="bg1"/>
+                    </a:solidFill>
+                  </a:tcPr>
+                </a:tc>
+                <a:tc>
+                  <a:txBody>
+                    <a:bodyPr/>
+                    <a:lstStyle/>
+                    <a:p>
+                      <a:pPr algn="ctr"/>
+                      <a:r>
+                        <a:rPr lang="es-MX" sz="1200" dirty="0">
+                          <a:latin typeface="Times New Roman" panose="02020603050405020304" pitchFamily="18" charset="0"/>
+                          <a:cs typeface="Times New Roman" panose="02020603050405020304" pitchFamily="18" charset="0"/>
+                        </a:rPr>
+                        <a:t>8</a:t>
+                      </a:r>
+                      <a:endParaRPr lang="en-US" sz="1200" dirty="0">
+                        <a:latin typeface="Times New Roman" panose="02020603050405020304" pitchFamily="18" charset="0"/>
+                        <a:cs typeface="Times New Roman" panose="02020603050405020304" pitchFamily="18" charset="0"/>
+                      </a:endParaRPr>
+                    </a:p>
+                  </a:txBody>
+                  <a:tcPr>
+                    <a:solidFill>
+                      <a:schemeClr val="bg1"/>
+                    </a:solidFill>
+                  </a:tcPr>
+                </a:tc>
+                <a:tc>
+                  <a:txBody>
+                    <a:bodyPr/>
+                    <a:lstStyle/>
+                    <a:p>
+                      <a:pPr algn="ctr"/>
+                      <a:r>
+                        <a:rPr lang="es-MX" sz="1200" dirty="0">
+                          <a:latin typeface="Times New Roman" panose="02020603050405020304" pitchFamily="18" charset="0"/>
+                          <a:cs typeface="Times New Roman" panose="02020603050405020304" pitchFamily="18" charset="0"/>
+                        </a:rPr>
+                        <a:t>9</a:t>
+                      </a:r>
+                      <a:endParaRPr lang="en-US" sz="1200" dirty="0">
+                        <a:latin typeface="Times New Roman" panose="02020603050405020304" pitchFamily="18" charset="0"/>
+                        <a:cs typeface="Times New Roman" panose="02020603050405020304" pitchFamily="18" charset="0"/>
+                      </a:endParaRPr>
+                    </a:p>
+                  </a:txBody>
+                  <a:tcPr>
+                    <a:solidFill>
+                      <a:schemeClr val="bg1"/>
+                    </a:solidFill>
+                  </a:tcPr>
+                </a:tc>
+                <a:tc>
+                  <a:txBody>
+                    <a:bodyPr/>
+                    <a:lstStyle/>
+                    <a:p>
+                      <a:pPr algn="ctr"/>
+                      <a:r>
+                        <a:rPr lang="es-MX" sz="1200" dirty="0">
+                          <a:latin typeface="Times New Roman" panose="02020603050405020304" pitchFamily="18" charset="0"/>
+                          <a:cs typeface="Times New Roman" panose="02020603050405020304" pitchFamily="18" charset="0"/>
+                        </a:rPr>
+                        <a:t>10</a:t>
+                      </a:r>
+                      <a:endParaRPr lang="en-US" sz="1200" dirty="0">
+                        <a:latin typeface="Times New Roman" panose="02020603050405020304" pitchFamily="18" charset="0"/>
+                        <a:cs typeface="Times New Roman" panose="02020603050405020304" pitchFamily="18" charset="0"/>
+                      </a:endParaRPr>
+                    </a:p>
+                  </a:txBody>
+                  <a:tcPr>
+                    <a:solidFill>
+                      <a:schemeClr val="bg1"/>
+                    </a:solidFill>
+                  </a:tcPr>
+                </a:tc>
+                <a:tc>
+                  <a:txBody>
+                    <a:bodyPr/>
+                    <a:lstStyle/>
+                    <a:p>
+                      <a:pPr algn="ctr"/>
+                      <a:endParaRPr lang="en-US" sz="1200" dirty="0">
+                        <a:latin typeface="Times New Roman" panose="02020603050405020304" pitchFamily="18" charset="0"/>
+                        <a:cs typeface="Times New Roman" panose="02020603050405020304" pitchFamily="18" charset="0"/>
+                      </a:endParaRPr>
+                    </a:p>
+                  </a:txBody>
+                  <a:tcPr>
+                    <a:solidFill>
+                      <a:schemeClr val="bg1"/>
+                    </a:solidFill>
+                  </a:tcPr>
+                </a:tc>
+                <a:tc>
+                  <a:txBody>
+                    <a:bodyPr/>
+                    <a:lstStyle/>
+                    <a:p>
+                      <a:pPr algn="ctr"/>
+                      <a:r>
+                        <a:rPr lang="es-MX" sz="1200" dirty="0">
+                          <a:latin typeface="Times New Roman" panose="02020603050405020304" pitchFamily="18" charset="0"/>
+                          <a:cs typeface="Times New Roman" panose="02020603050405020304" pitchFamily="18" charset="0"/>
+                        </a:rPr>
+                        <a:t>11</a:t>
+                      </a:r>
+                      <a:endParaRPr lang="en-US" sz="1200" dirty="0">
+                        <a:latin typeface="Times New Roman" panose="02020603050405020304" pitchFamily="18" charset="0"/>
+                        <a:cs typeface="Times New Roman" panose="02020603050405020304" pitchFamily="18" charset="0"/>
+                      </a:endParaRPr>
+                    </a:p>
+                  </a:txBody>
+                  <a:tcPr>
+                    <a:solidFill>
+                      <a:schemeClr val="bg1"/>
+                    </a:solidFill>
+                  </a:tcPr>
+                </a:tc>
+                <a:tc>
+                  <a:txBody>
+                    <a:bodyPr/>
+                    <a:lstStyle/>
+                    <a:p>
+                      <a:pPr algn="ctr"/>
+                      <a:r>
+                        <a:rPr lang="es-MX" sz="1200" dirty="0">
+                          <a:latin typeface="Times New Roman" panose="02020603050405020304" pitchFamily="18" charset="0"/>
+                          <a:cs typeface="Times New Roman" panose="02020603050405020304" pitchFamily="18" charset="0"/>
+                        </a:rPr>
+                        <a:t>12</a:t>
+                      </a:r>
+                      <a:endParaRPr lang="en-US" sz="1200" dirty="0">
+                        <a:latin typeface="Times New Roman" panose="02020603050405020304" pitchFamily="18" charset="0"/>
+                        <a:cs typeface="Times New Roman" panose="02020603050405020304" pitchFamily="18" charset="0"/>
+                      </a:endParaRPr>
+                    </a:p>
+                  </a:txBody>
+                  <a:tcPr>
+                    <a:solidFill>
+                      <a:schemeClr val="bg1"/>
+                    </a:solidFill>
+                  </a:tcPr>
+                </a:tc>
+                <a:tc>
+                  <a:txBody>
+                    <a:bodyPr/>
+                    <a:lstStyle/>
+                    <a:p>
+                      <a:pPr algn="ctr"/>
+                      <a:r>
+                        <a:rPr lang="es-MX" sz="1200" dirty="0">
+                          <a:latin typeface="Times New Roman" panose="02020603050405020304" pitchFamily="18" charset="0"/>
+                          <a:cs typeface="Times New Roman" panose="02020603050405020304" pitchFamily="18" charset="0"/>
+                        </a:rPr>
+                        <a:t>13</a:t>
+                      </a:r>
+                      <a:endParaRPr lang="en-US" sz="1200" dirty="0">
+                        <a:latin typeface="Times New Roman" panose="02020603050405020304" pitchFamily="18" charset="0"/>
+                        <a:cs typeface="Times New Roman" panose="02020603050405020304" pitchFamily="18" charset="0"/>
+                      </a:endParaRPr>
+                    </a:p>
+                  </a:txBody>
+                  <a:tcPr>
+                    <a:solidFill>
+                      <a:schemeClr val="bg1"/>
+                    </a:solidFill>
+                  </a:tcPr>
+                </a:tc>
+                <a:tc>
+                  <a:txBody>
+                    <a:bodyPr/>
+                    <a:lstStyle/>
+                    <a:p>
+                      <a:pPr algn="ctr"/>
+                      <a:r>
+                        <a:rPr lang="es-MX" sz="1200" dirty="0">
+                          <a:latin typeface="Times New Roman" panose="02020603050405020304" pitchFamily="18" charset="0"/>
+                          <a:cs typeface="Times New Roman" panose="02020603050405020304" pitchFamily="18" charset="0"/>
+                        </a:rPr>
+                        <a:t>14</a:t>
+                      </a:r>
+                      <a:endParaRPr lang="en-US" sz="1200" dirty="0">
+                        <a:latin typeface="Times New Roman" panose="02020603050405020304" pitchFamily="18" charset="0"/>
+                        <a:cs typeface="Times New Roman" panose="02020603050405020304" pitchFamily="18" charset="0"/>
+                      </a:endParaRPr>
+                    </a:p>
+                  </a:txBody>
+                  <a:tcPr>
+                    <a:solidFill>
+                      <a:schemeClr val="bg1"/>
+                    </a:solidFill>
+                  </a:tcPr>
+                </a:tc>
+                <a:tc>
+                  <a:txBody>
+                    <a:bodyPr/>
+                    <a:lstStyle/>
+                    <a:p>
+                      <a:pPr algn="ctr"/>
+                      <a:endParaRPr lang="en-US" sz="1200" dirty="0">
+                        <a:latin typeface="Times New Roman" panose="02020603050405020304" pitchFamily="18" charset="0"/>
+                        <a:cs typeface="Times New Roman" panose="02020603050405020304" pitchFamily="18" charset="0"/>
+                      </a:endParaRPr>
+                    </a:p>
+                  </a:txBody>
+                  <a:tcPr>
+                    <a:solidFill>
+                      <a:schemeClr val="bg1"/>
+                    </a:solidFill>
+                  </a:tcPr>
+                </a:tc>
+                <a:tc>
+                  <a:txBody>
+                    <a:bodyPr/>
+                    <a:lstStyle/>
+                    <a:p>
+                      <a:pPr algn="ctr"/>
+                      <a:endParaRPr lang="en-US" sz="1200" dirty="0">
+                        <a:latin typeface="Times New Roman" panose="02020603050405020304" pitchFamily="18" charset="0"/>
+                        <a:cs typeface="Times New Roman" panose="02020603050405020304" pitchFamily="18" charset="0"/>
+                      </a:endParaRPr>
+                    </a:p>
+                  </a:txBody>
+                  <a:tcPr>
+                    <a:solidFill>
+                      <a:schemeClr val="bg1"/>
+                    </a:solidFill>
+                  </a:tcPr>
+                </a:tc>
+                <a:tc>
+                  <a:txBody>
+                    <a:bodyPr/>
+                    <a:lstStyle/>
+                    <a:p>
+                      <a:pPr algn="ctr"/>
+                      <a:r>
+                        <a:rPr lang="es-MX" sz="1200" dirty="0">
+                          <a:latin typeface="Times New Roman" panose="02020603050405020304" pitchFamily="18" charset="0"/>
+                          <a:cs typeface="Times New Roman" panose="02020603050405020304" pitchFamily="18" charset="0"/>
+                        </a:rPr>
+                        <a:t>15</a:t>
+                      </a:r>
+                      <a:endParaRPr lang="en-US" sz="1200" dirty="0">
+                        <a:latin typeface="Times New Roman" panose="02020603050405020304" pitchFamily="18" charset="0"/>
+                        <a:cs typeface="Times New Roman" panose="02020603050405020304" pitchFamily="18" charset="0"/>
+                      </a:endParaRPr>
+                    </a:p>
+                  </a:txBody>
+                  <a:tcPr>
+                    <a:solidFill>
+                      <a:schemeClr val="bg1"/>
+                    </a:solidFill>
+                  </a:tcPr>
+                </a:tc>
+                <a:tc>
+                  <a:txBody>
+                    <a:bodyPr/>
+                    <a:lstStyle/>
+                    <a:p>
+                      <a:pPr algn="ctr"/>
+                      <a:r>
+                        <a:rPr lang="es-MX" sz="1200" dirty="0">
+                          <a:latin typeface="Times New Roman" panose="02020603050405020304" pitchFamily="18" charset="0"/>
+                          <a:cs typeface="Times New Roman" panose="02020603050405020304" pitchFamily="18" charset="0"/>
+                        </a:rPr>
+                        <a:t>16</a:t>
+                      </a:r>
+                      <a:endParaRPr lang="en-US" sz="1200" dirty="0">
+                        <a:latin typeface="Times New Roman" panose="02020603050405020304" pitchFamily="18" charset="0"/>
+                        <a:cs typeface="Times New Roman" panose="02020603050405020304" pitchFamily="18" charset="0"/>
+                      </a:endParaRPr>
+                    </a:p>
+                  </a:txBody>
+                  <a:tcPr>
+                    <a:solidFill>
+                      <a:schemeClr val="bg1"/>
+                    </a:solidFill>
+                  </a:tcPr>
+                </a:tc>
+                <a:tc>
+                  <a:txBody>
+                    <a:bodyPr/>
+                    <a:lstStyle/>
+                    <a:p>
+                      <a:pPr algn="ctr"/>
+                      <a:r>
+                        <a:rPr lang="es-MX" sz="1200" dirty="0">
+                          <a:latin typeface="Times New Roman" panose="02020603050405020304" pitchFamily="18" charset="0"/>
+                          <a:cs typeface="Times New Roman" panose="02020603050405020304" pitchFamily="18" charset="0"/>
+                        </a:rPr>
+                        <a:t>18</a:t>
+                      </a:r>
+                      <a:endParaRPr lang="en-US" sz="1200" dirty="0">
+                        <a:latin typeface="Times New Roman" panose="02020603050405020304" pitchFamily="18" charset="0"/>
+                        <a:cs typeface="Times New Roman" panose="02020603050405020304" pitchFamily="18" charset="0"/>
+                      </a:endParaRPr>
+                    </a:p>
+                  </a:txBody>
+                  <a:tcPr>
+                    <a:solidFill>
+                      <a:schemeClr val="bg1"/>
+                    </a:solidFill>
+                  </a:tcPr>
+                </a:tc>
+                <a:tc>
+                  <a:txBody>
+                    <a:bodyPr/>
+                    <a:lstStyle/>
+                    <a:p>
+                      <a:pPr algn="ctr"/>
+                      <a:r>
+                        <a:rPr lang="es-MX" sz="1200" dirty="0">
+                          <a:latin typeface="Times New Roman" panose="02020603050405020304" pitchFamily="18" charset="0"/>
+                          <a:cs typeface="Times New Roman" panose="02020603050405020304" pitchFamily="18" charset="0"/>
+                        </a:rPr>
+                        <a:t>18</a:t>
+                      </a:r>
+                      <a:endParaRPr lang="en-US" sz="1200" dirty="0">
+                        <a:latin typeface="Times New Roman" panose="02020603050405020304" pitchFamily="18" charset="0"/>
+                        <a:cs typeface="Times New Roman" panose="02020603050405020304" pitchFamily="18" charset="0"/>
+                      </a:endParaRPr>
+                    </a:p>
+                  </a:txBody>
+                  <a:tcPr>
+                    <a:solidFill>
+                      <a:schemeClr val="bg1"/>
+                    </a:solidFill>
+                  </a:tcPr>
+                </a:tc>
+                <a:tc>
+                  <a:txBody>
+                    <a:bodyPr/>
+                    <a:lstStyle/>
+                    <a:p>
+                      <a:pPr algn="ctr"/>
+                      <a:endParaRPr lang="en-US" sz="1200" dirty="0">
+                        <a:latin typeface="Times New Roman" panose="02020603050405020304" pitchFamily="18" charset="0"/>
+                        <a:cs typeface="Times New Roman" panose="02020603050405020304" pitchFamily="18" charset="0"/>
+                      </a:endParaRPr>
+                    </a:p>
+                  </a:txBody>
+                  <a:tcPr>
+                    <a:solidFill>
+                      <a:schemeClr val="bg1"/>
+                    </a:solidFill>
+                  </a:tcPr>
+                </a:tc>
+                <a:tc>
+                  <a:txBody>
+                    <a:bodyPr/>
+                    <a:lstStyle/>
+                    <a:p>
+                      <a:pPr algn="ctr"/>
+                      <a:endParaRPr lang="en-US" sz="1200" dirty="0">
+                        <a:latin typeface="Times New Roman" panose="02020603050405020304" pitchFamily="18" charset="0"/>
+                        <a:cs typeface="Times New Roman" panose="02020603050405020304" pitchFamily="18" charset="0"/>
+                      </a:endParaRPr>
+                    </a:p>
+                  </a:txBody>
+                  <a:tcPr>
+                    <a:solidFill>
+                      <a:schemeClr val="bg1"/>
+                    </a:solidFill>
+                  </a:tcPr>
+                </a:tc>
+                <a:tc>
+                  <a:txBody>
+                    <a:bodyPr/>
+                    <a:lstStyle/>
+                    <a:p>
+                      <a:pPr algn="ctr"/>
+                      <a:r>
+                        <a:rPr lang="es-MX" sz="1200" dirty="0">
+                          <a:latin typeface="Times New Roman" panose="02020603050405020304" pitchFamily="18" charset="0"/>
+                          <a:cs typeface="Times New Roman" panose="02020603050405020304" pitchFamily="18" charset="0"/>
+                        </a:rPr>
+                        <a:t>19</a:t>
+                      </a:r>
+                      <a:endParaRPr lang="en-US" sz="1200" dirty="0">
+                        <a:latin typeface="Times New Roman" panose="02020603050405020304" pitchFamily="18" charset="0"/>
+                        <a:cs typeface="Times New Roman" panose="02020603050405020304" pitchFamily="18" charset="0"/>
+                      </a:endParaRPr>
+                    </a:p>
+                  </a:txBody>
+                  <a:tcPr>
+                    <a:solidFill>
+                      <a:schemeClr val="bg1"/>
+                    </a:solidFill>
+                  </a:tcPr>
+                </a:tc>
+                <a:extLst>
+                  <a:ext uri="{0D108BD9-81ED-4DB2-BD59-A6C34878D82A}">
+                    <a16:rowId xmlns:a16="http://schemas.microsoft.com/office/drawing/2014/main" val="2113190458"/>
+                  </a:ext>
+                </a:extLst>
+              </a:tr>
+              <a:tr h="406108">
+                <a:tc>
+                  <a:txBody>
+                    <a:bodyPr/>
+                    <a:lstStyle/>
+                    <a:p>
+                      <a:pPr algn="ctr"/>
+                      <a:r>
+                        <a:rPr lang="es-MX" sz="900" b="1" dirty="0">
+                          <a:latin typeface="Times New Roman" panose="02020603050405020304" pitchFamily="18" charset="0"/>
+                          <a:cs typeface="Times New Roman" panose="02020603050405020304" pitchFamily="18" charset="0"/>
+                        </a:rPr>
+                        <a:t>PRIMERA</a:t>
+                      </a:r>
+                      <a:br>
+                        <a:rPr lang="es-MX" sz="900" b="1" dirty="0">
+                          <a:latin typeface="Times New Roman" panose="02020603050405020304" pitchFamily="18" charset="0"/>
+                          <a:cs typeface="Times New Roman" panose="02020603050405020304" pitchFamily="18" charset="0"/>
+                        </a:rPr>
+                      </a:br>
+                      <a:r>
+                        <a:rPr lang="es-MX" sz="900" b="1" dirty="0">
+                          <a:latin typeface="Times New Roman" panose="02020603050405020304" pitchFamily="18" charset="0"/>
+                          <a:cs typeface="Times New Roman" panose="02020603050405020304" pitchFamily="18" charset="0"/>
+                        </a:rPr>
+                        <a:t>SECUENCIA</a:t>
+                      </a:r>
+                      <a:endParaRPr lang="en-US" sz="900" b="1" dirty="0">
+                        <a:latin typeface="Times New Roman" panose="02020603050405020304" pitchFamily="18" charset="0"/>
+                        <a:cs typeface="Times New Roman" panose="02020603050405020304" pitchFamily="18" charset="0"/>
+                      </a:endParaRPr>
+                    </a:p>
+                  </a:txBody>
+                  <a:tcPr>
+                    <a:solidFill>
+                      <a:schemeClr val="bg2"/>
+                    </a:solidFill>
+                  </a:tcPr>
+                </a:tc>
+                <a:tc>
+                  <a:txBody>
+                    <a:bodyPr/>
+                    <a:lstStyle/>
+                    <a:p>
+                      <a:pPr algn="ctr"/>
+                      <a:r>
+                        <a:rPr lang="es-MX" sz="1200" dirty="0">
+                          <a:latin typeface="Times New Roman" panose="02020603050405020304" pitchFamily="18" charset="0"/>
+                          <a:cs typeface="Times New Roman" panose="02020603050405020304" pitchFamily="18" charset="0"/>
+                        </a:rPr>
+                        <a:t>A</a:t>
+                      </a:r>
+                      <a:endParaRPr lang="en-US" sz="1200" dirty="0">
+                        <a:latin typeface="Times New Roman" panose="02020603050405020304" pitchFamily="18" charset="0"/>
+                        <a:cs typeface="Times New Roman" panose="02020603050405020304" pitchFamily="18" charset="0"/>
+                      </a:endParaRPr>
+                    </a:p>
+                  </a:txBody>
+                  <a:tcPr>
+                    <a:solidFill>
+                      <a:schemeClr val="accent5">
+                        <a:lumMod val="20000"/>
+                        <a:lumOff val="80000"/>
+                      </a:schemeClr>
+                    </a:solidFill>
+                  </a:tcPr>
+                </a:tc>
+                <a:tc>
+                  <a:txBody>
+                    <a:bodyPr/>
+                    <a:lstStyle/>
+                    <a:p>
+                      <a:pPr algn="ctr"/>
+                      <a:r>
+                        <a:rPr lang="es-MX" sz="1200" dirty="0">
+                          <a:latin typeface="Times New Roman" panose="02020603050405020304" pitchFamily="18" charset="0"/>
+                          <a:cs typeface="Times New Roman" panose="02020603050405020304" pitchFamily="18" charset="0"/>
+                        </a:rPr>
+                        <a:t>T</a:t>
+                      </a:r>
+                      <a:endParaRPr lang="en-US" sz="1200" dirty="0">
+                        <a:latin typeface="Times New Roman" panose="02020603050405020304" pitchFamily="18" charset="0"/>
+                        <a:cs typeface="Times New Roman" panose="02020603050405020304" pitchFamily="18" charset="0"/>
+                      </a:endParaRPr>
+                    </a:p>
+                  </a:txBody>
+                  <a:tcPr>
+                    <a:solidFill>
+                      <a:schemeClr val="accent5">
+                        <a:lumMod val="20000"/>
+                        <a:lumOff val="80000"/>
+                      </a:schemeClr>
+                    </a:solidFill>
+                  </a:tcPr>
+                </a:tc>
+                <a:tc>
+                  <a:txBody>
+                    <a:bodyPr/>
+                    <a:lstStyle/>
+                    <a:p>
+                      <a:pPr algn="ctr"/>
+                      <a:r>
+                        <a:rPr lang="es-MX" sz="1200" dirty="0">
+                          <a:latin typeface="Times New Roman" panose="02020603050405020304" pitchFamily="18" charset="0"/>
+                          <a:cs typeface="Times New Roman" panose="02020603050405020304" pitchFamily="18" charset="0"/>
+                        </a:rPr>
+                        <a:t>T</a:t>
+                      </a:r>
+                      <a:endParaRPr lang="en-US" sz="1200" dirty="0">
+                        <a:latin typeface="Times New Roman" panose="02020603050405020304" pitchFamily="18" charset="0"/>
+                        <a:cs typeface="Times New Roman" panose="02020603050405020304" pitchFamily="18" charset="0"/>
+                      </a:endParaRPr>
+                    </a:p>
+                  </a:txBody>
+                  <a:tcPr>
+                    <a:solidFill>
+                      <a:schemeClr val="accent5">
+                        <a:lumMod val="20000"/>
+                        <a:lumOff val="80000"/>
+                      </a:schemeClr>
+                    </a:solidFill>
+                  </a:tcPr>
+                </a:tc>
+                <a:tc>
+                  <a:txBody>
+                    <a:bodyPr/>
+                    <a:lstStyle/>
+                    <a:p>
+                      <a:pPr algn="ctr"/>
+                      <a:r>
+                        <a:rPr lang="es-MX" sz="1200" dirty="0">
+                          <a:latin typeface="Times New Roman" panose="02020603050405020304" pitchFamily="18" charset="0"/>
+                          <a:cs typeface="Times New Roman" panose="02020603050405020304" pitchFamily="18" charset="0"/>
+                        </a:rPr>
+                        <a:t>G</a:t>
+                      </a:r>
+                      <a:endParaRPr lang="en-US" sz="1200" dirty="0">
+                        <a:latin typeface="Times New Roman" panose="02020603050405020304" pitchFamily="18" charset="0"/>
+                        <a:cs typeface="Times New Roman" panose="02020603050405020304" pitchFamily="18" charset="0"/>
+                      </a:endParaRPr>
+                    </a:p>
+                  </a:txBody>
+                  <a:tcPr>
+                    <a:solidFill>
+                      <a:schemeClr val="accent5">
+                        <a:lumMod val="20000"/>
+                        <a:lumOff val="80000"/>
+                      </a:schemeClr>
+                    </a:solidFill>
+                  </a:tcPr>
+                </a:tc>
+                <a:tc>
+                  <a:txBody>
+                    <a:bodyPr/>
+                    <a:lstStyle/>
+                    <a:p>
+                      <a:pPr algn="ctr"/>
+                      <a:r>
+                        <a:rPr lang="es-MX" sz="1200" dirty="0">
+                          <a:latin typeface="Times New Roman" panose="02020603050405020304" pitchFamily="18" charset="0"/>
+                          <a:cs typeface="Times New Roman" panose="02020603050405020304" pitchFamily="18" charset="0"/>
+                        </a:rPr>
+                        <a:t>A</a:t>
+                      </a:r>
+                      <a:endParaRPr lang="en-US" sz="1200" dirty="0">
+                        <a:latin typeface="Times New Roman" panose="02020603050405020304" pitchFamily="18" charset="0"/>
+                        <a:cs typeface="Times New Roman" panose="02020603050405020304" pitchFamily="18" charset="0"/>
+                      </a:endParaRPr>
+                    </a:p>
+                  </a:txBody>
+                  <a:tcPr>
+                    <a:solidFill>
+                      <a:schemeClr val="accent5">
+                        <a:lumMod val="20000"/>
+                        <a:lumOff val="80000"/>
+                      </a:schemeClr>
+                    </a:solidFill>
+                  </a:tcPr>
+                </a:tc>
+                <a:tc>
+                  <a:txBody>
+                    <a:bodyPr/>
+                    <a:lstStyle/>
+                    <a:p>
+                      <a:pPr algn="ctr"/>
+                      <a:r>
+                        <a:rPr lang="es-MX" sz="1200" dirty="0">
+                          <a:latin typeface="Times New Roman" panose="02020603050405020304" pitchFamily="18" charset="0"/>
+                          <a:cs typeface="Times New Roman" panose="02020603050405020304" pitchFamily="18" charset="0"/>
+                        </a:rPr>
+                        <a:t>-</a:t>
+                      </a:r>
+                      <a:endParaRPr lang="en-US" sz="1200" dirty="0">
+                        <a:latin typeface="Times New Roman" panose="02020603050405020304" pitchFamily="18" charset="0"/>
+                        <a:cs typeface="Times New Roman" panose="02020603050405020304" pitchFamily="18" charset="0"/>
+                      </a:endParaRPr>
+                    </a:p>
+                  </a:txBody>
+                  <a:tcPr>
+                    <a:solidFill>
+                      <a:schemeClr val="accent5">
+                        <a:lumMod val="20000"/>
+                        <a:lumOff val="80000"/>
+                      </a:schemeClr>
+                    </a:solidFill>
+                  </a:tcPr>
+                </a:tc>
+                <a:tc>
+                  <a:txBody>
+                    <a:bodyPr/>
+                    <a:lstStyle/>
+                    <a:p>
+                      <a:pPr algn="ctr"/>
+                      <a:r>
+                        <a:rPr lang="es-MX" sz="1200" dirty="0">
+                          <a:latin typeface="Times New Roman" panose="02020603050405020304" pitchFamily="18" charset="0"/>
+                          <a:cs typeface="Times New Roman" panose="02020603050405020304" pitchFamily="18" charset="0"/>
+                        </a:rPr>
+                        <a:t>-</a:t>
+                      </a:r>
+                      <a:endParaRPr lang="en-US" sz="1200" dirty="0">
+                        <a:latin typeface="Times New Roman" panose="02020603050405020304" pitchFamily="18" charset="0"/>
+                        <a:cs typeface="Times New Roman" panose="02020603050405020304" pitchFamily="18" charset="0"/>
+                      </a:endParaRPr>
+                    </a:p>
+                  </a:txBody>
+                  <a:tcPr>
+                    <a:solidFill>
+                      <a:schemeClr val="accent5">
+                        <a:lumMod val="20000"/>
+                        <a:lumOff val="80000"/>
+                      </a:schemeClr>
+                    </a:solidFill>
+                  </a:tcPr>
+                </a:tc>
+                <a:tc>
+                  <a:txBody>
+                    <a:bodyPr/>
+                    <a:lstStyle/>
+                    <a:p>
+                      <a:pPr algn="ctr"/>
+                      <a:r>
+                        <a:rPr lang="es-MX" sz="1200" dirty="0">
+                          <a:latin typeface="Times New Roman" panose="02020603050405020304" pitchFamily="18" charset="0"/>
+                          <a:cs typeface="Times New Roman" panose="02020603050405020304" pitchFamily="18" charset="0"/>
+                        </a:rPr>
+                        <a:t>-</a:t>
+                      </a:r>
+                      <a:endParaRPr lang="en-US" sz="1200" dirty="0">
+                        <a:latin typeface="Times New Roman" panose="02020603050405020304" pitchFamily="18" charset="0"/>
+                        <a:cs typeface="Times New Roman" panose="02020603050405020304" pitchFamily="18" charset="0"/>
+                      </a:endParaRPr>
+                    </a:p>
+                  </a:txBody>
+                  <a:tcPr>
+                    <a:solidFill>
+                      <a:schemeClr val="accent5">
+                        <a:lumMod val="20000"/>
+                        <a:lumOff val="80000"/>
+                      </a:schemeClr>
+                    </a:solidFill>
+                  </a:tcPr>
+                </a:tc>
+                <a:tc>
+                  <a:txBody>
+                    <a:bodyPr/>
+                    <a:lstStyle/>
+                    <a:p>
+                      <a:pPr algn="ctr"/>
+                      <a:r>
+                        <a:rPr lang="es-MX" sz="1200" dirty="0">
+                          <a:latin typeface="Times New Roman" panose="02020603050405020304" pitchFamily="18" charset="0"/>
+                          <a:cs typeface="Times New Roman" panose="02020603050405020304" pitchFamily="18" charset="0"/>
+                        </a:rPr>
+                        <a:t>G</a:t>
+                      </a:r>
+                      <a:endParaRPr lang="en-US" sz="1200" dirty="0">
+                        <a:latin typeface="Times New Roman" panose="02020603050405020304" pitchFamily="18" charset="0"/>
+                        <a:cs typeface="Times New Roman" panose="02020603050405020304" pitchFamily="18" charset="0"/>
+                      </a:endParaRPr>
+                    </a:p>
+                  </a:txBody>
+                  <a:tcPr>
+                    <a:solidFill>
+                      <a:schemeClr val="accent5">
+                        <a:lumMod val="20000"/>
+                        <a:lumOff val="80000"/>
+                      </a:schemeClr>
+                    </a:solidFill>
+                  </a:tcPr>
+                </a:tc>
+                <a:tc>
+                  <a:txBody>
+                    <a:bodyPr/>
+                    <a:lstStyle/>
+                    <a:p>
+                      <a:pPr algn="ctr"/>
+                      <a:r>
+                        <a:rPr lang="es-MX" sz="1200" dirty="0">
+                          <a:latin typeface="Times New Roman" panose="02020603050405020304" pitchFamily="18" charset="0"/>
+                          <a:cs typeface="Times New Roman" panose="02020603050405020304" pitchFamily="18" charset="0"/>
+                        </a:rPr>
+                        <a:t>C</a:t>
+                      </a:r>
+                      <a:endParaRPr lang="en-US" sz="1200" dirty="0">
+                        <a:latin typeface="Times New Roman" panose="02020603050405020304" pitchFamily="18" charset="0"/>
+                        <a:cs typeface="Times New Roman" panose="02020603050405020304" pitchFamily="18" charset="0"/>
+                      </a:endParaRPr>
+                    </a:p>
+                  </a:txBody>
+                  <a:tcPr>
+                    <a:solidFill>
+                      <a:schemeClr val="accent5">
+                        <a:lumMod val="20000"/>
+                        <a:lumOff val="80000"/>
+                      </a:schemeClr>
+                    </a:solidFill>
+                  </a:tcPr>
+                </a:tc>
+                <a:tc>
+                  <a:txBody>
+                    <a:bodyPr/>
+                    <a:lstStyle/>
+                    <a:p>
+                      <a:pPr algn="ctr"/>
+                      <a:r>
+                        <a:rPr lang="es-MX" sz="1200" dirty="0">
+                          <a:latin typeface="Times New Roman" panose="02020603050405020304" pitchFamily="18" charset="0"/>
+                          <a:cs typeface="Times New Roman" panose="02020603050405020304" pitchFamily="18" charset="0"/>
+                        </a:rPr>
+                        <a:t>-</a:t>
+                      </a:r>
+                      <a:endParaRPr lang="en-US" sz="1200" dirty="0">
+                        <a:latin typeface="Times New Roman" panose="02020603050405020304" pitchFamily="18" charset="0"/>
+                        <a:cs typeface="Times New Roman" panose="02020603050405020304" pitchFamily="18" charset="0"/>
+                      </a:endParaRPr>
+                    </a:p>
+                  </a:txBody>
+                  <a:tcPr>
+                    <a:solidFill>
+                      <a:schemeClr val="accent5">
+                        <a:lumMod val="20000"/>
+                        <a:lumOff val="80000"/>
+                      </a:schemeClr>
+                    </a:solidFill>
+                  </a:tcPr>
+                </a:tc>
+                <a:tc>
+                  <a:txBody>
+                    <a:bodyPr/>
+                    <a:lstStyle/>
+                    <a:p>
+                      <a:pPr algn="ctr"/>
+                      <a:r>
+                        <a:rPr lang="es-MX" sz="1200" dirty="0">
+                          <a:latin typeface="Times New Roman" panose="02020603050405020304" pitchFamily="18" charset="0"/>
+                          <a:cs typeface="Times New Roman" panose="02020603050405020304" pitchFamily="18" charset="0"/>
+                        </a:rPr>
+                        <a:t>C</a:t>
+                      </a:r>
+                      <a:endParaRPr lang="en-US" sz="1200" dirty="0">
+                        <a:latin typeface="Times New Roman" panose="02020603050405020304" pitchFamily="18" charset="0"/>
+                        <a:cs typeface="Times New Roman" panose="02020603050405020304" pitchFamily="18" charset="0"/>
+                      </a:endParaRPr>
+                    </a:p>
+                  </a:txBody>
+                  <a:tcPr>
+                    <a:solidFill>
+                      <a:schemeClr val="accent5">
+                        <a:lumMod val="20000"/>
+                        <a:lumOff val="80000"/>
+                      </a:schemeClr>
+                    </a:solidFill>
+                  </a:tcPr>
+                </a:tc>
+                <a:tc>
+                  <a:txBody>
+                    <a:bodyPr/>
+                    <a:lstStyle/>
+                    <a:p>
+                      <a:pPr algn="ctr"/>
+                      <a:r>
+                        <a:rPr lang="es-419" sz="1200" dirty="0">
+                          <a:latin typeface="Times New Roman" panose="02020603050405020304" pitchFamily="18" charset="0"/>
+                          <a:cs typeface="Times New Roman" panose="02020603050405020304" pitchFamily="18" charset="0"/>
+                        </a:rPr>
+                        <a:t>T</a:t>
+                      </a:r>
+                      <a:endParaRPr lang="en-US" sz="1200" dirty="0">
+                        <a:latin typeface="Times New Roman" panose="02020603050405020304" pitchFamily="18" charset="0"/>
+                        <a:cs typeface="Times New Roman" panose="02020603050405020304" pitchFamily="18" charset="0"/>
+                      </a:endParaRPr>
+                    </a:p>
+                  </a:txBody>
+                  <a:tcPr>
+                    <a:solidFill>
+                      <a:schemeClr val="accent2">
+                        <a:lumMod val="20000"/>
+                        <a:lumOff val="80000"/>
+                      </a:schemeClr>
+                    </a:solidFill>
+                  </a:tcPr>
+                </a:tc>
+                <a:tc>
+                  <a:txBody>
+                    <a:bodyPr/>
+                    <a:lstStyle/>
+                    <a:p>
+                      <a:pPr algn="ctr"/>
+                      <a:r>
+                        <a:rPr lang="es-419" sz="1200" dirty="0">
+                          <a:latin typeface="Times New Roman" panose="02020603050405020304" pitchFamily="18" charset="0"/>
+                          <a:cs typeface="Times New Roman" panose="02020603050405020304" pitchFamily="18" charset="0"/>
+                        </a:rPr>
+                        <a:t>G</a:t>
+                      </a:r>
+                      <a:endParaRPr lang="en-US" sz="1200" dirty="0">
+                        <a:latin typeface="Times New Roman" panose="02020603050405020304" pitchFamily="18" charset="0"/>
+                        <a:cs typeface="Times New Roman" panose="02020603050405020304" pitchFamily="18" charset="0"/>
+                      </a:endParaRPr>
+                    </a:p>
+                  </a:txBody>
+                  <a:tcPr>
+                    <a:solidFill>
+                      <a:schemeClr val="accent2">
+                        <a:lumMod val="20000"/>
+                        <a:lumOff val="80000"/>
+                      </a:schemeClr>
+                    </a:solidFill>
+                  </a:tcPr>
+                </a:tc>
+                <a:tc>
+                  <a:txBody>
+                    <a:bodyPr/>
+                    <a:lstStyle/>
+                    <a:p>
+                      <a:pPr algn="ctr"/>
+                      <a:r>
+                        <a:rPr lang="es-419" sz="1200" dirty="0">
+                          <a:latin typeface="Times New Roman" panose="02020603050405020304" pitchFamily="18" charset="0"/>
+                          <a:cs typeface="Times New Roman" panose="02020603050405020304" pitchFamily="18" charset="0"/>
+                        </a:rPr>
+                        <a:t>-</a:t>
+                      </a:r>
+                      <a:endParaRPr lang="en-US" sz="1200" dirty="0">
+                        <a:latin typeface="Times New Roman" panose="02020603050405020304" pitchFamily="18" charset="0"/>
+                        <a:cs typeface="Times New Roman" panose="02020603050405020304" pitchFamily="18" charset="0"/>
+                      </a:endParaRPr>
+                    </a:p>
+                  </a:txBody>
+                  <a:tcPr>
+                    <a:solidFill>
+                      <a:schemeClr val="accent2">
+                        <a:lumMod val="20000"/>
+                        <a:lumOff val="80000"/>
+                      </a:schemeClr>
+                    </a:solidFill>
+                  </a:tcPr>
+                </a:tc>
+                <a:tc>
+                  <a:txBody>
+                    <a:bodyPr/>
+                    <a:lstStyle/>
+                    <a:p>
+                      <a:pPr algn="ctr"/>
+                      <a:r>
+                        <a:rPr lang="es-419" sz="1200" dirty="0">
+                          <a:latin typeface="Times New Roman" panose="02020603050405020304" pitchFamily="18" charset="0"/>
+                          <a:cs typeface="Times New Roman" panose="02020603050405020304" pitchFamily="18" charset="0"/>
+                        </a:rPr>
+                        <a:t>T</a:t>
+                      </a:r>
+                      <a:endParaRPr lang="en-US" sz="1200" dirty="0">
+                        <a:latin typeface="Times New Roman" panose="02020603050405020304" pitchFamily="18" charset="0"/>
+                        <a:cs typeface="Times New Roman" panose="02020603050405020304" pitchFamily="18" charset="0"/>
+                      </a:endParaRPr>
+                    </a:p>
+                  </a:txBody>
+                  <a:tcPr>
+                    <a:solidFill>
+                      <a:schemeClr val="accent2">
+                        <a:lumMod val="20000"/>
+                        <a:lumOff val="80000"/>
+                      </a:schemeClr>
+                    </a:solidFill>
+                  </a:tcPr>
+                </a:tc>
+                <a:tc>
+                  <a:txBody>
+                    <a:bodyPr/>
+                    <a:lstStyle/>
+                    <a:p>
+                      <a:pPr algn="ctr"/>
+                      <a:r>
+                        <a:rPr lang="es-419" sz="1200" dirty="0">
+                          <a:latin typeface="Times New Roman" panose="02020603050405020304" pitchFamily="18" charset="0"/>
+                          <a:cs typeface="Times New Roman" panose="02020603050405020304" pitchFamily="18" charset="0"/>
+                        </a:rPr>
+                        <a:t>A</a:t>
+                      </a:r>
+                      <a:endParaRPr lang="en-US" sz="1200" dirty="0">
+                        <a:latin typeface="Times New Roman" panose="02020603050405020304" pitchFamily="18" charset="0"/>
+                        <a:cs typeface="Times New Roman" panose="02020603050405020304" pitchFamily="18" charset="0"/>
+                      </a:endParaRPr>
+                    </a:p>
+                  </a:txBody>
+                  <a:tcPr>
+                    <a:solidFill>
+                      <a:schemeClr val="accent2">
+                        <a:lumMod val="20000"/>
+                        <a:lumOff val="80000"/>
+                      </a:schemeClr>
+                    </a:solidFill>
+                  </a:tcPr>
+                </a:tc>
+                <a:tc>
+                  <a:txBody>
+                    <a:bodyPr/>
+                    <a:lstStyle/>
+                    <a:p>
+                      <a:pPr algn="ctr"/>
+                      <a:r>
+                        <a:rPr lang="es-419" sz="1200" dirty="0">
+                          <a:latin typeface="Times New Roman" panose="02020603050405020304" pitchFamily="18" charset="0"/>
+                          <a:cs typeface="Times New Roman" panose="02020603050405020304" pitchFamily="18" charset="0"/>
+                        </a:rPr>
+                        <a:t>T</a:t>
+                      </a:r>
+                      <a:endParaRPr lang="en-US" sz="1200" dirty="0">
+                        <a:latin typeface="Times New Roman" panose="02020603050405020304" pitchFamily="18" charset="0"/>
+                        <a:cs typeface="Times New Roman" panose="02020603050405020304" pitchFamily="18" charset="0"/>
+                      </a:endParaRPr>
+                    </a:p>
+                  </a:txBody>
+                  <a:tcPr>
+                    <a:solidFill>
+                      <a:schemeClr val="accent2">
+                        <a:lumMod val="20000"/>
+                        <a:lumOff val="80000"/>
+                      </a:schemeClr>
+                    </a:solidFill>
+                  </a:tcPr>
+                </a:tc>
+                <a:tc>
+                  <a:txBody>
+                    <a:bodyPr/>
+                    <a:lstStyle/>
+                    <a:p>
+                      <a:pPr algn="ctr"/>
+                      <a:r>
+                        <a:rPr lang="es-419" sz="1200" dirty="0">
+                          <a:latin typeface="Times New Roman" panose="02020603050405020304" pitchFamily="18" charset="0"/>
+                          <a:cs typeface="Times New Roman" panose="02020603050405020304" pitchFamily="18" charset="0"/>
+                        </a:rPr>
+                        <a:t>C</a:t>
+                      </a:r>
+                      <a:endParaRPr lang="en-US" sz="1200" dirty="0">
+                        <a:latin typeface="Times New Roman" panose="02020603050405020304" pitchFamily="18" charset="0"/>
+                        <a:cs typeface="Times New Roman" panose="02020603050405020304" pitchFamily="18" charset="0"/>
+                      </a:endParaRPr>
+                    </a:p>
+                  </a:txBody>
+                  <a:tcPr>
+                    <a:solidFill>
+                      <a:schemeClr val="accent2">
+                        <a:lumMod val="20000"/>
+                        <a:lumOff val="80000"/>
+                      </a:schemeClr>
+                    </a:solidFill>
+                  </a:tcPr>
+                </a:tc>
+                <a:tc>
+                  <a:txBody>
+                    <a:bodyPr/>
+                    <a:lstStyle/>
+                    <a:p>
+                      <a:pPr algn="ctr"/>
+                      <a:r>
+                        <a:rPr lang="es-419" sz="1200" dirty="0">
+                          <a:latin typeface="Times New Roman" panose="02020603050405020304" pitchFamily="18" charset="0"/>
+                          <a:cs typeface="Times New Roman" panose="02020603050405020304" pitchFamily="18" charset="0"/>
+                        </a:rPr>
+                        <a:t>-</a:t>
+                      </a:r>
+                      <a:endParaRPr lang="en-US" sz="1200" dirty="0">
+                        <a:latin typeface="Times New Roman" panose="02020603050405020304" pitchFamily="18" charset="0"/>
+                        <a:cs typeface="Times New Roman" panose="02020603050405020304" pitchFamily="18" charset="0"/>
+                      </a:endParaRPr>
+                    </a:p>
+                  </a:txBody>
+                  <a:tcPr>
+                    <a:solidFill>
+                      <a:schemeClr val="accent2">
+                        <a:lumMod val="20000"/>
+                        <a:lumOff val="80000"/>
+                      </a:schemeClr>
+                    </a:solidFill>
+                  </a:tcPr>
+                </a:tc>
+                <a:tc>
+                  <a:txBody>
+                    <a:bodyPr/>
+                    <a:lstStyle/>
+                    <a:p>
+                      <a:pPr algn="ctr"/>
+                      <a:r>
+                        <a:rPr lang="es-419" sz="1200" dirty="0">
+                          <a:latin typeface="Times New Roman" panose="02020603050405020304" pitchFamily="18" charset="0"/>
+                          <a:cs typeface="Times New Roman" panose="02020603050405020304" pitchFamily="18" charset="0"/>
+                        </a:rPr>
+                        <a:t>-</a:t>
+                      </a:r>
+                      <a:endParaRPr lang="en-US" sz="1200" dirty="0">
+                        <a:latin typeface="Times New Roman" panose="02020603050405020304" pitchFamily="18" charset="0"/>
+                        <a:cs typeface="Times New Roman" panose="02020603050405020304" pitchFamily="18" charset="0"/>
+                      </a:endParaRPr>
+                    </a:p>
+                  </a:txBody>
+                  <a:tcPr>
+                    <a:solidFill>
+                      <a:schemeClr val="accent2">
+                        <a:lumMod val="20000"/>
+                        <a:lumOff val="80000"/>
+                      </a:schemeClr>
+                    </a:solidFill>
+                  </a:tcPr>
+                </a:tc>
+                <a:tc>
+                  <a:txBody>
+                    <a:bodyPr/>
+                    <a:lstStyle/>
+                    <a:p>
+                      <a:pPr algn="ctr"/>
+                      <a:r>
+                        <a:rPr lang="es-419" sz="1200" dirty="0">
+                          <a:latin typeface="Times New Roman" panose="02020603050405020304" pitchFamily="18" charset="0"/>
+                          <a:cs typeface="Times New Roman" panose="02020603050405020304" pitchFamily="18" charset="0"/>
+                        </a:rPr>
+                        <a:t>A</a:t>
+                      </a:r>
+                      <a:endParaRPr lang="en-US" sz="1200" dirty="0">
+                        <a:latin typeface="Times New Roman" panose="02020603050405020304" pitchFamily="18" charset="0"/>
+                        <a:cs typeface="Times New Roman" panose="02020603050405020304" pitchFamily="18" charset="0"/>
+                      </a:endParaRPr>
+                    </a:p>
+                  </a:txBody>
+                  <a:tcPr>
+                    <a:solidFill>
+                      <a:schemeClr val="accent2">
+                        <a:lumMod val="20000"/>
+                        <a:lumOff val="80000"/>
+                      </a:schemeClr>
+                    </a:solidFill>
+                  </a:tcPr>
+                </a:tc>
+                <a:tc>
+                  <a:txBody>
+                    <a:bodyPr/>
+                    <a:lstStyle/>
+                    <a:p>
+                      <a:pPr algn="ctr"/>
+                      <a:r>
+                        <a:rPr lang="es-419" sz="1200" dirty="0">
+                          <a:latin typeface="Times New Roman" panose="02020603050405020304" pitchFamily="18" charset="0"/>
+                          <a:cs typeface="Times New Roman" panose="02020603050405020304" pitchFamily="18" charset="0"/>
+                        </a:rPr>
+                        <a:t>G</a:t>
+                      </a:r>
+                      <a:endParaRPr lang="en-US" sz="1200" dirty="0">
+                        <a:latin typeface="Times New Roman" panose="02020603050405020304" pitchFamily="18" charset="0"/>
+                        <a:cs typeface="Times New Roman" panose="02020603050405020304" pitchFamily="18" charset="0"/>
+                      </a:endParaRPr>
+                    </a:p>
+                  </a:txBody>
+                  <a:tcPr>
+                    <a:solidFill>
+                      <a:schemeClr val="accent2">
+                        <a:lumMod val="20000"/>
+                        <a:lumOff val="80000"/>
+                      </a:schemeClr>
+                    </a:solidFill>
+                  </a:tcPr>
+                </a:tc>
+                <a:tc>
+                  <a:txBody>
+                    <a:bodyPr/>
+                    <a:lstStyle/>
+                    <a:p>
+                      <a:pPr algn="ctr"/>
+                      <a:r>
+                        <a:rPr lang="es-419" sz="1200" dirty="0">
+                          <a:latin typeface="Times New Roman" panose="02020603050405020304" pitchFamily="18" charset="0"/>
+                          <a:cs typeface="Times New Roman" panose="02020603050405020304" pitchFamily="18" charset="0"/>
+                        </a:rPr>
+                        <a:t>C</a:t>
+                      </a:r>
+                      <a:endParaRPr lang="en-US" sz="1200" dirty="0">
+                        <a:latin typeface="Times New Roman" panose="02020603050405020304" pitchFamily="18" charset="0"/>
+                        <a:cs typeface="Times New Roman" panose="02020603050405020304" pitchFamily="18" charset="0"/>
+                      </a:endParaRPr>
+                    </a:p>
+                  </a:txBody>
+                  <a:tcPr>
+                    <a:solidFill>
+                      <a:schemeClr val="accent2">
+                        <a:lumMod val="20000"/>
+                        <a:lumOff val="80000"/>
+                      </a:schemeClr>
+                    </a:solidFill>
+                  </a:tcPr>
+                </a:tc>
+                <a:tc>
+                  <a:txBody>
+                    <a:bodyPr/>
+                    <a:lstStyle/>
+                    <a:p>
+                      <a:pPr algn="ctr"/>
+                      <a:r>
+                        <a:rPr lang="es-419" sz="1200" dirty="0">
+                          <a:latin typeface="Times New Roman" panose="02020603050405020304" pitchFamily="18" charset="0"/>
+                          <a:cs typeface="Times New Roman" panose="02020603050405020304" pitchFamily="18" charset="0"/>
+                        </a:rPr>
+                        <a:t>C</a:t>
+                      </a:r>
+                      <a:endParaRPr lang="en-US" sz="1200" dirty="0">
+                        <a:latin typeface="Times New Roman" panose="02020603050405020304" pitchFamily="18" charset="0"/>
+                        <a:cs typeface="Times New Roman" panose="02020603050405020304" pitchFamily="18" charset="0"/>
+                      </a:endParaRPr>
+                    </a:p>
+                  </a:txBody>
+                  <a:tcPr>
+                    <a:solidFill>
+                      <a:schemeClr val="accent2">
+                        <a:lumMod val="20000"/>
+                        <a:lumOff val="80000"/>
+                      </a:schemeClr>
+                    </a:solidFill>
+                  </a:tcPr>
+                </a:tc>
+                <a:tc>
+                  <a:txBody>
+                    <a:bodyPr/>
+                    <a:lstStyle/>
+                    <a:p>
+                      <a:pPr algn="ctr"/>
+                      <a:r>
+                        <a:rPr lang="es-419" sz="1200" dirty="0">
+                          <a:latin typeface="Times New Roman" panose="02020603050405020304" pitchFamily="18" charset="0"/>
+                          <a:cs typeface="Times New Roman" panose="02020603050405020304" pitchFamily="18" charset="0"/>
+                        </a:rPr>
+                        <a:t>-</a:t>
+                      </a:r>
+                      <a:endParaRPr lang="en-US" sz="1200" dirty="0">
+                        <a:latin typeface="Times New Roman" panose="02020603050405020304" pitchFamily="18" charset="0"/>
+                        <a:cs typeface="Times New Roman" panose="02020603050405020304" pitchFamily="18" charset="0"/>
+                      </a:endParaRPr>
+                    </a:p>
+                  </a:txBody>
+                  <a:tcPr>
+                    <a:solidFill>
+                      <a:schemeClr val="accent2">
+                        <a:lumMod val="20000"/>
+                        <a:lumOff val="80000"/>
+                      </a:schemeClr>
+                    </a:solidFill>
+                  </a:tcPr>
+                </a:tc>
+                <a:tc>
+                  <a:txBody>
+                    <a:bodyPr/>
+                    <a:lstStyle/>
+                    <a:p>
+                      <a:pPr algn="ctr"/>
+                      <a:r>
+                        <a:rPr lang="es-419" sz="1200" dirty="0">
+                          <a:latin typeface="Times New Roman" panose="02020603050405020304" pitchFamily="18" charset="0"/>
+                          <a:cs typeface="Times New Roman" panose="02020603050405020304" pitchFamily="18" charset="0"/>
+                        </a:rPr>
+                        <a:t>-</a:t>
+                      </a:r>
+                      <a:endParaRPr lang="en-US" sz="1200" dirty="0">
+                        <a:latin typeface="Times New Roman" panose="02020603050405020304" pitchFamily="18" charset="0"/>
+                        <a:cs typeface="Times New Roman" panose="02020603050405020304" pitchFamily="18" charset="0"/>
+                      </a:endParaRPr>
+                    </a:p>
+                  </a:txBody>
+                  <a:tcPr>
+                    <a:solidFill>
+                      <a:schemeClr val="accent2">
+                        <a:lumMod val="20000"/>
+                        <a:lumOff val="80000"/>
+                      </a:schemeClr>
+                    </a:solidFill>
+                  </a:tcPr>
+                </a:tc>
+                <a:tc>
+                  <a:txBody>
+                    <a:bodyPr/>
+                    <a:lstStyle/>
+                    <a:p>
+                      <a:pPr algn="ctr"/>
+                      <a:r>
+                        <a:rPr lang="es-419" sz="1200" dirty="0">
+                          <a:latin typeface="Times New Roman" panose="02020603050405020304" pitchFamily="18" charset="0"/>
+                          <a:cs typeface="Times New Roman" panose="02020603050405020304" pitchFamily="18" charset="0"/>
+                        </a:rPr>
+                        <a:t>C</a:t>
+                      </a:r>
+                      <a:endParaRPr lang="en-US" sz="1200" dirty="0">
+                        <a:latin typeface="Times New Roman" panose="02020603050405020304" pitchFamily="18" charset="0"/>
+                        <a:cs typeface="Times New Roman" panose="02020603050405020304" pitchFamily="18" charset="0"/>
+                      </a:endParaRPr>
+                    </a:p>
+                  </a:txBody>
+                  <a:tcPr>
+                    <a:solidFill>
+                      <a:schemeClr val="accent2">
+                        <a:lumMod val="20000"/>
+                        <a:lumOff val="80000"/>
+                      </a:schemeClr>
+                    </a:solidFill>
+                  </a:tcPr>
+                </a:tc>
+                <a:extLst>
+                  <a:ext uri="{0D108BD9-81ED-4DB2-BD59-A6C34878D82A}">
+                    <a16:rowId xmlns:a16="http://schemas.microsoft.com/office/drawing/2014/main" val="1216079364"/>
+                  </a:ext>
+                </a:extLst>
+              </a:tr>
+              <a:tr h="406108">
+                <a:tc>
+                  <a:txBody>
+                    <a:bodyPr/>
+                    <a:lstStyle/>
+                    <a:p>
+                      <a:pPr algn="ctr"/>
+                      <a:r>
+                        <a:rPr lang="es-MX" sz="900" b="1" dirty="0">
+                          <a:latin typeface="Times New Roman" panose="02020603050405020304" pitchFamily="18" charset="0"/>
+                          <a:cs typeface="Times New Roman" panose="02020603050405020304" pitchFamily="18" charset="0"/>
+                        </a:rPr>
+                        <a:t>SEGUNDA</a:t>
+                      </a:r>
+                      <a:br>
+                        <a:rPr lang="es-MX" sz="900" b="1" dirty="0">
+                          <a:latin typeface="Times New Roman" panose="02020603050405020304" pitchFamily="18" charset="0"/>
+                          <a:cs typeface="Times New Roman" panose="02020603050405020304" pitchFamily="18" charset="0"/>
+                        </a:rPr>
+                      </a:br>
+                      <a:r>
+                        <a:rPr lang="es-MX" sz="900" b="1" dirty="0">
+                          <a:latin typeface="Times New Roman" panose="02020603050405020304" pitchFamily="18" charset="0"/>
+                          <a:cs typeface="Times New Roman" panose="02020603050405020304" pitchFamily="18" charset="0"/>
+                        </a:rPr>
+                        <a:t>SECUENCIA</a:t>
+                      </a:r>
+                      <a:endParaRPr lang="en-US" sz="900" b="1" dirty="0">
+                        <a:latin typeface="Times New Roman" panose="02020603050405020304" pitchFamily="18" charset="0"/>
+                        <a:cs typeface="Times New Roman" panose="02020603050405020304" pitchFamily="18" charset="0"/>
+                      </a:endParaRPr>
+                    </a:p>
+                  </a:txBody>
+                  <a:tcPr>
+                    <a:solidFill>
+                      <a:schemeClr val="bg2"/>
+                    </a:solidFill>
+                  </a:tcPr>
+                </a:tc>
+                <a:tc>
+                  <a:txBody>
+                    <a:bodyPr/>
+                    <a:lstStyle/>
+                    <a:p>
+                      <a:pPr algn="ctr"/>
+                      <a:r>
+                        <a:rPr lang="es-419" sz="1200" dirty="0">
+                          <a:latin typeface="Times New Roman" panose="02020603050405020304" pitchFamily="18" charset="0"/>
+                          <a:cs typeface="Times New Roman" panose="02020603050405020304" pitchFamily="18" charset="0"/>
+                        </a:rPr>
+                        <a:t>A</a:t>
+                      </a:r>
+                      <a:endParaRPr lang="en-US" sz="1200" dirty="0">
+                        <a:latin typeface="Times New Roman" panose="02020603050405020304" pitchFamily="18" charset="0"/>
+                        <a:cs typeface="Times New Roman" panose="02020603050405020304" pitchFamily="18" charset="0"/>
+                      </a:endParaRPr>
+                    </a:p>
+                  </a:txBody>
+                  <a:tcPr>
+                    <a:solidFill>
+                      <a:schemeClr val="accent2">
+                        <a:lumMod val="20000"/>
+                        <a:lumOff val="80000"/>
+                      </a:schemeClr>
+                    </a:solidFill>
+                  </a:tcPr>
+                </a:tc>
+                <a:tc>
+                  <a:txBody>
+                    <a:bodyPr/>
+                    <a:lstStyle/>
+                    <a:p>
+                      <a:pPr algn="ctr"/>
+                      <a:r>
+                        <a:rPr lang="es-419" sz="1200" dirty="0">
+                          <a:latin typeface="Times New Roman" panose="02020603050405020304" pitchFamily="18" charset="0"/>
+                          <a:cs typeface="Times New Roman" panose="02020603050405020304" pitchFamily="18" charset="0"/>
+                        </a:rPr>
+                        <a:t>T</a:t>
+                      </a:r>
+                      <a:endParaRPr lang="en-US" sz="1200" dirty="0">
+                        <a:latin typeface="Times New Roman" panose="02020603050405020304" pitchFamily="18" charset="0"/>
+                        <a:cs typeface="Times New Roman" panose="02020603050405020304" pitchFamily="18" charset="0"/>
+                      </a:endParaRPr>
+                    </a:p>
+                  </a:txBody>
+                  <a:tcPr>
+                    <a:solidFill>
+                      <a:schemeClr val="accent2">
+                        <a:lumMod val="20000"/>
+                        <a:lumOff val="80000"/>
+                      </a:schemeClr>
+                    </a:solidFill>
+                  </a:tcPr>
+                </a:tc>
+                <a:tc>
+                  <a:txBody>
+                    <a:bodyPr/>
+                    <a:lstStyle/>
+                    <a:p>
+                      <a:pPr algn="ctr"/>
+                      <a:r>
+                        <a:rPr lang="es-419" sz="1200" dirty="0">
+                          <a:latin typeface="Times New Roman" panose="02020603050405020304" pitchFamily="18" charset="0"/>
+                          <a:cs typeface="Times New Roman" panose="02020603050405020304" pitchFamily="18" charset="0"/>
+                        </a:rPr>
+                        <a:t>T</a:t>
+                      </a:r>
+                      <a:endParaRPr lang="en-US" sz="1200" dirty="0">
+                        <a:latin typeface="Times New Roman" panose="02020603050405020304" pitchFamily="18" charset="0"/>
+                        <a:cs typeface="Times New Roman" panose="02020603050405020304" pitchFamily="18" charset="0"/>
+                      </a:endParaRPr>
+                    </a:p>
+                  </a:txBody>
+                  <a:tcPr>
+                    <a:solidFill>
+                      <a:schemeClr val="accent2">
+                        <a:lumMod val="20000"/>
+                        <a:lumOff val="80000"/>
+                      </a:schemeClr>
+                    </a:solidFill>
+                  </a:tcPr>
+                </a:tc>
+                <a:tc>
+                  <a:txBody>
+                    <a:bodyPr/>
+                    <a:lstStyle/>
+                    <a:p>
+                      <a:pPr algn="ctr"/>
+                      <a:r>
+                        <a:rPr lang="es-419" sz="1200" dirty="0">
+                          <a:latin typeface="Times New Roman" panose="02020603050405020304" pitchFamily="18" charset="0"/>
+                          <a:cs typeface="Times New Roman" panose="02020603050405020304" pitchFamily="18" charset="0"/>
+                        </a:rPr>
+                        <a:t>-</a:t>
+                      </a:r>
+                      <a:endParaRPr lang="en-US" sz="1200" dirty="0">
+                        <a:latin typeface="Times New Roman" panose="02020603050405020304" pitchFamily="18" charset="0"/>
+                        <a:cs typeface="Times New Roman" panose="02020603050405020304" pitchFamily="18" charset="0"/>
+                      </a:endParaRPr>
+                    </a:p>
+                  </a:txBody>
+                  <a:tcPr>
+                    <a:solidFill>
+                      <a:schemeClr val="accent2">
+                        <a:lumMod val="20000"/>
+                        <a:lumOff val="80000"/>
+                      </a:schemeClr>
+                    </a:solidFill>
+                  </a:tcPr>
+                </a:tc>
+                <a:tc>
+                  <a:txBody>
+                    <a:bodyPr/>
+                    <a:lstStyle/>
+                    <a:p>
+                      <a:pPr algn="ctr"/>
+                      <a:r>
+                        <a:rPr lang="es-419" sz="1200" dirty="0">
+                          <a:latin typeface="Times New Roman" panose="02020603050405020304" pitchFamily="18" charset="0"/>
+                          <a:cs typeface="Times New Roman" panose="02020603050405020304" pitchFamily="18" charset="0"/>
+                        </a:rPr>
+                        <a:t>-</a:t>
+                      </a:r>
+                      <a:endParaRPr lang="en-US" sz="1200" dirty="0">
+                        <a:latin typeface="Times New Roman" panose="02020603050405020304" pitchFamily="18" charset="0"/>
+                        <a:cs typeface="Times New Roman" panose="02020603050405020304" pitchFamily="18" charset="0"/>
+                      </a:endParaRPr>
+                    </a:p>
+                  </a:txBody>
+                  <a:tcPr>
+                    <a:solidFill>
+                      <a:schemeClr val="accent2">
+                        <a:lumMod val="20000"/>
+                        <a:lumOff val="80000"/>
+                      </a:schemeClr>
+                    </a:solidFill>
+                  </a:tcPr>
+                </a:tc>
+                <a:tc>
+                  <a:txBody>
+                    <a:bodyPr/>
+                    <a:lstStyle/>
+                    <a:p>
+                      <a:pPr algn="ctr"/>
+                      <a:r>
+                        <a:rPr lang="es-419" sz="1200" dirty="0">
+                          <a:latin typeface="Times New Roman" panose="02020603050405020304" pitchFamily="18" charset="0"/>
+                          <a:cs typeface="Times New Roman" panose="02020603050405020304" pitchFamily="18" charset="0"/>
+                        </a:rPr>
+                        <a:t>G</a:t>
+                      </a:r>
+                      <a:endParaRPr lang="en-US" sz="1200" dirty="0">
+                        <a:latin typeface="Times New Roman" panose="02020603050405020304" pitchFamily="18" charset="0"/>
+                        <a:cs typeface="Times New Roman" panose="02020603050405020304" pitchFamily="18" charset="0"/>
+                      </a:endParaRPr>
+                    </a:p>
+                  </a:txBody>
+                  <a:tcPr>
+                    <a:solidFill>
+                      <a:schemeClr val="accent2">
+                        <a:lumMod val="20000"/>
+                        <a:lumOff val="80000"/>
+                      </a:schemeClr>
+                    </a:solidFill>
+                  </a:tcPr>
+                </a:tc>
+                <a:tc>
+                  <a:txBody>
+                    <a:bodyPr/>
+                    <a:lstStyle/>
+                    <a:p>
+                      <a:pPr algn="ctr"/>
+                      <a:r>
+                        <a:rPr lang="es-419" sz="1200" dirty="0">
+                          <a:latin typeface="Times New Roman" panose="02020603050405020304" pitchFamily="18" charset="0"/>
+                          <a:cs typeface="Times New Roman" panose="02020603050405020304" pitchFamily="18" charset="0"/>
+                        </a:rPr>
+                        <a:t>A</a:t>
+                      </a:r>
+                      <a:endParaRPr lang="en-US" sz="1200" dirty="0">
+                        <a:latin typeface="Times New Roman" panose="02020603050405020304" pitchFamily="18" charset="0"/>
+                        <a:cs typeface="Times New Roman" panose="02020603050405020304" pitchFamily="18" charset="0"/>
+                      </a:endParaRPr>
+                    </a:p>
+                  </a:txBody>
+                  <a:tcPr>
+                    <a:solidFill>
+                      <a:schemeClr val="accent2">
+                        <a:lumMod val="20000"/>
+                        <a:lumOff val="80000"/>
+                      </a:schemeClr>
+                    </a:solidFill>
+                  </a:tcPr>
+                </a:tc>
+                <a:tc>
+                  <a:txBody>
+                    <a:bodyPr/>
+                    <a:lstStyle/>
+                    <a:p>
+                      <a:pPr algn="ctr"/>
+                      <a:r>
+                        <a:rPr lang="es-419" sz="1200" dirty="0">
+                          <a:latin typeface="Times New Roman" panose="02020603050405020304" pitchFamily="18" charset="0"/>
+                          <a:cs typeface="Times New Roman" panose="02020603050405020304" pitchFamily="18" charset="0"/>
+                        </a:rPr>
+                        <a:t>G</a:t>
+                      </a:r>
+                      <a:endParaRPr lang="en-US" sz="1200" dirty="0">
+                        <a:latin typeface="Times New Roman" panose="02020603050405020304" pitchFamily="18" charset="0"/>
+                        <a:cs typeface="Times New Roman" panose="02020603050405020304" pitchFamily="18" charset="0"/>
+                      </a:endParaRPr>
+                    </a:p>
+                  </a:txBody>
+                  <a:tcPr>
+                    <a:solidFill>
+                      <a:schemeClr val="accent2">
+                        <a:lumMod val="20000"/>
+                        <a:lumOff val="80000"/>
+                      </a:schemeClr>
+                    </a:solidFill>
+                  </a:tcPr>
+                </a:tc>
+                <a:tc>
+                  <a:txBody>
+                    <a:bodyPr/>
+                    <a:lstStyle/>
+                    <a:p>
+                      <a:pPr algn="ctr"/>
+                      <a:r>
+                        <a:rPr lang="es-419" sz="1200" dirty="0">
+                          <a:latin typeface="Times New Roman" panose="02020603050405020304" pitchFamily="18" charset="0"/>
+                          <a:cs typeface="Times New Roman" panose="02020603050405020304" pitchFamily="18" charset="0"/>
+                        </a:rPr>
+                        <a:t>C</a:t>
+                      </a:r>
+                      <a:endParaRPr lang="en-US" sz="1200" dirty="0">
+                        <a:latin typeface="Times New Roman" panose="02020603050405020304" pitchFamily="18" charset="0"/>
+                        <a:cs typeface="Times New Roman" panose="02020603050405020304" pitchFamily="18" charset="0"/>
+                      </a:endParaRPr>
+                    </a:p>
+                  </a:txBody>
+                  <a:tcPr>
+                    <a:solidFill>
+                      <a:schemeClr val="accent2">
+                        <a:lumMod val="20000"/>
+                        <a:lumOff val="80000"/>
+                      </a:schemeClr>
+                    </a:solidFill>
+                  </a:tcPr>
+                </a:tc>
+                <a:tc>
+                  <a:txBody>
+                    <a:bodyPr/>
+                    <a:lstStyle/>
+                    <a:p>
+                      <a:pPr algn="ctr"/>
+                      <a:r>
+                        <a:rPr lang="es-419" sz="1200" dirty="0">
+                          <a:latin typeface="Times New Roman" panose="02020603050405020304" pitchFamily="18" charset="0"/>
+                          <a:cs typeface="Times New Roman" panose="02020603050405020304" pitchFamily="18" charset="0"/>
+                        </a:rPr>
+                        <a:t>-</a:t>
+                      </a:r>
+                      <a:endParaRPr lang="en-US" sz="1200" dirty="0">
+                        <a:latin typeface="Times New Roman" panose="02020603050405020304" pitchFamily="18" charset="0"/>
+                        <a:cs typeface="Times New Roman" panose="02020603050405020304" pitchFamily="18" charset="0"/>
+                      </a:endParaRPr>
+                    </a:p>
+                  </a:txBody>
+                  <a:tcPr>
+                    <a:solidFill>
+                      <a:schemeClr val="accent2">
+                        <a:lumMod val="20000"/>
+                        <a:lumOff val="80000"/>
+                      </a:schemeClr>
+                    </a:solidFill>
+                  </a:tcPr>
+                </a:tc>
+                <a:tc>
+                  <a:txBody>
+                    <a:bodyPr/>
+                    <a:lstStyle/>
+                    <a:p>
+                      <a:pPr algn="ctr"/>
+                      <a:r>
+                        <a:rPr lang="es-419" sz="1200" dirty="0">
+                          <a:latin typeface="Times New Roman" panose="02020603050405020304" pitchFamily="18" charset="0"/>
+                          <a:cs typeface="Times New Roman" panose="02020603050405020304" pitchFamily="18" charset="0"/>
+                        </a:rPr>
+                        <a:t>-</a:t>
+                      </a:r>
+                      <a:endParaRPr lang="en-US" sz="1200" dirty="0">
+                        <a:latin typeface="Times New Roman" panose="02020603050405020304" pitchFamily="18" charset="0"/>
+                        <a:cs typeface="Times New Roman" panose="02020603050405020304" pitchFamily="18" charset="0"/>
+                      </a:endParaRPr>
+                    </a:p>
+                  </a:txBody>
+                  <a:tcPr>
+                    <a:solidFill>
+                      <a:schemeClr val="accent2">
+                        <a:lumMod val="20000"/>
+                        <a:lumOff val="80000"/>
+                      </a:schemeClr>
+                    </a:solidFill>
+                  </a:tcPr>
+                </a:tc>
+                <a:tc>
+                  <a:txBody>
+                    <a:bodyPr/>
+                    <a:lstStyle/>
+                    <a:p>
+                      <a:pPr algn="ctr"/>
+                      <a:r>
+                        <a:rPr lang="es-419" sz="1200" dirty="0">
+                          <a:latin typeface="Times New Roman" panose="02020603050405020304" pitchFamily="18" charset="0"/>
+                          <a:cs typeface="Times New Roman" panose="02020603050405020304" pitchFamily="18" charset="0"/>
+                        </a:rPr>
+                        <a:t>C</a:t>
+                      </a:r>
+                      <a:endParaRPr lang="en-US" sz="1200" dirty="0">
+                        <a:latin typeface="Times New Roman" panose="02020603050405020304" pitchFamily="18" charset="0"/>
+                        <a:cs typeface="Times New Roman" panose="02020603050405020304" pitchFamily="18" charset="0"/>
+                      </a:endParaRPr>
+                    </a:p>
+                  </a:txBody>
+                  <a:tcPr>
+                    <a:solidFill>
+                      <a:schemeClr val="accent2">
+                        <a:lumMod val="20000"/>
+                        <a:lumOff val="80000"/>
+                      </a:schemeClr>
+                    </a:solidFill>
+                  </a:tcPr>
+                </a:tc>
+                <a:tc>
+                  <a:txBody>
+                    <a:bodyPr/>
+                    <a:lstStyle/>
+                    <a:p>
+                      <a:pPr algn="ctr"/>
+                      <a:r>
+                        <a:rPr lang="es-419" sz="1200" dirty="0">
+                          <a:latin typeface="Times New Roman" panose="02020603050405020304" pitchFamily="18" charset="0"/>
+                          <a:cs typeface="Times New Roman" panose="02020603050405020304" pitchFamily="18" charset="0"/>
+                        </a:rPr>
+                        <a:t>T</a:t>
+                      </a:r>
+                      <a:endParaRPr lang="en-US" sz="1200" dirty="0">
+                        <a:latin typeface="Times New Roman" panose="02020603050405020304" pitchFamily="18" charset="0"/>
+                        <a:cs typeface="Times New Roman" panose="02020603050405020304" pitchFamily="18" charset="0"/>
+                      </a:endParaRPr>
+                    </a:p>
+                  </a:txBody>
+                  <a:tcPr>
+                    <a:solidFill>
+                      <a:schemeClr val="accent2">
+                        <a:lumMod val="20000"/>
+                        <a:lumOff val="80000"/>
+                      </a:schemeClr>
+                    </a:solidFill>
+                  </a:tcPr>
+                </a:tc>
+                <a:tc>
+                  <a:txBody>
+                    <a:bodyPr/>
+                    <a:lstStyle/>
+                    <a:p>
+                      <a:pPr algn="ctr"/>
+                      <a:r>
+                        <a:rPr lang="es-419" sz="1200" dirty="0">
+                          <a:latin typeface="Times New Roman" panose="02020603050405020304" pitchFamily="18" charset="0"/>
+                          <a:cs typeface="Times New Roman" panose="02020603050405020304" pitchFamily="18" charset="0"/>
+                        </a:rPr>
+                        <a:t>G</a:t>
+                      </a:r>
+                      <a:endParaRPr lang="en-US" sz="1200" dirty="0">
+                        <a:latin typeface="Times New Roman" panose="02020603050405020304" pitchFamily="18" charset="0"/>
+                        <a:cs typeface="Times New Roman" panose="02020603050405020304" pitchFamily="18" charset="0"/>
+                      </a:endParaRPr>
+                    </a:p>
+                  </a:txBody>
+                  <a:tcPr>
+                    <a:solidFill>
+                      <a:schemeClr val="accent2">
+                        <a:lumMod val="20000"/>
+                        <a:lumOff val="80000"/>
+                      </a:schemeClr>
+                    </a:solidFill>
+                  </a:tcPr>
+                </a:tc>
+                <a:tc>
+                  <a:txBody>
+                    <a:bodyPr/>
+                    <a:lstStyle/>
+                    <a:p>
+                      <a:pPr algn="ctr"/>
+                      <a:r>
+                        <a:rPr lang="es-419" sz="1200" dirty="0">
+                          <a:latin typeface="Times New Roman" panose="02020603050405020304" pitchFamily="18" charset="0"/>
+                          <a:cs typeface="Times New Roman" panose="02020603050405020304" pitchFamily="18" charset="0"/>
+                        </a:rPr>
+                        <a:t>-</a:t>
+                      </a:r>
+                      <a:endParaRPr lang="en-US" sz="1200" dirty="0">
+                        <a:latin typeface="Times New Roman" panose="02020603050405020304" pitchFamily="18" charset="0"/>
+                        <a:cs typeface="Times New Roman" panose="02020603050405020304" pitchFamily="18" charset="0"/>
+                      </a:endParaRPr>
+                    </a:p>
+                  </a:txBody>
+                  <a:tcPr>
+                    <a:solidFill>
+                      <a:schemeClr val="accent2">
+                        <a:lumMod val="20000"/>
+                        <a:lumOff val="80000"/>
+                      </a:schemeClr>
+                    </a:solidFill>
+                  </a:tcPr>
+                </a:tc>
+                <a:tc>
+                  <a:txBody>
+                    <a:bodyPr/>
+                    <a:lstStyle/>
+                    <a:p>
+                      <a:pPr algn="ctr"/>
+                      <a:r>
+                        <a:rPr lang="es-419" sz="1200" dirty="0">
+                          <a:latin typeface="Times New Roman" panose="02020603050405020304" pitchFamily="18" charset="0"/>
+                          <a:cs typeface="Times New Roman" panose="02020603050405020304" pitchFamily="18" charset="0"/>
+                        </a:rPr>
+                        <a:t>T</a:t>
+                      </a:r>
+                      <a:endParaRPr lang="en-US" sz="1200" dirty="0">
+                        <a:latin typeface="Times New Roman" panose="02020603050405020304" pitchFamily="18" charset="0"/>
+                        <a:cs typeface="Times New Roman" panose="02020603050405020304" pitchFamily="18" charset="0"/>
+                      </a:endParaRPr>
+                    </a:p>
+                  </a:txBody>
+                  <a:tcPr>
+                    <a:solidFill>
+                      <a:schemeClr val="accent2">
+                        <a:lumMod val="20000"/>
+                        <a:lumOff val="80000"/>
+                      </a:schemeClr>
+                    </a:solidFill>
+                  </a:tcPr>
+                </a:tc>
+                <a:tc>
+                  <a:txBody>
+                    <a:bodyPr/>
+                    <a:lstStyle/>
+                    <a:p>
+                      <a:pPr algn="ctr"/>
+                      <a:r>
+                        <a:rPr lang="es-419" sz="1200" dirty="0">
+                          <a:latin typeface="Times New Roman" panose="02020603050405020304" pitchFamily="18" charset="0"/>
+                          <a:cs typeface="Times New Roman" panose="02020603050405020304" pitchFamily="18" charset="0"/>
+                        </a:rPr>
+                        <a:t>A</a:t>
+                      </a:r>
+                      <a:endParaRPr lang="en-US" sz="1200" dirty="0">
+                        <a:latin typeface="Times New Roman" panose="02020603050405020304" pitchFamily="18" charset="0"/>
+                        <a:cs typeface="Times New Roman" panose="02020603050405020304" pitchFamily="18" charset="0"/>
+                      </a:endParaRPr>
+                    </a:p>
+                  </a:txBody>
+                  <a:tcPr>
+                    <a:solidFill>
+                      <a:schemeClr val="accent5">
+                        <a:lumMod val="20000"/>
+                        <a:lumOff val="80000"/>
+                      </a:schemeClr>
+                    </a:solidFill>
+                  </a:tcPr>
+                </a:tc>
+                <a:tc>
+                  <a:txBody>
+                    <a:bodyPr/>
+                    <a:lstStyle/>
+                    <a:p>
+                      <a:pPr algn="ctr"/>
+                      <a:r>
+                        <a:rPr lang="es-MX" sz="1200" dirty="0">
+                          <a:latin typeface="Times New Roman" panose="02020603050405020304" pitchFamily="18" charset="0"/>
+                          <a:cs typeface="Times New Roman" panose="02020603050405020304" pitchFamily="18" charset="0"/>
+                        </a:rPr>
+                        <a:t>T</a:t>
+                      </a:r>
+                      <a:endParaRPr lang="en-US" sz="1200" dirty="0">
+                        <a:latin typeface="Times New Roman" panose="02020603050405020304" pitchFamily="18" charset="0"/>
+                        <a:cs typeface="Times New Roman" panose="02020603050405020304" pitchFamily="18" charset="0"/>
+                      </a:endParaRPr>
+                    </a:p>
+                  </a:txBody>
+                  <a:tcPr>
+                    <a:solidFill>
+                      <a:schemeClr val="accent5">
+                        <a:lumMod val="20000"/>
+                        <a:lumOff val="80000"/>
+                      </a:schemeClr>
+                    </a:solidFill>
+                  </a:tcPr>
+                </a:tc>
+                <a:tc>
+                  <a:txBody>
+                    <a:bodyPr/>
+                    <a:lstStyle/>
+                    <a:p>
+                      <a:pPr algn="ctr"/>
+                      <a:r>
+                        <a:rPr lang="es-MX" sz="1200" dirty="0">
+                          <a:latin typeface="Times New Roman" panose="02020603050405020304" pitchFamily="18" charset="0"/>
+                          <a:cs typeface="Times New Roman" panose="02020603050405020304" pitchFamily="18" charset="0"/>
+                        </a:rPr>
+                        <a:t>C</a:t>
+                      </a:r>
+                      <a:endParaRPr lang="en-US" sz="1200" dirty="0">
+                        <a:latin typeface="Times New Roman" panose="02020603050405020304" pitchFamily="18" charset="0"/>
+                        <a:cs typeface="Times New Roman" panose="02020603050405020304" pitchFamily="18" charset="0"/>
+                      </a:endParaRPr>
+                    </a:p>
+                  </a:txBody>
+                  <a:tcPr>
+                    <a:solidFill>
+                      <a:schemeClr val="accent5">
+                        <a:lumMod val="20000"/>
+                        <a:lumOff val="80000"/>
+                      </a:schemeClr>
+                    </a:solidFill>
+                  </a:tcPr>
+                </a:tc>
+                <a:tc>
+                  <a:txBody>
+                    <a:bodyPr/>
+                    <a:lstStyle/>
+                    <a:p>
+                      <a:pPr algn="ctr"/>
+                      <a:r>
+                        <a:rPr lang="es-MX" sz="1200" dirty="0">
+                          <a:latin typeface="Times New Roman" panose="02020603050405020304" pitchFamily="18" charset="0"/>
+                          <a:cs typeface="Times New Roman" panose="02020603050405020304" pitchFamily="18" charset="0"/>
+                        </a:rPr>
+                        <a:t>A</a:t>
+                      </a:r>
+                      <a:endParaRPr lang="en-US" sz="1200" dirty="0">
+                        <a:latin typeface="Times New Roman" panose="02020603050405020304" pitchFamily="18" charset="0"/>
+                        <a:cs typeface="Times New Roman" panose="02020603050405020304" pitchFamily="18" charset="0"/>
+                      </a:endParaRPr>
+                    </a:p>
+                  </a:txBody>
+                  <a:tcPr>
+                    <a:solidFill>
+                      <a:schemeClr val="accent5">
+                        <a:lumMod val="20000"/>
+                        <a:lumOff val="80000"/>
+                      </a:schemeClr>
+                    </a:solidFill>
+                  </a:tcPr>
+                </a:tc>
+                <a:tc>
+                  <a:txBody>
+                    <a:bodyPr/>
+                    <a:lstStyle/>
+                    <a:p>
+                      <a:pPr algn="ctr"/>
+                      <a:r>
+                        <a:rPr lang="es-MX" sz="1200" dirty="0">
+                          <a:latin typeface="Times New Roman" panose="02020603050405020304" pitchFamily="18" charset="0"/>
+                          <a:cs typeface="Times New Roman" panose="02020603050405020304" pitchFamily="18" charset="0"/>
+                        </a:rPr>
+                        <a:t>G</a:t>
+                      </a:r>
+                      <a:endParaRPr lang="en-US" sz="1200" dirty="0">
+                        <a:latin typeface="Times New Roman" panose="02020603050405020304" pitchFamily="18" charset="0"/>
+                        <a:cs typeface="Times New Roman" panose="02020603050405020304" pitchFamily="18" charset="0"/>
+                      </a:endParaRPr>
+                    </a:p>
+                  </a:txBody>
+                  <a:tcPr>
+                    <a:solidFill>
+                      <a:schemeClr val="accent5">
+                        <a:lumMod val="20000"/>
+                        <a:lumOff val="80000"/>
+                      </a:schemeClr>
+                    </a:solidFill>
+                  </a:tcPr>
+                </a:tc>
+                <a:tc>
+                  <a:txBody>
+                    <a:bodyPr/>
+                    <a:lstStyle/>
+                    <a:p>
+                      <a:pPr algn="ctr"/>
+                      <a:r>
+                        <a:rPr lang="es-MX" sz="1200" dirty="0">
+                          <a:latin typeface="Times New Roman" panose="02020603050405020304" pitchFamily="18" charset="0"/>
+                          <a:cs typeface="Times New Roman" panose="02020603050405020304" pitchFamily="18" charset="0"/>
+                        </a:rPr>
+                        <a:t>C</a:t>
+                      </a:r>
+                      <a:endParaRPr lang="en-US" sz="1200" dirty="0">
+                        <a:latin typeface="Times New Roman" panose="02020603050405020304" pitchFamily="18" charset="0"/>
+                        <a:cs typeface="Times New Roman" panose="02020603050405020304" pitchFamily="18" charset="0"/>
+                      </a:endParaRPr>
+                    </a:p>
+                  </a:txBody>
+                  <a:tcPr>
+                    <a:solidFill>
+                      <a:schemeClr val="accent5">
+                        <a:lumMod val="20000"/>
+                        <a:lumOff val="80000"/>
+                      </a:schemeClr>
+                    </a:solidFill>
+                  </a:tcPr>
+                </a:tc>
+                <a:tc>
+                  <a:txBody>
+                    <a:bodyPr/>
+                    <a:lstStyle/>
+                    <a:p>
+                      <a:pPr algn="ctr"/>
+                      <a:r>
+                        <a:rPr lang="es-MX" sz="1200" dirty="0">
+                          <a:latin typeface="Times New Roman" panose="02020603050405020304" pitchFamily="18" charset="0"/>
+                          <a:cs typeface="Times New Roman" panose="02020603050405020304" pitchFamily="18" charset="0"/>
+                        </a:rPr>
+                        <a:t>-</a:t>
+                      </a:r>
+                      <a:endParaRPr lang="en-US" sz="1200" dirty="0">
+                        <a:latin typeface="Times New Roman" panose="02020603050405020304" pitchFamily="18" charset="0"/>
+                        <a:cs typeface="Times New Roman" panose="02020603050405020304" pitchFamily="18" charset="0"/>
+                      </a:endParaRPr>
+                    </a:p>
+                  </a:txBody>
+                  <a:tcPr>
+                    <a:solidFill>
+                      <a:schemeClr val="accent5">
+                        <a:lumMod val="20000"/>
+                        <a:lumOff val="80000"/>
+                      </a:schemeClr>
+                    </a:solidFill>
+                  </a:tcPr>
+                </a:tc>
+                <a:tc>
+                  <a:txBody>
+                    <a:bodyPr/>
+                    <a:lstStyle/>
+                    <a:p>
+                      <a:pPr algn="ctr"/>
+                      <a:r>
+                        <a:rPr lang="es-MX" sz="1200" dirty="0">
+                          <a:latin typeface="Times New Roman" panose="02020603050405020304" pitchFamily="18" charset="0"/>
+                          <a:cs typeface="Times New Roman" panose="02020603050405020304" pitchFamily="18" charset="0"/>
+                        </a:rPr>
+                        <a:t>-</a:t>
+                      </a:r>
+                      <a:endParaRPr lang="en-US" sz="1200" dirty="0">
+                        <a:latin typeface="Times New Roman" panose="02020603050405020304" pitchFamily="18" charset="0"/>
+                        <a:cs typeface="Times New Roman" panose="02020603050405020304" pitchFamily="18" charset="0"/>
+                      </a:endParaRPr>
+                    </a:p>
+                  </a:txBody>
+                  <a:tcPr>
+                    <a:solidFill>
+                      <a:schemeClr val="accent5">
+                        <a:lumMod val="20000"/>
+                        <a:lumOff val="80000"/>
+                      </a:schemeClr>
+                    </a:solidFill>
+                  </a:tcPr>
+                </a:tc>
+                <a:tc>
+                  <a:txBody>
+                    <a:bodyPr/>
+                    <a:lstStyle/>
+                    <a:p>
+                      <a:pPr algn="ctr"/>
+                      <a:r>
+                        <a:rPr lang="es-MX" sz="1200" dirty="0">
+                          <a:latin typeface="Times New Roman" panose="02020603050405020304" pitchFamily="18" charset="0"/>
+                          <a:cs typeface="Times New Roman" panose="02020603050405020304" pitchFamily="18" charset="0"/>
+                        </a:rPr>
+                        <a:t>C</a:t>
+                      </a:r>
+                      <a:endParaRPr lang="en-US" sz="1200" dirty="0">
+                        <a:latin typeface="Times New Roman" panose="02020603050405020304" pitchFamily="18" charset="0"/>
+                        <a:cs typeface="Times New Roman" panose="02020603050405020304" pitchFamily="18" charset="0"/>
+                      </a:endParaRPr>
+                    </a:p>
+                  </a:txBody>
+                  <a:tcPr>
+                    <a:solidFill>
+                      <a:schemeClr val="accent5">
+                        <a:lumMod val="20000"/>
+                        <a:lumOff val="80000"/>
+                      </a:schemeClr>
+                    </a:solidFill>
+                  </a:tcPr>
+                </a:tc>
+                <a:tc>
+                  <a:txBody>
+                    <a:bodyPr/>
+                    <a:lstStyle/>
+                    <a:p>
+                      <a:pPr algn="ctr"/>
+                      <a:r>
+                        <a:rPr lang="es-MX" sz="1200" dirty="0">
+                          <a:latin typeface="Times New Roman" panose="02020603050405020304" pitchFamily="18" charset="0"/>
+                          <a:cs typeface="Times New Roman" panose="02020603050405020304" pitchFamily="18" charset="0"/>
+                        </a:rPr>
+                        <a:t>C</a:t>
+                      </a:r>
+                      <a:endParaRPr lang="en-US" sz="1200" dirty="0">
+                        <a:latin typeface="Times New Roman" panose="02020603050405020304" pitchFamily="18" charset="0"/>
+                        <a:cs typeface="Times New Roman" panose="02020603050405020304" pitchFamily="18" charset="0"/>
+                      </a:endParaRPr>
+                    </a:p>
+                  </a:txBody>
+                  <a:tcPr>
+                    <a:solidFill>
+                      <a:schemeClr val="accent5">
+                        <a:lumMod val="20000"/>
+                        <a:lumOff val="80000"/>
+                      </a:schemeClr>
+                    </a:solidFill>
+                  </a:tcPr>
+                </a:tc>
+                <a:tc>
+                  <a:txBody>
+                    <a:bodyPr/>
+                    <a:lstStyle/>
+                    <a:p>
+                      <a:pPr algn="ctr"/>
+                      <a:endParaRPr lang="en-US" sz="1200" dirty="0">
+                        <a:latin typeface="Times New Roman" panose="02020603050405020304" pitchFamily="18" charset="0"/>
+                        <a:cs typeface="Times New Roman" panose="02020603050405020304" pitchFamily="18" charset="0"/>
+                      </a:endParaRPr>
+                    </a:p>
+                  </a:txBody>
+                  <a:tcPr>
+                    <a:solidFill>
+                      <a:schemeClr val="accent5">
+                        <a:lumMod val="20000"/>
+                        <a:lumOff val="80000"/>
+                      </a:schemeClr>
+                    </a:solidFill>
+                  </a:tcPr>
+                </a:tc>
+                <a:tc>
+                  <a:txBody>
+                    <a:bodyPr/>
+                    <a:lstStyle/>
+                    <a:p>
+                      <a:pPr algn="ctr"/>
+                      <a:endParaRPr lang="en-US" sz="1200" dirty="0">
+                        <a:latin typeface="Times New Roman" panose="02020603050405020304" pitchFamily="18" charset="0"/>
+                        <a:cs typeface="Times New Roman" panose="02020603050405020304" pitchFamily="18" charset="0"/>
+                      </a:endParaRPr>
+                    </a:p>
+                  </a:txBody>
+                  <a:tcPr>
+                    <a:solidFill>
+                      <a:schemeClr val="accent5">
+                        <a:lumMod val="20000"/>
+                        <a:lumOff val="80000"/>
+                      </a:schemeClr>
+                    </a:solidFill>
+                  </a:tcPr>
+                </a:tc>
+                <a:extLst>
+                  <a:ext uri="{0D108BD9-81ED-4DB2-BD59-A6C34878D82A}">
+                    <a16:rowId xmlns:a16="http://schemas.microsoft.com/office/drawing/2014/main" val="2359312844"/>
+                  </a:ext>
+                </a:extLst>
+              </a:tr>
+              <a:tr h="406108">
+                <a:tc>
+                  <a:txBody>
+                    <a:bodyPr/>
+                    <a:lstStyle/>
+                    <a:p>
+                      <a:pPr algn="ctr"/>
+                      <a:r>
+                        <a:rPr lang="es-MX" sz="900" b="1" dirty="0">
+                          <a:latin typeface="Times New Roman" panose="02020603050405020304" pitchFamily="18" charset="0"/>
+                          <a:cs typeface="Times New Roman" panose="02020603050405020304" pitchFamily="18" charset="0"/>
+                        </a:rPr>
+                        <a:t>SEQ2 – INDICES</a:t>
+                      </a:r>
+                      <a:br>
+                        <a:rPr lang="es-MX" sz="900" b="1" dirty="0">
+                          <a:latin typeface="Times New Roman" panose="02020603050405020304" pitchFamily="18" charset="0"/>
+                          <a:cs typeface="Times New Roman" panose="02020603050405020304" pitchFamily="18" charset="0"/>
+                        </a:rPr>
+                      </a:br>
+                      <a:r>
+                        <a:rPr lang="es-MX" sz="900" b="1" dirty="0">
+                          <a:latin typeface="Times New Roman" panose="02020603050405020304" pitchFamily="18" charset="0"/>
+                          <a:cs typeface="Times New Roman" panose="02020603050405020304" pitchFamily="18" charset="0"/>
+                        </a:rPr>
+                        <a:t>DE GENES</a:t>
+                      </a:r>
+                      <a:endParaRPr lang="en-US" sz="900" b="1" dirty="0">
+                        <a:latin typeface="Times New Roman" panose="02020603050405020304" pitchFamily="18" charset="0"/>
+                        <a:cs typeface="Times New Roman" panose="02020603050405020304" pitchFamily="18" charset="0"/>
+                      </a:endParaRPr>
+                    </a:p>
+                  </a:txBody>
+                  <a:tcPr>
+                    <a:solidFill>
+                      <a:schemeClr val="bg2"/>
+                    </a:solidFill>
+                  </a:tcPr>
+                </a:tc>
+                <a:tc>
+                  <a:txBody>
+                    <a:bodyPr/>
+                    <a:lstStyle/>
+                    <a:p>
+                      <a:pPr algn="ctr"/>
+                      <a:r>
+                        <a:rPr lang="es-MX" sz="1200" dirty="0">
+                          <a:latin typeface="Times New Roman" panose="02020603050405020304" pitchFamily="18" charset="0"/>
+                          <a:cs typeface="Times New Roman" panose="02020603050405020304" pitchFamily="18" charset="0"/>
+                        </a:rPr>
+                        <a:t>1</a:t>
+                      </a:r>
+                      <a:endParaRPr lang="en-US" sz="1200" dirty="0">
+                        <a:latin typeface="Times New Roman" panose="02020603050405020304" pitchFamily="18" charset="0"/>
+                        <a:cs typeface="Times New Roman" panose="02020603050405020304" pitchFamily="18" charset="0"/>
+                      </a:endParaRPr>
+                    </a:p>
+                  </a:txBody>
+                  <a:tcPr>
+                    <a:solidFill>
+                      <a:schemeClr val="bg1"/>
+                    </a:solidFill>
+                  </a:tcPr>
+                </a:tc>
+                <a:tc>
+                  <a:txBody>
+                    <a:bodyPr/>
+                    <a:lstStyle/>
+                    <a:p>
+                      <a:pPr algn="ctr"/>
+                      <a:r>
+                        <a:rPr lang="es-MX" sz="1200" dirty="0">
+                          <a:latin typeface="Times New Roman" panose="02020603050405020304" pitchFamily="18" charset="0"/>
+                          <a:cs typeface="Times New Roman" panose="02020603050405020304" pitchFamily="18" charset="0"/>
+                        </a:rPr>
+                        <a:t>2</a:t>
+                      </a:r>
+                      <a:endParaRPr lang="en-US" sz="1200" dirty="0">
+                        <a:latin typeface="Times New Roman" panose="02020603050405020304" pitchFamily="18" charset="0"/>
+                        <a:cs typeface="Times New Roman" panose="02020603050405020304" pitchFamily="18" charset="0"/>
+                      </a:endParaRPr>
+                    </a:p>
+                  </a:txBody>
+                  <a:tcPr>
+                    <a:solidFill>
+                      <a:schemeClr val="bg1"/>
+                    </a:solidFill>
+                  </a:tcPr>
+                </a:tc>
+                <a:tc>
+                  <a:txBody>
+                    <a:bodyPr/>
+                    <a:lstStyle/>
+                    <a:p>
+                      <a:pPr algn="ctr"/>
+                      <a:r>
+                        <a:rPr lang="es-MX" sz="1200" dirty="0">
+                          <a:latin typeface="Times New Roman" panose="02020603050405020304" pitchFamily="18" charset="0"/>
+                          <a:cs typeface="Times New Roman" panose="02020603050405020304" pitchFamily="18" charset="0"/>
+                        </a:rPr>
+                        <a:t>3</a:t>
+                      </a:r>
+                      <a:endParaRPr lang="en-US" sz="1200" dirty="0">
+                        <a:latin typeface="Times New Roman" panose="02020603050405020304" pitchFamily="18" charset="0"/>
+                        <a:cs typeface="Times New Roman" panose="02020603050405020304" pitchFamily="18" charset="0"/>
+                      </a:endParaRPr>
+                    </a:p>
+                  </a:txBody>
+                  <a:tcPr>
+                    <a:solidFill>
+                      <a:schemeClr val="bg1"/>
+                    </a:solidFill>
+                  </a:tcPr>
+                </a:tc>
+                <a:tc>
+                  <a:txBody>
+                    <a:bodyPr/>
+                    <a:lstStyle/>
+                    <a:p>
+                      <a:pPr algn="ctr"/>
+                      <a:endParaRPr lang="en-US" sz="1200" dirty="0">
+                        <a:latin typeface="Times New Roman" panose="02020603050405020304" pitchFamily="18" charset="0"/>
+                        <a:cs typeface="Times New Roman" panose="02020603050405020304" pitchFamily="18" charset="0"/>
+                      </a:endParaRPr>
+                    </a:p>
+                  </a:txBody>
+                  <a:tcPr>
+                    <a:solidFill>
+                      <a:schemeClr val="bg1"/>
+                    </a:solidFill>
+                  </a:tcPr>
+                </a:tc>
+                <a:tc>
+                  <a:txBody>
+                    <a:bodyPr/>
+                    <a:lstStyle/>
+                    <a:p>
+                      <a:pPr algn="ctr"/>
+                      <a:endParaRPr lang="en-US" sz="1200" dirty="0">
+                        <a:latin typeface="Times New Roman" panose="02020603050405020304" pitchFamily="18" charset="0"/>
+                        <a:cs typeface="Times New Roman" panose="02020603050405020304" pitchFamily="18" charset="0"/>
+                      </a:endParaRPr>
+                    </a:p>
+                  </a:txBody>
+                  <a:tcPr>
+                    <a:solidFill>
+                      <a:schemeClr val="bg1"/>
+                    </a:solidFill>
+                  </a:tcPr>
+                </a:tc>
+                <a:tc>
+                  <a:txBody>
+                    <a:bodyPr/>
+                    <a:lstStyle/>
+                    <a:p>
+                      <a:pPr algn="ctr"/>
+                      <a:r>
+                        <a:rPr lang="es-MX" sz="1200" dirty="0">
+                          <a:latin typeface="Times New Roman" panose="02020603050405020304" pitchFamily="18" charset="0"/>
+                          <a:cs typeface="Times New Roman" panose="02020603050405020304" pitchFamily="18" charset="0"/>
+                        </a:rPr>
+                        <a:t>4</a:t>
+                      </a:r>
+                      <a:endParaRPr lang="en-US" sz="1200" dirty="0">
+                        <a:latin typeface="Times New Roman" panose="02020603050405020304" pitchFamily="18" charset="0"/>
+                        <a:cs typeface="Times New Roman" panose="02020603050405020304" pitchFamily="18" charset="0"/>
+                      </a:endParaRPr>
+                    </a:p>
+                  </a:txBody>
+                  <a:tcPr>
+                    <a:solidFill>
+                      <a:schemeClr val="bg1"/>
+                    </a:solidFill>
+                  </a:tcPr>
+                </a:tc>
+                <a:tc>
+                  <a:txBody>
+                    <a:bodyPr/>
+                    <a:lstStyle/>
+                    <a:p>
+                      <a:pPr algn="ctr"/>
+                      <a:r>
+                        <a:rPr lang="es-MX" sz="1200" dirty="0">
+                          <a:latin typeface="Times New Roman" panose="02020603050405020304" pitchFamily="18" charset="0"/>
+                          <a:cs typeface="Times New Roman" panose="02020603050405020304" pitchFamily="18" charset="0"/>
+                        </a:rPr>
+                        <a:t>5</a:t>
+                      </a:r>
+                      <a:endParaRPr lang="en-US" sz="1200" dirty="0">
+                        <a:latin typeface="Times New Roman" panose="02020603050405020304" pitchFamily="18" charset="0"/>
+                        <a:cs typeface="Times New Roman" panose="02020603050405020304" pitchFamily="18" charset="0"/>
+                      </a:endParaRPr>
+                    </a:p>
+                  </a:txBody>
+                  <a:tcPr>
+                    <a:solidFill>
+                      <a:schemeClr val="bg1"/>
+                    </a:solidFill>
+                  </a:tcPr>
+                </a:tc>
+                <a:tc>
+                  <a:txBody>
+                    <a:bodyPr/>
+                    <a:lstStyle/>
+                    <a:p>
+                      <a:pPr algn="ctr"/>
+                      <a:r>
+                        <a:rPr lang="es-MX" sz="1200" dirty="0">
+                          <a:latin typeface="Times New Roman" panose="02020603050405020304" pitchFamily="18" charset="0"/>
+                          <a:cs typeface="Times New Roman" panose="02020603050405020304" pitchFamily="18" charset="0"/>
+                        </a:rPr>
+                        <a:t>6</a:t>
+                      </a:r>
+                      <a:endParaRPr lang="en-US" sz="1200" dirty="0">
+                        <a:latin typeface="Times New Roman" panose="02020603050405020304" pitchFamily="18" charset="0"/>
+                        <a:cs typeface="Times New Roman" panose="02020603050405020304" pitchFamily="18" charset="0"/>
+                      </a:endParaRPr>
+                    </a:p>
+                  </a:txBody>
+                  <a:tcPr>
+                    <a:solidFill>
+                      <a:schemeClr val="bg1"/>
+                    </a:solidFill>
+                  </a:tcPr>
+                </a:tc>
+                <a:tc>
+                  <a:txBody>
+                    <a:bodyPr/>
+                    <a:lstStyle/>
+                    <a:p>
+                      <a:pPr algn="ctr"/>
+                      <a:r>
+                        <a:rPr lang="es-MX" sz="1200" dirty="0">
+                          <a:latin typeface="Times New Roman" panose="02020603050405020304" pitchFamily="18" charset="0"/>
+                          <a:cs typeface="Times New Roman" panose="02020603050405020304" pitchFamily="18" charset="0"/>
+                        </a:rPr>
+                        <a:t>7</a:t>
+                      </a:r>
+                      <a:endParaRPr lang="en-US" sz="1200" dirty="0">
+                        <a:latin typeface="Times New Roman" panose="02020603050405020304" pitchFamily="18" charset="0"/>
+                        <a:cs typeface="Times New Roman" panose="02020603050405020304" pitchFamily="18" charset="0"/>
+                      </a:endParaRPr>
+                    </a:p>
+                  </a:txBody>
+                  <a:tcPr>
+                    <a:solidFill>
+                      <a:schemeClr val="bg1"/>
+                    </a:solidFill>
+                  </a:tcPr>
+                </a:tc>
+                <a:tc>
+                  <a:txBody>
+                    <a:bodyPr/>
+                    <a:lstStyle/>
+                    <a:p>
+                      <a:pPr algn="ctr"/>
+                      <a:endParaRPr lang="en-US" sz="1200" dirty="0">
+                        <a:latin typeface="Times New Roman" panose="02020603050405020304" pitchFamily="18" charset="0"/>
+                        <a:cs typeface="Times New Roman" panose="02020603050405020304" pitchFamily="18" charset="0"/>
+                      </a:endParaRPr>
+                    </a:p>
+                  </a:txBody>
+                  <a:tcPr>
+                    <a:solidFill>
+                      <a:schemeClr val="bg1"/>
+                    </a:solidFill>
+                  </a:tcPr>
+                </a:tc>
+                <a:tc>
+                  <a:txBody>
+                    <a:bodyPr/>
+                    <a:lstStyle/>
+                    <a:p>
+                      <a:pPr algn="ctr"/>
+                      <a:endParaRPr lang="en-US" sz="1200" dirty="0">
+                        <a:latin typeface="Times New Roman" panose="02020603050405020304" pitchFamily="18" charset="0"/>
+                        <a:cs typeface="Times New Roman" panose="02020603050405020304" pitchFamily="18" charset="0"/>
+                      </a:endParaRPr>
+                    </a:p>
+                  </a:txBody>
+                  <a:tcPr>
+                    <a:solidFill>
+                      <a:schemeClr val="bg1"/>
+                    </a:solidFill>
+                  </a:tcPr>
+                </a:tc>
+                <a:tc>
+                  <a:txBody>
+                    <a:bodyPr/>
+                    <a:lstStyle/>
+                    <a:p>
+                      <a:pPr algn="ctr"/>
+                      <a:r>
+                        <a:rPr lang="es-MX" sz="1200" dirty="0">
+                          <a:latin typeface="Times New Roman" panose="02020603050405020304" pitchFamily="18" charset="0"/>
+                          <a:cs typeface="Times New Roman" panose="02020603050405020304" pitchFamily="18" charset="0"/>
+                        </a:rPr>
+                        <a:t>8</a:t>
+                      </a:r>
+                      <a:endParaRPr lang="en-US" sz="1200" dirty="0">
+                        <a:latin typeface="Times New Roman" panose="02020603050405020304" pitchFamily="18" charset="0"/>
+                        <a:cs typeface="Times New Roman" panose="02020603050405020304" pitchFamily="18" charset="0"/>
+                      </a:endParaRPr>
+                    </a:p>
+                  </a:txBody>
+                  <a:tcPr>
+                    <a:solidFill>
+                      <a:schemeClr val="bg1"/>
+                    </a:solidFill>
+                  </a:tcPr>
+                </a:tc>
+                <a:tc>
+                  <a:txBody>
+                    <a:bodyPr/>
+                    <a:lstStyle/>
+                    <a:p>
+                      <a:pPr algn="ctr"/>
+                      <a:r>
+                        <a:rPr lang="es-MX" sz="1200" dirty="0">
+                          <a:latin typeface="Times New Roman" panose="02020603050405020304" pitchFamily="18" charset="0"/>
+                          <a:cs typeface="Times New Roman" panose="02020603050405020304" pitchFamily="18" charset="0"/>
+                        </a:rPr>
+                        <a:t>9</a:t>
+                      </a:r>
+                      <a:endParaRPr lang="en-US" sz="1200" dirty="0">
+                        <a:latin typeface="Times New Roman" panose="02020603050405020304" pitchFamily="18" charset="0"/>
+                        <a:cs typeface="Times New Roman" panose="02020603050405020304" pitchFamily="18" charset="0"/>
+                      </a:endParaRPr>
+                    </a:p>
+                  </a:txBody>
+                  <a:tcPr>
+                    <a:solidFill>
+                      <a:schemeClr val="bg1"/>
+                    </a:solidFill>
+                  </a:tcPr>
+                </a:tc>
+                <a:tc>
+                  <a:txBody>
+                    <a:bodyPr/>
+                    <a:lstStyle/>
+                    <a:p>
+                      <a:pPr algn="ctr"/>
+                      <a:r>
+                        <a:rPr lang="es-MX" sz="1200" dirty="0">
+                          <a:latin typeface="Times New Roman" panose="02020603050405020304" pitchFamily="18" charset="0"/>
+                          <a:cs typeface="Times New Roman" panose="02020603050405020304" pitchFamily="18" charset="0"/>
+                        </a:rPr>
+                        <a:t>10</a:t>
+                      </a:r>
+                      <a:endParaRPr lang="en-US" sz="1200" dirty="0">
+                        <a:latin typeface="Times New Roman" panose="02020603050405020304" pitchFamily="18" charset="0"/>
+                        <a:cs typeface="Times New Roman" panose="02020603050405020304" pitchFamily="18" charset="0"/>
+                      </a:endParaRPr>
+                    </a:p>
+                  </a:txBody>
+                  <a:tcPr>
+                    <a:solidFill>
+                      <a:schemeClr val="bg1"/>
+                    </a:solidFill>
+                  </a:tcPr>
+                </a:tc>
+                <a:tc>
+                  <a:txBody>
+                    <a:bodyPr/>
+                    <a:lstStyle/>
+                    <a:p>
+                      <a:pPr algn="ctr"/>
+                      <a:endParaRPr lang="en-US" sz="1200" dirty="0">
+                        <a:latin typeface="Times New Roman" panose="02020603050405020304" pitchFamily="18" charset="0"/>
+                        <a:cs typeface="Times New Roman" panose="02020603050405020304" pitchFamily="18" charset="0"/>
+                      </a:endParaRPr>
+                    </a:p>
+                  </a:txBody>
+                  <a:tcPr>
+                    <a:solidFill>
+                      <a:schemeClr val="bg1"/>
+                    </a:solidFill>
+                  </a:tcPr>
+                </a:tc>
+                <a:tc>
+                  <a:txBody>
+                    <a:bodyPr/>
+                    <a:lstStyle/>
+                    <a:p>
+                      <a:pPr algn="ctr"/>
+                      <a:r>
+                        <a:rPr lang="es-MX" sz="1200" dirty="0">
+                          <a:latin typeface="Times New Roman" panose="02020603050405020304" pitchFamily="18" charset="0"/>
+                          <a:cs typeface="Times New Roman" panose="02020603050405020304" pitchFamily="18" charset="0"/>
+                        </a:rPr>
+                        <a:t>11</a:t>
+                      </a:r>
+                      <a:endParaRPr lang="en-US" sz="1200" dirty="0">
+                        <a:latin typeface="Times New Roman" panose="02020603050405020304" pitchFamily="18" charset="0"/>
+                        <a:cs typeface="Times New Roman" panose="02020603050405020304" pitchFamily="18" charset="0"/>
+                      </a:endParaRPr>
+                    </a:p>
+                  </a:txBody>
+                  <a:tcPr>
+                    <a:solidFill>
+                      <a:schemeClr val="bg1"/>
+                    </a:solidFill>
+                  </a:tcPr>
+                </a:tc>
+                <a:tc>
+                  <a:txBody>
+                    <a:bodyPr/>
+                    <a:lstStyle/>
+                    <a:p>
+                      <a:pPr algn="ctr"/>
+                      <a:r>
+                        <a:rPr lang="es-MX" sz="1200" dirty="0">
+                          <a:latin typeface="Times New Roman" panose="02020603050405020304" pitchFamily="18" charset="0"/>
+                          <a:cs typeface="Times New Roman" panose="02020603050405020304" pitchFamily="18" charset="0"/>
+                        </a:rPr>
+                        <a:t>12</a:t>
+                      </a:r>
+                      <a:endParaRPr lang="en-US" sz="1200" dirty="0">
+                        <a:latin typeface="Times New Roman" panose="02020603050405020304" pitchFamily="18" charset="0"/>
+                        <a:cs typeface="Times New Roman" panose="02020603050405020304" pitchFamily="18" charset="0"/>
+                      </a:endParaRPr>
+                    </a:p>
+                  </a:txBody>
+                  <a:tcPr>
+                    <a:solidFill>
+                      <a:schemeClr val="bg1"/>
+                    </a:solidFill>
+                  </a:tcPr>
+                </a:tc>
+                <a:tc>
+                  <a:txBody>
+                    <a:bodyPr/>
+                    <a:lstStyle/>
+                    <a:p>
+                      <a:pPr algn="ctr"/>
+                      <a:r>
+                        <a:rPr lang="es-MX" sz="1200" dirty="0">
+                          <a:latin typeface="Times New Roman" panose="02020603050405020304" pitchFamily="18" charset="0"/>
+                          <a:cs typeface="Times New Roman" panose="02020603050405020304" pitchFamily="18" charset="0"/>
+                        </a:rPr>
+                        <a:t>13</a:t>
+                      </a:r>
+                      <a:endParaRPr lang="en-US" sz="1200" dirty="0">
+                        <a:latin typeface="Times New Roman" panose="02020603050405020304" pitchFamily="18" charset="0"/>
+                        <a:cs typeface="Times New Roman" panose="02020603050405020304" pitchFamily="18" charset="0"/>
+                      </a:endParaRPr>
+                    </a:p>
+                  </a:txBody>
+                  <a:tcPr>
+                    <a:solidFill>
+                      <a:schemeClr val="bg1"/>
+                    </a:solidFill>
+                  </a:tcPr>
+                </a:tc>
+                <a:tc>
+                  <a:txBody>
+                    <a:bodyPr/>
+                    <a:lstStyle/>
+                    <a:p>
+                      <a:pPr algn="ctr"/>
+                      <a:r>
+                        <a:rPr lang="es-MX" sz="1200" dirty="0">
+                          <a:latin typeface="Times New Roman" panose="02020603050405020304" pitchFamily="18" charset="0"/>
+                          <a:cs typeface="Times New Roman" panose="02020603050405020304" pitchFamily="18" charset="0"/>
+                        </a:rPr>
+                        <a:t>14</a:t>
+                      </a:r>
+                      <a:endParaRPr lang="en-US" sz="1200" dirty="0">
+                        <a:latin typeface="Times New Roman" panose="02020603050405020304" pitchFamily="18" charset="0"/>
+                        <a:cs typeface="Times New Roman" panose="02020603050405020304" pitchFamily="18" charset="0"/>
+                      </a:endParaRPr>
+                    </a:p>
+                  </a:txBody>
+                  <a:tcPr>
+                    <a:solidFill>
+                      <a:schemeClr val="bg1"/>
+                    </a:solidFill>
+                  </a:tcPr>
+                </a:tc>
+                <a:tc>
+                  <a:txBody>
+                    <a:bodyPr/>
+                    <a:lstStyle/>
+                    <a:p>
+                      <a:pPr algn="ctr"/>
+                      <a:r>
+                        <a:rPr lang="es-MX" sz="1200" dirty="0">
+                          <a:latin typeface="Times New Roman" panose="02020603050405020304" pitchFamily="18" charset="0"/>
+                          <a:cs typeface="Times New Roman" panose="02020603050405020304" pitchFamily="18" charset="0"/>
+                        </a:rPr>
+                        <a:t>15</a:t>
+                      </a:r>
+                      <a:endParaRPr lang="en-US" sz="1200" dirty="0">
+                        <a:latin typeface="Times New Roman" panose="02020603050405020304" pitchFamily="18" charset="0"/>
+                        <a:cs typeface="Times New Roman" panose="02020603050405020304" pitchFamily="18" charset="0"/>
+                      </a:endParaRPr>
+                    </a:p>
+                  </a:txBody>
+                  <a:tcPr>
+                    <a:solidFill>
+                      <a:schemeClr val="bg1"/>
+                    </a:solidFill>
+                  </a:tcPr>
+                </a:tc>
+                <a:tc>
+                  <a:txBody>
+                    <a:bodyPr/>
+                    <a:lstStyle/>
+                    <a:p>
+                      <a:pPr algn="ctr"/>
+                      <a:r>
+                        <a:rPr lang="es-MX" sz="1200" dirty="0">
+                          <a:latin typeface="Times New Roman" panose="02020603050405020304" pitchFamily="18" charset="0"/>
+                          <a:cs typeface="Times New Roman" panose="02020603050405020304" pitchFamily="18" charset="0"/>
+                        </a:rPr>
+                        <a:t>16</a:t>
+                      </a:r>
+                      <a:endParaRPr lang="en-US" sz="1200" dirty="0">
+                        <a:latin typeface="Times New Roman" panose="02020603050405020304" pitchFamily="18" charset="0"/>
+                        <a:cs typeface="Times New Roman" panose="02020603050405020304" pitchFamily="18" charset="0"/>
+                      </a:endParaRPr>
+                    </a:p>
+                  </a:txBody>
+                  <a:tcPr>
+                    <a:solidFill>
+                      <a:schemeClr val="bg1"/>
+                    </a:solidFill>
+                  </a:tcPr>
+                </a:tc>
+                <a:tc>
+                  <a:txBody>
+                    <a:bodyPr/>
+                    <a:lstStyle/>
+                    <a:p>
+                      <a:pPr algn="ctr"/>
+                      <a:r>
+                        <a:rPr lang="es-MX" sz="1200" dirty="0">
+                          <a:latin typeface="Times New Roman" panose="02020603050405020304" pitchFamily="18" charset="0"/>
+                          <a:cs typeface="Times New Roman" panose="02020603050405020304" pitchFamily="18" charset="0"/>
+                        </a:rPr>
+                        <a:t>17</a:t>
+                      </a:r>
+                      <a:endParaRPr lang="en-US" sz="1200" dirty="0">
+                        <a:latin typeface="Times New Roman" panose="02020603050405020304" pitchFamily="18" charset="0"/>
+                        <a:cs typeface="Times New Roman" panose="02020603050405020304" pitchFamily="18" charset="0"/>
+                      </a:endParaRPr>
+                    </a:p>
+                  </a:txBody>
+                  <a:tcPr>
+                    <a:solidFill>
+                      <a:schemeClr val="bg1"/>
+                    </a:solidFill>
+                  </a:tcPr>
+                </a:tc>
+                <a:tc>
+                  <a:txBody>
+                    <a:bodyPr/>
+                    <a:lstStyle/>
+                    <a:p>
+                      <a:pPr algn="ctr"/>
+                      <a:endParaRPr lang="en-US" sz="1200" dirty="0">
+                        <a:latin typeface="Times New Roman" panose="02020603050405020304" pitchFamily="18" charset="0"/>
+                        <a:cs typeface="Times New Roman" panose="02020603050405020304" pitchFamily="18" charset="0"/>
+                      </a:endParaRPr>
+                    </a:p>
+                  </a:txBody>
+                  <a:tcPr>
+                    <a:solidFill>
+                      <a:schemeClr val="bg1"/>
+                    </a:solidFill>
+                  </a:tcPr>
+                </a:tc>
+                <a:tc>
+                  <a:txBody>
+                    <a:bodyPr/>
+                    <a:lstStyle/>
+                    <a:p>
+                      <a:pPr algn="ctr"/>
+                      <a:endParaRPr lang="en-US" sz="1200" dirty="0">
+                        <a:latin typeface="Times New Roman" panose="02020603050405020304" pitchFamily="18" charset="0"/>
+                        <a:cs typeface="Times New Roman" panose="02020603050405020304" pitchFamily="18" charset="0"/>
+                      </a:endParaRPr>
+                    </a:p>
+                  </a:txBody>
+                  <a:tcPr>
+                    <a:solidFill>
+                      <a:schemeClr val="bg1"/>
+                    </a:solidFill>
+                  </a:tcPr>
+                </a:tc>
+                <a:tc>
+                  <a:txBody>
+                    <a:bodyPr/>
+                    <a:lstStyle/>
+                    <a:p>
+                      <a:pPr algn="ctr"/>
+                      <a:r>
+                        <a:rPr lang="es-MX" sz="1200" dirty="0">
+                          <a:latin typeface="Times New Roman" panose="02020603050405020304" pitchFamily="18" charset="0"/>
+                          <a:cs typeface="Times New Roman" panose="02020603050405020304" pitchFamily="18" charset="0"/>
+                        </a:rPr>
+                        <a:t>18</a:t>
+                      </a:r>
+                      <a:endParaRPr lang="en-US" sz="1200" dirty="0">
+                        <a:latin typeface="Times New Roman" panose="02020603050405020304" pitchFamily="18" charset="0"/>
+                        <a:cs typeface="Times New Roman" panose="02020603050405020304" pitchFamily="18" charset="0"/>
+                      </a:endParaRPr>
+                    </a:p>
+                  </a:txBody>
+                  <a:tcPr>
+                    <a:solidFill>
+                      <a:schemeClr val="bg1"/>
+                    </a:solidFill>
+                  </a:tcPr>
+                </a:tc>
+                <a:tc>
+                  <a:txBody>
+                    <a:bodyPr/>
+                    <a:lstStyle/>
+                    <a:p>
+                      <a:pPr algn="ctr"/>
+                      <a:r>
+                        <a:rPr lang="es-MX" sz="1200" dirty="0">
+                          <a:latin typeface="Times New Roman" panose="02020603050405020304" pitchFamily="18" charset="0"/>
+                          <a:cs typeface="Times New Roman" panose="02020603050405020304" pitchFamily="18" charset="0"/>
+                        </a:rPr>
+                        <a:t>19</a:t>
+                      </a:r>
+                      <a:endParaRPr lang="en-US" sz="1200" dirty="0">
+                        <a:latin typeface="Times New Roman" panose="02020603050405020304" pitchFamily="18" charset="0"/>
+                        <a:cs typeface="Times New Roman" panose="02020603050405020304" pitchFamily="18" charset="0"/>
+                      </a:endParaRPr>
+                    </a:p>
+                  </a:txBody>
+                  <a:tcPr>
+                    <a:solidFill>
+                      <a:schemeClr val="bg1"/>
+                    </a:solidFill>
+                  </a:tcPr>
+                </a:tc>
+                <a:tc>
+                  <a:txBody>
+                    <a:bodyPr/>
+                    <a:lstStyle/>
+                    <a:p>
+                      <a:pPr algn="ctr"/>
+                      <a:endParaRPr lang="en-US" sz="1200" dirty="0">
+                        <a:latin typeface="Times New Roman" panose="02020603050405020304" pitchFamily="18" charset="0"/>
+                        <a:cs typeface="Times New Roman" panose="02020603050405020304" pitchFamily="18" charset="0"/>
+                      </a:endParaRPr>
+                    </a:p>
+                  </a:txBody>
+                  <a:tcPr>
+                    <a:solidFill>
+                      <a:schemeClr val="bg1"/>
+                    </a:solidFill>
+                  </a:tcPr>
+                </a:tc>
+                <a:tc>
+                  <a:txBody>
+                    <a:bodyPr/>
+                    <a:lstStyle/>
+                    <a:p>
+                      <a:pPr algn="ctr"/>
+                      <a:endParaRPr lang="en-US" sz="1200" dirty="0">
+                        <a:latin typeface="Times New Roman" panose="02020603050405020304" pitchFamily="18" charset="0"/>
+                        <a:cs typeface="Times New Roman" panose="02020603050405020304" pitchFamily="18" charset="0"/>
+                      </a:endParaRPr>
+                    </a:p>
+                  </a:txBody>
+                  <a:tcPr>
+                    <a:solidFill>
+                      <a:schemeClr val="bg1"/>
+                    </a:solidFill>
+                  </a:tcPr>
+                </a:tc>
+                <a:extLst>
+                  <a:ext uri="{0D108BD9-81ED-4DB2-BD59-A6C34878D82A}">
+                    <a16:rowId xmlns:a16="http://schemas.microsoft.com/office/drawing/2014/main" val="2731730675"/>
+                  </a:ext>
+                </a:extLst>
+              </a:tr>
+            </a:tbl>
+          </a:graphicData>
+        </a:graphic>
+      </p:graphicFrame>
+      <p:sp>
+        <p:nvSpPr>
+          <p:cNvPr id="6" name="TextBox 5">
+            <a:extLst>
+              <a:ext uri="{FF2B5EF4-FFF2-40B4-BE49-F238E27FC236}">
+                <a16:creationId xmlns:a16="http://schemas.microsoft.com/office/drawing/2014/main" id="{E46F43F9-369E-3892-4240-B8C50DF850CA}"/>
+              </a:ext>
+            </a:extLst>
+          </p:cNvPr>
+          <p:cNvSpPr txBox="1"/>
+          <p:nvPr/>
+        </p:nvSpPr>
+        <p:spPr>
+          <a:xfrm>
+            <a:off x="758183" y="1737200"/>
+            <a:ext cx="6758190" cy="338554"/>
+          </a:xfrm>
+          <a:prstGeom prst="rect">
+            <a:avLst/>
+          </a:prstGeom>
+          <a:noFill/>
+        </p:spPr>
+        <p:txBody>
+          <a:bodyPr wrap="square" rtlCol="0">
+            <a:spAutoFit/>
+          </a:bodyPr>
+          <a:lstStyle/>
+          <a:p>
             <a:r>
-              <a:rPr lang="es-MX" dirty="0" err="1">
+              <a:rPr lang="es-MX" sz="1600" dirty="0">
                 <a:latin typeface="Times New Roman" panose="02020603050405020304" pitchFamily="18" charset="0"/>
                 <a:cs typeface="Times New Roman" panose="02020603050405020304" pitchFamily="18" charset="0"/>
               </a:rPr>
-              <a:t>Mutador</a:t>
+              <a:t>Secuencias Generadas con el Mutador de Secuencias Simple (n = 2)</a:t>
             </a:r>
+            <a:endParaRPr lang="en-US" sz="1600" dirty="0">
+              <a:latin typeface="Times New Roman" panose="02020603050405020304" pitchFamily="18" charset="0"/>
+              <a:cs typeface="Times New Roman" panose="02020603050405020304" pitchFamily="18" charset="0"/>
+            </a:endParaRPr>
+          </a:p>
+        </p:txBody>
+      </p:sp>
+      <p:sp>
+        <p:nvSpPr>
+          <p:cNvPr id="7" name="TextBox 6">
+            <a:extLst>
+              <a:ext uri="{FF2B5EF4-FFF2-40B4-BE49-F238E27FC236}">
+                <a16:creationId xmlns:a16="http://schemas.microsoft.com/office/drawing/2014/main" id="{4D764FBC-0EF6-9D85-0BED-A0A7809D7CF5}"/>
+              </a:ext>
+            </a:extLst>
+          </p:cNvPr>
+          <p:cNvSpPr txBox="1"/>
+          <p:nvPr/>
+        </p:nvSpPr>
+        <p:spPr>
+          <a:xfrm>
+            <a:off x="859550" y="3920137"/>
+            <a:ext cx="6758190" cy="338554"/>
+          </a:xfrm>
+          <a:prstGeom prst="rect">
+            <a:avLst/>
+          </a:prstGeom>
+          <a:noFill/>
+        </p:spPr>
+        <p:txBody>
+          <a:bodyPr wrap="square" rtlCol="0">
+            <a:spAutoFit/>
+          </a:bodyPr>
+          <a:lstStyle/>
+          <a:p>
             <a:r>
-              <a:rPr lang="es-MX" dirty="0">
+              <a:rPr lang="es-MX" sz="1600" dirty="0">
                 <a:latin typeface="Times New Roman" panose="02020603050405020304" pitchFamily="18" charset="0"/>
                 <a:cs typeface="Times New Roman" panose="02020603050405020304" pitchFamily="18" charset="0"/>
               </a:rPr>
-              <a:t> de Cruce de Secuencias (MCS)</a:t>
+              <a:t>Secuencias Generadas con el Mutador Cruce de Secuencias (Punto de cruce = 8)</a:t>
             </a:r>
-            <a:endParaRPr lang="en-US" dirty="0">
+            <a:endParaRPr lang="en-US" sz="1600" dirty="0">
               <a:latin typeface="Times New Roman" panose="02020603050405020304" pitchFamily="18" charset="0"/>
               <a:cs typeface="Times New Roman" panose="02020603050405020304" pitchFamily="18" charset="0"/>
             </a:endParaRPr>
